--- a/Slides/Slides-05-The_Validation_Report/Slides-05-The_Validation_Report.pptx
+++ b/Slides/Slides-05-The_Validation_Report/Slides-05-The_Validation_Report.pptx
@@ -120,7 +120,7 @@
   </p:defaultTextStyle>
   <p:extLst>
     <p:ext uri="{EFAFB233-063F-42B5-8137-9DF3F51BA10A}">
-      <p15:sldGuideLst xmlns:p15="http://schemas.microsoft.com/office/powerpoint/2012/main"/>
+      <p15:sldGuideLst xmlns:p15="http://schemas.microsoft.com/office/powerpoint/2012/main" xmlns=""/>
     </p:ext>
   </p:extLst>
 </p:presentation>
@@ -129,11 +129,7 @@
 <file path=ppt/commentAuthors.xml><?xml version="1.0" encoding="utf-8"?>
 <p:cmAuthorLst xmlns:a="http://schemas.openxmlformats.org/drawingml/2006/main" xmlns:r="http://schemas.openxmlformats.org/officeDocument/2006/relationships" xmlns:p="http://schemas.openxmlformats.org/presentationml/2006/main">
   <p:cmAuthor id="1" name="Hughes, Ellis H" initials="HEH" lastIdx="1" clrIdx="0">
-    <p:extLst>
-      <p:ext uri="{19B8F6BF-5375-455C-9EA6-DF929625EA0E}">
-        <p15:presenceInfo xmlns:p15="http://schemas.microsoft.com/office/powerpoint/2012/main" userId="S::ehhughes@fredhutch.org::460c8e57-1da4-4dc7-bbf9-89eda83558c6" providerId="AD"/>
-      </p:ext>
-    </p:extLst>
+    <p:extLst/>
   </p:cmAuthor>
 </p:cmAuthorLst>
 </file>
@@ -220,7 +216,7 @@
           <a:p>
             <a:fld id="{AE1375EF-7AC2-40F0-8984-3657FAAC21B8}" type="datetimeFigureOut">
               <a:rPr lang="en-US" smtClean="0"/>
-              <a:t>6/3/2021</a:t>
+              <a:t>9/10/2021</a:t>
             </a:fld>
             <a:endParaRPr lang="en-US"/>
           </a:p>
@@ -1636,7 +1632,7 @@
           <p:cNvPr id="5" name="Rectangle 4">
             <a:extLst>
               <a:ext uri="{FF2B5EF4-FFF2-40B4-BE49-F238E27FC236}">
-                <a16:creationId xmlns:a16="http://schemas.microsoft.com/office/drawing/2014/main" id="{904DB13E-F722-4ED6-BB00-556651E95281}"/>
+                <a16:creationId xmlns:a16="http://schemas.microsoft.com/office/drawing/2014/main" xmlns="" id="{904DB13E-F722-4ED6-BB00-556651E95281}"/>
               </a:ext>
             </a:extLst>
           </p:cNvPr>
@@ -1785,7 +1781,7 @@
           <p:cNvPr id="7" name="Group 6">
             <a:extLst>
               <a:ext uri="{FF2B5EF4-FFF2-40B4-BE49-F238E27FC236}">
-                <a16:creationId xmlns:a16="http://schemas.microsoft.com/office/drawing/2014/main" id="{E26428D7-C6F3-473D-A360-A3F5C3E8728C}"/>
+                <a16:creationId xmlns:a16="http://schemas.microsoft.com/office/drawing/2014/main" xmlns="" id="{E26428D7-C6F3-473D-A360-A3F5C3E8728C}"/>
               </a:ext>
             </a:extLst>
           </p:cNvPr>
@@ -2083,7 +2079,7 @@
           <a:p>
             <a:fld id="{EA0C0817-A112-4847-8014-A94B7D2A4EA3}" type="datetime1">
               <a:rPr lang="en-US" smtClean="0"/>
-              <a:t>6/3/2021</a:t>
+              <a:t>9/10/2021</a:t>
             </a:fld>
             <a:endParaRPr lang="en-US" dirty="0"/>
           </a:p>
@@ -2285,7 +2281,7 @@
           <a:p>
             <a:fld id="{7332B432-ACDA-4023-A761-2BAB76577B62}" type="datetime1">
               <a:rPr lang="en-US" smtClean="0"/>
-              <a:t>6/3/2021</a:t>
+              <a:t>9/10/2021</a:t>
             </a:fld>
             <a:endParaRPr lang="en-US" dirty="0"/>
           </a:p>
@@ -2368,7 +2364,7 @@
           <p:cNvPr id="15" name="Rectangle 14">
             <a:extLst>
               <a:ext uri="{FF2B5EF4-FFF2-40B4-BE49-F238E27FC236}">
-                <a16:creationId xmlns:a16="http://schemas.microsoft.com/office/drawing/2014/main" id="{0A4A1889-E37C-4EC3-9E41-9DAD221CF389}"/>
+                <a16:creationId xmlns:a16="http://schemas.microsoft.com/office/drawing/2014/main" xmlns="" id="{0A4A1889-E37C-4EC3-9E41-9DAD221CF389}"/>
               </a:ext>
             </a:extLst>
           </p:cNvPr>
@@ -2565,7 +2561,7 @@
           <p:cNvPr id="16" name="Group 15">
             <a:extLst>
               <a:ext uri="{FF2B5EF4-FFF2-40B4-BE49-F238E27FC236}">
-                <a16:creationId xmlns:a16="http://schemas.microsoft.com/office/drawing/2014/main" id="{1683EB04-C23E-490C-A1A6-030CF79D23C8}"/>
+                <a16:creationId xmlns:a16="http://schemas.microsoft.com/office/drawing/2014/main" xmlns="" id="{1683EB04-C23E-490C-A1A6-030CF79D23C8}"/>
               </a:ext>
             </a:extLst>
           </p:cNvPr>
@@ -2585,7 +2581,7 @@
             <p:cNvPr id="17" name="Straight Connector 16">
               <a:extLst>
                 <a:ext uri="{FF2B5EF4-FFF2-40B4-BE49-F238E27FC236}">
-                  <a16:creationId xmlns:a16="http://schemas.microsoft.com/office/drawing/2014/main" id="{F8A84C03-E1CA-4A4E-81D6-9BB0C335B7A0}"/>
+                  <a16:creationId xmlns:a16="http://schemas.microsoft.com/office/drawing/2014/main" xmlns="" id="{F8A84C03-E1CA-4A4E-81D6-9BB0C335B7A0}"/>
                 </a:ext>
               </a:extLst>
             </p:cNvPr>
@@ -2633,7 +2629,7 @@
             <p:cNvPr id="18" name="Straight Connector 17">
               <a:extLst>
                 <a:ext uri="{FF2B5EF4-FFF2-40B4-BE49-F238E27FC236}">
-                  <a16:creationId xmlns:a16="http://schemas.microsoft.com/office/drawing/2014/main" id="{4A26FB5A-D5D1-4DAB-AC43-7F51A7F2D197}"/>
+                  <a16:creationId xmlns:a16="http://schemas.microsoft.com/office/drawing/2014/main" xmlns="" id="{4A26FB5A-D5D1-4DAB-AC43-7F51A7F2D197}"/>
                 </a:ext>
               </a:extLst>
             </p:cNvPr>
@@ -2681,7 +2677,7 @@
             <p:cNvPr id="19" name="Straight Connector 18">
               <a:extLst>
                 <a:ext uri="{FF2B5EF4-FFF2-40B4-BE49-F238E27FC236}">
-                  <a16:creationId xmlns:a16="http://schemas.microsoft.com/office/drawing/2014/main" id="{49303F14-E560-4C02-94F4-B4695FE26813}"/>
+                  <a16:creationId xmlns:a16="http://schemas.microsoft.com/office/drawing/2014/main" xmlns="" id="{49303F14-E560-4C02-94F4-B4695FE26813}"/>
                 </a:ext>
               </a:extLst>
             </p:cNvPr>
@@ -2884,7 +2880,7 @@
           <a:p>
             <a:fld id="{D9C646AA-F36E-4540-911D-FFFC0A0EF24A}" type="datetime1">
               <a:rPr lang="en-US" smtClean="0"/>
-              <a:t>6/3/2021</a:t>
+              <a:t>9/10/2021</a:t>
             </a:fld>
             <a:endParaRPr lang="en-US" dirty="0"/>
           </a:p>
@@ -3204,7 +3200,7 @@
           <a:p>
             <a:fld id="{69186D26-FA5F-4637-B602-B7C2DC34CFD4}" type="datetime1">
               <a:rPr lang="en-US" smtClean="0"/>
-              <a:t>6/3/2021</a:t>
+              <a:t>9/10/2021</a:t>
             </a:fld>
             <a:endParaRPr lang="en-US" dirty="0"/>
           </a:p>
@@ -3641,7 +3637,7 @@
           <a:p>
             <a:fld id="{8A7F15D8-96D1-4781-BC50-CA8A088B2FE4}" type="datetime1">
               <a:rPr lang="en-US" smtClean="0"/>
-              <a:t>6/3/2021</a:t>
+              <a:t>9/10/2021</a:t>
             </a:fld>
             <a:endParaRPr lang="en-US" dirty="0"/>
           </a:p>
@@ -3759,7 +3755,7 @@
           <a:p>
             <a:fld id="{F9A96C99-B8F8-4528-BD05-0E16E943DC09}" type="datetime1">
               <a:rPr lang="en-US" smtClean="0"/>
-              <a:t>6/3/2021</a:t>
+              <a:t>9/10/2021</a:t>
             </a:fld>
             <a:endParaRPr lang="en-US" dirty="0"/>
           </a:p>
@@ -3854,7 +3850,7 @@
           <a:p>
             <a:fld id="{03636942-C211-4B28-8DBD-C953E00AF71B}" type="datetime1">
               <a:rPr lang="en-US" smtClean="0"/>
-              <a:t>6/3/2021</a:t>
+              <a:t>9/10/2021</a:t>
             </a:fld>
             <a:endParaRPr lang="en-US" dirty="0"/>
           </a:p>
@@ -3937,7 +3933,7 @@
           <p:cNvPr id="10" name="Rectangle 9">
             <a:extLst>
               <a:ext uri="{FF2B5EF4-FFF2-40B4-BE49-F238E27FC236}">
-                <a16:creationId xmlns:a16="http://schemas.microsoft.com/office/drawing/2014/main" id="{D5E1BBF9-8BEF-4353-BA68-30AAF9EBD8D8}"/>
+                <a16:creationId xmlns:a16="http://schemas.microsoft.com/office/drawing/2014/main" xmlns="" id="{D5E1BBF9-8BEF-4353-BA68-30AAF9EBD8D8}"/>
               </a:ext>
             </a:extLst>
           </p:cNvPr>
@@ -3984,7 +3980,7 @@
           <p:cNvPr id="13" name="Rectangle 12">
             <a:extLst>
               <a:ext uri="{FF2B5EF4-FFF2-40B4-BE49-F238E27FC236}">
-                <a16:creationId xmlns:a16="http://schemas.microsoft.com/office/drawing/2014/main" id="{5B941C21-2A5D-4912-AB06-1BB0C0EB6AE1}"/>
+                <a16:creationId xmlns:a16="http://schemas.microsoft.com/office/drawing/2014/main" xmlns="" id="{5B941C21-2A5D-4912-AB06-1BB0C0EB6AE1}"/>
               </a:ext>
             </a:extLst>
           </p:cNvPr>
@@ -4271,7 +4267,7 @@
           <a:p>
             <a:fld id="{7E8D12A6-918A-48BD-8CB9-CA713993B0EA}" type="datetime1">
               <a:rPr lang="en-US" smtClean="0"/>
-              <a:t>6/3/2021</a:t>
+              <a:t>9/10/2021</a:t>
             </a:fld>
             <a:endParaRPr lang="en-US" dirty="0"/>
           </a:p>
@@ -4379,7 +4375,7 @@
           <p:cNvPr id="11" name="Rectangle 10">
             <a:extLst>
               <a:ext uri="{FF2B5EF4-FFF2-40B4-BE49-F238E27FC236}">
-                <a16:creationId xmlns:a16="http://schemas.microsoft.com/office/drawing/2014/main" id="{E687CA98-D9C7-497F-A1DA-7D22F8753BCE}"/>
+                <a16:creationId xmlns:a16="http://schemas.microsoft.com/office/drawing/2014/main" xmlns="" id="{E687CA98-D9C7-497F-A1DA-7D22F8753BCE}"/>
               </a:ext>
             </a:extLst>
           </p:cNvPr>
@@ -4533,7 +4529,7 @@
             <a:fld id="{E778CE86-875F-4587-BCF6-FA054AFC0D53}" type="datetime1">
               <a:rPr lang="en-US" smtClean="0"/>
               <a:pPr/>
-              <a:t>6/3/2021</a:t>
+              <a:t>9/10/2021</a:t>
             </a:fld>
             <a:endParaRPr lang="en-US" dirty="0"/>
           </a:p>
@@ -4615,7 +4611,7 @@
           <p:cNvPr id="12" name="Rectangle 11">
             <a:extLst>
               <a:ext uri="{FF2B5EF4-FFF2-40B4-BE49-F238E27FC236}">
-                <a16:creationId xmlns:a16="http://schemas.microsoft.com/office/drawing/2014/main" id="{F8B3D8CC-BB13-41A5-8F34-B8E84A4F9534}"/>
+                <a16:creationId xmlns:a16="http://schemas.microsoft.com/office/drawing/2014/main" xmlns="" id="{F8B3D8CC-BB13-41A5-8F34-B8E84A4F9534}"/>
               </a:ext>
             </a:extLst>
           </p:cNvPr>
@@ -4817,7 +4813,7 @@
           <p:cNvPr id="9" name="Rectangle 8">
             <a:extLst>
               <a:ext uri="{FF2B5EF4-FFF2-40B4-BE49-F238E27FC236}">
-                <a16:creationId xmlns:a16="http://schemas.microsoft.com/office/drawing/2014/main" id="{1E94681D-2A4C-4A8D-B9B5-31D440D0328D}"/>
+                <a16:creationId xmlns:a16="http://schemas.microsoft.com/office/drawing/2014/main" xmlns="" id="{1E94681D-2A4C-4A8D-B9B5-31D440D0328D}"/>
               </a:ext>
             </a:extLst>
           </p:cNvPr>
@@ -5049,7 +5045,7 @@
           <a:p>
             <a:fld id="{F6FA2B21-3FCD-4721-B95C-427943F61125}" type="datetime1">
               <a:rPr lang="en-US" smtClean="0"/>
-              <a:t>6/3/2021</a:t>
+              <a:t>9/10/2021</a:t>
             </a:fld>
             <a:endParaRPr lang="en-US" dirty="0"/>
           </a:p>
@@ -5529,7 +5525,7 @@
           <p:cNvPr id="6" name="Picture 5" descr="abstract image">
             <a:extLst>
               <a:ext uri="{FF2B5EF4-FFF2-40B4-BE49-F238E27FC236}">
-                <a16:creationId xmlns:a16="http://schemas.microsoft.com/office/drawing/2014/main" id="{8045422F-7258-40AC-BD2E-2469AA448922}"/>
+                <a16:creationId xmlns:a16="http://schemas.microsoft.com/office/drawing/2014/main" xmlns="" id="{8045422F-7258-40AC-BD2E-2469AA448922}"/>
               </a:ext>
             </a:extLst>
           </p:cNvPr>
@@ -5564,10 +5560,10 @@
           <p:cNvPr id="82" name="Rectangle 81">
             <a:extLst>
               <a:ext uri="{FF2B5EF4-FFF2-40B4-BE49-F238E27FC236}">
-                <a16:creationId xmlns:a16="http://schemas.microsoft.com/office/drawing/2014/main" id="{2644B391-9BFE-445C-A9EC-F544BB85FBC7}"/>
+                <a16:creationId xmlns:a16="http://schemas.microsoft.com/office/drawing/2014/main" xmlns="" id="{2644B391-9BFE-445C-A9EC-F544BB85FBC7}"/>
               </a:ext>
               <a:ext uri="{C183D7F6-B498-43B3-948B-1728B52AA6E4}">
-                <adec:decorative xmlns:adec="http://schemas.microsoft.com/office/drawing/2017/decorative" val="1"/>
+                <adec:decorative xmlns:adec="http://schemas.microsoft.com/office/drawing/2017/decorative" xmlns="" val="1"/>
               </a:ext>
             </a:extLst>
           </p:cNvPr>
@@ -5577,7 +5573,7 @@
           <p:nvPr>
             <p:extLst>
               <p:ext uri="{386F3935-93C4-4BCD-93E2-E3B085C9AB24}">
-                <p16:designElem xmlns:p16="http://schemas.microsoft.com/office/powerpoint/2015/main" val="1"/>
+                <p16:designElem xmlns:p16="http://schemas.microsoft.com/office/powerpoint/2015/main" xmlns="" val="1"/>
               </p:ext>
             </p:extLst>
           </p:nvPr>
@@ -5609,10 +5605,10 @@
           <p:cNvPr id="84" name="Rectangle 83">
             <a:extLst>
               <a:ext uri="{FF2B5EF4-FFF2-40B4-BE49-F238E27FC236}">
-                <a16:creationId xmlns:a16="http://schemas.microsoft.com/office/drawing/2014/main" id="{80F26E69-87D9-4655-AE7B-280A87AA3CAD}"/>
+                <a16:creationId xmlns:a16="http://schemas.microsoft.com/office/drawing/2014/main" xmlns="" id="{80F26E69-87D9-4655-AE7B-280A87AA3CAD}"/>
               </a:ext>
               <a:ext uri="{C183D7F6-B498-43B3-948B-1728B52AA6E4}">
-                <adec:decorative xmlns:adec="http://schemas.microsoft.com/office/drawing/2017/decorative" val="1"/>
+                <adec:decorative xmlns:adec="http://schemas.microsoft.com/office/drawing/2017/decorative" xmlns="" val="1"/>
               </a:ext>
             </a:extLst>
           </p:cNvPr>
@@ -5622,7 +5618,7 @@
           <p:nvPr>
             <p:extLst>
               <p:ext uri="{386F3935-93C4-4BCD-93E2-E3B085C9AB24}">
-                <p16:designElem xmlns:p16="http://schemas.microsoft.com/office/powerpoint/2015/main" val="1"/>
+                <p16:designElem xmlns:p16="http://schemas.microsoft.com/office/powerpoint/2015/main" xmlns="" val="1"/>
               </p:ext>
             </p:extLst>
           </p:nvPr>
@@ -5653,7 +5649,7 @@
           <p:cNvPr id="2" name="Title 1">
             <a:extLst>
               <a:ext uri="{FF2B5EF4-FFF2-40B4-BE49-F238E27FC236}">
-                <a16:creationId xmlns:a16="http://schemas.microsoft.com/office/drawing/2014/main" id="{18C3B467-088C-4F3D-A9A7-105C4E1E20CD}"/>
+                <a16:creationId xmlns:a16="http://schemas.microsoft.com/office/drawing/2014/main" xmlns="" id="{18C3B467-088C-4F3D-A9A7-105C4E1E20CD}"/>
               </a:ext>
             </a:extLst>
           </p:cNvPr>
@@ -5692,7 +5688,7 @@
           <p:cNvPr id="3" name="Subtitle 2">
             <a:extLst>
               <a:ext uri="{FF2B5EF4-FFF2-40B4-BE49-F238E27FC236}">
-                <a16:creationId xmlns:a16="http://schemas.microsoft.com/office/drawing/2014/main" id="{C8722DDC-8EEE-4A06-8DFE-B44871EAA2CF}"/>
+                <a16:creationId xmlns:a16="http://schemas.microsoft.com/office/drawing/2014/main" xmlns="" id="{C8722DDC-8EEE-4A06-8DFE-B44871EAA2CF}"/>
               </a:ext>
             </a:extLst>
           </p:cNvPr>
@@ -5736,7 +5732,7 @@
           <p:cNvPr id="5" name="Straight Connector 4">
             <a:extLst>
               <a:ext uri="{FF2B5EF4-FFF2-40B4-BE49-F238E27FC236}">
-                <a16:creationId xmlns:a16="http://schemas.microsoft.com/office/drawing/2014/main" id="{20AC4B09-ED72-42FC-9845-45FC1F4BC29D}"/>
+                <a16:creationId xmlns:a16="http://schemas.microsoft.com/office/drawing/2014/main" xmlns="" id="{20AC4B09-ED72-42FC-9845-45FC1F4BC29D}"/>
               </a:ext>
             </a:extLst>
           </p:cNvPr>
@@ -5807,7 +5803,7 @@
           <p:cNvPr id="2" name="Title 1">
             <a:extLst>
               <a:ext uri="{FF2B5EF4-FFF2-40B4-BE49-F238E27FC236}">
-                <a16:creationId xmlns:a16="http://schemas.microsoft.com/office/drawing/2014/main" id="{7614332B-4F24-42F4-A704-A6F1183E9470}"/>
+                <a16:creationId xmlns:a16="http://schemas.microsoft.com/office/drawing/2014/main" xmlns="" id="{7614332B-4F24-42F4-A704-A6F1183E9470}"/>
               </a:ext>
             </a:extLst>
           </p:cNvPr>
@@ -5870,7 +5866,7 @@
           <p:cNvPr id="8" name="Title 7">
             <a:extLst>
               <a:ext uri="{FF2B5EF4-FFF2-40B4-BE49-F238E27FC236}">
-                <a16:creationId xmlns:a16="http://schemas.microsoft.com/office/drawing/2014/main" id="{6A34AC25-F9D4-48D7-A664-C590D06BF559}"/>
+                <a16:creationId xmlns:a16="http://schemas.microsoft.com/office/drawing/2014/main" xmlns="" id="{6A34AC25-F9D4-48D7-A664-C590D06BF559}"/>
               </a:ext>
             </a:extLst>
           </p:cNvPr>
@@ -5898,7 +5894,7 @@
           <p:cNvPr id="2" name="Content Placeholder 1">
             <a:extLst>
               <a:ext uri="{FF2B5EF4-FFF2-40B4-BE49-F238E27FC236}">
-                <a16:creationId xmlns:a16="http://schemas.microsoft.com/office/drawing/2014/main" id="{7D7427A6-1030-45CE-92A8-5212E0F721D8}"/>
+                <a16:creationId xmlns:a16="http://schemas.microsoft.com/office/drawing/2014/main" xmlns="" id="{7D7427A6-1030-45CE-92A8-5212E0F721D8}"/>
               </a:ext>
             </a:extLst>
           </p:cNvPr>
@@ -5994,7 +5990,7 @@
           <p:cNvPr id="2" name="Title 1">
             <a:extLst>
               <a:ext uri="{FF2B5EF4-FFF2-40B4-BE49-F238E27FC236}">
-                <a16:creationId xmlns:a16="http://schemas.microsoft.com/office/drawing/2014/main" id="{7614332B-4F24-42F4-A704-A6F1183E9470}"/>
+                <a16:creationId xmlns:a16="http://schemas.microsoft.com/office/drawing/2014/main" xmlns="" id="{7614332B-4F24-42F4-A704-A6F1183E9470}"/>
               </a:ext>
             </a:extLst>
           </p:cNvPr>
@@ -6008,59 +6004,29 @@
         <p:spPr/>
         <p:txBody>
           <a:bodyPr>
-            <a:normAutofit/>
+            <a:normAutofit fontScale="90000"/>
           </a:bodyPr>
           <a:lstStyle/>
           <a:p>
             <a:r>
               <a:rPr lang="en-US" dirty="0"/>
-              <a:t>Materials 04-E2</a:t>
-            </a:r>
-          </a:p>
-        </p:txBody>
-      </p:sp>
-      <p:sp>
-        <p:nvSpPr>
-          <p:cNvPr id="3" name="Rectangle 2">
-            <a:extLst>
-              <a:ext uri="{FF2B5EF4-FFF2-40B4-BE49-F238E27FC236}">
-                <a16:creationId xmlns:a16="http://schemas.microsoft.com/office/drawing/2014/main" id="{B700F5C8-C07C-4EBC-BA27-4FA916A5F10D}"/>
-              </a:ext>
-            </a:extLst>
-          </p:cNvPr>
-          <p:cNvSpPr/>
-          <p:nvPr/>
-        </p:nvSpPr>
-        <p:spPr>
-          <a:xfrm>
-            <a:off x="1371685" y="4682062"/>
-            <a:ext cx="9448630" cy="369332"/>
-          </a:xfrm>
-          <a:prstGeom prst="rect">
-            <a:avLst/>
-          </a:prstGeom>
-        </p:spPr>
-        <p:txBody>
-          <a:bodyPr wrap="square">
-            <a:spAutoFit/>
-          </a:bodyPr>
-          <a:lstStyle/>
-          <a:p>
-            <a:pPr algn="ctr"/>
-            <a:r>
-              <a:rPr lang="en-US" dirty="0">
-                <a:solidFill>
-                  <a:srgbClr val="002060"/>
-                </a:solidFill>
-                <a:latin typeface="-apple-system"/>
-              </a:rPr>
-              <a:t>Materials/Materials-04-Introduction_to_Valtools/Materials-04-E02-Validation_Report</a:t>
-            </a:r>
-            <a:endParaRPr lang="en-US" dirty="0">
-              <a:solidFill>
-                <a:srgbClr val="002060"/>
-              </a:solidFill>
-            </a:endParaRPr>
+              <a:t>Complete</a:t>
+            </a:r>
+            <a:br>
+              <a:rPr lang="en-US" dirty="0"/>
+            </a:br>
+            <a:r>
+              <a:rPr lang="en-US" dirty="0"/>
+              <a:t/>
+            </a:r>
+            <a:br>
+              <a:rPr lang="en-US" dirty="0"/>
+            </a:br>
+            <a:r>
+              <a:rPr lang="en-US" dirty="0"/>
+              <a:t>Exercise 05</a:t>
+            </a:r>
+            <a:endParaRPr lang="en-US" dirty="0"/>
           </a:p>
         </p:txBody>
       </p:sp>
@@ -6099,7 +6065,7 @@
           <p:cNvPr id="2" name="Title 1">
             <a:extLst>
               <a:ext uri="{FF2B5EF4-FFF2-40B4-BE49-F238E27FC236}">
-                <a16:creationId xmlns:a16="http://schemas.microsoft.com/office/drawing/2014/main" id="{749E0D1B-C9EF-4CB6-9922-ED9D4AC52C59}"/>
+                <a16:creationId xmlns:a16="http://schemas.microsoft.com/office/drawing/2014/main" xmlns="" id="{749E0D1B-C9EF-4CB6-9922-ED9D4AC52C59}"/>
               </a:ext>
             </a:extLst>
           </p:cNvPr>
@@ -6127,7 +6093,7 @@
           <p:cNvPr id="5" name="Content Placeholder 4">
             <a:extLst>
               <a:ext uri="{FF2B5EF4-FFF2-40B4-BE49-F238E27FC236}">
-                <a16:creationId xmlns:a16="http://schemas.microsoft.com/office/drawing/2014/main" id="{7E558183-391D-4056-BC02-A181C5440B05}"/>
+                <a16:creationId xmlns:a16="http://schemas.microsoft.com/office/drawing/2014/main" xmlns="" id="{7E558183-391D-4056-BC02-A181C5440B05}"/>
               </a:ext>
             </a:extLst>
           </p:cNvPr>
@@ -6191,7 +6157,7 @@
           <p:cNvPr id="2" name="Title 1">
             <a:extLst>
               <a:ext uri="{FF2B5EF4-FFF2-40B4-BE49-F238E27FC236}">
-                <a16:creationId xmlns:a16="http://schemas.microsoft.com/office/drawing/2014/main" id="{7614332B-4F24-42F4-A704-A6F1183E9470}"/>
+                <a16:creationId xmlns:a16="http://schemas.microsoft.com/office/drawing/2014/main" xmlns="" id="{7614332B-4F24-42F4-A704-A6F1183E9470}"/>
               </a:ext>
             </a:extLst>
           </p:cNvPr>
@@ -6249,7 +6215,7 @@
           <p:cNvPr id="2" name="Title 1">
             <a:extLst>
               <a:ext uri="{FF2B5EF4-FFF2-40B4-BE49-F238E27FC236}">
-                <a16:creationId xmlns:a16="http://schemas.microsoft.com/office/drawing/2014/main" id="{749E0D1B-C9EF-4CB6-9922-ED9D4AC52C59}"/>
+                <a16:creationId xmlns:a16="http://schemas.microsoft.com/office/drawing/2014/main" xmlns="" id="{749E0D1B-C9EF-4CB6-9922-ED9D4AC52C59}"/>
               </a:ext>
             </a:extLst>
           </p:cNvPr>
@@ -6285,7 +6251,7 @@
           <p:cNvPr id="5" name="Content Placeholder 4">
             <a:extLst>
               <a:ext uri="{FF2B5EF4-FFF2-40B4-BE49-F238E27FC236}">
-                <a16:creationId xmlns:a16="http://schemas.microsoft.com/office/drawing/2014/main" id="{7E558183-391D-4056-BC02-A181C5440B05}"/>
+                <a16:creationId xmlns:a16="http://schemas.microsoft.com/office/drawing/2014/main" xmlns="" id="{7E558183-391D-4056-BC02-A181C5440B05}"/>
               </a:ext>
             </a:extLst>
           </p:cNvPr>
@@ -6377,7 +6343,7 @@
           <p:cNvPr id="8" name="Title 7">
             <a:extLst>
               <a:ext uri="{FF2B5EF4-FFF2-40B4-BE49-F238E27FC236}">
-                <a16:creationId xmlns:a16="http://schemas.microsoft.com/office/drawing/2014/main" id="{6A34AC25-F9D4-48D7-A664-C590D06BF559}"/>
+                <a16:creationId xmlns:a16="http://schemas.microsoft.com/office/drawing/2014/main" xmlns="" id="{6A34AC25-F9D4-48D7-A664-C590D06BF559}"/>
               </a:ext>
             </a:extLst>
           </p:cNvPr>
@@ -6405,7 +6371,7 @@
           <p:cNvPr id="5" name="TextBox 4">
             <a:extLst>
               <a:ext uri="{FF2B5EF4-FFF2-40B4-BE49-F238E27FC236}">
-                <a16:creationId xmlns:a16="http://schemas.microsoft.com/office/drawing/2014/main" id="{EF5BA94D-0FB3-4C60-9994-8A309B690D97}"/>
+                <a16:creationId xmlns:a16="http://schemas.microsoft.com/office/drawing/2014/main" xmlns="" id="{EF5BA94D-0FB3-4C60-9994-8A309B690D97}"/>
               </a:ext>
             </a:extLst>
           </p:cNvPr>
@@ -6509,7 +6475,7 @@
           <p:cNvPr id="8" name="Title 7">
             <a:extLst>
               <a:ext uri="{FF2B5EF4-FFF2-40B4-BE49-F238E27FC236}">
-                <a16:creationId xmlns:a16="http://schemas.microsoft.com/office/drawing/2014/main" id="{6A34AC25-F9D4-48D7-A664-C590D06BF559}"/>
+                <a16:creationId xmlns:a16="http://schemas.microsoft.com/office/drawing/2014/main" xmlns="" id="{6A34AC25-F9D4-48D7-A664-C590D06BF559}"/>
               </a:ext>
             </a:extLst>
           </p:cNvPr>
@@ -6537,7 +6503,7 @@
           <p:cNvPr id="5" name="TextBox 4">
             <a:extLst>
               <a:ext uri="{FF2B5EF4-FFF2-40B4-BE49-F238E27FC236}">
-                <a16:creationId xmlns:a16="http://schemas.microsoft.com/office/drawing/2014/main" id="{EF5BA94D-0FB3-4C60-9994-8A309B690D97}"/>
+                <a16:creationId xmlns:a16="http://schemas.microsoft.com/office/drawing/2014/main" xmlns="" id="{EF5BA94D-0FB3-4C60-9994-8A309B690D97}"/>
               </a:ext>
             </a:extLst>
           </p:cNvPr>
@@ -6644,7 +6610,7 @@
           <p:cNvPr id="2" name="Title 1">
             <a:extLst>
               <a:ext uri="{FF2B5EF4-FFF2-40B4-BE49-F238E27FC236}">
-                <a16:creationId xmlns:a16="http://schemas.microsoft.com/office/drawing/2014/main" id="{7614332B-4F24-42F4-A704-A6F1183E9470}"/>
+                <a16:creationId xmlns:a16="http://schemas.microsoft.com/office/drawing/2014/main" xmlns="" id="{7614332B-4F24-42F4-A704-A6F1183E9470}"/>
               </a:ext>
             </a:extLst>
           </p:cNvPr>
@@ -6702,7 +6668,7 @@
           <p:cNvPr id="8" name="Title 7">
             <a:extLst>
               <a:ext uri="{FF2B5EF4-FFF2-40B4-BE49-F238E27FC236}">
-                <a16:creationId xmlns:a16="http://schemas.microsoft.com/office/drawing/2014/main" id="{6A34AC25-F9D4-48D7-A664-C590D06BF559}"/>
+                <a16:creationId xmlns:a16="http://schemas.microsoft.com/office/drawing/2014/main" xmlns="" id="{6A34AC25-F9D4-48D7-A664-C590D06BF559}"/>
               </a:ext>
             </a:extLst>
           </p:cNvPr>
@@ -6730,7 +6696,7 @@
           <p:cNvPr id="2" name="Content Placeholder 1">
             <a:extLst>
               <a:ext uri="{FF2B5EF4-FFF2-40B4-BE49-F238E27FC236}">
-                <a16:creationId xmlns:a16="http://schemas.microsoft.com/office/drawing/2014/main" id="{7D7427A6-1030-45CE-92A8-5212E0F721D8}"/>
+                <a16:creationId xmlns:a16="http://schemas.microsoft.com/office/drawing/2014/main" xmlns="" id="{7D7427A6-1030-45CE-92A8-5212E0F721D8}"/>
               </a:ext>
             </a:extLst>
           </p:cNvPr>
@@ -6820,7 +6786,7 @@
           <p:cNvPr id="8" name="Title 7">
             <a:extLst>
               <a:ext uri="{FF2B5EF4-FFF2-40B4-BE49-F238E27FC236}">
-                <a16:creationId xmlns:a16="http://schemas.microsoft.com/office/drawing/2014/main" id="{6A34AC25-F9D4-48D7-A664-C590D06BF559}"/>
+                <a16:creationId xmlns:a16="http://schemas.microsoft.com/office/drawing/2014/main" xmlns="" id="{6A34AC25-F9D4-48D7-A664-C590D06BF559}"/>
               </a:ext>
             </a:extLst>
           </p:cNvPr>
@@ -6848,7 +6814,7 @@
           <p:cNvPr id="2" name="Content Placeholder 1">
             <a:extLst>
               <a:ext uri="{FF2B5EF4-FFF2-40B4-BE49-F238E27FC236}">
-                <a16:creationId xmlns:a16="http://schemas.microsoft.com/office/drawing/2014/main" id="{7D7427A6-1030-45CE-92A8-5212E0F721D8}"/>
+                <a16:creationId xmlns:a16="http://schemas.microsoft.com/office/drawing/2014/main" xmlns="" id="{7D7427A6-1030-45CE-92A8-5212E0F721D8}"/>
               </a:ext>
             </a:extLst>
           </p:cNvPr>
@@ -7192,7 +7158,7 @@
   <a:extraClrSchemeLst/>
   <a:extLst>
     <a:ext uri="{05A4C25C-085E-4340-85A3-A5531E510DB2}">
-      <thm15:themeFamily xmlns:thm15="http://schemas.microsoft.com/office/thememl/2012/main" name="Original 5_01_Win32" id="{77344C68-A3F1-476B-8680-97D7F429B46B}" vid="{89780073-58E8-4DFF-BF29-BA99F8052841}"/>
+      <thm15:themeFamily xmlns:thm15="http://schemas.microsoft.com/office/thememl/2012/main" xmlns="" name="Original 5_01_Win32" id="{77344C68-A3F1-476B-8680-97D7F429B46B}" vid="{89780073-58E8-4DFF-BF29-BA99F8052841}"/>
     </a:ext>
   </a:extLst>
 </a:theme>
@@ -7487,13 +7453,31 @@
   <a:extraClrSchemeLst/>
   <a:extLst>
     <a:ext uri="{05A4C25C-085E-4340-85A3-A5531E510DB2}">
-      <thm15:themeFamily xmlns:thm15="http://schemas.microsoft.com/office/thememl/2012/main" name="Office Theme" id="{62F939B6-93AF-4DB8-9C6B-D6C7DFDC589F}" vid="{4A3C46E8-61CC-4603-A589-7422A47A8E4A}"/>
+      <thm15:themeFamily xmlns:thm15="http://schemas.microsoft.com/office/thememl/2012/main" xmlns="" name="Office Theme" id="{62F939B6-93AF-4DB8-9C6B-D6C7DFDC589F}" vid="{4A3C46E8-61CC-4603-A589-7422A47A8E4A}"/>
     </a:ext>
   </a:extLst>
 </a:theme>
 </file>
 
 <file path=customXml/item1.xml><?xml version="1.0" encoding="utf-8"?>
+<?mso-contentType ?>
+<FormTemplates xmlns="http://schemas.microsoft.com/sharepoint/v3/contenttype/forms">
+  <Display>DocumentLibraryForm</Display>
+  <Edit>DocumentLibraryForm</Edit>
+  <New>DocumentLibraryForm</New>
+</FormTemplates>
+</file>
+
+<file path=customXml/item2.xml><?xml version="1.0" encoding="utf-8"?>
+<p:properties xmlns:p="http://schemas.microsoft.com/office/2006/metadata/properties" xmlns:xsi="http://www.w3.org/2001/XMLSchema-instance" xmlns:pc="http://schemas.microsoft.com/office/infopath/2007/PartnerControls">
+  <documentManagement>
+    <Status xmlns="71af3243-3dd4-4a8d-8c0d-dd76da1f02a5">Not started</Status>
+    <MediaServiceKeyPoints xmlns="71af3243-3dd4-4a8d-8c0d-dd76da1f02a5" xsi:nil="true"/>
+  </documentManagement>
+</p:properties>
+</file>
+
+<file path=customXml/item3.xml><?xml version="1.0" encoding="utf-8"?>
 <ct:contentTypeSchema xmlns:ct="http://schemas.microsoft.com/office/2006/metadata/contentType" xmlns:ma="http://schemas.microsoft.com/office/2006/metadata/properties/metaAttributes" ct:_="" ma:_="" ma:contentTypeName="Document" ma:contentTypeID="0x01010079F111ED35F8CC479449609E8A0923A6" ma:contentTypeVersion="12" ma:contentTypeDescription="Create a new document." ma:contentTypeScope="" ma:versionID="a410dd7f93c95333ffa1b60ed6adedd1">
   <xsd:schema xmlns:xsd="http://www.w3.org/2001/XMLSchema" xmlns:xs="http://www.w3.org/2001/XMLSchema" xmlns:p="http://schemas.microsoft.com/office/2006/metadata/properties" xmlns:ns2="71af3243-3dd4-4a8d-8c0d-dd76da1f02a5" xmlns:ns3="16c05727-aa75-4e4a-9b5f-8a80a1165891" targetNamespace="http://schemas.microsoft.com/office/2006/metadata/properties" ma:root="true" ma:fieldsID="a936d9baba76aa3866493feff160faab" ns2:_="" ns3:_="">
     <xsd:import namespace="71af3243-3dd4-4a8d-8c0d-dd76da1f02a5"/>
@@ -7714,39 +7698,10 @@
 </ct:contentTypeSchema>
 </file>
 
-<file path=customXml/item2.xml><?xml version="1.0" encoding="utf-8"?>
-<p:properties xmlns:p="http://schemas.microsoft.com/office/2006/metadata/properties" xmlns:xsi="http://www.w3.org/2001/XMLSchema-instance" xmlns:pc="http://schemas.microsoft.com/office/infopath/2007/PartnerControls">
-  <documentManagement>
-    <Status xmlns="71af3243-3dd4-4a8d-8c0d-dd76da1f02a5">Not started</Status>
-    <MediaServiceKeyPoints xmlns="71af3243-3dd4-4a8d-8c0d-dd76da1f02a5" xsi:nil="true"/>
-  </documentManagement>
-</p:properties>
-</file>
-
-<file path=customXml/item3.xml><?xml version="1.0" encoding="utf-8"?>
-<?mso-contentType ?>
-<FormTemplates xmlns="http://schemas.microsoft.com/sharepoint/v3/contenttype/forms">
-  <Display>DocumentLibraryForm</Display>
-  <Edit>DocumentLibraryForm</Edit>
-  <New>DocumentLibraryForm</New>
-</FormTemplates>
-</file>
-
 <file path=customXml/itemProps1.xml><?xml version="1.0" encoding="utf-8"?>
-<ds:datastoreItem xmlns:ds="http://schemas.openxmlformats.org/officeDocument/2006/customXml" ds:itemID="{2D276E62-80A3-44DD-9BCC-97ED2B99B57F}">
+<ds:datastoreItem xmlns:ds="http://schemas.openxmlformats.org/officeDocument/2006/customXml" ds:itemID="{CDB58277-F8DF-46FF-84EC-EF41B835E69F}">
   <ds:schemaRefs>
-    <ds:schemaRef ds:uri="http://schemas.microsoft.com/office/2006/metadata/contentType"/>
-    <ds:schemaRef ds:uri="http://schemas.microsoft.com/office/2006/metadata/properties/metaAttributes"/>
-    <ds:schemaRef ds:uri="http://www.w3.org/2001/XMLSchema"/>
-    <ds:schemaRef ds:uri="http://schemas.microsoft.com/office/2006/metadata/properties"/>
-    <ds:schemaRef ds:uri="71af3243-3dd4-4a8d-8c0d-dd76da1f02a5"/>
-    <ds:schemaRef ds:uri="16c05727-aa75-4e4a-9b5f-8a80a1165891"/>
-    <ds:schemaRef ds:uri="http://schemas.microsoft.com/office/2006/documentManagement/types"/>
-    <ds:schemaRef ds:uri="http://schemas.microsoft.com/office/infopath/2007/PartnerControls"/>
-    <ds:schemaRef ds:uri="http://schemas.openxmlformats.org/package/2006/metadata/core-properties"/>
-    <ds:schemaRef ds:uri="http://purl.org/dc/elements/1.1/"/>
-    <ds:schemaRef ds:uri="http://purl.org/dc/terms/"/>
-    <ds:schemaRef ds:uri="http://schemas.microsoft.com/internal/obd"/>
+    <ds:schemaRef ds:uri="http://schemas.microsoft.com/sharepoint/v3/contenttype/forms"/>
   </ds:schemaRefs>
 </ds:datastoreItem>
 </file>
@@ -7769,9 +7724,20 @@
 </file>
 
 <file path=customXml/itemProps3.xml><?xml version="1.0" encoding="utf-8"?>
-<ds:datastoreItem xmlns:ds="http://schemas.openxmlformats.org/officeDocument/2006/customXml" ds:itemID="{CDB58277-F8DF-46FF-84EC-EF41B835E69F}">
+<ds:datastoreItem xmlns:ds="http://schemas.openxmlformats.org/officeDocument/2006/customXml" ds:itemID="{2D276E62-80A3-44DD-9BCC-97ED2B99B57F}">
   <ds:schemaRefs>
-    <ds:schemaRef ds:uri="http://schemas.microsoft.com/sharepoint/v3/contenttype/forms"/>
+    <ds:schemaRef ds:uri="http://schemas.microsoft.com/office/2006/metadata/contentType"/>
+    <ds:schemaRef ds:uri="http://schemas.microsoft.com/office/2006/metadata/properties/metaAttributes"/>
+    <ds:schemaRef ds:uri="http://www.w3.org/2001/XMLSchema"/>
+    <ds:schemaRef ds:uri="http://schemas.microsoft.com/office/2006/metadata/properties"/>
+    <ds:schemaRef ds:uri="71af3243-3dd4-4a8d-8c0d-dd76da1f02a5"/>
+    <ds:schemaRef ds:uri="16c05727-aa75-4e4a-9b5f-8a80a1165891"/>
+    <ds:schemaRef ds:uri="http://schemas.microsoft.com/office/2006/documentManagement/types"/>
+    <ds:schemaRef ds:uri="http://schemas.microsoft.com/office/infopath/2007/PartnerControls"/>
+    <ds:schemaRef ds:uri="http://schemas.openxmlformats.org/package/2006/metadata/core-properties"/>
+    <ds:schemaRef ds:uri="http://purl.org/dc/elements/1.1/"/>
+    <ds:schemaRef ds:uri="http://purl.org/dc/terms/"/>
+    <ds:schemaRef ds:uri="http://schemas.microsoft.com/internal/obd"/>
   </ds:schemaRefs>
 </ds:datastoreItem>
 </file>
--- a/Slides/Slides-05-The_Validation_Report/Slides-05-The_Validation_Report.pptx
+++ b/Slides/Slides-05-The_Validation_Report/Slides-05-The_Validation_Report.pptx
@@ -120,7 +120,7 @@
   </p:defaultTextStyle>
   <p:extLst>
     <p:ext uri="{EFAFB233-063F-42B5-8137-9DF3F51BA10A}">
-      <p15:sldGuideLst xmlns:p15="http://schemas.microsoft.com/office/powerpoint/2012/main" xmlns=""/>
+      <p15:sldGuideLst xmlns="" xmlns:p15="http://schemas.microsoft.com/office/powerpoint/2012/main"/>
     </p:ext>
   </p:extLst>
 </p:presentation>
@@ -216,7 +216,7 @@
           <a:p>
             <a:fld id="{AE1375EF-7AC2-40F0-8984-3657FAAC21B8}" type="datetimeFigureOut">
               <a:rPr lang="en-US" smtClean="0"/>
-              <a:t>9/10/2021</a:t>
+              <a:t>9/12/2021</a:t>
             </a:fld>
             <a:endParaRPr lang="en-US"/>
           </a:p>
@@ -1632,7 +1632,7 @@
           <p:cNvPr id="5" name="Rectangle 4">
             <a:extLst>
               <a:ext uri="{FF2B5EF4-FFF2-40B4-BE49-F238E27FC236}">
-                <a16:creationId xmlns:a16="http://schemas.microsoft.com/office/drawing/2014/main" xmlns="" id="{904DB13E-F722-4ED6-BB00-556651E95281}"/>
+                <a16:creationId xmlns="" xmlns:a16="http://schemas.microsoft.com/office/drawing/2014/main" id="{904DB13E-F722-4ED6-BB00-556651E95281}"/>
               </a:ext>
             </a:extLst>
           </p:cNvPr>
@@ -1781,7 +1781,7 @@
           <p:cNvPr id="7" name="Group 6">
             <a:extLst>
               <a:ext uri="{FF2B5EF4-FFF2-40B4-BE49-F238E27FC236}">
-                <a16:creationId xmlns:a16="http://schemas.microsoft.com/office/drawing/2014/main" xmlns="" id="{E26428D7-C6F3-473D-A360-A3F5C3E8728C}"/>
+                <a16:creationId xmlns="" xmlns:a16="http://schemas.microsoft.com/office/drawing/2014/main" id="{E26428D7-C6F3-473D-A360-A3F5C3E8728C}"/>
               </a:ext>
             </a:extLst>
           </p:cNvPr>
@@ -2079,7 +2079,7 @@
           <a:p>
             <a:fld id="{EA0C0817-A112-4847-8014-A94B7D2A4EA3}" type="datetime1">
               <a:rPr lang="en-US" smtClean="0"/>
-              <a:t>9/10/2021</a:t>
+              <a:t>9/12/2021</a:t>
             </a:fld>
             <a:endParaRPr lang="en-US" dirty="0"/>
           </a:p>
@@ -2281,7 +2281,7 @@
           <a:p>
             <a:fld id="{7332B432-ACDA-4023-A761-2BAB76577B62}" type="datetime1">
               <a:rPr lang="en-US" smtClean="0"/>
-              <a:t>9/10/2021</a:t>
+              <a:t>9/12/2021</a:t>
             </a:fld>
             <a:endParaRPr lang="en-US" dirty="0"/>
           </a:p>
@@ -2364,7 +2364,7 @@
           <p:cNvPr id="15" name="Rectangle 14">
             <a:extLst>
               <a:ext uri="{FF2B5EF4-FFF2-40B4-BE49-F238E27FC236}">
-                <a16:creationId xmlns:a16="http://schemas.microsoft.com/office/drawing/2014/main" xmlns="" id="{0A4A1889-E37C-4EC3-9E41-9DAD221CF389}"/>
+                <a16:creationId xmlns="" xmlns:a16="http://schemas.microsoft.com/office/drawing/2014/main" id="{0A4A1889-E37C-4EC3-9E41-9DAD221CF389}"/>
               </a:ext>
             </a:extLst>
           </p:cNvPr>
@@ -2561,7 +2561,7 @@
           <p:cNvPr id="16" name="Group 15">
             <a:extLst>
               <a:ext uri="{FF2B5EF4-FFF2-40B4-BE49-F238E27FC236}">
-                <a16:creationId xmlns:a16="http://schemas.microsoft.com/office/drawing/2014/main" xmlns="" id="{1683EB04-C23E-490C-A1A6-030CF79D23C8}"/>
+                <a16:creationId xmlns="" xmlns:a16="http://schemas.microsoft.com/office/drawing/2014/main" id="{1683EB04-C23E-490C-A1A6-030CF79D23C8}"/>
               </a:ext>
             </a:extLst>
           </p:cNvPr>
@@ -2581,7 +2581,7 @@
             <p:cNvPr id="17" name="Straight Connector 16">
               <a:extLst>
                 <a:ext uri="{FF2B5EF4-FFF2-40B4-BE49-F238E27FC236}">
-                  <a16:creationId xmlns:a16="http://schemas.microsoft.com/office/drawing/2014/main" xmlns="" id="{F8A84C03-E1CA-4A4E-81D6-9BB0C335B7A0}"/>
+                  <a16:creationId xmlns="" xmlns:a16="http://schemas.microsoft.com/office/drawing/2014/main" id="{F8A84C03-E1CA-4A4E-81D6-9BB0C335B7A0}"/>
                 </a:ext>
               </a:extLst>
             </p:cNvPr>
@@ -2629,7 +2629,7 @@
             <p:cNvPr id="18" name="Straight Connector 17">
               <a:extLst>
                 <a:ext uri="{FF2B5EF4-FFF2-40B4-BE49-F238E27FC236}">
-                  <a16:creationId xmlns:a16="http://schemas.microsoft.com/office/drawing/2014/main" xmlns="" id="{4A26FB5A-D5D1-4DAB-AC43-7F51A7F2D197}"/>
+                  <a16:creationId xmlns="" xmlns:a16="http://schemas.microsoft.com/office/drawing/2014/main" id="{4A26FB5A-D5D1-4DAB-AC43-7F51A7F2D197}"/>
                 </a:ext>
               </a:extLst>
             </p:cNvPr>
@@ -2677,7 +2677,7 @@
             <p:cNvPr id="19" name="Straight Connector 18">
               <a:extLst>
                 <a:ext uri="{FF2B5EF4-FFF2-40B4-BE49-F238E27FC236}">
-                  <a16:creationId xmlns:a16="http://schemas.microsoft.com/office/drawing/2014/main" xmlns="" id="{49303F14-E560-4C02-94F4-B4695FE26813}"/>
+                  <a16:creationId xmlns="" xmlns:a16="http://schemas.microsoft.com/office/drawing/2014/main" id="{49303F14-E560-4C02-94F4-B4695FE26813}"/>
                 </a:ext>
               </a:extLst>
             </p:cNvPr>
@@ -2880,7 +2880,7 @@
           <a:p>
             <a:fld id="{D9C646AA-F36E-4540-911D-FFFC0A0EF24A}" type="datetime1">
               <a:rPr lang="en-US" smtClean="0"/>
-              <a:t>9/10/2021</a:t>
+              <a:t>9/12/2021</a:t>
             </a:fld>
             <a:endParaRPr lang="en-US" dirty="0"/>
           </a:p>
@@ -3200,7 +3200,7 @@
           <a:p>
             <a:fld id="{69186D26-FA5F-4637-B602-B7C2DC34CFD4}" type="datetime1">
               <a:rPr lang="en-US" smtClean="0"/>
-              <a:t>9/10/2021</a:t>
+              <a:t>9/12/2021</a:t>
             </a:fld>
             <a:endParaRPr lang="en-US" dirty="0"/>
           </a:p>
@@ -3637,7 +3637,7 @@
           <a:p>
             <a:fld id="{8A7F15D8-96D1-4781-BC50-CA8A088B2FE4}" type="datetime1">
               <a:rPr lang="en-US" smtClean="0"/>
-              <a:t>9/10/2021</a:t>
+              <a:t>9/12/2021</a:t>
             </a:fld>
             <a:endParaRPr lang="en-US" dirty="0"/>
           </a:p>
@@ -3755,7 +3755,7 @@
           <a:p>
             <a:fld id="{F9A96C99-B8F8-4528-BD05-0E16E943DC09}" type="datetime1">
               <a:rPr lang="en-US" smtClean="0"/>
-              <a:t>9/10/2021</a:t>
+              <a:t>9/12/2021</a:t>
             </a:fld>
             <a:endParaRPr lang="en-US" dirty="0"/>
           </a:p>
@@ -3850,7 +3850,7 @@
           <a:p>
             <a:fld id="{03636942-C211-4B28-8DBD-C953E00AF71B}" type="datetime1">
               <a:rPr lang="en-US" smtClean="0"/>
-              <a:t>9/10/2021</a:t>
+              <a:t>9/12/2021</a:t>
             </a:fld>
             <a:endParaRPr lang="en-US" dirty="0"/>
           </a:p>
@@ -3933,7 +3933,7 @@
           <p:cNvPr id="10" name="Rectangle 9">
             <a:extLst>
               <a:ext uri="{FF2B5EF4-FFF2-40B4-BE49-F238E27FC236}">
-                <a16:creationId xmlns:a16="http://schemas.microsoft.com/office/drawing/2014/main" xmlns="" id="{D5E1BBF9-8BEF-4353-BA68-30AAF9EBD8D8}"/>
+                <a16:creationId xmlns="" xmlns:a16="http://schemas.microsoft.com/office/drawing/2014/main" id="{D5E1BBF9-8BEF-4353-BA68-30AAF9EBD8D8}"/>
               </a:ext>
             </a:extLst>
           </p:cNvPr>
@@ -3980,7 +3980,7 @@
           <p:cNvPr id="13" name="Rectangle 12">
             <a:extLst>
               <a:ext uri="{FF2B5EF4-FFF2-40B4-BE49-F238E27FC236}">
-                <a16:creationId xmlns:a16="http://schemas.microsoft.com/office/drawing/2014/main" xmlns="" id="{5B941C21-2A5D-4912-AB06-1BB0C0EB6AE1}"/>
+                <a16:creationId xmlns="" xmlns:a16="http://schemas.microsoft.com/office/drawing/2014/main" id="{5B941C21-2A5D-4912-AB06-1BB0C0EB6AE1}"/>
               </a:ext>
             </a:extLst>
           </p:cNvPr>
@@ -4267,7 +4267,7 @@
           <a:p>
             <a:fld id="{7E8D12A6-918A-48BD-8CB9-CA713993B0EA}" type="datetime1">
               <a:rPr lang="en-US" smtClean="0"/>
-              <a:t>9/10/2021</a:t>
+              <a:t>9/12/2021</a:t>
             </a:fld>
             <a:endParaRPr lang="en-US" dirty="0"/>
           </a:p>
@@ -4375,7 +4375,7 @@
           <p:cNvPr id="11" name="Rectangle 10">
             <a:extLst>
               <a:ext uri="{FF2B5EF4-FFF2-40B4-BE49-F238E27FC236}">
-                <a16:creationId xmlns:a16="http://schemas.microsoft.com/office/drawing/2014/main" xmlns="" id="{E687CA98-D9C7-497F-A1DA-7D22F8753BCE}"/>
+                <a16:creationId xmlns="" xmlns:a16="http://schemas.microsoft.com/office/drawing/2014/main" id="{E687CA98-D9C7-497F-A1DA-7D22F8753BCE}"/>
               </a:ext>
             </a:extLst>
           </p:cNvPr>
@@ -4529,7 +4529,7 @@
             <a:fld id="{E778CE86-875F-4587-BCF6-FA054AFC0D53}" type="datetime1">
               <a:rPr lang="en-US" smtClean="0"/>
               <a:pPr/>
-              <a:t>9/10/2021</a:t>
+              <a:t>9/12/2021</a:t>
             </a:fld>
             <a:endParaRPr lang="en-US" dirty="0"/>
           </a:p>
@@ -4611,7 +4611,7 @@
           <p:cNvPr id="12" name="Rectangle 11">
             <a:extLst>
               <a:ext uri="{FF2B5EF4-FFF2-40B4-BE49-F238E27FC236}">
-                <a16:creationId xmlns:a16="http://schemas.microsoft.com/office/drawing/2014/main" xmlns="" id="{F8B3D8CC-BB13-41A5-8F34-B8E84A4F9534}"/>
+                <a16:creationId xmlns="" xmlns:a16="http://schemas.microsoft.com/office/drawing/2014/main" id="{F8B3D8CC-BB13-41A5-8F34-B8E84A4F9534}"/>
               </a:ext>
             </a:extLst>
           </p:cNvPr>
@@ -4813,7 +4813,7 @@
           <p:cNvPr id="9" name="Rectangle 8">
             <a:extLst>
               <a:ext uri="{FF2B5EF4-FFF2-40B4-BE49-F238E27FC236}">
-                <a16:creationId xmlns:a16="http://schemas.microsoft.com/office/drawing/2014/main" xmlns="" id="{1E94681D-2A4C-4A8D-B9B5-31D440D0328D}"/>
+                <a16:creationId xmlns="" xmlns:a16="http://schemas.microsoft.com/office/drawing/2014/main" id="{1E94681D-2A4C-4A8D-B9B5-31D440D0328D}"/>
               </a:ext>
             </a:extLst>
           </p:cNvPr>
@@ -5045,7 +5045,7 @@
           <a:p>
             <a:fld id="{F6FA2B21-3FCD-4721-B95C-427943F61125}" type="datetime1">
               <a:rPr lang="en-US" smtClean="0"/>
-              <a:t>9/10/2021</a:t>
+              <a:t>9/12/2021</a:t>
             </a:fld>
             <a:endParaRPr lang="en-US" dirty="0"/>
           </a:p>
@@ -5525,7 +5525,7 @@
           <p:cNvPr id="6" name="Picture 5" descr="abstract image">
             <a:extLst>
               <a:ext uri="{FF2B5EF4-FFF2-40B4-BE49-F238E27FC236}">
-                <a16:creationId xmlns:a16="http://schemas.microsoft.com/office/drawing/2014/main" xmlns="" id="{8045422F-7258-40AC-BD2E-2469AA448922}"/>
+                <a16:creationId xmlns="" xmlns:a16="http://schemas.microsoft.com/office/drawing/2014/main" id="{8045422F-7258-40AC-BD2E-2469AA448922}"/>
               </a:ext>
             </a:extLst>
           </p:cNvPr>
@@ -5560,10 +5560,10 @@
           <p:cNvPr id="82" name="Rectangle 81">
             <a:extLst>
               <a:ext uri="{FF2B5EF4-FFF2-40B4-BE49-F238E27FC236}">
-                <a16:creationId xmlns:a16="http://schemas.microsoft.com/office/drawing/2014/main" xmlns="" id="{2644B391-9BFE-445C-A9EC-F544BB85FBC7}"/>
+                <a16:creationId xmlns="" xmlns:a16="http://schemas.microsoft.com/office/drawing/2014/main" id="{2644B391-9BFE-445C-A9EC-F544BB85FBC7}"/>
               </a:ext>
               <a:ext uri="{C183D7F6-B498-43B3-948B-1728B52AA6E4}">
-                <adec:decorative xmlns:adec="http://schemas.microsoft.com/office/drawing/2017/decorative" xmlns="" val="1"/>
+                <adec:decorative xmlns="" xmlns:adec="http://schemas.microsoft.com/office/drawing/2017/decorative" val="1"/>
               </a:ext>
             </a:extLst>
           </p:cNvPr>
@@ -5573,7 +5573,7 @@
           <p:nvPr>
             <p:extLst>
               <p:ext uri="{386F3935-93C4-4BCD-93E2-E3B085C9AB24}">
-                <p16:designElem xmlns:p16="http://schemas.microsoft.com/office/powerpoint/2015/main" xmlns="" val="1"/>
+                <p16:designElem xmlns="" xmlns:p16="http://schemas.microsoft.com/office/powerpoint/2015/main" val="1"/>
               </p:ext>
             </p:extLst>
           </p:nvPr>
@@ -5605,10 +5605,10 @@
           <p:cNvPr id="84" name="Rectangle 83">
             <a:extLst>
               <a:ext uri="{FF2B5EF4-FFF2-40B4-BE49-F238E27FC236}">
-                <a16:creationId xmlns:a16="http://schemas.microsoft.com/office/drawing/2014/main" xmlns="" id="{80F26E69-87D9-4655-AE7B-280A87AA3CAD}"/>
+                <a16:creationId xmlns="" xmlns:a16="http://schemas.microsoft.com/office/drawing/2014/main" id="{80F26E69-87D9-4655-AE7B-280A87AA3CAD}"/>
               </a:ext>
               <a:ext uri="{C183D7F6-B498-43B3-948B-1728B52AA6E4}">
-                <adec:decorative xmlns:adec="http://schemas.microsoft.com/office/drawing/2017/decorative" xmlns="" val="1"/>
+                <adec:decorative xmlns="" xmlns:adec="http://schemas.microsoft.com/office/drawing/2017/decorative" val="1"/>
               </a:ext>
             </a:extLst>
           </p:cNvPr>
@@ -5618,7 +5618,7 @@
           <p:nvPr>
             <p:extLst>
               <p:ext uri="{386F3935-93C4-4BCD-93E2-E3B085C9AB24}">
-                <p16:designElem xmlns:p16="http://schemas.microsoft.com/office/powerpoint/2015/main" xmlns="" val="1"/>
+                <p16:designElem xmlns="" xmlns:p16="http://schemas.microsoft.com/office/powerpoint/2015/main" val="1"/>
               </p:ext>
             </p:extLst>
           </p:nvPr>
@@ -5649,7 +5649,7 @@
           <p:cNvPr id="2" name="Title 1">
             <a:extLst>
               <a:ext uri="{FF2B5EF4-FFF2-40B4-BE49-F238E27FC236}">
-                <a16:creationId xmlns:a16="http://schemas.microsoft.com/office/drawing/2014/main" xmlns="" id="{18C3B467-088C-4F3D-A9A7-105C4E1E20CD}"/>
+                <a16:creationId xmlns="" xmlns:a16="http://schemas.microsoft.com/office/drawing/2014/main" id="{18C3B467-088C-4F3D-A9A7-105C4E1E20CD}"/>
               </a:ext>
             </a:extLst>
           </p:cNvPr>
@@ -5673,13 +5673,21 @@
           <a:lstStyle/>
           <a:p>
             <a:r>
-              <a:rPr lang="en-US" sz="4400" dirty="0">
-                <a:solidFill>
-                  <a:schemeClr val="tx1"/>
-                </a:solidFill>
-              </a:rPr>
-              <a:t>R Package Development and Validation</a:t>
-            </a:r>
+              <a:rPr lang="en-GB" sz="4400" dirty="0"/>
+              <a:t>R Package Validation</a:t>
+            </a:r>
+            <a:br>
+              <a:rPr lang="en-GB" sz="4400" dirty="0"/>
+            </a:br>
+            <a:r>
+              <a:rPr lang="en-GB" sz="4400" dirty="0"/>
+              <a:t>Workshop</a:t>
+            </a:r>
+            <a:endParaRPr lang="en-US" sz="4400" dirty="0">
+              <a:solidFill>
+                <a:schemeClr val="tx1"/>
+              </a:solidFill>
+            </a:endParaRPr>
           </a:p>
         </p:txBody>
       </p:sp>
@@ -5688,7 +5696,7 @@
           <p:cNvPr id="3" name="Subtitle 2">
             <a:extLst>
               <a:ext uri="{FF2B5EF4-FFF2-40B4-BE49-F238E27FC236}">
-                <a16:creationId xmlns:a16="http://schemas.microsoft.com/office/drawing/2014/main" xmlns="" id="{C8722DDC-8EEE-4A06-8DFE-B44871EAA2CF}"/>
+                <a16:creationId xmlns="" xmlns:a16="http://schemas.microsoft.com/office/drawing/2014/main" id="{C8722DDC-8EEE-4A06-8DFE-B44871EAA2CF}"/>
               </a:ext>
             </a:extLst>
           </p:cNvPr>
@@ -5732,7 +5740,7 @@
           <p:cNvPr id="5" name="Straight Connector 4">
             <a:extLst>
               <a:ext uri="{FF2B5EF4-FFF2-40B4-BE49-F238E27FC236}">
-                <a16:creationId xmlns:a16="http://schemas.microsoft.com/office/drawing/2014/main" xmlns="" id="{20AC4B09-ED72-42FC-9845-45FC1F4BC29D}"/>
+                <a16:creationId xmlns="" xmlns:a16="http://schemas.microsoft.com/office/drawing/2014/main" id="{20AC4B09-ED72-42FC-9845-45FC1F4BC29D}"/>
               </a:ext>
             </a:extLst>
           </p:cNvPr>
@@ -5803,7 +5811,7 @@
           <p:cNvPr id="2" name="Title 1">
             <a:extLst>
               <a:ext uri="{FF2B5EF4-FFF2-40B4-BE49-F238E27FC236}">
-                <a16:creationId xmlns:a16="http://schemas.microsoft.com/office/drawing/2014/main" xmlns="" id="{7614332B-4F24-42F4-A704-A6F1183E9470}"/>
+                <a16:creationId xmlns="" xmlns:a16="http://schemas.microsoft.com/office/drawing/2014/main" id="{7614332B-4F24-42F4-A704-A6F1183E9470}"/>
               </a:ext>
             </a:extLst>
           </p:cNvPr>
@@ -5866,7 +5874,7 @@
           <p:cNvPr id="8" name="Title 7">
             <a:extLst>
               <a:ext uri="{FF2B5EF4-FFF2-40B4-BE49-F238E27FC236}">
-                <a16:creationId xmlns:a16="http://schemas.microsoft.com/office/drawing/2014/main" xmlns="" id="{6A34AC25-F9D4-48D7-A664-C590D06BF559}"/>
+                <a16:creationId xmlns="" xmlns:a16="http://schemas.microsoft.com/office/drawing/2014/main" id="{6A34AC25-F9D4-48D7-A664-C590D06BF559}"/>
               </a:ext>
             </a:extLst>
           </p:cNvPr>
@@ -5894,7 +5902,7 @@
           <p:cNvPr id="2" name="Content Placeholder 1">
             <a:extLst>
               <a:ext uri="{FF2B5EF4-FFF2-40B4-BE49-F238E27FC236}">
-                <a16:creationId xmlns:a16="http://schemas.microsoft.com/office/drawing/2014/main" xmlns="" id="{7D7427A6-1030-45CE-92A8-5212E0F721D8}"/>
+                <a16:creationId xmlns="" xmlns:a16="http://schemas.microsoft.com/office/drawing/2014/main" id="{7D7427A6-1030-45CE-92A8-5212E0F721D8}"/>
               </a:ext>
             </a:extLst>
           </p:cNvPr>
@@ -5990,7 +5998,7 @@
           <p:cNvPr id="2" name="Title 1">
             <a:extLst>
               <a:ext uri="{FF2B5EF4-FFF2-40B4-BE49-F238E27FC236}">
-                <a16:creationId xmlns:a16="http://schemas.microsoft.com/office/drawing/2014/main" xmlns="" id="{7614332B-4F24-42F4-A704-A6F1183E9470}"/>
+                <a16:creationId xmlns="" xmlns:a16="http://schemas.microsoft.com/office/drawing/2014/main" id="{7614332B-4F24-42F4-A704-A6F1183E9470}"/>
               </a:ext>
             </a:extLst>
           </p:cNvPr>
@@ -6026,7 +6034,6 @@
               <a:rPr lang="en-US" dirty="0"/>
               <a:t>Exercise 05</a:t>
             </a:r>
-            <a:endParaRPr lang="en-US" dirty="0"/>
           </a:p>
         </p:txBody>
       </p:sp>
@@ -6065,7 +6072,7 @@
           <p:cNvPr id="2" name="Title 1">
             <a:extLst>
               <a:ext uri="{FF2B5EF4-FFF2-40B4-BE49-F238E27FC236}">
-                <a16:creationId xmlns:a16="http://schemas.microsoft.com/office/drawing/2014/main" xmlns="" id="{749E0D1B-C9EF-4CB6-9922-ED9D4AC52C59}"/>
+                <a16:creationId xmlns="" xmlns:a16="http://schemas.microsoft.com/office/drawing/2014/main" id="{749E0D1B-C9EF-4CB6-9922-ED9D4AC52C59}"/>
               </a:ext>
             </a:extLst>
           </p:cNvPr>
@@ -6093,7 +6100,7 @@
           <p:cNvPr id="5" name="Content Placeholder 4">
             <a:extLst>
               <a:ext uri="{FF2B5EF4-FFF2-40B4-BE49-F238E27FC236}">
-                <a16:creationId xmlns:a16="http://schemas.microsoft.com/office/drawing/2014/main" xmlns="" id="{7E558183-391D-4056-BC02-A181C5440B05}"/>
+                <a16:creationId xmlns="" xmlns:a16="http://schemas.microsoft.com/office/drawing/2014/main" id="{7E558183-391D-4056-BC02-A181C5440B05}"/>
               </a:ext>
             </a:extLst>
           </p:cNvPr>
@@ -6157,7 +6164,7 @@
           <p:cNvPr id="2" name="Title 1">
             <a:extLst>
               <a:ext uri="{FF2B5EF4-FFF2-40B4-BE49-F238E27FC236}">
-                <a16:creationId xmlns:a16="http://schemas.microsoft.com/office/drawing/2014/main" xmlns="" id="{7614332B-4F24-42F4-A704-A6F1183E9470}"/>
+                <a16:creationId xmlns="" xmlns:a16="http://schemas.microsoft.com/office/drawing/2014/main" id="{7614332B-4F24-42F4-A704-A6F1183E9470}"/>
               </a:ext>
             </a:extLst>
           </p:cNvPr>
@@ -6215,7 +6222,7 @@
           <p:cNvPr id="2" name="Title 1">
             <a:extLst>
               <a:ext uri="{FF2B5EF4-FFF2-40B4-BE49-F238E27FC236}">
-                <a16:creationId xmlns:a16="http://schemas.microsoft.com/office/drawing/2014/main" xmlns="" id="{749E0D1B-C9EF-4CB6-9922-ED9D4AC52C59}"/>
+                <a16:creationId xmlns="" xmlns:a16="http://schemas.microsoft.com/office/drawing/2014/main" id="{749E0D1B-C9EF-4CB6-9922-ED9D4AC52C59}"/>
               </a:ext>
             </a:extLst>
           </p:cNvPr>
@@ -6251,7 +6258,7 @@
           <p:cNvPr id="5" name="Content Placeholder 4">
             <a:extLst>
               <a:ext uri="{FF2B5EF4-FFF2-40B4-BE49-F238E27FC236}">
-                <a16:creationId xmlns:a16="http://schemas.microsoft.com/office/drawing/2014/main" xmlns="" id="{7E558183-391D-4056-BC02-A181C5440B05}"/>
+                <a16:creationId xmlns="" xmlns:a16="http://schemas.microsoft.com/office/drawing/2014/main" id="{7E558183-391D-4056-BC02-A181C5440B05}"/>
               </a:ext>
             </a:extLst>
           </p:cNvPr>
@@ -6343,7 +6350,7 @@
           <p:cNvPr id="8" name="Title 7">
             <a:extLst>
               <a:ext uri="{FF2B5EF4-FFF2-40B4-BE49-F238E27FC236}">
-                <a16:creationId xmlns:a16="http://schemas.microsoft.com/office/drawing/2014/main" xmlns="" id="{6A34AC25-F9D4-48D7-A664-C590D06BF559}"/>
+                <a16:creationId xmlns="" xmlns:a16="http://schemas.microsoft.com/office/drawing/2014/main" id="{6A34AC25-F9D4-48D7-A664-C590D06BF559}"/>
               </a:ext>
             </a:extLst>
           </p:cNvPr>
@@ -6371,7 +6378,7 @@
           <p:cNvPr id="5" name="TextBox 4">
             <a:extLst>
               <a:ext uri="{FF2B5EF4-FFF2-40B4-BE49-F238E27FC236}">
-                <a16:creationId xmlns:a16="http://schemas.microsoft.com/office/drawing/2014/main" xmlns="" id="{EF5BA94D-0FB3-4C60-9994-8A309B690D97}"/>
+                <a16:creationId xmlns="" xmlns:a16="http://schemas.microsoft.com/office/drawing/2014/main" id="{EF5BA94D-0FB3-4C60-9994-8A309B690D97}"/>
               </a:ext>
             </a:extLst>
           </p:cNvPr>
@@ -6475,7 +6482,7 @@
           <p:cNvPr id="8" name="Title 7">
             <a:extLst>
               <a:ext uri="{FF2B5EF4-FFF2-40B4-BE49-F238E27FC236}">
-                <a16:creationId xmlns:a16="http://schemas.microsoft.com/office/drawing/2014/main" xmlns="" id="{6A34AC25-F9D4-48D7-A664-C590D06BF559}"/>
+                <a16:creationId xmlns="" xmlns:a16="http://schemas.microsoft.com/office/drawing/2014/main" id="{6A34AC25-F9D4-48D7-A664-C590D06BF559}"/>
               </a:ext>
             </a:extLst>
           </p:cNvPr>
@@ -6503,7 +6510,7 @@
           <p:cNvPr id="5" name="TextBox 4">
             <a:extLst>
               <a:ext uri="{FF2B5EF4-FFF2-40B4-BE49-F238E27FC236}">
-                <a16:creationId xmlns:a16="http://schemas.microsoft.com/office/drawing/2014/main" xmlns="" id="{EF5BA94D-0FB3-4C60-9994-8A309B690D97}"/>
+                <a16:creationId xmlns="" xmlns:a16="http://schemas.microsoft.com/office/drawing/2014/main" id="{EF5BA94D-0FB3-4C60-9994-8A309B690D97}"/>
               </a:ext>
             </a:extLst>
           </p:cNvPr>
@@ -6610,7 +6617,7 @@
           <p:cNvPr id="2" name="Title 1">
             <a:extLst>
               <a:ext uri="{FF2B5EF4-FFF2-40B4-BE49-F238E27FC236}">
-                <a16:creationId xmlns:a16="http://schemas.microsoft.com/office/drawing/2014/main" xmlns="" id="{7614332B-4F24-42F4-A704-A6F1183E9470}"/>
+                <a16:creationId xmlns="" xmlns:a16="http://schemas.microsoft.com/office/drawing/2014/main" id="{7614332B-4F24-42F4-A704-A6F1183E9470}"/>
               </a:ext>
             </a:extLst>
           </p:cNvPr>
@@ -6668,7 +6675,7 @@
           <p:cNvPr id="8" name="Title 7">
             <a:extLst>
               <a:ext uri="{FF2B5EF4-FFF2-40B4-BE49-F238E27FC236}">
-                <a16:creationId xmlns:a16="http://schemas.microsoft.com/office/drawing/2014/main" xmlns="" id="{6A34AC25-F9D4-48D7-A664-C590D06BF559}"/>
+                <a16:creationId xmlns="" xmlns:a16="http://schemas.microsoft.com/office/drawing/2014/main" id="{6A34AC25-F9D4-48D7-A664-C590D06BF559}"/>
               </a:ext>
             </a:extLst>
           </p:cNvPr>
@@ -6696,7 +6703,7 @@
           <p:cNvPr id="2" name="Content Placeholder 1">
             <a:extLst>
               <a:ext uri="{FF2B5EF4-FFF2-40B4-BE49-F238E27FC236}">
-                <a16:creationId xmlns:a16="http://schemas.microsoft.com/office/drawing/2014/main" xmlns="" id="{7D7427A6-1030-45CE-92A8-5212E0F721D8}"/>
+                <a16:creationId xmlns="" xmlns:a16="http://schemas.microsoft.com/office/drawing/2014/main" id="{7D7427A6-1030-45CE-92A8-5212E0F721D8}"/>
               </a:ext>
             </a:extLst>
           </p:cNvPr>
@@ -6786,7 +6793,7 @@
           <p:cNvPr id="8" name="Title 7">
             <a:extLst>
               <a:ext uri="{FF2B5EF4-FFF2-40B4-BE49-F238E27FC236}">
-                <a16:creationId xmlns:a16="http://schemas.microsoft.com/office/drawing/2014/main" xmlns="" id="{6A34AC25-F9D4-48D7-A664-C590D06BF559}"/>
+                <a16:creationId xmlns="" xmlns:a16="http://schemas.microsoft.com/office/drawing/2014/main" id="{6A34AC25-F9D4-48D7-A664-C590D06BF559}"/>
               </a:ext>
             </a:extLst>
           </p:cNvPr>
@@ -6814,7 +6821,7 @@
           <p:cNvPr id="2" name="Content Placeholder 1">
             <a:extLst>
               <a:ext uri="{FF2B5EF4-FFF2-40B4-BE49-F238E27FC236}">
-                <a16:creationId xmlns:a16="http://schemas.microsoft.com/office/drawing/2014/main" xmlns="" id="{7D7427A6-1030-45CE-92A8-5212E0F721D8}"/>
+                <a16:creationId xmlns="" xmlns:a16="http://schemas.microsoft.com/office/drawing/2014/main" id="{7D7427A6-1030-45CE-92A8-5212E0F721D8}"/>
               </a:ext>
             </a:extLst>
           </p:cNvPr>
@@ -7158,7 +7165,7 @@
   <a:extraClrSchemeLst/>
   <a:extLst>
     <a:ext uri="{05A4C25C-085E-4340-85A3-A5531E510DB2}">
-      <thm15:themeFamily xmlns:thm15="http://schemas.microsoft.com/office/thememl/2012/main" xmlns="" name="Original 5_01_Win32" id="{77344C68-A3F1-476B-8680-97D7F429B46B}" vid="{89780073-58E8-4DFF-BF29-BA99F8052841}"/>
+      <thm15:themeFamily xmlns="" xmlns:thm15="http://schemas.microsoft.com/office/thememl/2012/main" name="Original 5_01_Win32" id="{77344C68-A3F1-476B-8680-97D7F429B46B}" vid="{89780073-58E8-4DFF-BF29-BA99F8052841}"/>
     </a:ext>
   </a:extLst>
 </a:theme>
@@ -7453,31 +7460,13 @@
   <a:extraClrSchemeLst/>
   <a:extLst>
     <a:ext uri="{05A4C25C-085E-4340-85A3-A5531E510DB2}">
-      <thm15:themeFamily xmlns:thm15="http://schemas.microsoft.com/office/thememl/2012/main" xmlns="" name="Office Theme" id="{62F939B6-93AF-4DB8-9C6B-D6C7DFDC589F}" vid="{4A3C46E8-61CC-4603-A589-7422A47A8E4A}"/>
+      <thm15:themeFamily xmlns="" xmlns:thm15="http://schemas.microsoft.com/office/thememl/2012/main" name="Office Theme" id="{62F939B6-93AF-4DB8-9C6B-D6C7DFDC589F}" vid="{4A3C46E8-61CC-4603-A589-7422A47A8E4A}"/>
     </a:ext>
   </a:extLst>
 </a:theme>
 </file>
 
 <file path=customXml/item1.xml><?xml version="1.0" encoding="utf-8"?>
-<?mso-contentType ?>
-<FormTemplates xmlns="http://schemas.microsoft.com/sharepoint/v3/contenttype/forms">
-  <Display>DocumentLibraryForm</Display>
-  <Edit>DocumentLibraryForm</Edit>
-  <New>DocumentLibraryForm</New>
-</FormTemplates>
-</file>
-
-<file path=customXml/item2.xml><?xml version="1.0" encoding="utf-8"?>
-<p:properties xmlns:p="http://schemas.microsoft.com/office/2006/metadata/properties" xmlns:xsi="http://www.w3.org/2001/XMLSchema-instance" xmlns:pc="http://schemas.microsoft.com/office/infopath/2007/PartnerControls">
-  <documentManagement>
-    <Status xmlns="71af3243-3dd4-4a8d-8c0d-dd76da1f02a5">Not started</Status>
-    <MediaServiceKeyPoints xmlns="71af3243-3dd4-4a8d-8c0d-dd76da1f02a5" xsi:nil="true"/>
-  </documentManagement>
-</p:properties>
-</file>
-
-<file path=customXml/item3.xml><?xml version="1.0" encoding="utf-8"?>
 <ct:contentTypeSchema xmlns:ct="http://schemas.microsoft.com/office/2006/metadata/contentType" xmlns:ma="http://schemas.microsoft.com/office/2006/metadata/properties/metaAttributes" ct:_="" ma:_="" ma:contentTypeName="Document" ma:contentTypeID="0x01010079F111ED35F8CC479449609E8A0923A6" ma:contentTypeVersion="12" ma:contentTypeDescription="Create a new document." ma:contentTypeScope="" ma:versionID="a410dd7f93c95333ffa1b60ed6adedd1">
   <xsd:schema xmlns:xsd="http://www.w3.org/2001/XMLSchema" xmlns:xs="http://www.w3.org/2001/XMLSchema" xmlns:p="http://schemas.microsoft.com/office/2006/metadata/properties" xmlns:ns2="71af3243-3dd4-4a8d-8c0d-dd76da1f02a5" xmlns:ns3="16c05727-aa75-4e4a-9b5f-8a80a1165891" targetNamespace="http://schemas.microsoft.com/office/2006/metadata/properties" ma:root="true" ma:fieldsID="a936d9baba76aa3866493feff160faab" ns2:_="" ns3:_="">
     <xsd:import namespace="71af3243-3dd4-4a8d-8c0d-dd76da1f02a5"/>
@@ -7698,32 +7687,25 @@
 </ct:contentTypeSchema>
 </file>
 
-<file path=customXml/itemProps1.xml><?xml version="1.0" encoding="utf-8"?>
-<ds:datastoreItem xmlns:ds="http://schemas.openxmlformats.org/officeDocument/2006/customXml" ds:itemID="{CDB58277-F8DF-46FF-84EC-EF41B835E69F}">
-  <ds:schemaRefs>
-    <ds:schemaRef ds:uri="http://schemas.microsoft.com/sharepoint/v3/contenttype/forms"/>
-  </ds:schemaRefs>
-</ds:datastoreItem>
+<file path=customXml/item2.xml><?xml version="1.0" encoding="utf-8"?>
+<p:properties xmlns:p="http://schemas.microsoft.com/office/2006/metadata/properties" xmlns:xsi="http://www.w3.org/2001/XMLSchema-instance" xmlns:pc="http://schemas.microsoft.com/office/infopath/2007/PartnerControls">
+  <documentManagement>
+    <Status xmlns="71af3243-3dd4-4a8d-8c0d-dd76da1f02a5">Not started</Status>
+    <MediaServiceKeyPoints xmlns="71af3243-3dd4-4a8d-8c0d-dd76da1f02a5" xsi:nil="true"/>
+  </documentManagement>
+</p:properties>
 </file>
 
-<file path=customXml/itemProps2.xml><?xml version="1.0" encoding="utf-8"?>
-<ds:datastoreItem xmlns:ds="http://schemas.openxmlformats.org/officeDocument/2006/customXml" ds:itemID="{137651BA-F45C-4845-9AB3-E0A65B39F5E1}">
-  <ds:schemaRefs>
-    <ds:schemaRef ds:uri="http://schemas.microsoft.com/office/infopath/2007/PartnerControls"/>
-    <ds:schemaRef ds:uri="http://purl.org/dc/elements/1.1/"/>
-    <ds:schemaRef ds:uri="http://schemas.microsoft.com/office/2006/metadata/properties"/>
-    <ds:schemaRef ds:uri="http://purl.org/dc/terms/"/>
-    <ds:schemaRef ds:uri="http://schemas.openxmlformats.org/package/2006/metadata/core-properties"/>
-    <ds:schemaRef ds:uri="http://schemas.microsoft.com/office/2006/documentManagement/types"/>
-    <ds:schemaRef ds:uri="http://purl.org/dc/dcmitype/"/>
-    <ds:schemaRef ds:uri="16c05727-aa75-4e4a-9b5f-8a80a1165891"/>
-    <ds:schemaRef ds:uri="71af3243-3dd4-4a8d-8c0d-dd76da1f02a5"/>
-    <ds:schemaRef ds:uri="http://www.w3.org/XML/1998/namespace"/>
-  </ds:schemaRefs>
-</ds:datastoreItem>
+<file path=customXml/item3.xml><?xml version="1.0" encoding="utf-8"?>
+<?mso-contentType ?>
+<FormTemplates xmlns="http://schemas.microsoft.com/sharepoint/v3/contenttype/forms">
+  <Display>DocumentLibraryForm</Display>
+  <Edit>DocumentLibraryForm</Edit>
+  <New>DocumentLibraryForm</New>
+</FormTemplates>
 </file>
 
-<file path=customXml/itemProps3.xml><?xml version="1.0" encoding="utf-8"?>
+<file path=customXml/itemProps1.xml><?xml version="1.0" encoding="utf-8"?>
 <ds:datastoreItem xmlns:ds="http://schemas.openxmlformats.org/officeDocument/2006/customXml" ds:itemID="{2D276E62-80A3-44DD-9BCC-97ED2B99B57F}">
   <ds:schemaRefs>
     <ds:schemaRef ds:uri="http://schemas.microsoft.com/office/2006/metadata/contentType"/>
@@ -7740,4 +7722,29 @@
     <ds:schemaRef ds:uri="http://schemas.microsoft.com/internal/obd"/>
   </ds:schemaRefs>
 </ds:datastoreItem>
+</file>
+
+<file path=customXml/itemProps2.xml><?xml version="1.0" encoding="utf-8"?>
+<ds:datastoreItem xmlns:ds="http://schemas.openxmlformats.org/officeDocument/2006/customXml" ds:itemID="{137651BA-F45C-4845-9AB3-E0A65B39F5E1}">
+  <ds:schemaRefs>
+    <ds:schemaRef ds:uri="http://purl.org/dc/terms/"/>
+    <ds:schemaRef ds:uri="http://schemas.microsoft.com/office/2006/documentManagement/types"/>
+    <ds:schemaRef ds:uri="http://purl.org/dc/elements/1.1/"/>
+    <ds:schemaRef ds:uri="http://schemas.openxmlformats.org/package/2006/metadata/core-properties"/>
+    <ds:schemaRef ds:uri="16c05727-aa75-4e4a-9b5f-8a80a1165891"/>
+    <ds:schemaRef ds:uri="http://purl.org/dc/dcmitype/"/>
+    <ds:schemaRef ds:uri="http://schemas.microsoft.com/office/infopath/2007/PartnerControls"/>
+    <ds:schemaRef ds:uri="71af3243-3dd4-4a8d-8c0d-dd76da1f02a5"/>
+    <ds:schemaRef ds:uri="http://schemas.microsoft.com/office/2006/metadata/properties"/>
+    <ds:schemaRef ds:uri="http://www.w3.org/XML/1998/namespace"/>
+  </ds:schemaRefs>
+</ds:datastoreItem>
+</file>
+
+<file path=customXml/itemProps3.xml><?xml version="1.0" encoding="utf-8"?>
+<ds:datastoreItem xmlns:ds="http://schemas.openxmlformats.org/officeDocument/2006/customXml" ds:itemID="{CDB58277-F8DF-46FF-84EC-EF41B835E69F}">
+  <ds:schemaRefs>
+    <ds:schemaRef ds:uri="http://schemas.microsoft.com/sharepoint/v3/contenttype/forms"/>
+  </ds:schemaRefs>
+</ds:datastoreItem>
 </file>
--- a/Slides/Slides-05-The_Validation_Report/Slides-05-The_Validation_Report.pptx
+++ b/Slides/Slides-05-The_Validation_Report/Slides-05-The_Validation_Report.pptx
@@ -5,21 +5,27 @@
     <p:sldMasterId id="2147483673" r:id="rId4"/>
   </p:sldMasterIdLst>
   <p:notesMasterIdLst>
-    <p:notesMasterId r:id="rId17"/>
+    <p:notesMasterId r:id="rId23"/>
   </p:notesMasterIdLst>
   <p:sldIdLst>
     <p:sldId id="257" r:id="rId5"/>
     <p:sldId id="262" r:id="rId6"/>
-    <p:sldId id="333" r:id="rId7"/>
-    <p:sldId id="394" r:id="rId8"/>
-    <p:sldId id="381" r:id="rId9"/>
-    <p:sldId id="395" r:id="rId10"/>
-    <p:sldId id="396" r:id="rId11"/>
-    <p:sldId id="397" r:id="rId12"/>
-    <p:sldId id="398" r:id="rId13"/>
-    <p:sldId id="399" r:id="rId14"/>
-    <p:sldId id="400" r:id="rId15"/>
-    <p:sldId id="330" r:id="rId16"/>
+    <p:sldId id="414" r:id="rId7"/>
+    <p:sldId id="412" r:id="rId8"/>
+    <p:sldId id="417" r:id="rId9"/>
+    <p:sldId id="413" r:id="rId10"/>
+    <p:sldId id="418" r:id="rId11"/>
+    <p:sldId id="416" r:id="rId12"/>
+    <p:sldId id="402" r:id="rId13"/>
+    <p:sldId id="404" r:id="rId14"/>
+    <p:sldId id="405" r:id="rId15"/>
+    <p:sldId id="406" r:id="rId16"/>
+    <p:sldId id="408" r:id="rId17"/>
+    <p:sldId id="415" r:id="rId18"/>
+    <p:sldId id="407" r:id="rId19"/>
+    <p:sldId id="394" r:id="rId20"/>
+    <p:sldId id="400" r:id="rId21"/>
+    <p:sldId id="411" r:id="rId22"/>
   </p:sldIdLst>
   <p:sldSz cx="12192000" cy="6858000"/>
   <p:notesSz cx="6858000" cy="9144000"/>
@@ -120,7 +126,7 @@
   </p:defaultTextStyle>
   <p:extLst>
     <p:ext uri="{EFAFB233-063F-42B5-8137-9DF3F51BA10A}">
-      <p15:sldGuideLst xmlns="" xmlns:p15="http://schemas.microsoft.com/office/powerpoint/2012/main"/>
+      <p15:sldGuideLst xmlns:p15="http://schemas.microsoft.com/office/powerpoint/2012/main" xmlns=""/>
     </p:ext>
   </p:extLst>
 </p:presentation>
@@ -216,7 +222,7 @@
           <a:p>
             <a:fld id="{AE1375EF-7AC2-40F0-8984-3657FAAC21B8}" type="datetimeFigureOut">
               <a:rPr lang="en-US" smtClean="0"/>
-              <a:t>9/12/2021</a:t>
+              <a:t>10/14/2021</a:t>
             </a:fld>
             <a:endParaRPr lang="en-US"/>
           </a:p>
@@ -611,6 +617,23 @@
           <a:bodyPr/>
           <a:lstStyle/>
           <a:p>
+            <a:pPr marL="0" marR="0" lvl="0" indent="0" algn="l" defTabSz="914400" rtl="0" eaLnBrk="1" fontAlgn="auto" latinLnBrk="0" hangingPunct="1">
+              <a:lnSpc>
+                <a:spcPct val="100000"/>
+              </a:lnSpc>
+              <a:spcBef>
+                <a:spcPts val="0"/>
+              </a:spcBef>
+              <a:spcAft>
+                <a:spcPts val="0"/>
+              </a:spcAft>
+              <a:buClrTx/>
+              <a:buSzTx/>
+              <a:buFontTx/>
+              <a:buNone/>
+              <a:tabLst/>
+              <a:defRPr/>
+            </a:pPr>
             <a:endParaRPr lang="en-US" dirty="0"/>
           </a:p>
         </p:txBody>
@@ -632,7 +655,7 @@
           <a:p>
             <a:fld id="{B9F26414-4BE6-427A-9F34-1430B41B92D6}" type="slidenum">
               <a:rPr lang="en-US" smtClean="0"/>
-              <a:t>10</a:t>
+              <a:t>12</a:t>
             </a:fld>
             <a:endParaRPr lang="en-US"/>
           </a:p>
@@ -641,7 +664,7 @@
     </p:spTree>
     <p:extLst>
       <p:ext uri="{BB962C8B-B14F-4D97-AF65-F5344CB8AC3E}">
-        <p14:creationId xmlns:p14="http://schemas.microsoft.com/office/powerpoint/2010/main" val="552846566"/>
+        <p14:creationId xmlns:p14="http://schemas.microsoft.com/office/powerpoint/2010/main" val="628796750"/>
       </p:ext>
     </p:extLst>
   </p:cSld>
@@ -695,23 +718,6 @@
           <a:bodyPr/>
           <a:lstStyle/>
           <a:p>
-            <a:pPr marL="0" marR="0" lvl="0" indent="0" algn="l" defTabSz="914400" rtl="0" eaLnBrk="1" fontAlgn="auto" latinLnBrk="0" hangingPunct="1">
-              <a:lnSpc>
-                <a:spcPct val="100000"/>
-              </a:lnSpc>
-              <a:spcBef>
-                <a:spcPts val="0"/>
-              </a:spcBef>
-              <a:spcAft>
-                <a:spcPts val="0"/>
-              </a:spcAft>
-              <a:buClrTx/>
-              <a:buSzTx/>
-              <a:buFontTx/>
-              <a:buNone/>
-              <a:tabLst/>
-              <a:defRPr/>
-            </a:pPr>
             <a:endParaRPr lang="en-US" dirty="0"/>
           </a:p>
         </p:txBody>
@@ -733,7 +739,7 @@
           <a:p>
             <a:fld id="{B9F26414-4BE6-427A-9F34-1430B41B92D6}" type="slidenum">
               <a:rPr lang="en-US" smtClean="0"/>
-              <a:t>11</a:t>
+              <a:t>13</a:t>
             </a:fld>
             <a:endParaRPr lang="en-US"/>
           </a:p>
@@ -742,7 +748,7 @@
     </p:spTree>
     <p:extLst>
       <p:ext uri="{BB962C8B-B14F-4D97-AF65-F5344CB8AC3E}">
-        <p14:creationId xmlns:p14="http://schemas.microsoft.com/office/powerpoint/2010/main" val="4270333544"/>
+        <p14:creationId xmlns:p14="http://schemas.microsoft.com/office/powerpoint/2010/main" val="990998011"/>
       </p:ext>
     </p:extLst>
   </p:cSld>
@@ -796,6 +802,23 @@
           <a:bodyPr/>
           <a:lstStyle/>
           <a:p>
+            <a:pPr marL="0" marR="0" lvl="0" indent="0" algn="l" defTabSz="914400" rtl="0" eaLnBrk="1" fontAlgn="auto" latinLnBrk="0" hangingPunct="1">
+              <a:lnSpc>
+                <a:spcPct val="100000"/>
+              </a:lnSpc>
+              <a:spcBef>
+                <a:spcPts val="0"/>
+              </a:spcBef>
+              <a:spcAft>
+                <a:spcPts val="0"/>
+              </a:spcAft>
+              <a:buClrTx/>
+              <a:buSzTx/>
+              <a:buFontTx/>
+              <a:buNone/>
+              <a:tabLst/>
+              <a:defRPr/>
+            </a:pPr>
             <a:endParaRPr lang="en-US" dirty="0"/>
           </a:p>
         </p:txBody>
@@ -817,7 +840,7 @@
           <a:p>
             <a:fld id="{B9F26414-4BE6-427A-9F34-1430B41B92D6}" type="slidenum">
               <a:rPr lang="en-US" smtClean="0"/>
-              <a:t>12</a:t>
+              <a:t>14</a:t>
             </a:fld>
             <a:endParaRPr lang="en-US"/>
           </a:p>
@@ -826,7 +849,394 @@
     </p:spTree>
     <p:extLst>
       <p:ext uri="{BB962C8B-B14F-4D97-AF65-F5344CB8AC3E}">
-        <p14:creationId xmlns:p14="http://schemas.microsoft.com/office/powerpoint/2010/main" val="553560941"/>
+        <p14:creationId xmlns:p14="http://schemas.microsoft.com/office/powerpoint/2010/main" val="448676613"/>
+      </p:ext>
+    </p:extLst>
+  </p:cSld>
+  <p:clrMapOvr>
+    <a:masterClrMapping/>
+  </p:clrMapOvr>
+</p:notes>
+</file>
+
+<file path=ppt/notesSlides/notesSlide13.xml><?xml version="1.0" encoding="utf-8"?>
+<p:notes xmlns:a="http://schemas.openxmlformats.org/drawingml/2006/main" xmlns:r="http://schemas.openxmlformats.org/officeDocument/2006/relationships" xmlns:p="http://schemas.openxmlformats.org/presentationml/2006/main">
+  <p:cSld>
+    <p:spTree>
+      <p:nvGrpSpPr>
+        <p:cNvPr id="1" name=""/>
+        <p:cNvGrpSpPr/>
+        <p:nvPr/>
+      </p:nvGrpSpPr>
+      <p:grpSpPr>
+        <a:xfrm>
+          <a:off x="0" y="0"/>
+          <a:ext cx="0" cy="0"/>
+          <a:chOff x="0" y="0"/>
+          <a:chExt cx="0" cy="0"/>
+        </a:xfrm>
+      </p:grpSpPr>
+      <p:sp>
+        <p:nvSpPr>
+          <p:cNvPr id="2" name="Slide Image Placeholder 1"/>
+          <p:cNvSpPr>
+            <a:spLocks noGrp="1" noRot="1" noChangeAspect="1"/>
+          </p:cNvSpPr>
+          <p:nvPr>
+            <p:ph type="sldImg"/>
+          </p:nvPr>
+        </p:nvSpPr>
+        <p:spPr/>
+      </p:sp>
+      <p:sp>
+        <p:nvSpPr>
+          <p:cNvPr id="3" name="Notes Placeholder 2"/>
+          <p:cNvSpPr>
+            <a:spLocks noGrp="1"/>
+          </p:cNvSpPr>
+          <p:nvPr>
+            <p:ph type="body" idx="1"/>
+          </p:nvPr>
+        </p:nvSpPr>
+        <p:spPr/>
+        <p:txBody>
+          <a:bodyPr/>
+          <a:lstStyle/>
+          <a:p>
+            <a:pPr marL="0" marR="0" lvl="0" indent="0" algn="l" defTabSz="914400" rtl="0" eaLnBrk="1" fontAlgn="auto" latinLnBrk="0" hangingPunct="1">
+              <a:lnSpc>
+                <a:spcPct val="100000"/>
+              </a:lnSpc>
+              <a:spcBef>
+                <a:spcPts val="0"/>
+              </a:spcBef>
+              <a:spcAft>
+                <a:spcPts val="0"/>
+              </a:spcAft>
+              <a:buClrTx/>
+              <a:buSzTx/>
+              <a:buFontTx/>
+              <a:buNone/>
+              <a:tabLst/>
+              <a:defRPr/>
+            </a:pPr>
+            <a:endParaRPr lang="en-US" dirty="0"/>
+          </a:p>
+        </p:txBody>
+      </p:sp>
+      <p:sp>
+        <p:nvSpPr>
+          <p:cNvPr id="4" name="Slide Number Placeholder 3"/>
+          <p:cNvSpPr>
+            <a:spLocks noGrp="1"/>
+          </p:cNvSpPr>
+          <p:nvPr>
+            <p:ph type="sldNum" sz="quarter" idx="5"/>
+          </p:nvPr>
+        </p:nvSpPr>
+        <p:spPr/>
+        <p:txBody>
+          <a:bodyPr/>
+          <a:lstStyle/>
+          <a:p>
+            <a:fld id="{B9F26414-4BE6-427A-9F34-1430B41B92D6}" type="slidenum">
+              <a:rPr lang="en-US" smtClean="0"/>
+              <a:t>15</a:t>
+            </a:fld>
+            <a:endParaRPr lang="en-US"/>
+          </a:p>
+        </p:txBody>
+      </p:sp>
+    </p:spTree>
+    <p:extLst>
+      <p:ext uri="{BB962C8B-B14F-4D97-AF65-F5344CB8AC3E}">
+        <p14:creationId xmlns:p14="http://schemas.microsoft.com/office/powerpoint/2010/main" val="767338882"/>
+      </p:ext>
+    </p:extLst>
+  </p:cSld>
+  <p:clrMapOvr>
+    <a:masterClrMapping/>
+  </p:clrMapOvr>
+</p:notes>
+</file>
+
+<file path=ppt/notesSlides/notesSlide14.xml><?xml version="1.0" encoding="utf-8"?>
+<p:notes xmlns:a="http://schemas.openxmlformats.org/drawingml/2006/main" xmlns:r="http://schemas.openxmlformats.org/officeDocument/2006/relationships" xmlns:p="http://schemas.openxmlformats.org/presentationml/2006/main">
+  <p:cSld>
+    <p:spTree>
+      <p:nvGrpSpPr>
+        <p:cNvPr id="1" name=""/>
+        <p:cNvGrpSpPr/>
+        <p:nvPr/>
+      </p:nvGrpSpPr>
+      <p:grpSpPr>
+        <a:xfrm>
+          <a:off x="0" y="0"/>
+          <a:ext cx="0" cy="0"/>
+          <a:chOff x="0" y="0"/>
+          <a:chExt cx="0" cy="0"/>
+        </a:xfrm>
+      </p:grpSpPr>
+      <p:sp>
+        <p:nvSpPr>
+          <p:cNvPr id="2" name="Slide Image Placeholder 1"/>
+          <p:cNvSpPr>
+            <a:spLocks noGrp="1" noRot="1" noChangeAspect="1"/>
+          </p:cNvSpPr>
+          <p:nvPr>
+            <p:ph type="sldImg"/>
+          </p:nvPr>
+        </p:nvSpPr>
+        <p:spPr/>
+      </p:sp>
+      <p:sp>
+        <p:nvSpPr>
+          <p:cNvPr id="3" name="Notes Placeholder 2"/>
+          <p:cNvSpPr>
+            <a:spLocks noGrp="1"/>
+          </p:cNvSpPr>
+          <p:nvPr>
+            <p:ph type="body" idx="1"/>
+          </p:nvPr>
+        </p:nvSpPr>
+        <p:spPr/>
+        <p:txBody>
+          <a:bodyPr/>
+          <a:lstStyle/>
+          <a:p>
+            <a:pPr marL="0" marR="0" lvl="0" indent="0" algn="l" defTabSz="914400" rtl="0" eaLnBrk="1" fontAlgn="auto" latinLnBrk="0" hangingPunct="1">
+              <a:lnSpc>
+                <a:spcPct val="100000"/>
+              </a:lnSpc>
+              <a:spcBef>
+                <a:spcPts val="0"/>
+              </a:spcBef>
+              <a:spcAft>
+                <a:spcPts val="0"/>
+              </a:spcAft>
+              <a:buClrTx/>
+              <a:buSzTx/>
+              <a:buFontTx/>
+              <a:buNone/>
+              <a:tabLst/>
+              <a:defRPr/>
+            </a:pPr>
+            <a:endParaRPr lang="en-US" dirty="0"/>
+          </a:p>
+        </p:txBody>
+      </p:sp>
+      <p:sp>
+        <p:nvSpPr>
+          <p:cNvPr id="4" name="Slide Number Placeholder 3"/>
+          <p:cNvSpPr>
+            <a:spLocks noGrp="1"/>
+          </p:cNvSpPr>
+          <p:nvPr>
+            <p:ph type="sldNum" sz="quarter" idx="5"/>
+          </p:nvPr>
+        </p:nvSpPr>
+        <p:spPr/>
+        <p:txBody>
+          <a:bodyPr/>
+          <a:lstStyle/>
+          <a:p>
+            <a:fld id="{B9F26414-4BE6-427A-9F34-1430B41B92D6}" type="slidenum">
+              <a:rPr lang="en-US" smtClean="0"/>
+              <a:t>16</a:t>
+            </a:fld>
+            <a:endParaRPr lang="en-US"/>
+          </a:p>
+        </p:txBody>
+      </p:sp>
+    </p:spTree>
+    <p:extLst>
+      <p:ext uri="{BB962C8B-B14F-4D97-AF65-F5344CB8AC3E}">
+        <p14:creationId xmlns:p14="http://schemas.microsoft.com/office/powerpoint/2010/main" val="2947895588"/>
+      </p:ext>
+    </p:extLst>
+  </p:cSld>
+  <p:clrMapOvr>
+    <a:masterClrMapping/>
+  </p:clrMapOvr>
+</p:notes>
+</file>
+
+<file path=ppt/notesSlides/notesSlide15.xml><?xml version="1.0" encoding="utf-8"?>
+<p:notes xmlns:a="http://schemas.openxmlformats.org/drawingml/2006/main" xmlns:r="http://schemas.openxmlformats.org/officeDocument/2006/relationships" xmlns:p="http://schemas.openxmlformats.org/presentationml/2006/main">
+  <p:cSld>
+    <p:spTree>
+      <p:nvGrpSpPr>
+        <p:cNvPr id="1" name=""/>
+        <p:cNvGrpSpPr/>
+        <p:nvPr/>
+      </p:nvGrpSpPr>
+      <p:grpSpPr>
+        <a:xfrm>
+          <a:off x="0" y="0"/>
+          <a:ext cx="0" cy="0"/>
+          <a:chOff x="0" y="0"/>
+          <a:chExt cx="0" cy="0"/>
+        </a:xfrm>
+      </p:grpSpPr>
+      <p:sp>
+        <p:nvSpPr>
+          <p:cNvPr id="2" name="Slide Image Placeholder 1"/>
+          <p:cNvSpPr>
+            <a:spLocks noGrp="1" noRot="1" noChangeAspect="1"/>
+          </p:cNvSpPr>
+          <p:nvPr>
+            <p:ph type="sldImg"/>
+          </p:nvPr>
+        </p:nvSpPr>
+        <p:spPr/>
+      </p:sp>
+      <p:sp>
+        <p:nvSpPr>
+          <p:cNvPr id="3" name="Notes Placeholder 2"/>
+          <p:cNvSpPr>
+            <a:spLocks noGrp="1"/>
+          </p:cNvSpPr>
+          <p:nvPr>
+            <p:ph type="body" idx="1"/>
+          </p:nvPr>
+        </p:nvSpPr>
+        <p:spPr/>
+        <p:txBody>
+          <a:bodyPr/>
+          <a:lstStyle/>
+          <a:p>
+            <a:pPr marL="0" marR="0" lvl="0" indent="0" algn="l" defTabSz="914400" rtl="0" eaLnBrk="1" fontAlgn="auto" latinLnBrk="0" hangingPunct="1">
+              <a:lnSpc>
+                <a:spcPct val="100000"/>
+              </a:lnSpc>
+              <a:spcBef>
+                <a:spcPts val="0"/>
+              </a:spcBef>
+              <a:spcAft>
+                <a:spcPts val="0"/>
+              </a:spcAft>
+              <a:buClrTx/>
+              <a:buSzTx/>
+              <a:buFontTx/>
+              <a:buNone/>
+              <a:tabLst/>
+              <a:defRPr/>
+            </a:pPr>
+            <a:endParaRPr lang="en-US" dirty="0"/>
+          </a:p>
+        </p:txBody>
+      </p:sp>
+      <p:sp>
+        <p:nvSpPr>
+          <p:cNvPr id="4" name="Slide Number Placeholder 3"/>
+          <p:cNvSpPr>
+            <a:spLocks noGrp="1"/>
+          </p:cNvSpPr>
+          <p:nvPr>
+            <p:ph type="sldNum" sz="quarter" idx="5"/>
+          </p:nvPr>
+        </p:nvSpPr>
+        <p:spPr/>
+        <p:txBody>
+          <a:bodyPr/>
+          <a:lstStyle/>
+          <a:p>
+            <a:fld id="{B9F26414-4BE6-427A-9F34-1430B41B92D6}" type="slidenum">
+              <a:rPr lang="en-US" smtClean="0"/>
+              <a:t>17</a:t>
+            </a:fld>
+            <a:endParaRPr lang="en-US"/>
+          </a:p>
+        </p:txBody>
+      </p:sp>
+    </p:spTree>
+    <p:extLst>
+      <p:ext uri="{BB962C8B-B14F-4D97-AF65-F5344CB8AC3E}">
+        <p14:creationId xmlns:p14="http://schemas.microsoft.com/office/powerpoint/2010/main" val="4270333544"/>
+      </p:ext>
+    </p:extLst>
+  </p:cSld>
+  <p:clrMapOvr>
+    <a:masterClrMapping/>
+  </p:clrMapOvr>
+</p:notes>
+</file>
+
+<file path=ppt/notesSlides/notesSlide16.xml><?xml version="1.0" encoding="utf-8"?>
+<p:notes xmlns:a="http://schemas.openxmlformats.org/drawingml/2006/main" xmlns:r="http://schemas.openxmlformats.org/officeDocument/2006/relationships" xmlns:p="http://schemas.openxmlformats.org/presentationml/2006/main">
+  <p:cSld>
+    <p:spTree>
+      <p:nvGrpSpPr>
+        <p:cNvPr id="1" name=""/>
+        <p:cNvGrpSpPr/>
+        <p:nvPr/>
+      </p:nvGrpSpPr>
+      <p:grpSpPr>
+        <a:xfrm>
+          <a:off x="0" y="0"/>
+          <a:ext cx="0" cy="0"/>
+          <a:chOff x="0" y="0"/>
+          <a:chExt cx="0" cy="0"/>
+        </a:xfrm>
+      </p:grpSpPr>
+      <p:sp>
+        <p:nvSpPr>
+          <p:cNvPr id="2" name="Slide Image Placeholder 1"/>
+          <p:cNvSpPr>
+            <a:spLocks noGrp="1" noRot="1" noChangeAspect="1"/>
+          </p:cNvSpPr>
+          <p:nvPr>
+            <p:ph type="sldImg"/>
+          </p:nvPr>
+        </p:nvSpPr>
+        <p:spPr/>
+      </p:sp>
+      <p:sp>
+        <p:nvSpPr>
+          <p:cNvPr id="3" name="Notes Placeholder 2"/>
+          <p:cNvSpPr>
+            <a:spLocks noGrp="1"/>
+          </p:cNvSpPr>
+          <p:nvPr>
+            <p:ph type="body" idx="1"/>
+          </p:nvPr>
+        </p:nvSpPr>
+        <p:spPr/>
+        <p:txBody>
+          <a:bodyPr/>
+          <a:lstStyle/>
+          <a:p>
+            <a:endParaRPr lang="en-US" dirty="0"/>
+          </a:p>
+        </p:txBody>
+      </p:sp>
+      <p:sp>
+        <p:nvSpPr>
+          <p:cNvPr id="4" name="Slide Number Placeholder 3"/>
+          <p:cNvSpPr>
+            <a:spLocks noGrp="1"/>
+          </p:cNvSpPr>
+          <p:nvPr>
+            <p:ph type="sldNum" sz="quarter" idx="5"/>
+          </p:nvPr>
+        </p:nvSpPr>
+        <p:spPr/>
+        <p:txBody>
+          <a:bodyPr/>
+          <a:lstStyle/>
+          <a:p>
+            <a:fld id="{B9F26414-4BE6-427A-9F34-1430B41B92D6}" type="slidenum">
+              <a:rPr lang="en-US" smtClean="0"/>
+              <a:t>18</a:t>
+            </a:fld>
+            <a:endParaRPr lang="en-US"/>
+          </a:p>
+        </p:txBody>
+      </p:sp>
+    </p:spTree>
+    <p:extLst>
+      <p:ext uri="{BB962C8B-B14F-4D97-AF65-F5344CB8AC3E}">
+        <p14:creationId xmlns:p14="http://schemas.microsoft.com/office/powerpoint/2010/main" val="990998011"/>
       </p:ext>
     </p:extLst>
   </p:cSld>
@@ -981,7 +1391,82 @@
           <a:bodyPr/>
           <a:lstStyle/>
           <a:p>
+            <a:pPr marL="0" marR="0" lvl="0" indent="0" algn="l" defTabSz="914400" rtl="0" eaLnBrk="1" fontAlgn="auto" latinLnBrk="0" hangingPunct="1">
+              <a:lnSpc>
+                <a:spcPct val="100000"/>
+              </a:lnSpc>
+              <a:spcBef>
+                <a:spcPts val="0"/>
+              </a:spcBef>
+              <a:spcAft>
+                <a:spcPts val="0"/>
+              </a:spcAft>
+              <a:buClrTx/>
+              <a:buSzTx/>
+              <a:buFontTx/>
+              <a:buNone/>
+              <a:tabLst/>
+              <a:defRPr/>
+            </a:pPr>
+            <a:r>
+              <a:rPr lang="en-US" dirty="0"/>
+              <a:t>What is necessary to author test cases?</a:t>
+            </a:r>
+          </a:p>
+          <a:p>
+            <a:pPr marL="0" marR="0" lvl="0" indent="0" algn="l" defTabSz="914400" rtl="0" eaLnBrk="1" fontAlgn="auto" latinLnBrk="0" hangingPunct="1">
+              <a:lnSpc>
+                <a:spcPct val="100000"/>
+              </a:lnSpc>
+              <a:spcBef>
+                <a:spcPts val="0"/>
+              </a:spcBef>
+              <a:spcAft>
+                <a:spcPts val="0"/>
+              </a:spcAft>
+              <a:buClrTx/>
+              <a:buSzTx/>
+              <a:buFontTx/>
+              <a:buNone/>
+              <a:tabLst/>
+              <a:defRPr/>
+            </a:pPr>
             <a:endParaRPr lang="en-US" dirty="0"/>
+          </a:p>
+          <a:p>
+            <a:pPr marL="0" marR="0" lvl="0" indent="0" algn="l" defTabSz="914400" rtl="0" eaLnBrk="1" fontAlgn="auto" latinLnBrk="0" hangingPunct="1">
+              <a:lnSpc>
+                <a:spcPct val="100000"/>
+              </a:lnSpc>
+              <a:spcBef>
+                <a:spcPts val="0"/>
+              </a:spcBef>
+              <a:spcAft>
+                <a:spcPts val="0"/>
+              </a:spcAft>
+              <a:buClrTx/>
+              <a:buSzTx/>
+              <a:buFontTx/>
+              <a:buNone/>
+              <a:tabLst/>
+              <a:defRPr/>
+            </a:pPr>
+            <a:r>
+              <a:rPr lang="en-US" dirty="0" err="1"/>
+              <a:t>valtools</a:t>
+            </a:r>
+            <a:r>
+              <a:rPr lang="en-US" dirty="0"/>
+              <a:t>::</a:t>
+            </a:r>
+            <a:r>
+              <a:rPr lang="en-US" dirty="0" err="1"/>
+              <a:t>vt_use_test_cases</a:t>
+            </a:r>
+            <a:r>
+              <a:rPr lang="en-US" dirty="0"/>
+              <a:t> creates a new test case file with prompts for essential elements. The content is written using markdown syntax, with roxygen2 tags for simple meta info.</a:t>
+            </a:r>
           </a:p>
         </p:txBody>
       </p:sp>
@@ -1002,7 +1487,7 @@
           <a:p>
             <a:fld id="{B9F26414-4BE6-427A-9F34-1430B41B92D6}" type="slidenum">
               <a:rPr lang="en-US" smtClean="0"/>
-              <a:t>3</a:t>
+              <a:t>4</a:t>
             </a:fld>
             <a:endParaRPr lang="en-US"/>
           </a:p>
@@ -1011,7 +1496,7 @@
     </p:spTree>
     <p:extLst>
       <p:ext uri="{BB962C8B-B14F-4D97-AF65-F5344CB8AC3E}">
-        <p14:creationId xmlns:p14="http://schemas.microsoft.com/office/powerpoint/2010/main" val="880762840"/>
+        <p14:creationId xmlns:p14="http://schemas.microsoft.com/office/powerpoint/2010/main" val="3976014023"/>
       </p:ext>
     </p:extLst>
   </p:cSld>
@@ -1082,7 +1567,65 @@
               <a:tabLst/>
               <a:defRPr/>
             </a:pPr>
+            <a:r>
+              <a:rPr lang="en-US" dirty="0"/>
+              <a:t>What is necessary to author test cases?</a:t>
+            </a:r>
+          </a:p>
+          <a:p>
+            <a:pPr marL="0" marR="0" lvl="0" indent="0" algn="l" defTabSz="914400" rtl="0" eaLnBrk="1" fontAlgn="auto" latinLnBrk="0" hangingPunct="1">
+              <a:lnSpc>
+                <a:spcPct val="100000"/>
+              </a:lnSpc>
+              <a:spcBef>
+                <a:spcPts val="0"/>
+              </a:spcBef>
+              <a:spcAft>
+                <a:spcPts val="0"/>
+              </a:spcAft>
+              <a:buClrTx/>
+              <a:buSzTx/>
+              <a:buFontTx/>
+              <a:buNone/>
+              <a:tabLst/>
+              <a:defRPr/>
+            </a:pPr>
             <a:endParaRPr lang="en-US" dirty="0"/>
+          </a:p>
+          <a:p>
+            <a:pPr marL="0" marR="0" lvl="0" indent="0" algn="l" defTabSz="914400" rtl="0" eaLnBrk="1" fontAlgn="auto" latinLnBrk="0" hangingPunct="1">
+              <a:lnSpc>
+                <a:spcPct val="100000"/>
+              </a:lnSpc>
+              <a:spcBef>
+                <a:spcPts val="0"/>
+              </a:spcBef>
+              <a:spcAft>
+                <a:spcPts val="0"/>
+              </a:spcAft>
+              <a:buClrTx/>
+              <a:buSzTx/>
+              <a:buFontTx/>
+              <a:buNone/>
+              <a:tabLst/>
+              <a:defRPr/>
+            </a:pPr>
+            <a:r>
+              <a:rPr lang="en-US" dirty="0" err="1"/>
+              <a:t>valtools</a:t>
+            </a:r>
+            <a:r>
+              <a:rPr lang="en-US" dirty="0"/>
+              <a:t>::</a:t>
+            </a:r>
+            <a:r>
+              <a:rPr lang="en-US" dirty="0" err="1"/>
+              <a:t>vt_use_test_cases</a:t>
+            </a:r>
+            <a:r>
+              <a:rPr lang="en-US" dirty="0"/>
+              <a:t> creates a new test case file with prompts for essential elements. The content is written using markdown syntax, with roxygen2 tags for simple meta info.</a:t>
+            </a:r>
           </a:p>
         </p:txBody>
       </p:sp>
@@ -1103,7 +1646,7 @@
           <a:p>
             <a:fld id="{B9F26414-4BE6-427A-9F34-1430B41B92D6}" type="slidenum">
               <a:rPr lang="en-US" smtClean="0"/>
-              <a:t>4</a:t>
+              <a:t>5</a:t>
             </a:fld>
             <a:endParaRPr lang="en-US"/>
           </a:p>
@@ -1112,7 +1655,7 @@
     </p:spTree>
     <p:extLst>
       <p:ext uri="{BB962C8B-B14F-4D97-AF65-F5344CB8AC3E}">
-        <p14:creationId xmlns:p14="http://schemas.microsoft.com/office/powerpoint/2010/main" val="2947895588"/>
+        <p14:creationId xmlns:p14="http://schemas.microsoft.com/office/powerpoint/2010/main" val="3976014023"/>
       </p:ext>
     </p:extLst>
   </p:cSld>
@@ -1183,7 +1726,73 @@
               <a:tabLst/>
               <a:defRPr/>
             </a:pPr>
+            <a:r>
+              <a:rPr lang="en-US" dirty="0"/>
+              <a:t>What is necessary to author test code?</a:t>
+            </a:r>
+          </a:p>
+          <a:p>
+            <a:pPr marL="0" marR="0" lvl="0" indent="0" algn="l" defTabSz="914400" rtl="0" eaLnBrk="1" fontAlgn="auto" latinLnBrk="0" hangingPunct="1">
+              <a:lnSpc>
+                <a:spcPct val="100000"/>
+              </a:lnSpc>
+              <a:spcBef>
+                <a:spcPts val="0"/>
+              </a:spcBef>
+              <a:spcAft>
+                <a:spcPts val="0"/>
+              </a:spcAft>
+              <a:buClrTx/>
+              <a:buSzTx/>
+              <a:buFontTx/>
+              <a:buNone/>
+              <a:tabLst/>
+              <a:defRPr/>
+            </a:pPr>
             <a:endParaRPr lang="en-US" dirty="0"/>
+          </a:p>
+          <a:p>
+            <a:pPr marL="0" marR="0" lvl="0" indent="0" algn="l" defTabSz="914400" rtl="0" eaLnBrk="1" fontAlgn="auto" latinLnBrk="0" hangingPunct="1">
+              <a:lnSpc>
+                <a:spcPct val="100000"/>
+              </a:lnSpc>
+              <a:spcBef>
+                <a:spcPts val="0"/>
+              </a:spcBef>
+              <a:spcAft>
+                <a:spcPts val="0"/>
+              </a:spcAft>
+              <a:buClrTx/>
+              <a:buSzTx/>
+              <a:buFontTx/>
+              <a:buNone/>
+              <a:tabLst/>
+              <a:defRPr/>
+            </a:pPr>
+            <a:r>
+              <a:rPr lang="en-US" dirty="0" err="1"/>
+              <a:t>valtools</a:t>
+            </a:r>
+            <a:r>
+              <a:rPr lang="en-US" dirty="0"/>
+              <a:t>::</a:t>
+            </a:r>
+            <a:r>
+              <a:rPr lang="en-US" dirty="0" err="1"/>
+              <a:t>vt_use_test_code</a:t>
+            </a:r>
+            <a:r>
+              <a:rPr lang="en-US" dirty="0"/>
+              <a:t> creates a new test code file with prompts for essential elements. The content is written using </a:t>
+            </a:r>
+            <a:r>
+              <a:rPr lang="en-US" dirty="0" err="1"/>
+              <a:t>testthat</a:t>
+            </a:r>
+            <a:r>
+              <a:rPr lang="en-US" dirty="0"/>
+              <a:t> syntax, with roxygen2 tags for simple meta info.</a:t>
+            </a:r>
           </a:p>
         </p:txBody>
       </p:sp>
@@ -1204,7 +1813,7 @@
           <a:p>
             <a:fld id="{B9F26414-4BE6-427A-9F34-1430B41B92D6}" type="slidenum">
               <a:rPr lang="en-US" smtClean="0"/>
-              <a:t>5</a:t>
+              <a:t>6</a:t>
             </a:fld>
             <a:endParaRPr lang="en-US"/>
           </a:p>
@@ -1213,7 +1822,7 @@
     </p:spTree>
     <p:extLst>
       <p:ext uri="{BB962C8B-B14F-4D97-AF65-F5344CB8AC3E}">
-        <p14:creationId xmlns:p14="http://schemas.microsoft.com/office/powerpoint/2010/main" val="767338882"/>
+        <p14:creationId xmlns:p14="http://schemas.microsoft.com/office/powerpoint/2010/main" val="2245478203"/>
       </p:ext>
     </p:extLst>
   </p:cSld>
@@ -1284,7 +1893,73 @@
               <a:tabLst/>
               <a:defRPr/>
             </a:pPr>
+            <a:r>
+              <a:rPr lang="en-US" dirty="0"/>
+              <a:t>What is necessary to author test code?</a:t>
+            </a:r>
+          </a:p>
+          <a:p>
+            <a:pPr marL="0" marR="0" lvl="0" indent="0" algn="l" defTabSz="914400" rtl="0" eaLnBrk="1" fontAlgn="auto" latinLnBrk="0" hangingPunct="1">
+              <a:lnSpc>
+                <a:spcPct val="100000"/>
+              </a:lnSpc>
+              <a:spcBef>
+                <a:spcPts val="0"/>
+              </a:spcBef>
+              <a:spcAft>
+                <a:spcPts val="0"/>
+              </a:spcAft>
+              <a:buClrTx/>
+              <a:buSzTx/>
+              <a:buFontTx/>
+              <a:buNone/>
+              <a:tabLst/>
+              <a:defRPr/>
+            </a:pPr>
             <a:endParaRPr lang="en-US" dirty="0"/>
+          </a:p>
+          <a:p>
+            <a:pPr marL="0" marR="0" lvl="0" indent="0" algn="l" defTabSz="914400" rtl="0" eaLnBrk="1" fontAlgn="auto" latinLnBrk="0" hangingPunct="1">
+              <a:lnSpc>
+                <a:spcPct val="100000"/>
+              </a:lnSpc>
+              <a:spcBef>
+                <a:spcPts val="0"/>
+              </a:spcBef>
+              <a:spcAft>
+                <a:spcPts val="0"/>
+              </a:spcAft>
+              <a:buClrTx/>
+              <a:buSzTx/>
+              <a:buFontTx/>
+              <a:buNone/>
+              <a:tabLst/>
+              <a:defRPr/>
+            </a:pPr>
+            <a:r>
+              <a:rPr lang="en-US" dirty="0" err="1"/>
+              <a:t>valtools</a:t>
+            </a:r>
+            <a:r>
+              <a:rPr lang="en-US" dirty="0"/>
+              <a:t>::</a:t>
+            </a:r>
+            <a:r>
+              <a:rPr lang="en-US" dirty="0" err="1"/>
+              <a:t>vt_use_test_code</a:t>
+            </a:r>
+            <a:r>
+              <a:rPr lang="en-US" dirty="0"/>
+              <a:t> creates a new test code file with prompts for essential elements. The content is written using </a:t>
+            </a:r>
+            <a:r>
+              <a:rPr lang="en-US" dirty="0" err="1"/>
+              <a:t>testthat</a:t>
+            </a:r>
+            <a:r>
+              <a:rPr lang="en-US" dirty="0"/>
+              <a:t> syntax, with roxygen2 tags for simple meta info.</a:t>
+            </a:r>
           </a:p>
         </p:txBody>
       </p:sp>
@@ -1305,7 +1980,7 @@
           <a:p>
             <a:fld id="{B9F26414-4BE6-427A-9F34-1430B41B92D6}" type="slidenum">
               <a:rPr lang="en-US" smtClean="0"/>
-              <a:t>6</a:t>
+              <a:t>7</a:t>
             </a:fld>
             <a:endParaRPr lang="en-US"/>
           </a:p>
@@ -1314,7 +1989,7 @@
     </p:spTree>
     <p:extLst>
       <p:ext uri="{BB962C8B-B14F-4D97-AF65-F5344CB8AC3E}">
-        <p14:creationId xmlns:p14="http://schemas.microsoft.com/office/powerpoint/2010/main" val="1151704518"/>
+        <p14:creationId xmlns:p14="http://schemas.microsoft.com/office/powerpoint/2010/main" val="2245478203"/>
       </p:ext>
     </p:extLst>
   </p:cSld>
@@ -1389,7 +2064,7 @@
           <a:p>
             <a:fld id="{B9F26414-4BE6-427A-9F34-1430B41B92D6}" type="slidenum">
               <a:rPr lang="en-US" smtClean="0"/>
-              <a:t>7</a:t>
+              <a:t>8</a:t>
             </a:fld>
             <a:endParaRPr lang="en-US"/>
           </a:p>
@@ -1398,7 +2073,7 @@
     </p:spTree>
     <p:extLst>
       <p:ext uri="{BB962C8B-B14F-4D97-AF65-F5344CB8AC3E}">
-        <p14:creationId xmlns:p14="http://schemas.microsoft.com/office/powerpoint/2010/main" val="4199574331"/>
+        <p14:creationId xmlns:p14="http://schemas.microsoft.com/office/powerpoint/2010/main" val="990998011"/>
       </p:ext>
     </p:extLst>
   </p:cSld>
@@ -1490,7 +2165,7 @@
           <a:p>
             <a:fld id="{B9F26414-4BE6-427A-9F34-1430B41B92D6}" type="slidenum">
               <a:rPr lang="en-US" smtClean="0"/>
-              <a:t>8</a:t>
+              <a:t>10</a:t>
             </a:fld>
             <a:endParaRPr lang="en-US"/>
           </a:p>
@@ -1499,7 +2174,7 @@
     </p:spTree>
     <p:extLst>
       <p:ext uri="{BB962C8B-B14F-4D97-AF65-F5344CB8AC3E}">
-        <p14:creationId xmlns:p14="http://schemas.microsoft.com/office/powerpoint/2010/main" val="2557145505"/>
+        <p14:creationId xmlns:p14="http://schemas.microsoft.com/office/powerpoint/2010/main" val="199079967"/>
       </p:ext>
     </p:extLst>
   </p:cSld>
@@ -1570,7 +2245,110 @@
               <a:tabLst/>
               <a:defRPr/>
             </a:pPr>
-            <a:endParaRPr lang="en-US" dirty="0"/>
+            <a:r>
+              <a:rPr lang="en-US" dirty="0"/>
+              <a:t>Validation report helpers manage the expectation of repeated rendering in a variety of scenarios:</a:t>
+            </a:r>
+          </a:p>
+          <a:p>
+            <a:pPr marL="171450" marR="0" lvl="0" indent="-171450" algn="l" defTabSz="914400" rtl="0" eaLnBrk="1" fontAlgn="auto" latinLnBrk="0" hangingPunct="1">
+              <a:lnSpc>
+                <a:spcPct val="100000"/>
+              </a:lnSpc>
+              <a:spcBef>
+                <a:spcPts val="0"/>
+              </a:spcBef>
+              <a:spcAft>
+                <a:spcPts val="0"/>
+              </a:spcAft>
+              <a:buClrTx/>
+              <a:buSzTx/>
+              <a:buFontTx/>
+              <a:buChar char="-"/>
+              <a:tabLst/>
+              <a:defRPr/>
+            </a:pPr>
+            <a:r>
+              <a:rPr lang="en-US" dirty="0"/>
+              <a:t>Validation separate from a package e.g. validation of third party authored packages</a:t>
+            </a:r>
+          </a:p>
+          <a:p>
+            <a:pPr marL="171450" marR="0" lvl="0" indent="-171450" algn="l" defTabSz="914400" rtl="0" eaLnBrk="1" fontAlgn="auto" latinLnBrk="0" hangingPunct="1">
+              <a:lnSpc>
+                <a:spcPct val="100000"/>
+              </a:lnSpc>
+              <a:spcBef>
+                <a:spcPts val="0"/>
+              </a:spcBef>
+              <a:spcAft>
+                <a:spcPts val="0"/>
+              </a:spcAft>
+              <a:buClrTx/>
+              <a:buSzTx/>
+              <a:buFontTx/>
+              <a:buChar char="-"/>
+              <a:tabLst/>
+              <a:defRPr/>
+            </a:pPr>
+            <a:r>
+              <a:rPr lang="en-US" dirty="0"/>
+              <a:t>Validation while developing, e.g. as part of </a:t>
+            </a:r>
+            <a:r>
+              <a:rPr lang="en-US" dirty="0" err="1"/>
+              <a:t>c.i</a:t>
+            </a:r>
+            <a:r>
+              <a:rPr lang="en-US" dirty="0"/>
+              <a:t> or for a git repo</a:t>
+            </a:r>
+          </a:p>
+          <a:p>
+            <a:pPr marL="171450" marR="0" lvl="0" indent="-171450" algn="l" defTabSz="914400" rtl="0" eaLnBrk="1" fontAlgn="auto" latinLnBrk="0" hangingPunct="1">
+              <a:lnSpc>
+                <a:spcPct val="100000"/>
+              </a:lnSpc>
+              <a:spcBef>
+                <a:spcPts val="0"/>
+              </a:spcBef>
+              <a:spcAft>
+                <a:spcPts val="0"/>
+              </a:spcAft>
+              <a:buClrTx/>
+              <a:buSzTx/>
+              <a:buFontTx/>
+              <a:buChar char="-"/>
+              <a:tabLst/>
+              <a:defRPr/>
+            </a:pPr>
+            <a:r>
+              <a:rPr lang="en-US" dirty="0"/>
+              <a:t>Validation after install, e.g. if the working environment has been updated</a:t>
+            </a:r>
+          </a:p>
+          <a:p>
+            <a:pPr marL="171450" marR="0" lvl="0" indent="-171450" algn="l" defTabSz="914400" rtl="0" eaLnBrk="1" fontAlgn="auto" latinLnBrk="0" hangingPunct="1">
+              <a:lnSpc>
+                <a:spcPct val="100000"/>
+              </a:lnSpc>
+              <a:spcBef>
+                <a:spcPts val="0"/>
+              </a:spcBef>
+              <a:spcAft>
+                <a:spcPts val="0"/>
+              </a:spcAft>
+              <a:buClrTx/>
+              <a:buSzTx/>
+              <a:buFontTx/>
+              <a:buChar char="-"/>
+              <a:tabLst/>
+              <a:defRPr/>
+            </a:pPr>
+            <a:r>
+              <a:rPr lang="en-US" dirty="0"/>
+              <a:t>Validation as part of distribution, e.g. when bundling for distribution</a:t>
+            </a:r>
           </a:p>
         </p:txBody>
       </p:sp>
@@ -1591,7 +2369,7 @@
           <a:p>
             <a:fld id="{B9F26414-4BE6-427A-9F34-1430B41B92D6}" type="slidenum">
               <a:rPr lang="en-US" smtClean="0"/>
-              <a:t>9</a:t>
+              <a:t>11</a:t>
             </a:fld>
             <a:endParaRPr lang="en-US"/>
           </a:p>
@@ -1600,7 +2378,7 @@
     </p:spTree>
     <p:extLst>
       <p:ext uri="{BB962C8B-B14F-4D97-AF65-F5344CB8AC3E}">
-        <p14:creationId xmlns:p14="http://schemas.microsoft.com/office/powerpoint/2010/main" val="1561431168"/>
+        <p14:creationId xmlns:p14="http://schemas.microsoft.com/office/powerpoint/2010/main" val="4085674437"/>
       </p:ext>
     </p:extLst>
   </p:cSld>
@@ -1632,7 +2410,7 @@
           <p:cNvPr id="5" name="Rectangle 4">
             <a:extLst>
               <a:ext uri="{FF2B5EF4-FFF2-40B4-BE49-F238E27FC236}">
-                <a16:creationId xmlns="" xmlns:a16="http://schemas.microsoft.com/office/drawing/2014/main" id="{904DB13E-F722-4ED6-BB00-556651E95281}"/>
+                <a16:creationId xmlns:a16="http://schemas.microsoft.com/office/drawing/2014/main" xmlns="" id="{904DB13E-F722-4ED6-BB00-556651E95281}"/>
               </a:ext>
             </a:extLst>
           </p:cNvPr>
@@ -1781,7 +2559,7 @@
           <p:cNvPr id="7" name="Group 6">
             <a:extLst>
               <a:ext uri="{FF2B5EF4-FFF2-40B4-BE49-F238E27FC236}">
-                <a16:creationId xmlns="" xmlns:a16="http://schemas.microsoft.com/office/drawing/2014/main" id="{E26428D7-C6F3-473D-A360-A3F5C3E8728C}"/>
+                <a16:creationId xmlns:a16="http://schemas.microsoft.com/office/drawing/2014/main" xmlns="" id="{E26428D7-C6F3-473D-A360-A3F5C3E8728C}"/>
               </a:ext>
             </a:extLst>
           </p:cNvPr>
@@ -2079,7 +2857,7 @@
           <a:p>
             <a:fld id="{EA0C0817-A112-4847-8014-A94B7D2A4EA3}" type="datetime1">
               <a:rPr lang="en-US" smtClean="0"/>
-              <a:t>9/12/2021</a:t>
+              <a:t>10/14/2021</a:t>
             </a:fld>
             <a:endParaRPr lang="en-US" dirty="0"/>
           </a:p>
@@ -2281,7 +3059,7 @@
           <a:p>
             <a:fld id="{7332B432-ACDA-4023-A761-2BAB76577B62}" type="datetime1">
               <a:rPr lang="en-US" smtClean="0"/>
-              <a:t>9/12/2021</a:t>
+              <a:t>10/14/2021</a:t>
             </a:fld>
             <a:endParaRPr lang="en-US" dirty="0"/>
           </a:p>
@@ -2364,7 +3142,7 @@
           <p:cNvPr id="15" name="Rectangle 14">
             <a:extLst>
               <a:ext uri="{FF2B5EF4-FFF2-40B4-BE49-F238E27FC236}">
-                <a16:creationId xmlns="" xmlns:a16="http://schemas.microsoft.com/office/drawing/2014/main" id="{0A4A1889-E37C-4EC3-9E41-9DAD221CF389}"/>
+                <a16:creationId xmlns:a16="http://schemas.microsoft.com/office/drawing/2014/main" xmlns="" id="{0A4A1889-E37C-4EC3-9E41-9DAD221CF389}"/>
               </a:ext>
             </a:extLst>
           </p:cNvPr>
@@ -2561,7 +3339,7 @@
           <p:cNvPr id="16" name="Group 15">
             <a:extLst>
               <a:ext uri="{FF2B5EF4-FFF2-40B4-BE49-F238E27FC236}">
-                <a16:creationId xmlns="" xmlns:a16="http://schemas.microsoft.com/office/drawing/2014/main" id="{1683EB04-C23E-490C-A1A6-030CF79D23C8}"/>
+                <a16:creationId xmlns:a16="http://schemas.microsoft.com/office/drawing/2014/main" xmlns="" id="{1683EB04-C23E-490C-A1A6-030CF79D23C8}"/>
               </a:ext>
             </a:extLst>
           </p:cNvPr>
@@ -2581,7 +3359,7 @@
             <p:cNvPr id="17" name="Straight Connector 16">
               <a:extLst>
                 <a:ext uri="{FF2B5EF4-FFF2-40B4-BE49-F238E27FC236}">
-                  <a16:creationId xmlns="" xmlns:a16="http://schemas.microsoft.com/office/drawing/2014/main" id="{F8A84C03-E1CA-4A4E-81D6-9BB0C335B7A0}"/>
+                  <a16:creationId xmlns:a16="http://schemas.microsoft.com/office/drawing/2014/main" xmlns="" id="{F8A84C03-E1CA-4A4E-81D6-9BB0C335B7A0}"/>
                 </a:ext>
               </a:extLst>
             </p:cNvPr>
@@ -2629,7 +3407,7 @@
             <p:cNvPr id="18" name="Straight Connector 17">
               <a:extLst>
                 <a:ext uri="{FF2B5EF4-FFF2-40B4-BE49-F238E27FC236}">
-                  <a16:creationId xmlns="" xmlns:a16="http://schemas.microsoft.com/office/drawing/2014/main" id="{4A26FB5A-D5D1-4DAB-AC43-7F51A7F2D197}"/>
+                  <a16:creationId xmlns:a16="http://schemas.microsoft.com/office/drawing/2014/main" xmlns="" id="{4A26FB5A-D5D1-4DAB-AC43-7F51A7F2D197}"/>
                 </a:ext>
               </a:extLst>
             </p:cNvPr>
@@ -2677,7 +3455,7 @@
             <p:cNvPr id="19" name="Straight Connector 18">
               <a:extLst>
                 <a:ext uri="{FF2B5EF4-FFF2-40B4-BE49-F238E27FC236}">
-                  <a16:creationId xmlns="" xmlns:a16="http://schemas.microsoft.com/office/drawing/2014/main" id="{49303F14-E560-4C02-94F4-B4695FE26813}"/>
+                  <a16:creationId xmlns:a16="http://schemas.microsoft.com/office/drawing/2014/main" xmlns="" id="{49303F14-E560-4C02-94F4-B4695FE26813}"/>
                 </a:ext>
               </a:extLst>
             </p:cNvPr>
@@ -2880,7 +3658,7 @@
           <a:p>
             <a:fld id="{D9C646AA-F36E-4540-911D-FFFC0A0EF24A}" type="datetime1">
               <a:rPr lang="en-US" smtClean="0"/>
-              <a:t>9/12/2021</a:t>
+              <a:t>10/14/2021</a:t>
             </a:fld>
             <a:endParaRPr lang="en-US" dirty="0"/>
           </a:p>
@@ -3200,7 +3978,7 @@
           <a:p>
             <a:fld id="{69186D26-FA5F-4637-B602-B7C2DC34CFD4}" type="datetime1">
               <a:rPr lang="en-US" smtClean="0"/>
-              <a:t>9/12/2021</a:t>
+              <a:t>10/14/2021</a:t>
             </a:fld>
             <a:endParaRPr lang="en-US" dirty="0"/>
           </a:p>
@@ -3637,7 +4415,7 @@
           <a:p>
             <a:fld id="{8A7F15D8-96D1-4781-BC50-CA8A088B2FE4}" type="datetime1">
               <a:rPr lang="en-US" smtClean="0"/>
-              <a:t>9/12/2021</a:t>
+              <a:t>10/14/2021</a:t>
             </a:fld>
             <a:endParaRPr lang="en-US" dirty="0"/>
           </a:p>
@@ -3755,7 +4533,7 @@
           <a:p>
             <a:fld id="{F9A96C99-B8F8-4528-BD05-0E16E943DC09}" type="datetime1">
               <a:rPr lang="en-US" smtClean="0"/>
-              <a:t>9/12/2021</a:t>
+              <a:t>10/14/2021</a:t>
             </a:fld>
             <a:endParaRPr lang="en-US" dirty="0"/>
           </a:p>
@@ -3850,7 +4628,7 @@
           <a:p>
             <a:fld id="{03636942-C211-4B28-8DBD-C953E00AF71B}" type="datetime1">
               <a:rPr lang="en-US" smtClean="0"/>
-              <a:t>9/12/2021</a:t>
+              <a:t>10/14/2021</a:t>
             </a:fld>
             <a:endParaRPr lang="en-US" dirty="0"/>
           </a:p>
@@ -3933,7 +4711,7 @@
           <p:cNvPr id="10" name="Rectangle 9">
             <a:extLst>
               <a:ext uri="{FF2B5EF4-FFF2-40B4-BE49-F238E27FC236}">
-                <a16:creationId xmlns="" xmlns:a16="http://schemas.microsoft.com/office/drawing/2014/main" id="{D5E1BBF9-8BEF-4353-BA68-30AAF9EBD8D8}"/>
+                <a16:creationId xmlns:a16="http://schemas.microsoft.com/office/drawing/2014/main" xmlns="" id="{D5E1BBF9-8BEF-4353-BA68-30AAF9EBD8D8}"/>
               </a:ext>
             </a:extLst>
           </p:cNvPr>
@@ -3980,7 +4758,7 @@
           <p:cNvPr id="13" name="Rectangle 12">
             <a:extLst>
               <a:ext uri="{FF2B5EF4-FFF2-40B4-BE49-F238E27FC236}">
-                <a16:creationId xmlns="" xmlns:a16="http://schemas.microsoft.com/office/drawing/2014/main" id="{5B941C21-2A5D-4912-AB06-1BB0C0EB6AE1}"/>
+                <a16:creationId xmlns:a16="http://schemas.microsoft.com/office/drawing/2014/main" xmlns="" id="{5B941C21-2A5D-4912-AB06-1BB0C0EB6AE1}"/>
               </a:ext>
             </a:extLst>
           </p:cNvPr>
@@ -4267,7 +5045,7 @@
           <a:p>
             <a:fld id="{7E8D12A6-918A-48BD-8CB9-CA713993B0EA}" type="datetime1">
               <a:rPr lang="en-US" smtClean="0"/>
-              <a:t>9/12/2021</a:t>
+              <a:t>10/14/2021</a:t>
             </a:fld>
             <a:endParaRPr lang="en-US" dirty="0"/>
           </a:p>
@@ -4375,7 +5153,7 @@
           <p:cNvPr id="11" name="Rectangle 10">
             <a:extLst>
               <a:ext uri="{FF2B5EF4-FFF2-40B4-BE49-F238E27FC236}">
-                <a16:creationId xmlns="" xmlns:a16="http://schemas.microsoft.com/office/drawing/2014/main" id="{E687CA98-D9C7-497F-A1DA-7D22F8753BCE}"/>
+                <a16:creationId xmlns:a16="http://schemas.microsoft.com/office/drawing/2014/main" xmlns="" id="{E687CA98-D9C7-497F-A1DA-7D22F8753BCE}"/>
               </a:ext>
             </a:extLst>
           </p:cNvPr>
@@ -4529,7 +5307,7 @@
             <a:fld id="{E778CE86-875F-4587-BCF6-FA054AFC0D53}" type="datetime1">
               <a:rPr lang="en-US" smtClean="0"/>
               <a:pPr/>
-              <a:t>9/12/2021</a:t>
+              <a:t>10/14/2021</a:t>
             </a:fld>
             <a:endParaRPr lang="en-US" dirty="0"/>
           </a:p>
@@ -4611,7 +5389,7 @@
           <p:cNvPr id="12" name="Rectangle 11">
             <a:extLst>
               <a:ext uri="{FF2B5EF4-FFF2-40B4-BE49-F238E27FC236}">
-                <a16:creationId xmlns="" xmlns:a16="http://schemas.microsoft.com/office/drawing/2014/main" id="{F8B3D8CC-BB13-41A5-8F34-B8E84A4F9534}"/>
+                <a16:creationId xmlns:a16="http://schemas.microsoft.com/office/drawing/2014/main" xmlns="" id="{F8B3D8CC-BB13-41A5-8F34-B8E84A4F9534}"/>
               </a:ext>
             </a:extLst>
           </p:cNvPr>
@@ -4813,7 +5591,7 @@
           <p:cNvPr id="9" name="Rectangle 8">
             <a:extLst>
               <a:ext uri="{FF2B5EF4-FFF2-40B4-BE49-F238E27FC236}">
-                <a16:creationId xmlns="" xmlns:a16="http://schemas.microsoft.com/office/drawing/2014/main" id="{1E94681D-2A4C-4A8D-B9B5-31D440D0328D}"/>
+                <a16:creationId xmlns:a16="http://schemas.microsoft.com/office/drawing/2014/main" xmlns="" id="{1E94681D-2A4C-4A8D-B9B5-31D440D0328D}"/>
               </a:ext>
             </a:extLst>
           </p:cNvPr>
@@ -5045,7 +5823,7 @@
           <a:p>
             <a:fld id="{F6FA2B21-3FCD-4721-B95C-427943F61125}" type="datetime1">
               <a:rPr lang="en-US" smtClean="0"/>
-              <a:t>9/12/2021</a:t>
+              <a:t>10/14/2021</a:t>
             </a:fld>
             <a:endParaRPr lang="en-US" dirty="0"/>
           </a:p>
@@ -5525,7 +6303,7 @@
           <p:cNvPr id="6" name="Picture 5" descr="abstract image">
             <a:extLst>
               <a:ext uri="{FF2B5EF4-FFF2-40B4-BE49-F238E27FC236}">
-                <a16:creationId xmlns="" xmlns:a16="http://schemas.microsoft.com/office/drawing/2014/main" id="{8045422F-7258-40AC-BD2E-2469AA448922}"/>
+                <a16:creationId xmlns:a16="http://schemas.microsoft.com/office/drawing/2014/main" xmlns="" id="{8045422F-7258-40AC-BD2E-2469AA448922}"/>
               </a:ext>
             </a:extLst>
           </p:cNvPr>
@@ -5560,10 +6338,10 @@
           <p:cNvPr id="82" name="Rectangle 81">
             <a:extLst>
               <a:ext uri="{FF2B5EF4-FFF2-40B4-BE49-F238E27FC236}">
-                <a16:creationId xmlns="" xmlns:a16="http://schemas.microsoft.com/office/drawing/2014/main" id="{2644B391-9BFE-445C-A9EC-F544BB85FBC7}"/>
+                <a16:creationId xmlns:a16="http://schemas.microsoft.com/office/drawing/2014/main" xmlns="" id="{2644B391-9BFE-445C-A9EC-F544BB85FBC7}"/>
               </a:ext>
               <a:ext uri="{C183D7F6-B498-43B3-948B-1728B52AA6E4}">
-                <adec:decorative xmlns="" xmlns:adec="http://schemas.microsoft.com/office/drawing/2017/decorative" val="1"/>
+                <adec:decorative xmlns:adec="http://schemas.microsoft.com/office/drawing/2017/decorative" xmlns="" val="1"/>
               </a:ext>
             </a:extLst>
           </p:cNvPr>
@@ -5573,7 +6351,7 @@
           <p:nvPr>
             <p:extLst>
               <p:ext uri="{386F3935-93C4-4BCD-93E2-E3B085C9AB24}">
-                <p16:designElem xmlns="" xmlns:p16="http://schemas.microsoft.com/office/powerpoint/2015/main" val="1"/>
+                <p16:designElem xmlns:p16="http://schemas.microsoft.com/office/powerpoint/2015/main" xmlns="" val="1"/>
               </p:ext>
             </p:extLst>
           </p:nvPr>
@@ -5605,10 +6383,10 @@
           <p:cNvPr id="84" name="Rectangle 83">
             <a:extLst>
               <a:ext uri="{FF2B5EF4-FFF2-40B4-BE49-F238E27FC236}">
-                <a16:creationId xmlns="" xmlns:a16="http://schemas.microsoft.com/office/drawing/2014/main" id="{80F26E69-87D9-4655-AE7B-280A87AA3CAD}"/>
+                <a16:creationId xmlns:a16="http://schemas.microsoft.com/office/drawing/2014/main" xmlns="" id="{80F26E69-87D9-4655-AE7B-280A87AA3CAD}"/>
               </a:ext>
               <a:ext uri="{C183D7F6-B498-43B3-948B-1728B52AA6E4}">
-                <adec:decorative xmlns="" xmlns:adec="http://schemas.microsoft.com/office/drawing/2017/decorative" val="1"/>
+                <adec:decorative xmlns:adec="http://schemas.microsoft.com/office/drawing/2017/decorative" xmlns="" val="1"/>
               </a:ext>
             </a:extLst>
           </p:cNvPr>
@@ -5618,7 +6396,7 @@
           <p:nvPr>
             <p:extLst>
               <p:ext uri="{386F3935-93C4-4BCD-93E2-E3B085C9AB24}">
-                <p16:designElem xmlns="" xmlns:p16="http://schemas.microsoft.com/office/powerpoint/2015/main" val="1"/>
+                <p16:designElem xmlns:p16="http://schemas.microsoft.com/office/powerpoint/2015/main" xmlns="" val="1"/>
               </p:ext>
             </p:extLst>
           </p:nvPr>
@@ -5649,7 +6427,7 @@
           <p:cNvPr id="2" name="Title 1">
             <a:extLst>
               <a:ext uri="{FF2B5EF4-FFF2-40B4-BE49-F238E27FC236}">
-                <a16:creationId xmlns="" xmlns:a16="http://schemas.microsoft.com/office/drawing/2014/main" id="{18C3B467-088C-4F3D-A9A7-105C4E1E20CD}"/>
+                <a16:creationId xmlns:a16="http://schemas.microsoft.com/office/drawing/2014/main" xmlns="" id="{18C3B467-088C-4F3D-A9A7-105C4E1E20CD}"/>
               </a:ext>
             </a:extLst>
           </p:cNvPr>
@@ -5696,7 +6474,7 @@
           <p:cNvPr id="3" name="Subtitle 2">
             <a:extLst>
               <a:ext uri="{FF2B5EF4-FFF2-40B4-BE49-F238E27FC236}">
-                <a16:creationId xmlns="" xmlns:a16="http://schemas.microsoft.com/office/drawing/2014/main" id="{C8722DDC-8EEE-4A06-8DFE-B44871EAA2CF}"/>
+                <a16:creationId xmlns:a16="http://schemas.microsoft.com/office/drawing/2014/main" xmlns="" id="{C8722DDC-8EEE-4A06-8DFE-B44871EAA2CF}"/>
               </a:ext>
             </a:extLst>
           </p:cNvPr>
@@ -5740,7 +6518,7 @@
           <p:cNvPr id="5" name="Straight Connector 4">
             <a:extLst>
               <a:ext uri="{FF2B5EF4-FFF2-40B4-BE49-F238E27FC236}">
-                <a16:creationId xmlns="" xmlns:a16="http://schemas.microsoft.com/office/drawing/2014/main" id="{20AC4B09-ED72-42FC-9845-45FC1F4BC29D}"/>
+                <a16:creationId xmlns:a16="http://schemas.microsoft.com/office/drawing/2014/main" xmlns="" id="{20AC4B09-ED72-42FC-9845-45FC1F4BC29D}"/>
               </a:ext>
             </a:extLst>
           </p:cNvPr>
@@ -5808,10 +6586,10 @@
       </p:grpSpPr>
       <p:sp>
         <p:nvSpPr>
-          <p:cNvPr id="2" name="Title 1">
+          <p:cNvPr id="8" name="Title 7">
             <a:extLst>
               <a:ext uri="{FF2B5EF4-FFF2-40B4-BE49-F238E27FC236}">
-                <a16:creationId xmlns="" xmlns:a16="http://schemas.microsoft.com/office/drawing/2014/main" id="{7614332B-4F24-42F4-A704-A6F1183E9470}"/>
+                <a16:creationId xmlns:a16="http://schemas.microsoft.com/office/drawing/2014/main" xmlns="" id="{6A34AC25-F9D4-48D7-A664-C590D06BF559}"/>
               </a:ext>
             </a:extLst>
           </p:cNvPr>
@@ -5819,7 +6597,7 @@
             <a:spLocks noGrp="1"/>
           </p:cNvSpPr>
           <p:nvPr>
-            <p:ph type="ctrTitle"/>
+            <p:ph type="title"/>
           </p:nvPr>
         </p:nvSpPr>
         <p:spPr/>
@@ -5829,20 +6607,122 @@
           <a:p>
             <a:r>
               <a:rPr lang="en-US" dirty="0"/>
-              <a:t>Advanced </a:t>
-            </a:r>
-            <a:r>
-              <a:rPr lang="en-US" dirty="0" err="1"/>
-              <a:t>USage</a:t>
-            </a:r>
-            <a:endParaRPr lang="en-US" dirty="0"/>
+              <a:t>Report basics</a:t>
+            </a:r>
+          </a:p>
+        </p:txBody>
+      </p:sp>
+      <p:sp>
+        <p:nvSpPr>
+          <p:cNvPr id="11" name="TextBox 10">
+            <a:extLst>
+              <a:ext uri="{FF2B5EF4-FFF2-40B4-BE49-F238E27FC236}">
+                <a16:creationId xmlns:a16="http://schemas.microsoft.com/office/drawing/2014/main" xmlns="" id="{F1F3DA2E-9599-4B03-A261-D34A77F831CE}"/>
+              </a:ext>
+            </a:extLst>
+          </p:cNvPr>
+          <p:cNvSpPr txBox="1"/>
+          <p:nvPr/>
+        </p:nvSpPr>
+        <p:spPr>
+          <a:xfrm>
+            <a:off x="1540934" y="2218267"/>
+            <a:ext cx="10186778" cy="3970318"/>
+          </a:xfrm>
+          <a:prstGeom prst="rect">
+            <a:avLst/>
+          </a:prstGeom>
+          <a:noFill/>
+        </p:spPr>
+        <p:txBody>
+          <a:bodyPr wrap="square" rtlCol="0">
+            <a:spAutoFit/>
+          </a:bodyPr>
+          <a:lstStyle/>
+          <a:p>
+            <a:pPr marL="285750" indent="-285750">
+              <a:buFont typeface="Arial" panose="020B0604020202020204" pitchFamily="34" charset="0"/>
+              <a:buChar char="•"/>
+            </a:pPr>
+            <a:r>
+              <a:rPr lang="en-US" sz="2800" dirty="0"/>
+              <a:t>Rmarkdown</a:t>
+            </a:r>
+          </a:p>
+          <a:p>
+            <a:pPr marL="285750" indent="-285750">
+              <a:buFont typeface="Arial" panose="020B0604020202020204" pitchFamily="34" charset="0"/>
+              <a:buChar char="•"/>
+            </a:pPr>
+            <a:endParaRPr lang="en-US" sz="2800" dirty="0"/>
+          </a:p>
+          <a:p>
+            <a:pPr marL="285750" indent="-285750">
+              <a:buFont typeface="Arial" panose="020B0604020202020204" pitchFamily="34" charset="0"/>
+              <a:buChar char="•"/>
+            </a:pPr>
+            <a:r>
+              <a:rPr lang="en-US" sz="2800" dirty="0"/>
+              <a:t>Scrapes information saved across various files</a:t>
+            </a:r>
+          </a:p>
+          <a:p>
+            <a:pPr marL="285750" indent="-285750">
+              <a:buFont typeface="Arial" panose="020B0604020202020204" pitchFamily="34" charset="0"/>
+              <a:buChar char="•"/>
+            </a:pPr>
+            <a:endParaRPr lang="en-US" sz="2800" dirty="0"/>
+          </a:p>
+          <a:p>
+            <a:pPr marL="285750" indent="-285750">
+              <a:buFont typeface="Arial" panose="020B0604020202020204" pitchFamily="34" charset="0"/>
+              <a:buChar char="•"/>
+            </a:pPr>
+            <a:r>
+              <a:rPr lang="en-US" sz="2800" dirty="0"/>
+              <a:t>Produces </a:t>
+            </a:r>
+            <a:r>
+              <a:rPr lang="en-US" sz="2800" dirty="0" err="1"/>
+              <a:t>kables</a:t>
+            </a:r>
+            <a:endParaRPr lang="en-US" sz="2800" dirty="0"/>
+          </a:p>
+          <a:p>
+            <a:pPr marL="285750" indent="-285750">
+              <a:buFont typeface="Arial" panose="020B0604020202020204" pitchFamily="34" charset="0"/>
+              <a:buChar char="•"/>
+            </a:pPr>
+            <a:endParaRPr lang="en-US" sz="2800" dirty="0"/>
+          </a:p>
+          <a:p>
+            <a:pPr marL="285750" indent="-285750">
+              <a:buFont typeface="Arial" panose="020B0604020202020204" pitchFamily="34" charset="0"/>
+              <a:buChar char="•"/>
+            </a:pPr>
+            <a:r>
+              <a:rPr lang="en-US" sz="2800" dirty="0"/>
+              <a:t>Reads in the validation child files and parses them based on order in </a:t>
+            </a:r>
+            <a:r>
+              <a:rPr lang="en-US" sz="2800" dirty="0" err="1"/>
+              <a:t>validation.yml</a:t>
+            </a:r>
+            <a:endParaRPr lang="en-US" sz="2800" dirty="0"/>
+          </a:p>
+          <a:p>
+            <a:pPr marL="285750" indent="-285750">
+              <a:buFont typeface="Arial" panose="020B0604020202020204" pitchFamily="34" charset="0"/>
+              <a:buChar char="•"/>
+            </a:pPr>
+            <a:endParaRPr lang="en-US" sz="2800" dirty="0"/>
           </a:p>
         </p:txBody>
       </p:sp>
     </p:spTree>
     <p:extLst>
       <p:ext uri="{BB962C8B-B14F-4D97-AF65-F5344CB8AC3E}">
-        <p14:creationId xmlns:p14="http://schemas.microsoft.com/office/powerpoint/2010/main" val="3716104895"/>
+        <p14:creationId xmlns:p14="http://schemas.microsoft.com/office/powerpoint/2010/main" val="2509708910"/>
       </p:ext>
     </p:extLst>
   </p:cSld>
@@ -5874,7 +6754,7 @@
           <p:cNvPr id="8" name="Title 7">
             <a:extLst>
               <a:ext uri="{FF2B5EF4-FFF2-40B4-BE49-F238E27FC236}">
-                <a16:creationId xmlns="" xmlns:a16="http://schemas.microsoft.com/office/drawing/2014/main" id="{6A34AC25-F9D4-48D7-A664-C590D06BF559}"/>
+                <a16:creationId xmlns:a16="http://schemas.microsoft.com/office/drawing/2014/main" xmlns="" id="{6A34AC25-F9D4-48D7-A664-C590D06BF559}"/>
               </a:ext>
             </a:extLst>
           </p:cNvPr>
@@ -5892,81 +6772,126 @@
           <a:p>
             <a:r>
               <a:rPr lang="en-US" dirty="0"/>
-              <a:t>Customization options</a:t>
-            </a:r>
-          </a:p>
-        </p:txBody>
-      </p:sp>
-      <p:sp>
-        <p:nvSpPr>
-          <p:cNvPr id="2" name="Content Placeholder 1">
+              <a:t>Validation Report Helpers</a:t>
+            </a:r>
+          </a:p>
+        </p:txBody>
+      </p:sp>
+      <p:sp>
+        <p:nvSpPr>
+          <p:cNvPr id="11" name="TextBox 10">
             <a:extLst>
               <a:ext uri="{FF2B5EF4-FFF2-40B4-BE49-F238E27FC236}">
-                <a16:creationId xmlns="" xmlns:a16="http://schemas.microsoft.com/office/drawing/2014/main" id="{7D7427A6-1030-45CE-92A8-5212E0F721D8}"/>
+                <a16:creationId xmlns:a16="http://schemas.microsoft.com/office/drawing/2014/main" xmlns="" id="{F1F3DA2E-9599-4B03-A261-D34A77F831CE}"/>
               </a:ext>
             </a:extLst>
           </p:cNvPr>
-          <p:cNvSpPr>
-            <a:spLocks noGrp="1"/>
-          </p:cNvSpPr>
-          <p:nvPr>
-            <p:ph idx="1"/>
-          </p:nvPr>
-        </p:nvSpPr>
-        <p:spPr/>
-        <p:txBody>
-          <a:bodyPr/>
+          <p:cNvSpPr txBox="1"/>
+          <p:nvPr/>
+        </p:nvSpPr>
+        <p:spPr>
+          <a:xfrm>
+            <a:off x="1286933" y="2218267"/>
+            <a:ext cx="10905067" cy="3539430"/>
+          </a:xfrm>
+          <a:prstGeom prst="rect">
+            <a:avLst/>
+          </a:prstGeom>
+          <a:noFill/>
+        </p:spPr>
+        <p:txBody>
+          <a:bodyPr wrap="square" rtlCol="0">
+            <a:spAutoFit/>
+          </a:bodyPr>
           <a:lstStyle/>
           <a:p>
-            <a:r>
-              <a:rPr lang="en-US" sz="2400" dirty="0"/>
-              <a:t>Modify the report RMD generated via template</a:t>
-            </a:r>
-          </a:p>
-          <a:p>
-            <a:r>
-              <a:rPr lang="en-US" sz="2400" dirty="0"/>
-              <a:t>Write a report RMD from scratch</a:t>
-            </a:r>
-          </a:p>
-          <a:p>
-            <a:r>
-              <a:rPr lang="en-US" sz="2400" dirty="0"/>
-              <a:t>Propose a new template via {</a:t>
-            </a:r>
-            <a:r>
-              <a:rPr lang="en-US" sz="2400" dirty="0" err="1"/>
-              <a:t>valtools</a:t>
-            </a:r>
-            <a:r>
-              <a:rPr lang="en-US" sz="2400" dirty="0"/>
-              <a:t>} issue/PR </a:t>
-            </a:r>
-          </a:p>
-          <a:p>
-            <a:r>
-              <a:rPr lang="en-US" sz="2400" dirty="0"/>
-              <a:t>Switch between multiple RMDs by updating </a:t>
-            </a:r>
-            <a:r>
-              <a:rPr lang="en-US" sz="2400" dirty="0" err="1"/>
-              <a:t>validation.yml</a:t>
-            </a:r>
-            <a:r>
-              <a:rPr lang="en-US" sz="2400" dirty="0"/>
-              <a:t> as the project cycles through adoption and validation phases</a:t>
+            <a:pPr marL="285750" indent="-285750">
+              <a:buFont typeface="Arial" panose="020B0604020202020204" pitchFamily="34" charset="0"/>
+              <a:buChar char="•"/>
+            </a:pPr>
+            <a:r>
+              <a:rPr lang="en-US" sz="2800" dirty="0" err="1"/>
+              <a:t>vt_path</a:t>
+            </a:r>
+            <a:r>
+              <a:rPr lang="en-US" sz="2800" dirty="0"/>
+              <a:t>()</a:t>
+            </a:r>
+          </a:p>
+          <a:p>
+            <a:pPr marL="742950" lvl="1" indent="-285750">
+              <a:buFont typeface="Arial" panose="020B0604020202020204" pitchFamily="34" charset="0"/>
+              <a:buChar char="•"/>
+            </a:pPr>
+            <a:r>
+              <a:rPr lang="en-US" sz="2800" dirty="0"/>
+              <a:t>here::here(), but for validation contents</a:t>
             </a:r>
           </a:p>
           <a:p>
             <a:pPr lvl="1"/>
-            <a:endParaRPr lang="en-US" dirty="0"/>
+            <a:endParaRPr lang="en-US" sz="2800" dirty="0"/>
+          </a:p>
+          <a:p>
+            <a:pPr marL="285750" indent="-285750">
+              <a:buFont typeface="Arial" panose="020B0604020202020204" pitchFamily="34" charset="0"/>
+              <a:buChar char="•"/>
+            </a:pPr>
+            <a:r>
+              <a:rPr lang="en-US" sz="2800" dirty="0" err="1"/>
+              <a:t>vt_file</a:t>
+            </a:r>
+            <a:r>
+              <a:rPr lang="en-US" sz="2800" dirty="0"/>
+              <a:t>()</a:t>
+            </a:r>
+          </a:p>
+          <a:p>
+            <a:pPr marL="742950" lvl="1" indent="-285750">
+              <a:buFont typeface="Arial" panose="020B0604020202020204" pitchFamily="34" charset="0"/>
+              <a:buChar char="•"/>
+            </a:pPr>
+            <a:r>
+              <a:rPr lang="en-US" sz="2800" dirty="0"/>
+              <a:t>Renders contents based on extensions</a:t>
+            </a:r>
+          </a:p>
+          <a:p>
+            <a:pPr marL="1200150" lvl="2" indent="-285750">
+              <a:buFont typeface="Arial" panose="020B0604020202020204" pitchFamily="34" charset="0"/>
+              <a:buChar char="•"/>
+            </a:pPr>
+            <a:r>
+              <a:rPr lang="en-US" sz="2800" dirty="0"/>
+              <a:t>Rmd parsed</a:t>
+            </a:r>
+          </a:p>
+          <a:p>
+            <a:pPr marL="1200150" lvl="2" indent="-285750">
+              <a:buFont typeface="Arial" panose="020B0604020202020204" pitchFamily="34" charset="0"/>
+              <a:buChar char="•"/>
+            </a:pPr>
+            <a:r>
+              <a:rPr lang="en-US" sz="2800" dirty="0"/>
+              <a:t>Test code executed and results captured</a:t>
+            </a:r>
+          </a:p>
+          <a:p>
+            <a:pPr marL="1200150" lvl="2" indent="-285750">
+              <a:buFont typeface="Arial" panose="020B0604020202020204" pitchFamily="34" charset="0"/>
+              <a:buChar char="•"/>
+            </a:pPr>
+            <a:r>
+              <a:rPr lang="en-US" sz="2800" dirty="0"/>
+              <a:t>Any other file contents are printed</a:t>
+            </a:r>
           </a:p>
         </p:txBody>
       </p:sp>
     </p:spTree>
     <p:extLst>
       <p:ext uri="{BB962C8B-B14F-4D97-AF65-F5344CB8AC3E}">
-        <p14:creationId xmlns:p14="http://schemas.microsoft.com/office/powerpoint/2010/main" val="47551942"/>
+        <p14:creationId xmlns:p14="http://schemas.microsoft.com/office/powerpoint/2010/main" val="551187458"/>
       </p:ext>
     </p:extLst>
   </p:cSld>
@@ -5995,10 +6920,255 @@
       </p:grpSpPr>
       <p:sp>
         <p:nvSpPr>
+          <p:cNvPr id="8" name="Title 7">
+            <a:extLst>
+              <a:ext uri="{FF2B5EF4-FFF2-40B4-BE49-F238E27FC236}">
+                <a16:creationId xmlns:a16="http://schemas.microsoft.com/office/drawing/2014/main" xmlns="" id="{6A34AC25-F9D4-48D7-A664-C590D06BF559}"/>
+              </a:ext>
+            </a:extLst>
+          </p:cNvPr>
+          <p:cNvSpPr>
+            <a:spLocks noGrp="1"/>
+          </p:cNvSpPr>
+          <p:nvPr>
+            <p:ph type="title"/>
+          </p:nvPr>
+        </p:nvSpPr>
+        <p:spPr/>
+        <p:txBody>
+          <a:bodyPr/>
+          <a:lstStyle/>
+          <a:p>
+            <a:r>
+              <a:rPr lang="en-US" dirty="0"/>
+              <a:t>Child Files</a:t>
+            </a:r>
+          </a:p>
+        </p:txBody>
+      </p:sp>
+      <p:sp>
+        <p:nvSpPr>
+          <p:cNvPr id="11" name="TextBox 10">
+            <a:extLst>
+              <a:ext uri="{FF2B5EF4-FFF2-40B4-BE49-F238E27FC236}">
+                <a16:creationId xmlns:a16="http://schemas.microsoft.com/office/drawing/2014/main" xmlns="" id="{F1F3DA2E-9599-4B03-A261-D34A77F831CE}"/>
+              </a:ext>
+            </a:extLst>
+          </p:cNvPr>
+          <p:cNvSpPr txBox="1"/>
+          <p:nvPr/>
+        </p:nvSpPr>
+        <p:spPr>
+          <a:xfrm>
+            <a:off x="1552508" y="1859452"/>
+            <a:ext cx="10186778" cy="5570756"/>
+          </a:xfrm>
+          <a:prstGeom prst="rect">
+            <a:avLst/>
+          </a:prstGeom>
+          <a:noFill/>
+        </p:spPr>
+        <p:txBody>
+          <a:bodyPr wrap="square" rtlCol="0">
+            <a:spAutoFit/>
+          </a:bodyPr>
+          <a:lstStyle/>
+          <a:p>
+            <a:pPr marL="285750" indent="-285750">
+              <a:buFont typeface="Arial" panose="020B0604020202020204" pitchFamily="34" charset="0"/>
+              <a:buChar char="•"/>
+            </a:pPr>
+            <a:r>
+              <a:rPr lang="en-US" sz="2800" dirty="0"/>
+              <a:t>Validation Report contains pointers for repeated evaluation across different validation environments</a:t>
+            </a:r>
+          </a:p>
+          <a:p>
+            <a:endParaRPr lang="en-US" sz="2800" dirty="0"/>
+          </a:p>
+          <a:p>
+            <a:pPr marL="285750" indent="-285750">
+              <a:buFont typeface="Arial" panose="020B0604020202020204" pitchFamily="34" charset="0"/>
+              <a:buChar char="•"/>
+            </a:pPr>
+            <a:r>
+              <a:rPr lang="en-US" sz="2800" dirty="0"/>
+              <a:t>Order of child files can be specified by </a:t>
+            </a:r>
+            <a:r>
+              <a:rPr lang="en-US" sz="2800" dirty="0" err="1"/>
+              <a:t>validation.yml</a:t>
+            </a:r>
+            <a:endParaRPr lang="en-US" sz="2800" dirty="0"/>
+          </a:p>
+          <a:p>
+            <a:pPr marL="742950" lvl="1" indent="-285750">
+              <a:buFont typeface="Arial" panose="020B0604020202020204" pitchFamily="34" charset="0"/>
+              <a:buChar char="•"/>
+            </a:pPr>
+            <a:r>
+              <a:rPr lang="en-US" sz="2000" dirty="0"/>
+              <a:t>Default is grouped by “requirements”, “</a:t>
+            </a:r>
+            <a:r>
+              <a:rPr lang="en-US" sz="2000" dirty="0" err="1"/>
+              <a:t>test_cases</a:t>
+            </a:r>
+            <a:r>
+              <a:rPr lang="en-US" sz="2000" dirty="0"/>
+              <a:t>”, “</a:t>
+            </a:r>
+            <a:r>
+              <a:rPr lang="en-US" sz="2000" dirty="0" err="1"/>
+              <a:t>test_code</a:t>
+            </a:r>
+            <a:r>
+              <a:rPr lang="en-US" sz="2000" dirty="0"/>
+              <a:t>” and then alphabetically</a:t>
+            </a:r>
+          </a:p>
+          <a:p>
+            <a:pPr marL="742950" lvl="1" indent="-285750">
+              <a:buFont typeface="Arial" panose="020B0604020202020204" pitchFamily="34" charset="0"/>
+              <a:buChar char="•"/>
+            </a:pPr>
+            <a:r>
+              <a:rPr lang="en-US" sz="2000" dirty="0"/>
+              <a:t>Control via </a:t>
+            </a:r>
+            <a:r>
+              <a:rPr lang="en-US" sz="2000" dirty="0" err="1"/>
+              <a:t>vt_get_child_files</a:t>
+            </a:r>
+            <a:r>
+              <a:rPr lang="en-US" sz="2000" dirty="0"/>
+              <a:t>()</a:t>
+            </a:r>
+          </a:p>
+          <a:p>
+            <a:pPr lvl="1"/>
+            <a:endParaRPr lang="en-US" sz="2800" dirty="0"/>
+          </a:p>
+          <a:p>
+            <a:pPr marL="285750" indent="-285750">
+              <a:buFont typeface="Arial" panose="020B0604020202020204" pitchFamily="34" charset="0"/>
+              <a:buChar char="•"/>
+            </a:pPr>
+            <a:r>
+              <a:rPr lang="en-US" sz="2800" dirty="0" err="1"/>
+              <a:t>vt_add_file_to_config</a:t>
+            </a:r>
+            <a:r>
+              <a:rPr lang="en-US" sz="2800" dirty="0"/>
+              <a:t>() &amp; </a:t>
+            </a:r>
+            <a:r>
+              <a:rPr lang="en-US" sz="2800" dirty="0" err="1"/>
+              <a:t>vt_drop_file_from_config</a:t>
+            </a:r>
+            <a:r>
+              <a:rPr lang="en-US" sz="2800" dirty="0"/>
+              <a:t>()</a:t>
+            </a:r>
+          </a:p>
+          <a:p>
+            <a:pPr marL="742950" lvl="1" indent="-285750">
+              <a:buFont typeface="Arial" panose="020B0604020202020204" pitchFamily="34" charset="0"/>
+              <a:buChar char="•"/>
+            </a:pPr>
+            <a:r>
+              <a:rPr lang="en-US" sz="2400" dirty="0"/>
+              <a:t>Specify validation file (req, test case, test code)</a:t>
+            </a:r>
+          </a:p>
+          <a:p>
+            <a:pPr marL="742950" lvl="1" indent="-285750">
+              <a:buFont typeface="Arial" panose="020B0604020202020204" pitchFamily="34" charset="0"/>
+              <a:buChar char="•"/>
+            </a:pPr>
+            <a:r>
+              <a:rPr lang="en-US" sz="2400" dirty="0"/>
+              <a:t>Specify which file to add after/before using </a:t>
+            </a:r>
+            <a:r>
+              <a:rPr lang="en-US" sz="2400" dirty="0" err="1"/>
+              <a:t>tidyselect</a:t>
+            </a:r>
+            <a:r>
+              <a:rPr lang="en-US" sz="2400" dirty="0"/>
+              <a:t> syntax</a:t>
+            </a:r>
+          </a:p>
+          <a:p>
+            <a:pPr marL="742950" lvl="1" indent="-285750">
+              <a:buFont typeface="Arial" panose="020B0604020202020204" pitchFamily="34" charset="0"/>
+              <a:buChar char="•"/>
+            </a:pPr>
+            <a:r>
+              <a:rPr lang="en-US" sz="2400" dirty="0"/>
+              <a:t>Files added by default to the end by </a:t>
+            </a:r>
+            <a:r>
+              <a:rPr lang="en-US" sz="2400" dirty="0" err="1"/>
+              <a:t>vt_use</a:t>
+            </a:r>
+            <a:r>
+              <a:rPr lang="en-US" sz="2400" dirty="0"/>
+              <a:t>_*</a:t>
+            </a:r>
+          </a:p>
+          <a:p>
+            <a:pPr marL="285750" indent="-285750">
+              <a:buFont typeface="Arial" panose="020B0604020202020204" pitchFamily="34" charset="0"/>
+              <a:buChar char="•"/>
+            </a:pPr>
+            <a:endParaRPr lang="en-US" sz="2800" dirty="0"/>
+          </a:p>
+          <a:p>
+            <a:pPr marL="285750" indent="-285750">
+              <a:buFont typeface="Arial" panose="020B0604020202020204" pitchFamily="34" charset="0"/>
+              <a:buChar char="•"/>
+            </a:pPr>
+            <a:endParaRPr lang="en-US" sz="2800" dirty="0"/>
+          </a:p>
+        </p:txBody>
+      </p:sp>
+    </p:spTree>
+    <p:extLst>
+      <p:ext uri="{BB962C8B-B14F-4D97-AF65-F5344CB8AC3E}">
+        <p14:creationId xmlns:p14="http://schemas.microsoft.com/office/powerpoint/2010/main" val="4090418827"/>
+      </p:ext>
+    </p:extLst>
+  </p:cSld>
+  <p:clrMapOvr>
+    <a:masterClrMapping/>
+  </p:clrMapOvr>
+</p:sld>
+</file>
+
+<file path=ppt/slides/slide13.xml><?xml version="1.0" encoding="utf-8"?>
+<p:sld xmlns:a="http://schemas.openxmlformats.org/drawingml/2006/main" xmlns:r="http://schemas.openxmlformats.org/officeDocument/2006/relationships" xmlns:p="http://schemas.openxmlformats.org/presentationml/2006/main">
+  <p:cSld>
+    <p:spTree>
+      <p:nvGrpSpPr>
+        <p:cNvPr id="1" name=""/>
+        <p:cNvGrpSpPr/>
+        <p:nvPr/>
+      </p:nvGrpSpPr>
+      <p:grpSpPr>
+        <a:xfrm>
+          <a:off x="0" y="0"/>
+          <a:ext cx="0" cy="0"/>
+          <a:chOff x="0" y="0"/>
+          <a:chExt cx="0" cy="0"/>
+        </a:xfrm>
+      </p:grpSpPr>
+      <p:sp>
+        <p:nvSpPr>
           <p:cNvPr id="2" name="Title 1">
             <a:extLst>
               <a:ext uri="{FF2B5EF4-FFF2-40B4-BE49-F238E27FC236}">
-                <a16:creationId xmlns="" xmlns:a16="http://schemas.microsoft.com/office/drawing/2014/main" id="{7614332B-4F24-42F4-A704-A6F1183E9470}"/>
+                <a16:creationId xmlns:a16="http://schemas.microsoft.com/office/drawing/2014/main" xmlns="" id="{7614332B-4F24-42F4-A704-A6F1183E9470}"/>
               </a:ext>
             </a:extLst>
           </p:cNvPr>
@@ -6017,30 +7187,647 @@
           <a:lstStyle/>
           <a:p>
             <a:r>
-              <a:rPr lang="en-US" dirty="0"/>
+              <a:rPr lang="en-US" dirty="0" smtClean="0"/>
               <a:t>Complete</a:t>
             </a:r>
             <a:br>
-              <a:rPr lang="en-US" dirty="0"/>
+              <a:rPr lang="en-US" dirty="0" smtClean="0"/>
             </a:br>
             <a:r>
-              <a:rPr lang="en-US" dirty="0"/>
+              <a:rPr lang="en-US" dirty="0" smtClean="0"/>
               <a:t/>
             </a:r>
             <a:br>
-              <a:rPr lang="en-US" dirty="0"/>
+              <a:rPr lang="en-US" dirty="0" smtClean="0"/>
             </a:br>
             <a:r>
-              <a:rPr lang="en-US" dirty="0"/>
-              <a:t>Exercise 05</a:t>
-            </a:r>
+              <a:rPr lang="en-US" dirty="0" smtClean="0"/>
+              <a:t>Exercise </a:t>
+            </a:r>
+            <a:r>
+              <a:rPr lang="en-US" dirty="0" smtClean="0"/>
+              <a:t>5 </a:t>
+            </a:r>
+            <a:r>
+              <a:rPr lang="en-US" dirty="0" smtClean="0"/>
+              <a:t>Task B</a:t>
+            </a:r>
+            <a:endParaRPr lang="en-US" dirty="0"/>
           </a:p>
         </p:txBody>
       </p:sp>
     </p:spTree>
     <p:extLst>
       <p:ext uri="{BB962C8B-B14F-4D97-AF65-F5344CB8AC3E}">
-        <p14:creationId xmlns:p14="http://schemas.microsoft.com/office/powerpoint/2010/main" val="901462192"/>
+        <p14:creationId xmlns:p14="http://schemas.microsoft.com/office/powerpoint/2010/main" val="824527911"/>
+      </p:ext>
+    </p:extLst>
+  </p:cSld>
+  <p:clrMapOvr>
+    <a:masterClrMapping/>
+  </p:clrMapOvr>
+</p:sld>
+</file>
+
+<file path=ppt/slides/slide14.xml><?xml version="1.0" encoding="utf-8"?>
+<p:sld xmlns:a="http://schemas.openxmlformats.org/drawingml/2006/main" xmlns:r="http://schemas.openxmlformats.org/officeDocument/2006/relationships" xmlns:p="http://schemas.openxmlformats.org/presentationml/2006/main">
+  <p:cSld>
+    <p:spTree>
+      <p:nvGrpSpPr>
+        <p:cNvPr id="1" name=""/>
+        <p:cNvGrpSpPr/>
+        <p:nvPr/>
+      </p:nvGrpSpPr>
+      <p:grpSpPr>
+        <a:xfrm>
+          <a:off x="0" y="0"/>
+          <a:ext cx="0" cy="0"/>
+          <a:chOff x="0" y="0"/>
+          <a:chExt cx="0" cy="0"/>
+        </a:xfrm>
+      </p:grpSpPr>
+      <p:sp>
+        <p:nvSpPr>
+          <p:cNvPr id="8" name="Title 7">
+            <a:extLst>
+              <a:ext uri="{FF2B5EF4-FFF2-40B4-BE49-F238E27FC236}">
+                <a16:creationId xmlns:a16="http://schemas.microsoft.com/office/drawing/2014/main" xmlns="" id="{6A34AC25-F9D4-48D7-A664-C590D06BF559}"/>
+              </a:ext>
+            </a:extLst>
+          </p:cNvPr>
+          <p:cNvSpPr>
+            <a:spLocks noGrp="1"/>
+          </p:cNvSpPr>
+          <p:nvPr>
+            <p:ph type="title"/>
+          </p:nvPr>
+        </p:nvSpPr>
+        <p:spPr/>
+        <p:txBody>
+          <a:bodyPr/>
+          <a:lstStyle/>
+          <a:p>
+            <a:r>
+              <a:rPr lang="en-US" dirty="0"/>
+              <a:t>Creating the validation report Rmd</a:t>
+            </a:r>
+          </a:p>
+        </p:txBody>
+      </p:sp>
+      <p:sp>
+        <p:nvSpPr>
+          <p:cNvPr id="11" name="TextBox 10">
+            <a:extLst>
+              <a:ext uri="{FF2B5EF4-FFF2-40B4-BE49-F238E27FC236}">
+                <a16:creationId xmlns:a16="http://schemas.microsoft.com/office/drawing/2014/main" xmlns="" id="{F1F3DA2E-9599-4B03-A261-D34A77F831CE}"/>
+              </a:ext>
+            </a:extLst>
+          </p:cNvPr>
+          <p:cNvSpPr txBox="1"/>
+          <p:nvPr/>
+        </p:nvSpPr>
+        <p:spPr>
+          <a:xfrm>
+            <a:off x="1540934" y="2218267"/>
+            <a:ext cx="10651066" cy="3539430"/>
+          </a:xfrm>
+          <a:prstGeom prst="rect">
+            <a:avLst/>
+          </a:prstGeom>
+          <a:noFill/>
+        </p:spPr>
+        <p:txBody>
+          <a:bodyPr wrap="square" rtlCol="0">
+            <a:spAutoFit/>
+          </a:bodyPr>
+          <a:lstStyle/>
+          <a:p>
+            <a:pPr marL="285750" indent="-285750">
+              <a:buFont typeface="Arial" panose="020B0604020202020204" pitchFamily="34" charset="0"/>
+              <a:buChar char="•"/>
+            </a:pPr>
+            <a:r>
+              <a:rPr lang="en-US" sz="2800" dirty="0" err="1"/>
+              <a:t>vt_use_report</a:t>
+            </a:r>
+            <a:r>
+              <a:rPr lang="en-US" sz="2800" dirty="0"/>
+              <a:t>()</a:t>
+            </a:r>
+          </a:p>
+          <a:p>
+            <a:pPr marL="285750" indent="-285750">
+              <a:buFont typeface="Arial" panose="020B0604020202020204" pitchFamily="34" charset="0"/>
+              <a:buChar char="•"/>
+            </a:pPr>
+            <a:endParaRPr lang="en-US" sz="2800" dirty="0"/>
+          </a:p>
+          <a:p>
+            <a:pPr marL="285750" indent="-285750">
+              <a:buFont typeface="Arial" panose="020B0604020202020204" pitchFamily="34" charset="0"/>
+              <a:buChar char="•"/>
+            </a:pPr>
+            <a:r>
+              <a:rPr lang="en-US" sz="2800" dirty="0"/>
+              <a:t>Creates report from template with suggested contents</a:t>
+            </a:r>
+          </a:p>
+          <a:p>
+            <a:pPr marL="285750" indent="-285750">
+              <a:buFont typeface="Arial" panose="020B0604020202020204" pitchFamily="34" charset="0"/>
+              <a:buChar char="•"/>
+            </a:pPr>
+            <a:endParaRPr lang="en-US" sz="2800" dirty="0"/>
+          </a:p>
+          <a:p>
+            <a:pPr marL="285750" indent="-285750">
+              <a:buFont typeface="Arial" panose="020B0604020202020204" pitchFamily="34" charset="0"/>
+              <a:buChar char="•"/>
+            </a:pPr>
+            <a:r>
+              <a:rPr lang="en-US" sz="2800" dirty="0"/>
+              <a:t>Adds dependencies to package DESCRIPTION</a:t>
+            </a:r>
+          </a:p>
+          <a:p>
+            <a:pPr marL="285750" indent="-285750">
+              <a:buFont typeface="Arial" panose="020B0604020202020204" pitchFamily="34" charset="0"/>
+              <a:buChar char="•"/>
+            </a:pPr>
+            <a:endParaRPr lang="en-US" sz="2800" dirty="0"/>
+          </a:p>
+          <a:p>
+            <a:pPr marL="285750" indent="-285750">
+              <a:buFont typeface="Arial" panose="020B0604020202020204" pitchFamily="34" charset="0"/>
+              <a:buChar char="•"/>
+            </a:pPr>
+            <a:r>
+              <a:rPr lang="en-US" sz="2800" dirty="0"/>
+              <a:t>Two templates included: full validation report and a requirements approval report</a:t>
+            </a:r>
+          </a:p>
+        </p:txBody>
+      </p:sp>
+    </p:spTree>
+    <p:extLst>
+      <p:ext uri="{BB962C8B-B14F-4D97-AF65-F5344CB8AC3E}">
+        <p14:creationId xmlns:p14="http://schemas.microsoft.com/office/powerpoint/2010/main" val="3832069057"/>
+      </p:ext>
+    </p:extLst>
+  </p:cSld>
+  <p:clrMapOvr>
+    <a:masterClrMapping/>
+  </p:clrMapOvr>
+</p:sld>
+</file>
+
+<file path=ppt/slides/slide15.xml><?xml version="1.0" encoding="utf-8"?>
+<p:sld xmlns:a="http://schemas.openxmlformats.org/drawingml/2006/main" xmlns:r="http://schemas.openxmlformats.org/officeDocument/2006/relationships" xmlns:p="http://schemas.openxmlformats.org/presentationml/2006/main">
+  <p:cSld>
+    <p:spTree>
+      <p:nvGrpSpPr>
+        <p:cNvPr id="1" name=""/>
+        <p:cNvGrpSpPr/>
+        <p:nvPr/>
+      </p:nvGrpSpPr>
+      <p:grpSpPr>
+        <a:xfrm>
+          <a:off x="0" y="0"/>
+          <a:ext cx="0" cy="0"/>
+          <a:chOff x="0" y="0"/>
+          <a:chExt cx="0" cy="0"/>
+        </a:xfrm>
+      </p:grpSpPr>
+      <p:sp>
+        <p:nvSpPr>
+          <p:cNvPr id="8" name="Title 7">
+            <a:extLst>
+              <a:ext uri="{FF2B5EF4-FFF2-40B4-BE49-F238E27FC236}">
+                <a16:creationId xmlns:a16="http://schemas.microsoft.com/office/drawing/2014/main" xmlns="" id="{6A34AC25-F9D4-48D7-A664-C590D06BF559}"/>
+              </a:ext>
+            </a:extLst>
+          </p:cNvPr>
+          <p:cNvSpPr>
+            <a:spLocks noGrp="1"/>
+          </p:cNvSpPr>
+          <p:nvPr>
+            <p:ph type="title"/>
+          </p:nvPr>
+        </p:nvSpPr>
+        <p:spPr/>
+        <p:txBody>
+          <a:bodyPr/>
+          <a:lstStyle/>
+          <a:p>
+            <a:r>
+              <a:rPr lang="en-US" dirty="0"/>
+              <a:t>Rendering Reports</a:t>
+            </a:r>
+          </a:p>
+        </p:txBody>
+      </p:sp>
+      <p:sp>
+        <p:nvSpPr>
+          <p:cNvPr id="5" name="TextBox 4">
+            <a:extLst>
+              <a:ext uri="{FF2B5EF4-FFF2-40B4-BE49-F238E27FC236}">
+                <a16:creationId xmlns:a16="http://schemas.microsoft.com/office/drawing/2014/main" xmlns="" id="{EF5BA94D-0FB3-4C60-9994-8A309B690D97}"/>
+              </a:ext>
+            </a:extLst>
+          </p:cNvPr>
+          <p:cNvSpPr txBox="1"/>
+          <p:nvPr/>
+        </p:nvSpPr>
+        <p:spPr>
+          <a:xfrm>
+            <a:off x="1286933" y="2218267"/>
+            <a:ext cx="10905067" cy="1384995"/>
+          </a:xfrm>
+          <a:prstGeom prst="rect">
+            <a:avLst/>
+          </a:prstGeom>
+          <a:noFill/>
+        </p:spPr>
+        <p:txBody>
+          <a:bodyPr wrap="square" rtlCol="0">
+            <a:spAutoFit/>
+          </a:bodyPr>
+          <a:lstStyle/>
+          <a:p>
+            <a:pPr marL="285750" indent="-285750">
+              <a:buFont typeface="Arial" panose="020B0604020202020204" pitchFamily="34" charset="0"/>
+              <a:buChar char="•"/>
+            </a:pPr>
+            <a:r>
+              <a:rPr lang="en-US" sz="2800" dirty="0" err="1"/>
+              <a:t>vt_validate_report</a:t>
+            </a:r>
+            <a:r>
+              <a:rPr lang="en-US" sz="2800" dirty="0"/>
+              <a:t>() executes the Rmd and saves output</a:t>
+            </a:r>
+          </a:p>
+          <a:p>
+            <a:pPr marL="285750" indent="-285750">
+              <a:buFont typeface="Arial" panose="020B0604020202020204" pitchFamily="34" charset="0"/>
+              <a:buChar char="•"/>
+            </a:pPr>
+            <a:endParaRPr lang="en-US" sz="2800" dirty="0"/>
+          </a:p>
+          <a:p>
+            <a:pPr marL="285750" indent="-285750">
+              <a:buFont typeface="Arial" panose="020B0604020202020204" pitchFamily="34" charset="0"/>
+              <a:buChar char="•"/>
+            </a:pPr>
+            <a:r>
+              <a:rPr lang="en-US" sz="2800" dirty="0"/>
+              <a:t>Serves as “snapshot” in time</a:t>
+            </a:r>
+          </a:p>
+        </p:txBody>
+      </p:sp>
+    </p:spTree>
+    <p:extLst>
+      <p:ext uri="{BB962C8B-B14F-4D97-AF65-F5344CB8AC3E}">
+        <p14:creationId xmlns:p14="http://schemas.microsoft.com/office/powerpoint/2010/main" val="3055521013"/>
+      </p:ext>
+    </p:extLst>
+  </p:cSld>
+  <p:clrMapOvr>
+    <a:masterClrMapping/>
+  </p:clrMapOvr>
+</p:sld>
+</file>
+
+<file path=ppt/slides/slide16.xml><?xml version="1.0" encoding="utf-8"?>
+<p:sld xmlns:a="http://schemas.openxmlformats.org/drawingml/2006/main" xmlns:r="http://schemas.openxmlformats.org/officeDocument/2006/relationships" xmlns:p="http://schemas.openxmlformats.org/presentationml/2006/main">
+  <p:cSld>
+    <p:spTree>
+      <p:nvGrpSpPr>
+        <p:cNvPr id="1" name=""/>
+        <p:cNvGrpSpPr/>
+        <p:nvPr/>
+      </p:nvGrpSpPr>
+      <p:grpSpPr>
+        <a:xfrm>
+          <a:off x="0" y="0"/>
+          <a:ext cx="0" cy="0"/>
+          <a:chOff x="0" y="0"/>
+          <a:chExt cx="0" cy="0"/>
+        </a:xfrm>
+      </p:grpSpPr>
+      <p:sp>
+        <p:nvSpPr>
+          <p:cNvPr id="2" name="Title 1">
+            <a:extLst>
+              <a:ext uri="{FF2B5EF4-FFF2-40B4-BE49-F238E27FC236}">
+                <a16:creationId xmlns:a16="http://schemas.microsoft.com/office/drawing/2014/main" xmlns="" id="{749E0D1B-C9EF-4CB6-9922-ED9D4AC52C59}"/>
+              </a:ext>
+            </a:extLst>
+          </p:cNvPr>
+          <p:cNvSpPr>
+            <a:spLocks noGrp="1"/>
+          </p:cNvSpPr>
+          <p:nvPr>
+            <p:ph type="title"/>
+          </p:nvPr>
+        </p:nvSpPr>
+        <p:spPr/>
+        <p:txBody>
+          <a:bodyPr/>
+          <a:lstStyle/>
+          <a:p>
+            <a:r>
+              <a:rPr lang="en-US" dirty="0"/>
+              <a:t>{</a:t>
+            </a:r>
+            <a:r>
+              <a:rPr lang="en-US" dirty="0" err="1"/>
+              <a:t>valtools</a:t>
+            </a:r>
+            <a:r>
+              <a:rPr lang="en-US" dirty="0"/>
+              <a:t>} Reports</a:t>
+            </a:r>
+          </a:p>
+        </p:txBody>
+      </p:sp>
+      <p:sp>
+        <p:nvSpPr>
+          <p:cNvPr id="5" name="Content Placeholder 4">
+            <a:extLst>
+              <a:ext uri="{FF2B5EF4-FFF2-40B4-BE49-F238E27FC236}">
+                <a16:creationId xmlns:a16="http://schemas.microsoft.com/office/drawing/2014/main" xmlns="" id="{7E558183-391D-4056-BC02-A181C5440B05}"/>
+              </a:ext>
+            </a:extLst>
+          </p:cNvPr>
+          <p:cNvSpPr>
+            <a:spLocks noGrp="1"/>
+          </p:cNvSpPr>
+          <p:nvPr>
+            <p:ph idx="1"/>
+          </p:nvPr>
+        </p:nvSpPr>
+        <p:spPr/>
+        <p:txBody>
+          <a:bodyPr>
+            <a:normAutofit/>
+          </a:bodyPr>
+          <a:lstStyle/>
+          <a:p>
+            <a:pPr lvl="1"/>
+            <a:r>
+              <a:rPr lang="en-US" sz="2800" dirty="0"/>
+              <a:t>Reports are Rmd and therefore infinitely customizable</a:t>
+            </a:r>
+          </a:p>
+          <a:p>
+            <a:pPr lvl="1"/>
+            <a:endParaRPr lang="en-US" sz="2800" dirty="0"/>
+          </a:p>
+          <a:p>
+            <a:pPr lvl="1"/>
+            <a:r>
+              <a:rPr lang="en-US" sz="2800" dirty="0"/>
+              <a:t>Outputs of Rmd from validation to live in new output location</a:t>
+            </a:r>
+          </a:p>
+          <a:p>
+            <a:pPr lvl="1"/>
+            <a:endParaRPr lang="en-US" sz="2800" dirty="0"/>
+          </a:p>
+          <a:p>
+            <a:pPr lvl="1"/>
+            <a:r>
+              <a:rPr lang="en-US" sz="3200" dirty="0"/>
+              <a:t>Serves as “snapshot” in time of package state</a:t>
+            </a:r>
+            <a:endParaRPr lang="en-US" sz="3000" dirty="0"/>
+          </a:p>
+          <a:p>
+            <a:pPr lvl="1"/>
+            <a:endParaRPr lang="en-US" sz="3000" dirty="0"/>
+          </a:p>
+          <a:p>
+            <a:pPr lvl="1"/>
+            <a:endParaRPr lang="en-US" sz="2800" dirty="0"/>
+          </a:p>
+        </p:txBody>
+      </p:sp>
+    </p:spTree>
+    <p:extLst>
+      <p:ext uri="{BB962C8B-B14F-4D97-AF65-F5344CB8AC3E}">
+        <p14:creationId xmlns:p14="http://schemas.microsoft.com/office/powerpoint/2010/main" val="230036610"/>
+      </p:ext>
+    </p:extLst>
+  </p:cSld>
+  <p:clrMapOvr>
+    <a:masterClrMapping/>
+  </p:clrMapOvr>
+</p:sld>
+</file>
+
+<file path=ppt/slides/slide17.xml><?xml version="1.0" encoding="utf-8"?>
+<p:sld xmlns:a="http://schemas.openxmlformats.org/drawingml/2006/main" xmlns:r="http://schemas.openxmlformats.org/officeDocument/2006/relationships" xmlns:p="http://schemas.openxmlformats.org/presentationml/2006/main">
+  <p:cSld>
+    <p:spTree>
+      <p:nvGrpSpPr>
+        <p:cNvPr id="1" name=""/>
+        <p:cNvGrpSpPr/>
+        <p:nvPr/>
+      </p:nvGrpSpPr>
+      <p:grpSpPr>
+        <a:xfrm>
+          <a:off x="0" y="0"/>
+          <a:ext cx="0" cy="0"/>
+          <a:chOff x="0" y="0"/>
+          <a:chExt cx="0" cy="0"/>
+        </a:xfrm>
+      </p:grpSpPr>
+      <p:sp>
+        <p:nvSpPr>
+          <p:cNvPr id="8" name="Title 7">
+            <a:extLst>
+              <a:ext uri="{FF2B5EF4-FFF2-40B4-BE49-F238E27FC236}">
+                <a16:creationId xmlns:a16="http://schemas.microsoft.com/office/drawing/2014/main" xmlns="" id="{6A34AC25-F9D4-48D7-A664-C590D06BF559}"/>
+              </a:ext>
+            </a:extLst>
+          </p:cNvPr>
+          <p:cNvSpPr>
+            <a:spLocks noGrp="1"/>
+          </p:cNvSpPr>
+          <p:nvPr>
+            <p:ph type="title"/>
+          </p:nvPr>
+        </p:nvSpPr>
+        <p:spPr/>
+        <p:txBody>
+          <a:bodyPr/>
+          <a:lstStyle/>
+          <a:p>
+            <a:r>
+              <a:rPr lang="en-US" dirty="0"/>
+              <a:t>Customization options</a:t>
+            </a:r>
+          </a:p>
+        </p:txBody>
+      </p:sp>
+      <p:sp>
+        <p:nvSpPr>
+          <p:cNvPr id="2" name="Content Placeholder 1">
+            <a:extLst>
+              <a:ext uri="{FF2B5EF4-FFF2-40B4-BE49-F238E27FC236}">
+                <a16:creationId xmlns:a16="http://schemas.microsoft.com/office/drawing/2014/main" xmlns="" id="{7D7427A6-1030-45CE-92A8-5212E0F721D8}"/>
+              </a:ext>
+            </a:extLst>
+          </p:cNvPr>
+          <p:cNvSpPr>
+            <a:spLocks noGrp="1"/>
+          </p:cNvSpPr>
+          <p:nvPr>
+            <p:ph idx="1"/>
+          </p:nvPr>
+        </p:nvSpPr>
+        <p:spPr/>
+        <p:txBody>
+          <a:bodyPr/>
+          <a:lstStyle/>
+          <a:p>
+            <a:r>
+              <a:rPr lang="en-US" sz="2400" dirty="0"/>
+              <a:t>Modify the report RMD generated via template</a:t>
+            </a:r>
+          </a:p>
+          <a:p>
+            <a:r>
+              <a:rPr lang="en-US" sz="2400" dirty="0"/>
+              <a:t>Write a report RMD from scratch</a:t>
+            </a:r>
+          </a:p>
+          <a:p>
+            <a:r>
+              <a:rPr lang="en-US" sz="2400" dirty="0"/>
+              <a:t>Propose a new template via {</a:t>
+            </a:r>
+            <a:r>
+              <a:rPr lang="en-US" sz="2400" dirty="0" err="1"/>
+              <a:t>valtools</a:t>
+            </a:r>
+            <a:r>
+              <a:rPr lang="en-US" sz="2400" dirty="0"/>
+              <a:t>} issue/PR </a:t>
+            </a:r>
+          </a:p>
+          <a:p>
+            <a:r>
+              <a:rPr lang="en-US" sz="2400" dirty="0"/>
+              <a:t>Switch between multiple RMDs by updating </a:t>
+            </a:r>
+            <a:r>
+              <a:rPr lang="en-US" sz="2400" dirty="0" err="1"/>
+              <a:t>validation.yml</a:t>
+            </a:r>
+            <a:r>
+              <a:rPr lang="en-US" sz="2400" dirty="0"/>
+              <a:t> as the project cycles through adoption and validation phases</a:t>
+            </a:r>
+          </a:p>
+          <a:p>
+            <a:pPr lvl="1"/>
+            <a:endParaRPr lang="en-US" dirty="0"/>
+          </a:p>
+        </p:txBody>
+      </p:sp>
+    </p:spTree>
+    <p:extLst>
+      <p:ext uri="{BB962C8B-B14F-4D97-AF65-F5344CB8AC3E}">
+        <p14:creationId xmlns:p14="http://schemas.microsoft.com/office/powerpoint/2010/main" val="47551942"/>
+      </p:ext>
+    </p:extLst>
+  </p:cSld>
+  <p:clrMapOvr>
+    <a:masterClrMapping/>
+  </p:clrMapOvr>
+</p:sld>
+</file>
+
+<file path=ppt/slides/slide18.xml><?xml version="1.0" encoding="utf-8"?>
+<p:sld xmlns:a="http://schemas.openxmlformats.org/drawingml/2006/main" xmlns:r="http://schemas.openxmlformats.org/officeDocument/2006/relationships" xmlns:p="http://schemas.openxmlformats.org/presentationml/2006/main">
+  <p:cSld>
+    <p:spTree>
+      <p:nvGrpSpPr>
+        <p:cNvPr id="1" name=""/>
+        <p:cNvGrpSpPr/>
+        <p:nvPr/>
+      </p:nvGrpSpPr>
+      <p:grpSpPr>
+        <a:xfrm>
+          <a:off x="0" y="0"/>
+          <a:ext cx="0" cy="0"/>
+          <a:chOff x="0" y="0"/>
+          <a:chExt cx="0" cy="0"/>
+        </a:xfrm>
+      </p:grpSpPr>
+      <p:sp>
+        <p:nvSpPr>
+          <p:cNvPr id="2" name="Title 1">
+            <a:extLst>
+              <a:ext uri="{FF2B5EF4-FFF2-40B4-BE49-F238E27FC236}">
+                <a16:creationId xmlns:a16="http://schemas.microsoft.com/office/drawing/2014/main" xmlns="" id="{7614332B-4F24-42F4-A704-A6F1183E9470}"/>
+              </a:ext>
+            </a:extLst>
+          </p:cNvPr>
+          <p:cNvSpPr>
+            <a:spLocks noGrp="1"/>
+          </p:cNvSpPr>
+          <p:nvPr>
+            <p:ph type="ctrTitle"/>
+          </p:nvPr>
+        </p:nvSpPr>
+        <p:spPr/>
+        <p:txBody>
+          <a:bodyPr>
+            <a:normAutofit fontScale="90000"/>
+          </a:bodyPr>
+          <a:lstStyle/>
+          <a:p>
+            <a:r>
+              <a:rPr lang="en-US" dirty="0" smtClean="0"/>
+              <a:t>Complete</a:t>
+            </a:r>
+            <a:br>
+              <a:rPr lang="en-US" dirty="0" smtClean="0"/>
+            </a:br>
+            <a:r>
+              <a:rPr lang="en-US" dirty="0" smtClean="0"/>
+              <a:t/>
+            </a:r>
+            <a:br>
+              <a:rPr lang="en-US" dirty="0" smtClean="0"/>
+            </a:br>
+            <a:r>
+              <a:rPr lang="en-US" dirty="0" smtClean="0"/>
+              <a:t>Exercise </a:t>
+            </a:r>
+            <a:r>
+              <a:rPr lang="en-US" dirty="0" smtClean="0"/>
+              <a:t>5 </a:t>
+            </a:r>
+            <a:r>
+              <a:rPr lang="en-US" dirty="0" smtClean="0"/>
+              <a:t>Task </a:t>
+            </a:r>
+            <a:r>
+              <a:rPr lang="en-US" dirty="0"/>
+              <a:t>C</a:t>
+            </a:r>
+          </a:p>
+        </p:txBody>
+      </p:sp>
+    </p:spTree>
+    <p:extLst>
+      <p:ext uri="{BB962C8B-B14F-4D97-AF65-F5344CB8AC3E}">
+        <p14:creationId xmlns:p14="http://schemas.microsoft.com/office/powerpoint/2010/main" val="1342229893"/>
       </p:ext>
     </p:extLst>
   </p:cSld>
@@ -6072,7 +7859,7 @@
           <p:cNvPr id="2" name="Title 1">
             <a:extLst>
               <a:ext uri="{FF2B5EF4-FFF2-40B4-BE49-F238E27FC236}">
-                <a16:creationId xmlns="" xmlns:a16="http://schemas.microsoft.com/office/drawing/2014/main" id="{749E0D1B-C9EF-4CB6-9922-ED9D4AC52C59}"/>
+                <a16:creationId xmlns:a16="http://schemas.microsoft.com/office/drawing/2014/main" xmlns="" id="{749E0D1B-C9EF-4CB6-9922-ED9D4AC52C59}"/>
               </a:ext>
             </a:extLst>
           </p:cNvPr>
@@ -6100,7 +7887,7 @@
           <p:cNvPr id="5" name="Content Placeholder 4">
             <a:extLst>
               <a:ext uri="{FF2B5EF4-FFF2-40B4-BE49-F238E27FC236}">
-                <a16:creationId xmlns="" xmlns:a16="http://schemas.microsoft.com/office/drawing/2014/main" id="{7E558183-391D-4056-BC02-A181C5440B05}"/>
+                <a16:creationId xmlns:a16="http://schemas.microsoft.com/office/drawing/2014/main" xmlns="" id="{7E558183-391D-4056-BC02-A181C5440B05}"/>
               </a:ext>
             </a:extLst>
           </p:cNvPr>
@@ -6119,8 +7906,24 @@
           <a:lstStyle/>
           <a:p>
             <a:r>
+              <a:rPr lang="en-US" sz="2400" dirty="0" smtClean="0"/>
+              <a:t>Adding Test Cases</a:t>
+            </a:r>
+          </a:p>
+          <a:p>
+            <a:r>
+              <a:rPr lang="en-US" sz="2400" dirty="0" smtClean="0"/>
+              <a:t>Adding Test Code</a:t>
+            </a:r>
+          </a:p>
+          <a:p>
+            <a:r>
+              <a:rPr lang="en-US" sz="2400" dirty="0" smtClean="0"/>
+              <a:t>Validation </a:t>
+            </a:r>
+            <a:r>
               <a:rPr lang="en-US" sz="2400" dirty="0"/>
-              <a:t>Validation Reports in R packages</a:t>
+              <a:t>Reports in R packages</a:t>
             </a:r>
             <a:endParaRPr lang="en-US" sz="2200" dirty="0"/>
           </a:p>
@@ -6164,7 +7967,7 @@
           <p:cNvPr id="2" name="Title 1">
             <a:extLst>
               <a:ext uri="{FF2B5EF4-FFF2-40B4-BE49-F238E27FC236}">
-                <a16:creationId xmlns="" xmlns:a16="http://schemas.microsoft.com/office/drawing/2014/main" id="{7614332B-4F24-42F4-A704-A6F1183E9470}"/>
+                <a16:creationId xmlns:a16="http://schemas.microsoft.com/office/drawing/2014/main" xmlns="" id="{7614332B-4F24-42F4-A704-A6F1183E9470}"/>
               </a:ext>
             </a:extLst>
           </p:cNvPr>
@@ -6175,22 +7978,30 @@
             <p:ph type="ctrTitle"/>
           </p:nvPr>
         </p:nvSpPr>
-        <p:spPr/>
-        <p:txBody>
-          <a:bodyPr/>
+        <p:spPr>
+          <a:xfrm>
+            <a:off x="1438382" y="2409722"/>
+            <a:ext cx="9298112" cy="2437232"/>
+          </a:xfrm>
+        </p:spPr>
+        <p:txBody>
+          <a:bodyPr>
+            <a:normAutofit/>
+          </a:bodyPr>
           <a:lstStyle/>
           <a:p>
             <a:r>
-              <a:rPr lang="en-US" dirty="0"/>
-              <a:t>Vignette Validation</a:t>
-            </a:r>
+              <a:rPr lang="en-US" dirty="0" smtClean="0"/>
+              <a:t>Validation Elements</a:t>
+            </a:r>
+            <a:endParaRPr lang="en-US" dirty="0"/>
           </a:p>
         </p:txBody>
       </p:sp>
     </p:spTree>
     <p:extLst>
       <p:ext uri="{BB962C8B-B14F-4D97-AF65-F5344CB8AC3E}">
-        <p14:creationId xmlns:p14="http://schemas.microsoft.com/office/powerpoint/2010/main" val="2742486074"/>
+        <p14:creationId xmlns:p14="http://schemas.microsoft.com/office/powerpoint/2010/main" val="254313497"/>
       </p:ext>
     </p:extLst>
   </p:cSld>
@@ -6222,7 +8033,7 @@
           <p:cNvPr id="2" name="Title 1">
             <a:extLst>
               <a:ext uri="{FF2B5EF4-FFF2-40B4-BE49-F238E27FC236}">
-                <a16:creationId xmlns="" xmlns:a16="http://schemas.microsoft.com/office/drawing/2014/main" id="{749E0D1B-C9EF-4CB6-9922-ED9D4AC52C59}"/>
+                <a16:creationId xmlns:a16="http://schemas.microsoft.com/office/drawing/2014/main" xmlns="" id="{749E0D1B-C9EF-4CB6-9922-ED9D4AC52C59}"/>
               </a:ext>
             </a:extLst>
           </p:cNvPr>
@@ -6240,15 +8051,15 @@
           <a:p>
             <a:r>
               <a:rPr lang="en-US" dirty="0"/>
-              <a:t>{</a:t>
+              <a:t>Test Cases - </a:t>
             </a:r>
             <a:r>
               <a:rPr lang="en-US" dirty="0" err="1"/>
-              <a:t>valtools</a:t>
+              <a:t>vt_use_test_case</a:t>
             </a:r>
             <a:r>
               <a:rPr lang="en-US" dirty="0"/>
-              <a:t>} Reports</a:t>
+              <a:t>()</a:t>
             </a:r>
           </a:p>
         </p:txBody>
@@ -6258,7 +8069,7 @@
           <p:cNvPr id="5" name="Content Placeholder 4">
             <a:extLst>
               <a:ext uri="{FF2B5EF4-FFF2-40B4-BE49-F238E27FC236}">
-                <a16:creationId xmlns="" xmlns:a16="http://schemas.microsoft.com/office/drawing/2014/main" id="{7E558183-391D-4056-BC02-A181C5440B05}"/>
+                <a16:creationId xmlns:a16="http://schemas.microsoft.com/office/drawing/2014/main" xmlns="" id="{7E558183-391D-4056-BC02-A181C5440B05}"/>
               </a:ext>
             </a:extLst>
           </p:cNvPr>
@@ -6278,47 +8089,64 @@
           <a:p>
             <a:pPr lvl="1"/>
             <a:r>
-              <a:rPr lang="en-US" sz="2800" dirty="0"/>
-              <a:t>Reports are Rmd and therefore infinitely customizable</a:t>
-            </a:r>
+              <a:rPr lang="en-US" sz="2400" dirty="0"/>
+              <a:t>Key Arguments</a:t>
+            </a:r>
+          </a:p>
+          <a:p>
+            <a:pPr lvl="2"/>
+            <a:r>
+              <a:rPr lang="en-US" sz="2400" dirty="0"/>
+              <a:t> name,</a:t>
+            </a:r>
+          </a:p>
+          <a:p>
+            <a:pPr lvl="2"/>
+            <a:r>
+              <a:rPr lang="en-US" sz="2400" dirty="0"/>
+              <a:t> username</a:t>
+            </a:r>
+          </a:p>
+          <a:p>
+            <a:pPr lvl="2"/>
+            <a:endParaRPr lang="en-US" sz="2400" dirty="0"/>
           </a:p>
           <a:p>
             <a:pPr lvl="1"/>
-            <a:endParaRPr lang="en-US" sz="2800" dirty="0"/>
+            <a:r>
+              <a:rPr lang="en-US" sz="2500" dirty="0"/>
+              <a:t>Name – requirement name</a:t>
+            </a:r>
           </a:p>
           <a:p>
             <a:pPr lvl="1"/>
             <a:r>
-              <a:rPr lang="en-US" sz="2800" dirty="0"/>
-              <a:t>Outputs of Rmd from validation to live in new output location</a:t>
-            </a:r>
+              <a:rPr lang="en-US" sz="2500" dirty="0"/>
+              <a:t>Username – Person’s name writing test case</a:t>
+            </a:r>
+          </a:p>
+          <a:p>
+            <a:pPr marL="274320" lvl="1" indent="0">
+              <a:buNone/>
+            </a:pPr>
+            <a:endParaRPr lang="en-US" sz="2500" dirty="0"/>
           </a:p>
           <a:p>
             <a:pPr lvl="1"/>
-            <a:endParaRPr lang="en-US" sz="2800" dirty="0"/>
-          </a:p>
-          <a:p>
-            <a:pPr lvl="1"/>
-            <a:r>
-              <a:rPr lang="en-US" sz="3200" dirty="0"/>
-              <a:t>Serves as “snapshot” in time of package state</a:t>
-            </a:r>
-            <a:endParaRPr lang="en-US" sz="3000" dirty="0"/>
-          </a:p>
-          <a:p>
-            <a:pPr lvl="1"/>
-            <a:endParaRPr lang="en-US" sz="3000" dirty="0"/>
-          </a:p>
-          <a:p>
-            <a:pPr lvl="1"/>
-            <a:endParaRPr lang="en-US" sz="2800" dirty="0"/>
+            <a:endParaRPr lang="en-US" sz="2500" dirty="0"/>
+          </a:p>
+          <a:p>
+            <a:pPr marL="274320" lvl="1" indent="0">
+              <a:buNone/>
+            </a:pPr>
+            <a:endParaRPr lang="en-US" sz="2500" dirty="0"/>
           </a:p>
         </p:txBody>
       </p:sp>
     </p:spTree>
     <p:extLst>
       <p:ext uri="{BB962C8B-B14F-4D97-AF65-F5344CB8AC3E}">
-        <p14:creationId xmlns:p14="http://schemas.microsoft.com/office/powerpoint/2010/main" val="230036610"/>
+        <p14:creationId xmlns:p14="http://schemas.microsoft.com/office/powerpoint/2010/main" val="342227774"/>
       </p:ext>
     </p:extLst>
   </p:cSld>
@@ -6347,10 +8175,10 @@
       </p:grpSpPr>
       <p:sp>
         <p:nvSpPr>
-          <p:cNvPr id="8" name="Title 7">
+          <p:cNvPr id="2" name="Title 1">
             <a:extLst>
               <a:ext uri="{FF2B5EF4-FFF2-40B4-BE49-F238E27FC236}">
-                <a16:creationId xmlns="" xmlns:a16="http://schemas.microsoft.com/office/drawing/2014/main" id="{6A34AC25-F9D4-48D7-A664-C590D06BF559}"/>
+                <a16:creationId xmlns:a16="http://schemas.microsoft.com/office/drawing/2014/main" xmlns="" id="{749E0D1B-C9EF-4CB6-9922-ED9D4AC52C59}"/>
               </a:ext>
             </a:extLst>
           </p:cNvPr>
@@ -6368,89 +8196,96 @@
           <a:p>
             <a:r>
               <a:rPr lang="en-US" dirty="0"/>
-              <a:t>Validating </a:t>
-            </a:r>
-          </a:p>
-        </p:txBody>
-      </p:sp>
-      <p:sp>
-        <p:nvSpPr>
-          <p:cNvPr id="5" name="TextBox 4">
+              <a:t>Test Cases - </a:t>
+            </a:r>
+            <a:r>
+              <a:rPr lang="en-US" dirty="0" err="1"/>
+              <a:t>vt_use_test_case</a:t>
+            </a:r>
+            <a:r>
+              <a:rPr lang="en-US" dirty="0"/>
+              <a:t>()</a:t>
+            </a:r>
+          </a:p>
+        </p:txBody>
+      </p:sp>
+      <p:sp>
+        <p:nvSpPr>
+          <p:cNvPr id="3" name="Content Placeholder 2"/>
+          <p:cNvSpPr>
+            <a:spLocks noGrp="1"/>
+          </p:cNvSpPr>
+          <p:nvPr>
+            <p:ph idx="1"/>
+          </p:nvPr>
+        </p:nvSpPr>
+        <p:spPr/>
+        <p:txBody>
+          <a:bodyPr/>
+          <a:lstStyle/>
+          <a:p>
+            <a:endParaRPr lang="en-US"/>
+          </a:p>
+        </p:txBody>
+      </p:sp>
+      <p:pic>
+        <p:nvPicPr>
+          <p:cNvPr id="1026" name="Picture 2"/>
+          <p:cNvPicPr>
+            <a:picLocks noChangeAspect="1" noChangeArrowheads="1"/>
+          </p:cNvPicPr>
+          <p:nvPr/>
+        </p:nvPicPr>
+        <p:blipFill>
+          <a:blip r:embed="rId3">
             <a:extLst>
-              <a:ext uri="{FF2B5EF4-FFF2-40B4-BE49-F238E27FC236}">
-                <a16:creationId xmlns="" xmlns:a16="http://schemas.microsoft.com/office/drawing/2014/main" id="{EF5BA94D-0FB3-4C60-9994-8A309B690D97}"/>
+              <a:ext uri="{28A0092B-C50C-407E-A947-70E740481C1C}">
+                <a14:useLocalDpi xmlns:a14="http://schemas.microsoft.com/office/drawing/2010/main" val="0"/>
               </a:ext>
             </a:extLst>
-          </p:cNvPr>
-          <p:cNvSpPr txBox="1"/>
-          <p:nvPr/>
-        </p:nvSpPr>
-        <p:spPr>
+          </a:blip>
+          <a:srcRect/>
+          <a:stretch>
+            <a:fillRect/>
+          </a:stretch>
+        </p:blipFill>
+        <p:spPr bwMode="auto">
           <a:xfrm>
-            <a:off x="1286933" y="2218267"/>
-            <a:ext cx="10905067" cy="2246769"/>
+            <a:off x="472611" y="1890197"/>
+            <a:ext cx="11198831" cy="4335031"/>
           </a:xfrm>
           <a:prstGeom prst="rect">
             <a:avLst/>
           </a:prstGeom>
           <a:noFill/>
+          <a:ln>
+            <a:noFill/>
+          </a:ln>
+          <a:extLst>
+            <a:ext uri="{909E8E84-426E-40DD-AFC4-6F175D3DCCD1}">
+              <a14:hiddenFill xmlns:a14="http://schemas.microsoft.com/office/drawing/2010/main">
+                <a:solidFill>
+                  <a:schemeClr val="accent1"/>
+                </a:solidFill>
+              </a14:hiddenFill>
+            </a:ext>
+            <a:ext uri="{91240B29-F687-4F45-9708-019B960494DF}">
+              <a14:hiddenLine xmlns:a14="http://schemas.microsoft.com/office/drawing/2010/main" w="9525">
+                <a:solidFill>
+                  <a:schemeClr val="tx1"/>
+                </a:solidFill>
+                <a:miter lim="800000"/>
+                <a:headEnd/>
+                <a:tailEnd/>
+              </a14:hiddenLine>
+            </a:ext>
+          </a:extLst>
         </p:spPr>
-        <p:txBody>
-          <a:bodyPr wrap="square" rtlCol="0">
-            <a:spAutoFit/>
-          </a:bodyPr>
-          <a:lstStyle/>
-          <a:p>
-            <a:pPr marL="285750" indent="-285750">
-              <a:buFont typeface="Arial" panose="020B0604020202020204" pitchFamily="34" charset="0"/>
-              <a:buChar char="•"/>
-            </a:pPr>
-            <a:r>
-              <a:rPr lang="en-US" sz="2800" dirty="0" err="1"/>
-              <a:t>vt_validate_report</a:t>
-            </a:r>
-            <a:r>
-              <a:rPr lang="en-US" sz="2800" dirty="0"/>
-              <a:t>() executes the Rmd and saves output</a:t>
-            </a:r>
-          </a:p>
-          <a:p>
-            <a:pPr marL="742950" lvl="1" indent="-285750">
-              <a:buFont typeface="Arial" panose="020B0604020202020204" pitchFamily="34" charset="0"/>
-              <a:buChar char="•"/>
-            </a:pPr>
-            <a:r>
-              <a:rPr lang="en-US" sz="2800" dirty="0"/>
-              <a:t>Assumes package is installed in most current state</a:t>
-            </a:r>
-          </a:p>
-          <a:p>
-            <a:pPr marL="285750" indent="-285750">
-              <a:buFont typeface="Arial" panose="020B0604020202020204" pitchFamily="34" charset="0"/>
-              <a:buChar char="•"/>
-            </a:pPr>
-            <a:endParaRPr lang="en-US" sz="2800" dirty="0"/>
-          </a:p>
-          <a:p>
-            <a:pPr marL="285750" indent="-285750">
-              <a:buFont typeface="Arial" panose="020B0604020202020204" pitchFamily="34" charset="0"/>
-              <a:buChar char="•"/>
-            </a:pPr>
-            <a:r>
-              <a:rPr lang="en-US" sz="2800" dirty="0" err="1"/>
-              <a:t>vt_validate_source</a:t>
-            </a:r>
-            <a:r>
-              <a:rPr lang="en-US" sz="2800" dirty="0"/>
-              <a:t>() temporarily installs the package and executes the validation Rmd</a:t>
-            </a:r>
-          </a:p>
-        </p:txBody>
-      </p:sp>
+      </p:pic>
     </p:spTree>
     <p:extLst>
       <p:ext uri="{BB962C8B-B14F-4D97-AF65-F5344CB8AC3E}">
-        <p14:creationId xmlns:p14="http://schemas.microsoft.com/office/powerpoint/2010/main" val="156219768"/>
+        <p14:creationId xmlns:p14="http://schemas.microsoft.com/office/powerpoint/2010/main" val="3669178882"/>
       </p:ext>
     </p:extLst>
   </p:cSld>
@@ -6479,10 +8314,10 @@
       </p:grpSpPr>
       <p:sp>
         <p:nvSpPr>
-          <p:cNvPr id="8" name="Title 7">
+          <p:cNvPr id="2" name="Title 1">
             <a:extLst>
               <a:ext uri="{FF2B5EF4-FFF2-40B4-BE49-F238E27FC236}">
-                <a16:creationId xmlns="" xmlns:a16="http://schemas.microsoft.com/office/drawing/2014/main" id="{6A34AC25-F9D4-48D7-A664-C590D06BF559}"/>
+                <a16:creationId xmlns:a16="http://schemas.microsoft.com/office/drawing/2014/main" xmlns="" id="{749E0D1B-C9EF-4CB6-9922-ED9D4AC52C59}"/>
               </a:ext>
             </a:extLst>
           </p:cNvPr>
@@ -6500,92 +8335,98 @@
           <a:p>
             <a:r>
               <a:rPr lang="en-US" dirty="0"/>
-              <a:t>Validation Behavior</a:t>
-            </a:r>
-          </a:p>
-        </p:txBody>
-      </p:sp>
-      <p:sp>
-        <p:nvSpPr>
-          <p:cNvPr id="5" name="TextBox 4">
+              <a:t>Test Code - </a:t>
+            </a:r>
+            <a:r>
+              <a:rPr lang="en-US" dirty="0" err="1"/>
+              <a:t>vt_use_test_code</a:t>
+            </a:r>
+            <a:r>
+              <a:rPr lang="en-US" dirty="0"/>
+              <a:t>()</a:t>
+            </a:r>
+          </a:p>
+        </p:txBody>
+      </p:sp>
+      <p:sp>
+        <p:nvSpPr>
+          <p:cNvPr id="5" name="Content Placeholder 4">
             <a:extLst>
               <a:ext uri="{FF2B5EF4-FFF2-40B4-BE49-F238E27FC236}">
-                <a16:creationId xmlns="" xmlns:a16="http://schemas.microsoft.com/office/drawing/2014/main" id="{EF5BA94D-0FB3-4C60-9994-8A309B690D97}"/>
+                <a16:creationId xmlns:a16="http://schemas.microsoft.com/office/drawing/2014/main" xmlns="" id="{7E558183-391D-4056-BC02-A181C5440B05}"/>
               </a:ext>
             </a:extLst>
           </p:cNvPr>
-          <p:cNvSpPr txBox="1"/>
-          <p:nvPr/>
-        </p:nvSpPr>
-        <p:spPr>
-          <a:xfrm>
-            <a:off x="1286933" y="2218267"/>
-            <a:ext cx="10905067" cy="2246769"/>
-          </a:xfrm>
-          <a:prstGeom prst="rect">
-            <a:avLst/>
-          </a:prstGeom>
-          <a:noFill/>
-        </p:spPr>
-        <p:txBody>
-          <a:bodyPr wrap="square" rtlCol="0">
-            <a:spAutoFit/>
+          <p:cNvSpPr>
+            <a:spLocks noGrp="1"/>
+          </p:cNvSpPr>
+          <p:nvPr>
+            <p:ph idx="1"/>
+          </p:nvPr>
+        </p:nvSpPr>
+        <p:spPr/>
+        <p:txBody>
+          <a:bodyPr>
+            <a:normAutofit/>
           </a:bodyPr>
           <a:lstStyle/>
           <a:p>
-            <a:pPr marL="285750" indent="-285750">
-              <a:buFont typeface="Arial" panose="020B0604020202020204" pitchFamily="34" charset="0"/>
-              <a:buChar char="•"/>
+            <a:pPr lvl="1"/>
+            <a:r>
+              <a:rPr lang="en-US" sz="2400" dirty="0"/>
+              <a:t>Key Arguments</a:t>
+            </a:r>
+          </a:p>
+          <a:p>
+            <a:pPr lvl="2"/>
+            <a:r>
+              <a:rPr lang="en-US" sz="2400" dirty="0"/>
+              <a:t> name,</a:t>
+            </a:r>
+          </a:p>
+          <a:p>
+            <a:pPr lvl="2"/>
+            <a:r>
+              <a:rPr lang="en-US" sz="2400" dirty="0"/>
+              <a:t> username</a:t>
+            </a:r>
+          </a:p>
+          <a:p>
+            <a:pPr lvl="2"/>
+            <a:endParaRPr lang="en-US" sz="2400" dirty="0"/>
+          </a:p>
+          <a:p>
+            <a:pPr lvl="1"/>
+            <a:r>
+              <a:rPr lang="en-US" sz="2500" dirty="0"/>
+              <a:t>Name – requirement name</a:t>
+            </a:r>
+          </a:p>
+          <a:p>
+            <a:pPr lvl="1"/>
+            <a:r>
+              <a:rPr lang="en-US" sz="2500" dirty="0"/>
+              <a:t>Username – Person’s name writing test code</a:t>
+            </a:r>
+          </a:p>
+          <a:p>
+            <a:pPr marL="274320" lvl="1" indent="0">
+              <a:buNone/>
             </a:pPr>
-            <a:r>
-              <a:rPr lang="en-US" sz="2800" dirty="0"/>
-              <a:t>Which report, location of output, and output name controlled by the </a:t>
-            </a:r>
-            <a:r>
-              <a:rPr lang="en-US" sz="2800" dirty="0" err="1"/>
-              <a:t>validation.yml</a:t>
-            </a:r>
-            <a:endParaRPr lang="en-US" sz="2800" dirty="0"/>
-          </a:p>
-          <a:p>
-            <a:pPr marL="742950" lvl="1" indent="-285750">
-              <a:buFont typeface="Arial" panose="020B0604020202020204" pitchFamily="34" charset="0"/>
-              <a:buChar char="•"/>
+            <a:endParaRPr lang="en-US" sz="2500" dirty="0"/>
+          </a:p>
+          <a:p>
+            <a:pPr marL="274320" lvl="1" indent="0">
+              <a:buNone/>
             </a:pPr>
-            <a:r>
-              <a:rPr lang="en-US" sz="2800" dirty="0" err="1"/>
-              <a:t>report_rmd_name</a:t>
-            </a:r>
-            <a:endParaRPr lang="en-US" sz="2800" dirty="0"/>
-          </a:p>
-          <a:p>
-            <a:pPr marL="742950" lvl="1" indent="-285750">
-              <a:buFont typeface="Arial" panose="020B0604020202020204" pitchFamily="34" charset="0"/>
-              <a:buChar char="•"/>
-            </a:pPr>
-            <a:r>
-              <a:rPr lang="en-US" sz="2800" dirty="0" err="1"/>
-              <a:t>output_dir</a:t>
-            </a:r>
-            <a:endParaRPr lang="en-US" sz="2800" dirty="0"/>
-          </a:p>
-          <a:p>
-            <a:pPr marL="742950" lvl="1" indent="-285750">
-              <a:buFont typeface="Arial" panose="020B0604020202020204" pitchFamily="34" charset="0"/>
-              <a:buChar char="•"/>
-            </a:pPr>
-            <a:r>
-              <a:rPr lang="en-US" sz="2800" dirty="0" err="1"/>
-              <a:t>report_naming_format</a:t>
-            </a:r>
-            <a:endParaRPr lang="en-US" sz="2800" dirty="0"/>
+            <a:endParaRPr lang="en-US" sz="2500" dirty="0"/>
           </a:p>
         </p:txBody>
       </p:sp>
     </p:spTree>
     <p:extLst>
       <p:ext uri="{BB962C8B-B14F-4D97-AF65-F5344CB8AC3E}">
-        <p14:creationId xmlns:p14="http://schemas.microsoft.com/office/powerpoint/2010/main" val="2261904090"/>
+        <p14:creationId xmlns:p14="http://schemas.microsoft.com/office/powerpoint/2010/main" val="299026326"/>
       </p:ext>
     </p:extLst>
   </p:cSld>
@@ -6617,7 +8458,7 @@
           <p:cNvPr id="2" name="Title 1">
             <a:extLst>
               <a:ext uri="{FF2B5EF4-FFF2-40B4-BE49-F238E27FC236}">
-                <a16:creationId xmlns="" xmlns:a16="http://schemas.microsoft.com/office/drawing/2014/main" id="{7614332B-4F24-42F4-A704-A6F1183E9470}"/>
+                <a16:creationId xmlns:a16="http://schemas.microsoft.com/office/drawing/2014/main" xmlns="" id="{749E0D1B-C9EF-4CB6-9922-ED9D4AC52C59}"/>
               </a:ext>
             </a:extLst>
           </p:cNvPr>
@@ -6625,7 +8466,7 @@
             <a:spLocks noGrp="1"/>
           </p:cNvSpPr>
           <p:nvPr>
-            <p:ph type="ctrTitle"/>
+            <p:ph type="title"/>
           </p:nvPr>
         </p:nvSpPr>
         <p:spPr/>
@@ -6635,15 +8476,79 @@
           <a:p>
             <a:r>
               <a:rPr lang="en-US" dirty="0"/>
-              <a:t>Included templates</a:t>
-            </a:r>
-          </a:p>
-        </p:txBody>
-      </p:sp>
+              <a:t>Test Code - </a:t>
+            </a:r>
+            <a:r>
+              <a:rPr lang="en-US" dirty="0" err="1"/>
+              <a:t>vt_use_test_code</a:t>
+            </a:r>
+            <a:r>
+              <a:rPr lang="en-US" dirty="0"/>
+              <a:t>()</a:t>
+            </a:r>
+          </a:p>
+        </p:txBody>
+      </p:sp>
+      <p:pic>
+        <p:nvPicPr>
+          <p:cNvPr id="2050" name="Picture 2"/>
+          <p:cNvPicPr>
+            <a:picLocks noGrp="1" noChangeAspect="1" noChangeArrowheads="1"/>
+          </p:cNvPicPr>
+          <p:nvPr>
+            <p:ph idx="1"/>
+          </p:nvPr>
+        </p:nvPicPr>
+        <p:blipFill>
+          <a:blip r:embed="rId3">
+            <a:extLst>
+              <a:ext uri="{28A0092B-C50C-407E-A947-70E740481C1C}">
+                <a14:useLocalDpi xmlns:a14="http://schemas.microsoft.com/office/drawing/2010/main" val="0"/>
+              </a:ext>
+            </a:extLst>
+          </a:blip>
+          <a:srcRect/>
+          <a:stretch>
+            <a:fillRect/>
+          </a:stretch>
+        </p:blipFill>
+        <p:spPr bwMode="auto">
+          <a:xfrm>
+            <a:off x="522714" y="1908229"/>
+            <a:ext cx="10874677" cy="4235717"/>
+          </a:xfrm>
+          <a:prstGeom prst="rect">
+            <a:avLst/>
+          </a:prstGeom>
+          <a:noFill/>
+          <a:ln>
+            <a:noFill/>
+          </a:ln>
+          <a:extLst>
+            <a:ext uri="{909E8E84-426E-40DD-AFC4-6F175D3DCCD1}">
+              <a14:hiddenFill xmlns:a14="http://schemas.microsoft.com/office/drawing/2010/main">
+                <a:solidFill>
+                  <a:schemeClr val="accent1"/>
+                </a:solidFill>
+              </a14:hiddenFill>
+            </a:ext>
+            <a:ext uri="{91240B29-F687-4F45-9708-019B960494DF}">
+              <a14:hiddenLine xmlns:a14="http://schemas.microsoft.com/office/drawing/2010/main" w="9525">
+                <a:solidFill>
+                  <a:schemeClr val="tx1"/>
+                </a:solidFill>
+                <a:miter lim="800000"/>
+                <a:headEnd/>
+                <a:tailEnd/>
+              </a14:hiddenLine>
+            </a:ext>
+          </a:extLst>
+        </p:spPr>
+      </p:pic>
     </p:spTree>
     <p:extLst>
       <p:ext uri="{BB962C8B-B14F-4D97-AF65-F5344CB8AC3E}">
-        <p14:creationId xmlns:p14="http://schemas.microsoft.com/office/powerpoint/2010/main" val="4252372198"/>
+        <p14:creationId xmlns:p14="http://schemas.microsoft.com/office/powerpoint/2010/main" val="4204682596"/>
       </p:ext>
     </p:extLst>
   </p:cSld>
@@ -6672,10 +8577,10 @@
       </p:grpSpPr>
       <p:sp>
         <p:nvSpPr>
-          <p:cNvPr id="8" name="Title 7">
+          <p:cNvPr id="2" name="Title 1">
             <a:extLst>
               <a:ext uri="{FF2B5EF4-FFF2-40B4-BE49-F238E27FC236}">
-                <a16:creationId xmlns="" xmlns:a16="http://schemas.microsoft.com/office/drawing/2014/main" id="{6A34AC25-F9D4-48D7-A664-C590D06BF559}"/>
+                <a16:creationId xmlns:a16="http://schemas.microsoft.com/office/drawing/2014/main" xmlns="" id="{7614332B-4F24-42F4-A704-A6F1183E9470}"/>
               </a:ext>
             </a:extLst>
           </p:cNvPr>
@@ -6683,77 +8588,46 @@
             <a:spLocks noGrp="1"/>
           </p:cNvSpPr>
           <p:nvPr>
-            <p:ph type="title"/>
+            <p:ph type="ctrTitle"/>
           </p:nvPr>
         </p:nvSpPr>
         <p:spPr/>
         <p:txBody>
-          <a:bodyPr/>
+          <a:bodyPr>
+            <a:normAutofit fontScale="90000"/>
+          </a:bodyPr>
           <a:lstStyle/>
           <a:p>
             <a:r>
-              <a:rPr lang="en-US" dirty="0"/>
-              <a:t>Requirement Adoption Report</a:t>
-            </a:r>
-          </a:p>
-        </p:txBody>
-      </p:sp>
-      <p:sp>
-        <p:nvSpPr>
-          <p:cNvPr id="2" name="Content Placeholder 1">
-            <a:extLst>
-              <a:ext uri="{FF2B5EF4-FFF2-40B4-BE49-F238E27FC236}">
-                <a16:creationId xmlns="" xmlns:a16="http://schemas.microsoft.com/office/drawing/2014/main" id="{7D7427A6-1030-45CE-92A8-5212E0F721D8}"/>
-              </a:ext>
-            </a:extLst>
-          </p:cNvPr>
-          <p:cNvSpPr>
-            <a:spLocks noGrp="1"/>
-          </p:cNvSpPr>
-          <p:nvPr>
-            <p:ph idx="1"/>
-          </p:nvPr>
-        </p:nvSpPr>
-        <p:spPr/>
-        <p:txBody>
-          <a:bodyPr/>
-          <a:lstStyle/>
-          <a:p>
-            <a:r>
-              <a:rPr lang="en-US" sz="2400" dirty="0"/>
-              <a:t>Signature table looks for users with roles “Validation Lead” and “Tester”, case-insensitive. At least one must be present via </a:t>
-            </a:r>
-            <a:r>
-              <a:rPr lang="en-US" sz="2400" dirty="0" err="1"/>
-              <a:t>validation.yml</a:t>
-            </a:r>
-            <a:r>
-              <a:rPr lang="en-US" sz="2400" dirty="0"/>
-              <a:t>/</a:t>
-            </a:r>
-            <a:r>
-              <a:rPr lang="en-US" sz="2400" dirty="0" err="1"/>
-              <a:t>vt_add_user_to_config</a:t>
-            </a:r>
-            <a:r>
-              <a:rPr lang="en-US" sz="2400" dirty="0"/>
-              <a:t>() </a:t>
-            </a:r>
-          </a:p>
-          <a:p>
-            <a:pPr marL="0" indent="0">
-              <a:buNone/>
-            </a:pPr>
-            <a:endParaRPr lang="en-US" sz="2400" dirty="0"/>
-          </a:p>
-          <a:p>
-            <a:r>
-              <a:rPr lang="en-US" sz="2400" dirty="0"/>
-              <a:t>Only includes Requirement child files by looking for filenames with “req”. Ordering is alphabetical.</a:t>
-            </a:r>
-          </a:p>
-          <a:p>
-            <a:pPr lvl="1"/>
+              <a:rPr lang="en-US" dirty="0" smtClean="0"/>
+              <a:t>Complete</a:t>
+            </a:r>
+            <a:br>
+              <a:rPr lang="en-US" dirty="0" smtClean="0"/>
+            </a:br>
+            <a:r>
+              <a:rPr lang="en-US" dirty="0" smtClean="0"/>
+              <a:t/>
+            </a:r>
+            <a:br>
+              <a:rPr lang="en-US" dirty="0" smtClean="0"/>
+            </a:br>
+            <a:r>
+              <a:rPr lang="en-US" dirty="0" smtClean="0"/>
+              <a:t>Exercise </a:t>
+            </a:r>
+            <a:r>
+              <a:rPr lang="en-US" dirty="0" smtClean="0"/>
+              <a:t>5 </a:t>
+            </a:r>
+            <a:r>
+              <a:rPr lang="en-US" dirty="0" smtClean="0"/>
+              <a:t>Task </a:t>
+            </a:r>
+            <a:r>
+              <a:rPr lang="en-US" dirty="0" smtClean="0"/>
+              <a:t>A</a:t>
+            </a:r>
             <a:endParaRPr lang="en-US" dirty="0"/>
           </a:p>
         </p:txBody>
@@ -6761,7 +8635,7 @@
     </p:spTree>
     <p:extLst>
       <p:ext uri="{BB962C8B-B14F-4D97-AF65-F5344CB8AC3E}">
-        <p14:creationId xmlns:p14="http://schemas.microsoft.com/office/powerpoint/2010/main" val="524372991"/>
+        <p14:creationId xmlns:p14="http://schemas.microsoft.com/office/powerpoint/2010/main" val="4013890250"/>
       </p:ext>
     </p:extLst>
   </p:cSld>
@@ -6790,10 +8664,10 @@
       </p:grpSpPr>
       <p:sp>
         <p:nvSpPr>
-          <p:cNvPr id="8" name="Title 7">
+          <p:cNvPr id="2" name="Title 1">
             <a:extLst>
               <a:ext uri="{FF2B5EF4-FFF2-40B4-BE49-F238E27FC236}">
-                <a16:creationId xmlns="" xmlns:a16="http://schemas.microsoft.com/office/drawing/2014/main" id="{6A34AC25-F9D4-48D7-A664-C590D06BF559}"/>
+                <a16:creationId xmlns:a16="http://schemas.microsoft.com/office/drawing/2014/main" xmlns="" id="{7614332B-4F24-42F4-A704-A6F1183E9470}"/>
               </a:ext>
             </a:extLst>
           </p:cNvPr>
@@ -6801,91 +8675,32 @@
             <a:spLocks noGrp="1"/>
           </p:cNvSpPr>
           <p:nvPr>
-            <p:ph type="title"/>
-          </p:nvPr>
-        </p:nvSpPr>
-        <p:spPr/>
-        <p:txBody>
-          <a:bodyPr/>
+            <p:ph type="ctrTitle"/>
+          </p:nvPr>
+        </p:nvSpPr>
+        <p:spPr>
+          <a:xfrm>
+            <a:off x="1629102" y="2409722"/>
+            <a:ext cx="8933796" cy="2437232"/>
+          </a:xfrm>
+        </p:spPr>
+        <p:txBody>
+          <a:bodyPr>
+            <a:normAutofit/>
+          </a:bodyPr>
           <a:lstStyle/>
           <a:p>
             <a:r>
               <a:rPr lang="en-US" dirty="0"/>
-              <a:t>Validation Report </a:t>
-            </a:r>
-          </a:p>
-        </p:txBody>
-      </p:sp>
-      <p:sp>
-        <p:nvSpPr>
-          <p:cNvPr id="2" name="Content Placeholder 1">
-            <a:extLst>
-              <a:ext uri="{FF2B5EF4-FFF2-40B4-BE49-F238E27FC236}">
-                <a16:creationId xmlns="" xmlns:a16="http://schemas.microsoft.com/office/drawing/2014/main" id="{7D7427A6-1030-45CE-92A8-5212E0F721D8}"/>
-              </a:ext>
-            </a:extLst>
-          </p:cNvPr>
-          <p:cNvSpPr>
-            <a:spLocks noGrp="1"/>
-          </p:cNvSpPr>
-          <p:nvPr>
-            <p:ph idx="1"/>
-          </p:nvPr>
-        </p:nvSpPr>
-        <p:spPr/>
-        <p:txBody>
-          <a:bodyPr/>
-          <a:lstStyle/>
-          <a:p>
-            <a:r>
-              <a:rPr lang="en-US" sz="2400" dirty="0"/>
-              <a:t>All users are added to signature table</a:t>
-            </a:r>
-          </a:p>
-          <a:p>
-            <a:r>
-              <a:rPr lang="en-US" sz="2400" dirty="0"/>
-              <a:t>Adds authorship tables for Requirements, Test Case, Test Code, and Functions </a:t>
-            </a:r>
-          </a:p>
-          <a:p>
-            <a:r>
-              <a:rPr lang="en-US" sz="2400" dirty="0"/>
-              <a:t>Adds traceability matrix</a:t>
-            </a:r>
-          </a:p>
-          <a:p>
-            <a:r>
-              <a:rPr lang="en-US" sz="2400" dirty="0"/>
-              <a:t>Includes all child </a:t>
-            </a:r>
-            <a:r>
-              <a:rPr lang="en-US" sz="2400" dirty="0" err="1"/>
-              <a:t>viles</a:t>
-            </a:r>
-            <a:r>
-              <a:rPr lang="en-US" sz="2400" dirty="0"/>
-              <a:t> via </a:t>
-            </a:r>
-            <a:r>
-              <a:rPr lang="en-US" sz="2400" dirty="0" err="1"/>
-              <a:t>vt_get_child_files</a:t>
-            </a:r>
-            <a:r>
-              <a:rPr lang="en-US" sz="2400" dirty="0"/>
-              <a:t>()</a:t>
-            </a:r>
-          </a:p>
-          <a:p>
-            <a:pPr lvl="1"/>
-            <a:endParaRPr lang="en-US" dirty="0"/>
+              <a:t>Report</a:t>
+            </a:r>
           </a:p>
         </p:txBody>
       </p:sp>
     </p:spTree>
     <p:extLst>
       <p:ext uri="{BB962C8B-B14F-4D97-AF65-F5344CB8AC3E}">
-        <p14:creationId xmlns:p14="http://schemas.microsoft.com/office/powerpoint/2010/main" val="1712410708"/>
+        <p14:creationId xmlns:p14="http://schemas.microsoft.com/office/powerpoint/2010/main" val="3209574456"/>
       </p:ext>
     </p:extLst>
   </p:cSld>
@@ -7165,7 +8980,7 @@
   <a:extraClrSchemeLst/>
   <a:extLst>
     <a:ext uri="{05A4C25C-085E-4340-85A3-A5531E510DB2}">
-      <thm15:themeFamily xmlns="" xmlns:thm15="http://schemas.microsoft.com/office/thememl/2012/main" name="Original 5_01_Win32" id="{77344C68-A3F1-476B-8680-97D7F429B46B}" vid="{89780073-58E8-4DFF-BF29-BA99F8052841}"/>
+      <thm15:themeFamily xmlns:thm15="http://schemas.microsoft.com/office/thememl/2012/main" xmlns="" name="Original 5_01_Win32" id="{77344C68-A3F1-476B-8680-97D7F429B46B}" vid="{89780073-58E8-4DFF-BF29-BA99F8052841}"/>
     </a:ext>
   </a:extLst>
 </a:theme>
@@ -7460,13 +9275,31 @@
   <a:extraClrSchemeLst/>
   <a:extLst>
     <a:ext uri="{05A4C25C-085E-4340-85A3-A5531E510DB2}">
-      <thm15:themeFamily xmlns="" xmlns:thm15="http://schemas.microsoft.com/office/thememl/2012/main" name="Office Theme" id="{62F939B6-93AF-4DB8-9C6B-D6C7DFDC589F}" vid="{4A3C46E8-61CC-4603-A589-7422A47A8E4A}"/>
+      <thm15:themeFamily xmlns:thm15="http://schemas.microsoft.com/office/thememl/2012/main" xmlns="" name="Office Theme" id="{62F939B6-93AF-4DB8-9C6B-D6C7DFDC589F}" vid="{4A3C46E8-61CC-4603-A589-7422A47A8E4A}"/>
     </a:ext>
   </a:extLst>
 </a:theme>
 </file>
 
 <file path=customXml/item1.xml><?xml version="1.0" encoding="utf-8"?>
+<?mso-contentType ?>
+<FormTemplates xmlns="http://schemas.microsoft.com/sharepoint/v3/contenttype/forms">
+  <Display>DocumentLibraryForm</Display>
+  <Edit>DocumentLibraryForm</Edit>
+  <New>DocumentLibraryForm</New>
+</FormTemplates>
+</file>
+
+<file path=customXml/item2.xml><?xml version="1.0" encoding="utf-8"?>
+<p:properties xmlns:p="http://schemas.microsoft.com/office/2006/metadata/properties" xmlns:xsi="http://www.w3.org/2001/XMLSchema-instance" xmlns:pc="http://schemas.microsoft.com/office/infopath/2007/PartnerControls">
+  <documentManagement>
+    <Status xmlns="71af3243-3dd4-4a8d-8c0d-dd76da1f02a5">Not started</Status>
+    <MediaServiceKeyPoints xmlns="71af3243-3dd4-4a8d-8c0d-dd76da1f02a5" xsi:nil="true"/>
+  </documentManagement>
+</p:properties>
+</file>
+
+<file path=customXml/item3.xml><?xml version="1.0" encoding="utf-8"?>
 <ct:contentTypeSchema xmlns:ct="http://schemas.microsoft.com/office/2006/metadata/contentType" xmlns:ma="http://schemas.microsoft.com/office/2006/metadata/properties/metaAttributes" ct:_="" ma:_="" ma:contentTypeName="Document" ma:contentTypeID="0x01010079F111ED35F8CC479449609E8A0923A6" ma:contentTypeVersion="12" ma:contentTypeDescription="Create a new document." ma:contentTypeScope="" ma:versionID="a410dd7f93c95333ffa1b60ed6adedd1">
   <xsd:schema xmlns:xsd="http://www.w3.org/2001/XMLSchema" xmlns:xs="http://www.w3.org/2001/XMLSchema" xmlns:p="http://schemas.microsoft.com/office/2006/metadata/properties" xmlns:ns2="71af3243-3dd4-4a8d-8c0d-dd76da1f02a5" xmlns:ns3="16c05727-aa75-4e4a-9b5f-8a80a1165891" targetNamespace="http://schemas.microsoft.com/office/2006/metadata/properties" ma:root="true" ma:fieldsID="a936d9baba76aa3866493feff160faab" ns2:_="" ns3:_="">
     <xsd:import namespace="71af3243-3dd4-4a8d-8c0d-dd76da1f02a5"/>
@@ -7687,25 +9520,32 @@
 </ct:contentTypeSchema>
 </file>
 
-<file path=customXml/item2.xml><?xml version="1.0" encoding="utf-8"?>
-<p:properties xmlns:p="http://schemas.microsoft.com/office/2006/metadata/properties" xmlns:xsi="http://www.w3.org/2001/XMLSchema-instance" xmlns:pc="http://schemas.microsoft.com/office/infopath/2007/PartnerControls">
-  <documentManagement>
-    <Status xmlns="71af3243-3dd4-4a8d-8c0d-dd76da1f02a5">Not started</Status>
-    <MediaServiceKeyPoints xmlns="71af3243-3dd4-4a8d-8c0d-dd76da1f02a5" xsi:nil="true"/>
-  </documentManagement>
-</p:properties>
+<file path=customXml/itemProps1.xml><?xml version="1.0" encoding="utf-8"?>
+<ds:datastoreItem xmlns:ds="http://schemas.openxmlformats.org/officeDocument/2006/customXml" ds:itemID="{CDB58277-F8DF-46FF-84EC-EF41B835E69F}">
+  <ds:schemaRefs>
+    <ds:schemaRef ds:uri="http://schemas.microsoft.com/sharepoint/v3/contenttype/forms"/>
+  </ds:schemaRefs>
+</ds:datastoreItem>
 </file>
 
-<file path=customXml/item3.xml><?xml version="1.0" encoding="utf-8"?>
-<?mso-contentType ?>
-<FormTemplates xmlns="http://schemas.microsoft.com/sharepoint/v3/contenttype/forms">
-  <Display>DocumentLibraryForm</Display>
-  <Edit>DocumentLibraryForm</Edit>
-  <New>DocumentLibraryForm</New>
-</FormTemplates>
+<file path=customXml/itemProps2.xml><?xml version="1.0" encoding="utf-8"?>
+<ds:datastoreItem xmlns:ds="http://schemas.openxmlformats.org/officeDocument/2006/customXml" ds:itemID="{137651BA-F45C-4845-9AB3-E0A65B39F5E1}">
+  <ds:schemaRefs>
+    <ds:schemaRef ds:uri="http://schemas.microsoft.com/office/2006/documentManagement/types"/>
+    <ds:schemaRef ds:uri="http://schemas.microsoft.com/office/2006/metadata/properties"/>
+    <ds:schemaRef ds:uri="http://purl.org/dc/elements/1.1/"/>
+    <ds:schemaRef ds:uri="http://purl.org/dc/terms/"/>
+    <ds:schemaRef ds:uri="http://schemas.openxmlformats.org/package/2006/metadata/core-properties"/>
+    <ds:schemaRef ds:uri="16c05727-aa75-4e4a-9b5f-8a80a1165891"/>
+    <ds:schemaRef ds:uri="http://purl.org/dc/dcmitype/"/>
+    <ds:schemaRef ds:uri="http://schemas.microsoft.com/office/infopath/2007/PartnerControls"/>
+    <ds:schemaRef ds:uri="71af3243-3dd4-4a8d-8c0d-dd76da1f02a5"/>
+    <ds:schemaRef ds:uri="http://www.w3.org/XML/1998/namespace"/>
+  </ds:schemaRefs>
+</ds:datastoreItem>
 </file>
 
-<file path=customXml/itemProps1.xml><?xml version="1.0" encoding="utf-8"?>
+<file path=customXml/itemProps3.xml><?xml version="1.0" encoding="utf-8"?>
 <ds:datastoreItem xmlns:ds="http://schemas.openxmlformats.org/officeDocument/2006/customXml" ds:itemID="{2D276E62-80A3-44DD-9BCC-97ED2B99B57F}">
   <ds:schemaRefs>
     <ds:schemaRef ds:uri="http://schemas.microsoft.com/office/2006/metadata/contentType"/>
@@ -7722,29 +9562,4 @@
     <ds:schemaRef ds:uri="http://schemas.microsoft.com/internal/obd"/>
   </ds:schemaRefs>
 </ds:datastoreItem>
-</file>
-
-<file path=customXml/itemProps2.xml><?xml version="1.0" encoding="utf-8"?>
-<ds:datastoreItem xmlns:ds="http://schemas.openxmlformats.org/officeDocument/2006/customXml" ds:itemID="{137651BA-F45C-4845-9AB3-E0A65B39F5E1}">
-  <ds:schemaRefs>
-    <ds:schemaRef ds:uri="http://purl.org/dc/terms/"/>
-    <ds:schemaRef ds:uri="http://schemas.microsoft.com/office/2006/documentManagement/types"/>
-    <ds:schemaRef ds:uri="http://purl.org/dc/elements/1.1/"/>
-    <ds:schemaRef ds:uri="http://schemas.openxmlformats.org/package/2006/metadata/core-properties"/>
-    <ds:schemaRef ds:uri="16c05727-aa75-4e4a-9b5f-8a80a1165891"/>
-    <ds:schemaRef ds:uri="http://purl.org/dc/dcmitype/"/>
-    <ds:schemaRef ds:uri="http://schemas.microsoft.com/office/infopath/2007/PartnerControls"/>
-    <ds:schemaRef ds:uri="71af3243-3dd4-4a8d-8c0d-dd76da1f02a5"/>
-    <ds:schemaRef ds:uri="http://schemas.microsoft.com/office/2006/metadata/properties"/>
-    <ds:schemaRef ds:uri="http://www.w3.org/XML/1998/namespace"/>
-  </ds:schemaRefs>
-</ds:datastoreItem>
-</file>
-
-<file path=customXml/itemProps3.xml><?xml version="1.0" encoding="utf-8"?>
-<ds:datastoreItem xmlns:ds="http://schemas.openxmlformats.org/officeDocument/2006/customXml" ds:itemID="{CDB58277-F8DF-46FF-84EC-EF41B835E69F}">
-  <ds:schemaRefs>
-    <ds:schemaRef ds:uri="http://schemas.microsoft.com/sharepoint/v3/contenttype/forms"/>
-  </ds:schemaRefs>
-</ds:datastoreItem>
 </file>
--- a/Slides/Slides-05-The_Validation_Report/Slides-05-The_Validation_Report.pptx
+++ b/Slides/Slides-05-The_Validation_Report/Slides-05-The_Validation_Report.pptx
@@ -5,7 +5,7 @@
     <p:sldMasterId id="2147483673" r:id="rId4"/>
   </p:sldMasterIdLst>
   <p:notesMasterIdLst>
-    <p:notesMasterId r:id="rId23"/>
+    <p:notesMasterId r:id="rId17"/>
   </p:notesMasterIdLst>
   <p:sldIdLst>
     <p:sldId id="257" r:id="rId5"/>
@@ -15,17 +15,11 @@
     <p:sldId id="417" r:id="rId9"/>
     <p:sldId id="413" r:id="rId10"/>
     <p:sldId id="418" r:id="rId11"/>
-    <p:sldId id="416" r:id="rId12"/>
-    <p:sldId id="402" r:id="rId13"/>
-    <p:sldId id="404" r:id="rId14"/>
-    <p:sldId id="405" r:id="rId15"/>
-    <p:sldId id="406" r:id="rId16"/>
-    <p:sldId id="408" r:id="rId17"/>
-    <p:sldId id="415" r:id="rId18"/>
-    <p:sldId id="407" r:id="rId19"/>
-    <p:sldId id="394" r:id="rId20"/>
-    <p:sldId id="400" r:id="rId21"/>
-    <p:sldId id="411" r:id="rId22"/>
+    <p:sldId id="402" r:id="rId12"/>
+    <p:sldId id="404" r:id="rId13"/>
+    <p:sldId id="394" r:id="rId14"/>
+    <p:sldId id="407" r:id="rId15"/>
+    <p:sldId id="411" r:id="rId16"/>
   </p:sldIdLst>
   <p:sldSz cx="12192000" cy="6858000"/>
   <p:notesSz cx="6858000" cy="9144000"/>
@@ -126,7 +120,18 @@
   </p:defaultTextStyle>
   <p:extLst>
     <p:ext uri="{EFAFB233-063F-42B5-8137-9DF3F51BA10A}">
-      <p15:sldGuideLst xmlns:p15="http://schemas.microsoft.com/office/powerpoint/2012/main" xmlns=""/>
+      <p15:sldGuideLst xmlns:p15="http://schemas.microsoft.com/office/powerpoint/2012/main">
+        <p15:guide id="1" orient="horz" pos="2160">
+          <p15:clr>
+            <a:srgbClr val="A4A3A4"/>
+          </p15:clr>
+        </p15:guide>
+        <p15:guide id="2" pos="3840">
+          <p15:clr>
+            <a:srgbClr val="A4A3A4"/>
+          </p15:clr>
+        </p15:guide>
+      </p15:sldGuideLst>
     </p:ext>
   </p:extLst>
 </p:presentation>
@@ -134,10 +139,163 @@
 
 <file path=ppt/commentAuthors.xml><?xml version="1.0" encoding="utf-8"?>
 <p:cmAuthorLst xmlns:a="http://schemas.openxmlformats.org/drawingml/2006/main" xmlns:r="http://schemas.openxmlformats.org/officeDocument/2006/relationships" xmlns:p="http://schemas.openxmlformats.org/presentationml/2006/main">
-  <p:cmAuthor id="1" name="Hughes, Ellis H" initials="HEH" lastIdx="1" clrIdx="0">
-    <p:extLst/>
-  </p:cmAuthor>
+  <p:cmAuthor id="1" name="Hughes, Ellis H" initials="HEH" lastIdx="1" clrIdx="0"/>
 </p:cmAuthorLst>
+</file>
+
+<file path=ppt/revisionInfo.xml><?xml version="1.0" encoding="utf-8"?>
+<p1510:revInfo xmlns:a="http://schemas.openxmlformats.org/drawingml/2006/main" xmlns:r="http://schemas.openxmlformats.org/officeDocument/2006/relationships" xmlns:p1510="http://schemas.microsoft.com/office/powerpoint/2015/10/main">
+  <p1510:revLst>
+    <p1510:client id="{FCD59011-65C0-4350-A482-3316DD12141E}" v="2" dt="2021-10-26T21:02:44.297"/>
+  </p1510:revLst>
+</p1510:revInfo>
+</file>
+
+<file path=ppt/changesInfos/changesInfo1.xml><?xml version="1.0" encoding="utf-8"?>
+<pc:chgInfo xmlns:a="http://schemas.openxmlformats.org/drawingml/2006/main" xmlns:r="http://schemas.openxmlformats.org/officeDocument/2006/relationships" xmlns:ac="http://schemas.microsoft.com/office/drawing/2013/main/command" xmlns:pc="http://schemas.microsoft.com/office/powerpoint/2013/main/command">
+  <pc:docChgLst>
+    <pc:chgData name="Ellis Hughes" userId="70958ad1-f5a5-48f5-9815-bf834be6566e" providerId="ADAL" clId="{FCD59011-65C0-4350-A482-3316DD12141E}"/>
+    <pc:docChg chg="undo custSel addSld delSld modSld sldOrd">
+      <pc:chgData name="Ellis Hughes" userId="70958ad1-f5a5-48f5-9815-bf834be6566e" providerId="ADAL" clId="{FCD59011-65C0-4350-A482-3316DD12141E}" dt="2021-10-26T21:03:13.726" v="419" actId="20577"/>
+      <pc:docMkLst>
+        <pc:docMk/>
+      </pc:docMkLst>
+      <pc:sldChg chg="modSp mod ord">
+        <pc:chgData name="Ellis Hughes" userId="70958ad1-f5a5-48f5-9815-bf834be6566e" providerId="ADAL" clId="{FCD59011-65C0-4350-A482-3316DD12141E}" dt="2021-10-26T21:02:09.316" v="390" actId="20577"/>
+        <pc:sldMkLst>
+          <pc:docMk/>
+          <pc:sldMk cId="230036610" sldId="394"/>
+        </pc:sldMkLst>
+        <pc:spChg chg="mod">
+          <ac:chgData name="Ellis Hughes" userId="70958ad1-f5a5-48f5-9815-bf834be6566e" providerId="ADAL" clId="{FCD59011-65C0-4350-A482-3316DD12141E}" dt="2021-10-26T21:02:09.316" v="390" actId="20577"/>
+          <ac:spMkLst>
+            <pc:docMk/>
+            <pc:sldMk cId="230036610" sldId="394"/>
+            <ac:spMk id="5" creationId="{7E558183-391D-4056-BC02-A181C5440B05}"/>
+          </ac:spMkLst>
+        </pc:spChg>
+      </pc:sldChg>
+      <pc:sldChg chg="del">
+        <pc:chgData name="Ellis Hughes" userId="70958ad1-f5a5-48f5-9815-bf834be6566e" providerId="ADAL" clId="{FCD59011-65C0-4350-A482-3316DD12141E}" dt="2021-10-26T20:59:19.309" v="77" actId="47"/>
+        <pc:sldMkLst>
+          <pc:docMk/>
+          <pc:sldMk cId="47551942" sldId="400"/>
+        </pc:sldMkLst>
+      </pc:sldChg>
+      <pc:sldChg chg="modSp mod">
+        <pc:chgData name="Ellis Hughes" userId="70958ad1-f5a5-48f5-9815-bf834be6566e" providerId="ADAL" clId="{FCD59011-65C0-4350-A482-3316DD12141E}" dt="2021-10-26T21:00:44.028" v="222" actId="20577"/>
+        <pc:sldMkLst>
+          <pc:docMk/>
+          <pc:sldMk cId="3209574456" sldId="402"/>
+        </pc:sldMkLst>
+        <pc:spChg chg="mod">
+          <ac:chgData name="Ellis Hughes" userId="70958ad1-f5a5-48f5-9815-bf834be6566e" providerId="ADAL" clId="{FCD59011-65C0-4350-A482-3316DD12141E}" dt="2021-10-26T21:00:44.028" v="222" actId="20577"/>
+          <ac:spMkLst>
+            <pc:docMk/>
+            <pc:sldMk cId="3209574456" sldId="402"/>
+            <ac:spMk id="2" creationId="{7614332B-4F24-42F4-A704-A6F1183E9470}"/>
+          </ac:spMkLst>
+        </pc:spChg>
+      </pc:sldChg>
+      <pc:sldChg chg="modSp mod">
+        <pc:chgData name="Ellis Hughes" userId="70958ad1-f5a5-48f5-9815-bf834be6566e" providerId="ADAL" clId="{FCD59011-65C0-4350-A482-3316DD12141E}" dt="2021-10-26T21:00:26.713" v="211" actId="20577"/>
+        <pc:sldMkLst>
+          <pc:docMk/>
+          <pc:sldMk cId="2509708910" sldId="404"/>
+        </pc:sldMkLst>
+        <pc:spChg chg="mod">
+          <ac:chgData name="Ellis Hughes" userId="70958ad1-f5a5-48f5-9815-bf834be6566e" providerId="ADAL" clId="{FCD59011-65C0-4350-A482-3316DD12141E}" dt="2021-10-26T21:00:26.713" v="211" actId="20577"/>
+          <ac:spMkLst>
+            <pc:docMk/>
+            <pc:sldMk cId="2509708910" sldId="404"/>
+            <ac:spMk id="11" creationId="{F1F3DA2E-9599-4B03-A261-D34A77F831CE}"/>
+          </ac:spMkLst>
+        </pc:spChg>
+      </pc:sldChg>
+      <pc:sldChg chg="modSp del mod">
+        <pc:chgData name="Ellis Hughes" userId="70958ad1-f5a5-48f5-9815-bf834be6566e" providerId="ADAL" clId="{FCD59011-65C0-4350-A482-3316DD12141E}" dt="2021-10-26T20:58:30.448" v="64" actId="47"/>
+        <pc:sldMkLst>
+          <pc:docMk/>
+          <pc:sldMk cId="551187458" sldId="405"/>
+        </pc:sldMkLst>
+        <pc:spChg chg="mod">
+          <ac:chgData name="Ellis Hughes" userId="70958ad1-f5a5-48f5-9815-bf834be6566e" providerId="ADAL" clId="{FCD59011-65C0-4350-A482-3316DD12141E}" dt="2021-10-26T17:21:55.089" v="0" actId="21"/>
+          <ac:spMkLst>
+            <pc:docMk/>
+            <pc:sldMk cId="551187458" sldId="405"/>
+            <ac:spMk id="11" creationId="{F1F3DA2E-9599-4B03-A261-D34A77F831CE}"/>
+          </ac:spMkLst>
+        </pc:spChg>
+      </pc:sldChg>
+      <pc:sldChg chg="del">
+        <pc:chgData name="Ellis Hughes" userId="70958ad1-f5a5-48f5-9815-bf834be6566e" providerId="ADAL" clId="{FCD59011-65C0-4350-A482-3316DD12141E}" dt="2021-10-26T20:57:03.167" v="1" actId="47"/>
+        <pc:sldMkLst>
+          <pc:docMk/>
+          <pc:sldMk cId="4090418827" sldId="406"/>
+        </pc:sldMkLst>
+      </pc:sldChg>
+      <pc:sldChg chg="modSp mod">
+        <pc:chgData name="Ellis Hughes" userId="70958ad1-f5a5-48f5-9815-bf834be6566e" providerId="ADAL" clId="{FCD59011-65C0-4350-A482-3316DD12141E}" dt="2021-10-26T21:01:27.884" v="252" actId="20577"/>
+        <pc:sldMkLst>
+          <pc:docMk/>
+          <pc:sldMk cId="3055521013" sldId="407"/>
+        </pc:sldMkLst>
+        <pc:spChg chg="mod">
+          <ac:chgData name="Ellis Hughes" userId="70958ad1-f5a5-48f5-9815-bf834be6566e" providerId="ADAL" clId="{FCD59011-65C0-4350-A482-3316DD12141E}" dt="2021-10-26T21:01:27.884" v="252" actId="20577"/>
+          <ac:spMkLst>
+            <pc:docMk/>
+            <pc:sldMk cId="3055521013" sldId="407"/>
+            <ac:spMk id="5" creationId="{EF5BA94D-0FB3-4C60-9994-8A309B690D97}"/>
+          </ac:spMkLst>
+        </pc:spChg>
+      </pc:sldChg>
+      <pc:sldChg chg="add del">
+        <pc:chgData name="Ellis Hughes" userId="70958ad1-f5a5-48f5-9815-bf834be6566e" providerId="ADAL" clId="{FCD59011-65C0-4350-A482-3316DD12141E}" dt="2021-10-26T20:58:23.165" v="63" actId="47"/>
+        <pc:sldMkLst>
+          <pc:docMk/>
+          <pc:sldMk cId="824527911" sldId="408"/>
+        </pc:sldMkLst>
+      </pc:sldChg>
+      <pc:sldChg chg="addSp modSp mod">
+        <pc:chgData name="Ellis Hughes" userId="70958ad1-f5a5-48f5-9815-bf834be6566e" providerId="ADAL" clId="{FCD59011-65C0-4350-A482-3316DD12141E}" dt="2021-10-26T21:03:13.726" v="419" actId="20577"/>
+        <pc:sldMkLst>
+          <pc:docMk/>
+          <pc:sldMk cId="1342229893" sldId="411"/>
+        </pc:sldMkLst>
+        <pc:spChg chg="mod">
+          <ac:chgData name="Ellis Hughes" userId="70958ad1-f5a5-48f5-9815-bf834be6566e" providerId="ADAL" clId="{FCD59011-65C0-4350-A482-3316DD12141E}" dt="2021-10-26T21:02:19.149" v="393" actId="6549"/>
+          <ac:spMkLst>
+            <pc:docMk/>
+            <pc:sldMk cId="1342229893" sldId="411"/>
+            <ac:spMk id="2" creationId="{7614332B-4F24-42F4-A704-A6F1183E9470}"/>
+          </ac:spMkLst>
+        </pc:spChg>
+        <pc:spChg chg="add mod">
+          <ac:chgData name="Ellis Hughes" userId="70958ad1-f5a5-48f5-9815-bf834be6566e" providerId="ADAL" clId="{FCD59011-65C0-4350-A482-3316DD12141E}" dt="2021-10-26T21:03:13.726" v="419" actId="20577"/>
+          <ac:spMkLst>
+            <pc:docMk/>
+            <pc:sldMk cId="1342229893" sldId="411"/>
+            <ac:spMk id="3" creationId="{F135ED19-17DB-4D87-8055-D4D8DCB3CB9F}"/>
+          </ac:spMkLst>
+        </pc:spChg>
+      </pc:sldChg>
+      <pc:sldChg chg="del">
+        <pc:chgData name="Ellis Hughes" userId="70958ad1-f5a5-48f5-9815-bf834be6566e" providerId="ADAL" clId="{FCD59011-65C0-4350-A482-3316DD12141E}" dt="2021-10-26T20:58:57.760" v="76" actId="47"/>
+        <pc:sldMkLst>
+          <pc:docMk/>
+          <pc:sldMk cId="3832069057" sldId="415"/>
+        </pc:sldMkLst>
+      </pc:sldChg>
+      <pc:sldChg chg="del">
+        <pc:chgData name="Ellis Hughes" userId="70958ad1-f5a5-48f5-9815-bf834be6566e" providerId="ADAL" clId="{FCD59011-65C0-4350-A482-3316DD12141E}" dt="2021-10-26T20:58:00.020" v="60" actId="47"/>
+        <pc:sldMkLst>
+          <pc:docMk/>
+          <pc:sldMk cId="4013890250" sldId="416"/>
+        </pc:sldMkLst>
+      </pc:sldChg>
+    </pc:docChg>
+  </pc:docChgLst>
+</pc:chgInfo>
 </file>
 
 <file path=ppt/notesMasters/notesMaster1.xml><?xml version="1.0" encoding="utf-8"?>
@@ -222,7 +380,7 @@
           <a:p>
             <a:fld id="{AE1375EF-7AC2-40F0-8984-3657FAAC21B8}" type="datetimeFigureOut">
               <a:rPr lang="en-US" smtClean="0"/>
-              <a:t>10/14/2021</a:t>
+              <a:t>10/26/2021</a:t>
             </a:fld>
             <a:endParaRPr lang="en-US"/>
           </a:p>
@@ -617,23 +775,6 @@
           <a:bodyPr/>
           <a:lstStyle/>
           <a:p>
-            <a:pPr marL="0" marR="0" lvl="0" indent="0" algn="l" defTabSz="914400" rtl="0" eaLnBrk="1" fontAlgn="auto" latinLnBrk="0" hangingPunct="1">
-              <a:lnSpc>
-                <a:spcPct val="100000"/>
-              </a:lnSpc>
-              <a:spcBef>
-                <a:spcPts val="0"/>
-              </a:spcBef>
-              <a:spcAft>
-                <a:spcPts val="0"/>
-              </a:spcAft>
-              <a:buClrTx/>
-              <a:buSzTx/>
-              <a:buFontTx/>
-              <a:buNone/>
-              <a:tabLst/>
-              <a:defRPr/>
-            </a:pPr>
             <a:endParaRPr lang="en-US" dirty="0"/>
           </a:p>
         </p:txBody>
@@ -656,578 +797,6 @@
             <a:fld id="{B9F26414-4BE6-427A-9F34-1430B41B92D6}" type="slidenum">
               <a:rPr lang="en-US" smtClean="0"/>
               <a:t>12</a:t>
-            </a:fld>
-            <a:endParaRPr lang="en-US"/>
-          </a:p>
-        </p:txBody>
-      </p:sp>
-    </p:spTree>
-    <p:extLst>
-      <p:ext uri="{BB962C8B-B14F-4D97-AF65-F5344CB8AC3E}">
-        <p14:creationId xmlns:p14="http://schemas.microsoft.com/office/powerpoint/2010/main" val="628796750"/>
-      </p:ext>
-    </p:extLst>
-  </p:cSld>
-  <p:clrMapOvr>
-    <a:masterClrMapping/>
-  </p:clrMapOvr>
-</p:notes>
-</file>
-
-<file path=ppt/notesSlides/notesSlide11.xml><?xml version="1.0" encoding="utf-8"?>
-<p:notes xmlns:a="http://schemas.openxmlformats.org/drawingml/2006/main" xmlns:r="http://schemas.openxmlformats.org/officeDocument/2006/relationships" xmlns:p="http://schemas.openxmlformats.org/presentationml/2006/main">
-  <p:cSld>
-    <p:spTree>
-      <p:nvGrpSpPr>
-        <p:cNvPr id="1" name=""/>
-        <p:cNvGrpSpPr/>
-        <p:nvPr/>
-      </p:nvGrpSpPr>
-      <p:grpSpPr>
-        <a:xfrm>
-          <a:off x="0" y="0"/>
-          <a:ext cx="0" cy="0"/>
-          <a:chOff x="0" y="0"/>
-          <a:chExt cx="0" cy="0"/>
-        </a:xfrm>
-      </p:grpSpPr>
-      <p:sp>
-        <p:nvSpPr>
-          <p:cNvPr id="2" name="Slide Image Placeholder 1"/>
-          <p:cNvSpPr>
-            <a:spLocks noGrp="1" noRot="1" noChangeAspect="1"/>
-          </p:cNvSpPr>
-          <p:nvPr>
-            <p:ph type="sldImg"/>
-          </p:nvPr>
-        </p:nvSpPr>
-        <p:spPr/>
-      </p:sp>
-      <p:sp>
-        <p:nvSpPr>
-          <p:cNvPr id="3" name="Notes Placeholder 2"/>
-          <p:cNvSpPr>
-            <a:spLocks noGrp="1"/>
-          </p:cNvSpPr>
-          <p:nvPr>
-            <p:ph type="body" idx="1"/>
-          </p:nvPr>
-        </p:nvSpPr>
-        <p:spPr/>
-        <p:txBody>
-          <a:bodyPr/>
-          <a:lstStyle/>
-          <a:p>
-            <a:endParaRPr lang="en-US" dirty="0"/>
-          </a:p>
-        </p:txBody>
-      </p:sp>
-      <p:sp>
-        <p:nvSpPr>
-          <p:cNvPr id="4" name="Slide Number Placeholder 3"/>
-          <p:cNvSpPr>
-            <a:spLocks noGrp="1"/>
-          </p:cNvSpPr>
-          <p:nvPr>
-            <p:ph type="sldNum" sz="quarter" idx="5"/>
-          </p:nvPr>
-        </p:nvSpPr>
-        <p:spPr/>
-        <p:txBody>
-          <a:bodyPr/>
-          <a:lstStyle/>
-          <a:p>
-            <a:fld id="{B9F26414-4BE6-427A-9F34-1430B41B92D6}" type="slidenum">
-              <a:rPr lang="en-US" smtClean="0"/>
-              <a:t>13</a:t>
-            </a:fld>
-            <a:endParaRPr lang="en-US"/>
-          </a:p>
-        </p:txBody>
-      </p:sp>
-    </p:spTree>
-    <p:extLst>
-      <p:ext uri="{BB962C8B-B14F-4D97-AF65-F5344CB8AC3E}">
-        <p14:creationId xmlns:p14="http://schemas.microsoft.com/office/powerpoint/2010/main" val="990998011"/>
-      </p:ext>
-    </p:extLst>
-  </p:cSld>
-  <p:clrMapOvr>
-    <a:masterClrMapping/>
-  </p:clrMapOvr>
-</p:notes>
-</file>
-
-<file path=ppt/notesSlides/notesSlide12.xml><?xml version="1.0" encoding="utf-8"?>
-<p:notes xmlns:a="http://schemas.openxmlformats.org/drawingml/2006/main" xmlns:r="http://schemas.openxmlformats.org/officeDocument/2006/relationships" xmlns:p="http://schemas.openxmlformats.org/presentationml/2006/main">
-  <p:cSld>
-    <p:spTree>
-      <p:nvGrpSpPr>
-        <p:cNvPr id="1" name=""/>
-        <p:cNvGrpSpPr/>
-        <p:nvPr/>
-      </p:nvGrpSpPr>
-      <p:grpSpPr>
-        <a:xfrm>
-          <a:off x="0" y="0"/>
-          <a:ext cx="0" cy="0"/>
-          <a:chOff x="0" y="0"/>
-          <a:chExt cx="0" cy="0"/>
-        </a:xfrm>
-      </p:grpSpPr>
-      <p:sp>
-        <p:nvSpPr>
-          <p:cNvPr id="2" name="Slide Image Placeholder 1"/>
-          <p:cNvSpPr>
-            <a:spLocks noGrp="1" noRot="1" noChangeAspect="1"/>
-          </p:cNvSpPr>
-          <p:nvPr>
-            <p:ph type="sldImg"/>
-          </p:nvPr>
-        </p:nvSpPr>
-        <p:spPr/>
-      </p:sp>
-      <p:sp>
-        <p:nvSpPr>
-          <p:cNvPr id="3" name="Notes Placeholder 2"/>
-          <p:cNvSpPr>
-            <a:spLocks noGrp="1"/>
-          </p:cNvSpPr>
-          <p:nvPr>
-            <p:ph type="body" idx="1"/>
-          </p:nvPr>
-        </p:nvSpPr>
-        <p:spPr/>
-        <p:txBody>
-          <a:bodyPr/>
-          <a:lstStyle/>
-          <a:p>
-            <a:pPr marL="0" marR="0" lvl="0" indent="0" algn="l" defTabSz="914400" rtl="0" eaLnBrk="1" fontAlgn="auto" latinLnBrk="0" hangingPunct="1">
-              <a:lnSpc>
-                <a:spcPct val="100000"/>
-              </a:lnSpc>
-              <a:spcBef>
-                <a:spcPts val="0"/>
-              </a:spcBef>
-              <a:spcAft>
-                <a:spcPts val="0"/>
-              </a:spcAft>
-              <a:buClrTx/>
-              <a:buSzTx/>
-              <a:buFontTx/>
-              <a:buNone/>
-              <a:tabLst/>
-              <a:defRPr/>
-            </a:pPr>
-            <a:endParaRPr lang="en-US" dirty="0"/>
-          </a:p>
-        </p:txBody>
-      </p:sp>
-      <p:sp>
-        <p:nvSpPr>
-          <p:cNvPr id="4" name="Slide Number Placeholder 3"/>
-          <p:cNvSpPr>
-            <a:spLocks noGrp="1"/>
-          </p:cNvSpPr>
-          <p:nvPr>
-            <p:ph type="sldNum" sz="quarter" idx="5"/>
-          </p:nvPr>
-        </p:nvSpPr>
-        <p:spPr/>
-        <p:txBody>
-          <a:bodyPr/>
-          <a:lstStyle/>
-          <a:p>
-            <a:fld id="{B9F26414-4BE6-427A-9F34-1430B41B92D6}" type="slidenum">
-              <a:rPr lang="en-US" smtClean="0"/>
-              <a:t>14</a:t>
-            </a:fld>
-            <a:endParaRPr lang="en-US"/>
-          </a:p>
-        </p:txBody>
-      </p:sp>
-    </p:spTree>
-    <p:extLst>
-      <p:ext uri="{BB962C8B-B14F-4D97-AF65-F5344CB8AC3E}">
-        <p14:creationId xmlns:p14="http://schemas.microsoft.com/office/powerpoint/2010/main" val="448676613"/>
-      </p:ext>
-    </p:extLst>
-  </p:cSld>
-  <p:clrMapOvr>
-    <a:masterClrMapping/>
-  </p:clrMapOvr>
-</p:notes>
-</file>
-
-<file path=ppt/notesSlides/notesSlide13.xml><?xml version="1.0" encoding="utf-8"?>
-<p:notes xmlns:a="http://schemas.openxmlformats.org/drawingml/2006/main" xmlns:r="http://schemas.openxmlformats.org/officeDocument/2006/relationships" xmlns:p="http://schemas.openxmlformats.org/presentationml/2006/main">
-  <p:cSld>
-    <p:spTree>
-      <p:nvGrpSpPr>
-        <p:cNvPr id="1" name=""/>
-        <p:cNvGrpSpPr/>
-        <p:nvPr/>
-      </p:nvGrpSpPr>
-      <p:grpSpPr>
-        <a:xfrm>
-          <a:off x="0" y="0"/>
-          <a:ext cx="0" cy="0"/>
-          <a:chOff x="0" y="0"/>
-          <a:chExt cx="0" cy="0"/>
-        </a:xfrm>
-      </p:grpSpPr>
-      <p:sp>
-        <p:nvSpPr>
-          <p:cNvPr id="2" name="Slide Image Placeholder 1"/>
-          <p:cNvSpPr>
-            <a:spLocks noGrp="1" noRot="1" noChangeAspect="1"/>
-          </p:cNvSpPr>
-          <p:nvPr>
-            <p:ph type="sldImg"/>
-          </p:nvPr>
-        </p:nvSpPr>
-        <p:spPr/>
-      </p:sp>
-      <p:sp>
-        <p:nvSpPr>
-          <p:cNvPr id="3" name="Notes Placeholder 2"/>
-          <p:cNvSpPr>
-            <a:spLocks noGrp="1"/>
-          </p:cNvSpPr>
-          <p:nvPr>
-            <p:ph type="body" idx="1"/>
-          </p:nvPr>
-        </p:nvSpPr>
-        <p:spPr/>
-        <p:txBody>
-          <a:bodyPr/>
-          <a:lstStyle/>
-          <a:p>
-            <a:pPr marL="0" marR="0" lvl="0" indent="0" algn="l" defTabSz="914400" rtl="0" eaLnBrk="1" fontAlgn="auto" latinLnBrk="0" hangingPunct="1">
-              <a:lnSpc>
-                <a:spcPct val="100000"/>
-              </a:lnSpc>
-              <a:spcBef>
-                <a:spcPts val="0"/>
-              </a:spcBef>
-              <a:spcAft>
-                <a:spcPts val="0"/>
-              </a:spcAft>
-              <a:buClrTx/>
-              <a:buSzTx/>
-              <a:buFontTx/>
-              <a:buNone/>
-              <a:tabLst/>
-              <a:defRPr/>
-            </a:pPr>
-            <a:endParaRPr lang="en-US" dirty="0"/>
-          </a:p>
-        </p:txBody>
-      </p:sp>
-      <p:sp>
-        <p:nvSpPr>
-          <p:cNvPr id="4" name="Slide Number Placeholder 3"/>
-          <p:cNvSpPr>
-            <a:spLocks noGrp="1"/>
-          </p:cNvSpPr>
-          <p:nvPr>
-            <p:ph type="sldNum" sz="quarter" idx="5"/>
-          </p:nvPr>
-        </p:nvSpPr>
-        <p:spPr/>
-        <p:txBody>
-          <a:bodyPr/>
-          <a:lstStyle/>
-          <a:p>
-            <a:fld id="{B9F26414-4BE6-427A-9F34-1430B41B92D6}" type="slidenum">
-              <a:rPr lang="en-US" smtClean="0"/>
-              <a:t>15</a:t>
-            </a:fld>
-            <a:endParaRPr lang="en-US"/>
-          </a:p>
-        </p:txBody>
-      </p:sp>
-    </p:spTree>
-    <p:extLst>
-      <p:ext uri="{BB962C8B-B14F-4D97-AF65-F5344CB8AC3E}">
-        <p14:creationId xmlns:p14="http://schemas.microsoft.com/office/powerpoint/2010/main" val="767338882"/>
-      </p:ext>
-    </p:extLst>
-  </p:cSld>
-  <p:clrMapOvr>
-    <a:masterClrMapping/>
-  </p:clrMapOvr>
-</p:notes>
-</file>
-
-<file path=ppt/notesSlides/notesSlide14.xml><?xml version="1.0" encoding="utf-8"?>
-<p:notes xmlns:a="http://schemas.openxmlformats.org/drawingml/2006/main" xmlns:r="http://schemas.openxmlformats.org/officeDocument/2006/relationships" xmlns:p="http://schemas.openxmlformats.org/presentationml/2006/main">
-  <p:cSld>
-    <p:spTree>
-      <p:nvGrpSpPr>
-        <p:cNvPr id="1" name=""/>
-        <p:cNvGrpSpPr/>
-        <p:nvPr/>
-      </p:nvGrpSpPr>
-      <p:grpSpPr>
-        <a:xfrm>
-          <a:off x="0" y="0"/>
-          <a:ext cx="0" cy="0"/>
-          <a:chOff x="0" y="0"/>
-          <a:chExt cx="0" cy="0"/>
-        </a:xfrm>
-      </p:grpSpPr>
-      <p:sp>
-        <p:nvSpPr>
-          <p:cNvPr id="2" name="Slide Image Placeholder 1"/>
-          <p:cNvSpPr>
-            <a:spLocks noGrp="1" noRot="1" noChangeAspect="1"/>
-          </p:cNvSpPr>
-          <p:nvPr>
-            <p:ph type="sldImg"/>
-          </p:nvPr>
-        </p:nvSpPr>
-        <p:spPr/>
-      </p:sp>
-      <p:sp>
-        <p:nvSpPr>
-          <p:cNvPr id="3" name="Notes Placeholder 2"/>
-          <p:cNvSpPr>
-            <a:spLocks noGrp="1"/>
-          </p:cNvSpPr>
-          <p:nvPr>
-            <p:ph type="body" idx="1"/>
-          </p:nvPr>
-        </p:nvSpPr>
-        <p:spPr/>
-        <p:txBody>
-          <a:bodyPr/>
-          <a:lstStyle/>
-          <a:p>
-            <a:pPr marL="0" marR="0" lvl="0" indent="0" algn="l" defTabSz="914400" rtl="0" eaLnBrk="1" fontAlgn="auto" latinLnBrk="0" hangingPunct="1">
-              <a:lnSpc>
-                <a:spcPct val="100000"/>
-              </a:lnSpc>
-              <a:spcBef>
-                <a:spcPts val="0"/>
-              </a:spcBef>
-              <a:spcAft>
-                <a:spcPts val="0"/>
-              </a:spcAft>
-              <a:buClrTx/>
-              <a:buSzTx/>
-              <a:buFontTx/>
-              <a:buNone/>
-              <a:tabLst/>
-              <a:defRPr/>
-            </a:pPr>
-            <a:endParaRPr lang="en-US" dirty="0"/>
-          </a:p>
-        </p:txBody>
-      </p:sp>
-      <p:sp>
-        <p:nvSpPr>
-          <p:cNvPr id="4" name="Slide Number Placeholder 3"/>
-          <p:cNvSpPr>
-            <a:spLocks noGrp="1"/>
-          </p:cNvSpPr>
-          <p:nvPr>
-            <p:ph type="sldNum" sz="quarter" idx="5"/>
-          </p:nvPr>
-        </p:nvSpPr>
-        <p:spPr/>
-        <p:txBody>
-          <a:bodyPr/>
-          <a:lstStyle/>
-          <a:p>
-            <a:fld id="{B9F26414-4BE6-427A-9F34-1430B41B92D6}" type="slidenum">
-              <a:rPr lang="en-US" smtClean="0"/>
-              <a:t>16</a:t>
-            </a:fld>
-            <a:endParaRPr lang="en-US"/>
-          </a:p>
-        </p:txBody>
-      </p:sp>
-    </p:spTree>
-    <p:extLst>
-      <p:ext uri="{BB962C8B-B14F-4D97-AF65-F5344CB8AC3E}">
-        <p14:creationId xmlns:p14="http://schemas.microsoft.com/office/powerpoint/2010/main" val="2947895588"/>
-      </p:ext>
-    </p:extLst>
-  </p:cSld>
-  <p:clrMapOvr>
-    <a:masterClrMapping/>
-  </p:clrMapOvr>
-</p:notes>
-</file>
-
-<file path=ppt/notesSlides/notesSlide15.xml><?xml version="1.0" encoding="utf-8"?>
-<p:notes xmlns:a="http://schemas.openxmlformats.org/drawingml/2006/main" xmlns:r="http://schemas.openxmlformats.org/officeDocument/2006/relationships" xmlns:p="http://schemas.openxmlformats.org/presentationml/2006/main">
-  <p:cSld>
-    <p:spTree>
-      <p:nvGrpSpPr>
-        <p:cNvPr id="1" name=""/>
-        <p:cNvGrpSpPr/>
-        <p:nvPr/>
-      </p:nvGrpSpPr>
-      <p:grpSpPr>
-        <a:xfrm>
-          <a:off x="0" y="0"/>
-          <a:ext cx="0" cy="0"/>
-          <a:chOff x="0" y="0"/>
-          <a:chExt cx="0" cy="0"/>
-        </a:xfrm>
-      </p:grpSpPr>
-      <p:sp>
-        <p:nvSpPr>
-          <p:cNvPr id="2" name="Slide Image Placeholder 1"/>
-          <p:cNvSpPr>
-            <a:spLocks noGrp="1" noRot="1" noChangeAspect="1"/>
-          </p:cNvSpPr>
-          <p:nvPr>
-            <p:ph type="sldImg"/>
-          </p:nvPr>
-        </p:nvSpPr>
-        <p:spPr/>
-      </p:sp>
-      <p:sp>
-        <p:nvSpPr>
-          <p:cNvPr id="3" name="Notes Placeholder 2"/>
-          <p:cNvSpPr>
-            <a:spLocks noGrp="1"/>
-          </p:cNvSpPr>
-          <p:nvPr>
-            <p:ph type="body" idx="1"/>
-          </p:nvPr>
-        </p:nvSpPr>
-        <p:spPr/>
-        <p:txBody>
-          <a:bodyPr/>
-          <a:lstStyle/>
-          <a:p>
-            <a:pPr marL="0" marR="0" lvl="0" indent="0" algn="l" defTabSz="914400" rtl="0" eaLnBrk="1" fontAlgn="auto" latinLnBrk="0" hangingPunct="1">
-              <a:lnSpc>
-                <a:spcPct val="100000"/>
-              </a:lnSpc>
-              <a:spcBef>
-                <a:spcPts val="0"/>
-              </a:spcBef>
-              <a:spcAft>
-                <a:spcPts val="0"/>
-              </a:spcAft>
-              <a:buClrTx/>
-              <a:buSzTx/>
-              <a:buFontTx/>
-              <a:buNone/>
-              <a:tabLst/>
-              <a:defRPr/>
-            </a:pPr>
-            <a:endParaRPr lang="en-US" dirty="0"/>
-          </a:p>
-        </p:txBody>
-      </p:sp>
-      <p:sp>
-        <p:nvSpPr>
-          <p:cNvPr id="4" name="Slide Number Placeholder 3"/>
-          <p:cNvSpPr>
-            <a:spLocks noGrp="1"/>
-          </p:cNvSpPr>
-          <p:nvPr>
-            <p:ph type="sldNum" sz="quarter" idx="5"/>
-          </p:nvPr>
-        </p:nvSpPr>
-        <p:spPr/>
-        <p:txBody>
-          <a:bodyPr/>
-          <a:lstStyle/>
-          <a:p>
-            <a:fld id="{B9F26414-4BE6-427A-9F34-1430B41B92D6}" type="slidenum">
-              <a:rPr lang="en-US" smtClean="0"/>
-              <a:t>17</a:t>
-            </a:fld>
-            <a:endParaRPr lang="en-US"/>
-          </a:p>
-        </p:txBody>
-      </p:sp>
-    </p:spTree>
-    <p:extLst>
-      <p:ext uri="{BB962C8B-B14F-4D97-AF65-F5344CB8AC3E}">
-        <p14:creationId xmlns:p14="http://schemas.microsoft.com/office/powerpoint/2010/main" val="4270333544"/>
-      </p:ext>
-    </p:extLst>
-  </p:cSld>
-  <p:clrMapOvr>
-    <a:masterClrMapping/>
-  </p:clrMapOvr>
-</p:notes>
-</file>
-
-<file path=ppt/notesSlides/notesSlide16.xml><?xml version="1.0" encoding="utf-8"?>
-<p:notes xmlns:a="http://schemas.openxmlformats.org/drawingml/2006/main" xmlns:r="http://schemas.openxmlformats.org/officeDocument/2006/relationships" xmlns:p="http://schemas.openxmlformats.org/presentationml/2006/main">
-  <p:cSld>
-    <p:spTree>
-      <p:nvGrpSpPr>
-        <p:cNvPr id="1" name=""/>
-        <p:cNvGrpSpPr/>
-        <p:nvPr/>
-      </p:nvGrpSpPr>
-      <p:grpSpPr>
-        <a:xfrm>
-          <a:off x="0" y="0"/>
-          <a:ext cx="0" cy="0"/>
-          <a:chOff x="0" y="0"/>
-          <a:chExt cx="0" cy="0"/>
-        </a:xfrm>
-      </p:grpSpPr>
-      <p:sp>
-        <p:nvSpPr>
-          <p:cNvPr id="2" name="Slide Image Placeholder 1"/>
-          <p:cNvSpPr>
-            <a:spLocks noGrp="1" noRot="1" noChangeAspect="1"/>
-          </p:cNvSpPr>
-          <p:nvPr>
-            <p:ph type="sldImg"/>
-          </p:nvPr>
-        </p:nvSpPr>
-        <p:spPr/>
-      </p:sp>
-      <p:sp>
-        <p:nvSpPr>
-          <p:cNvPr id="3" name="Notes Placeholder 2"/>
-          <p:cNvSpPr>
-            <a:spLocks noGrp="1"/>
-          </p:cNvSpPr>
-          <p:nvPr>
-            <p:ph type="body" idx="1"/>
-          </p:nvPr>
-        </p:nvSpPr>
-        <p:spPr/>
-        <p:txBody>
-          <a:bodyPr/>
-          <a:lstStyle/>
-          <a:p>
-            <a:endParaRPr lang="en-US" dirty="0"/>
-          </a:p>
-        </p:txBody>
-      </p:sp>
-      <p:sp>
-        <p:nvSpPr>
-          <p:cNvPr id="4" name="Slide Number Placeholder 3"/>
-          <p:cNvSpPr>
-            <a:spLocks noGrp="1"/>
-          </p:cNvSpPr>
-          <p:nvPr>
-            <p:ph type="sldNum" sz="quarter" idx="5"/>
-          </p:nvPr>
-        </p:nvSpPr>
-        <p:spPr/>
-        <p:txBody>
-          <a:bodyPr/>
-          <a:lstStyle/>
-          <a:p>
-            <a:fld id="{B9F26414-4BE6-427A-9F34-1430B41B92D6}" type="slidenum">
-              <a:rPr lang="en-US" smtClean="0"/>
-              <a:t>18</a:t>
             </a:fld>
             <a:endParaRPr lang="en-US"/>
           </a:p>
@@ -2043,6 +1612,23 @@
           <a:bodyPr/>
           <a:lstStyle/>
           <a:p>
+            <a:pPr marL="0" marR="0" lvl="0" indent="0" algn="l" defTabSz="914400" rtl="0" eaLnBrk="1" fontAlgn="auto" latinLnBrk="0" hangingPunct="1">
+              <a:lnSpc>
+                <a:spcPct val="100000"/>
+              </a:lnSpc>
+              <a:spcBef>
+                <a:spcPts val="0"/>
+              </a:spcBef>
+              <a:spcAft>
+                <a:spcPts val="0"/>
+              </a:spcAft>
+              <a:buClrTx/>
+              <a:buSzTx/>
+              <a:buFontTx/>
+              <a:buNone/>
+              <a:tabLst/>
+              <a:defRPr/>
+            </a:pPr>
             <a:endParaRPr lang="en-US" dirty="0"/>
           </a:p>
         </p:txBody>
@@ -2064,7 +1650,7 @@
           <a:p>
             <a:fld id="{B9F26414-4BE6-427A-9F34-1430B41B92D6}" type="slidenum">
               <a:rPr lang="en-US" smtClean="0"/>
-              <a:t>8</a:t>
+              <a:t>9</a:t>
             </a:fld>
             <a:endParaRPr lang="en-US"/>
           </a:p>
@@ -2073,7 +1659,7 @@
     </p:spTree>
     <p:extLst>
       <p:ext uri="{BB962C8B-B14F-4D97-AF65-F5344CB8AC3E}">
-        <p14:creationId xmlns:p14="http://schemas.microsoft.com/office/powerpoint/2010/main" val="990998011"/>
+        <p14:creationId xmlns:p14="http://schemas.microsoft.com/office/powerpoint/2010/main" val="199079967"/>
       </p:ext>
     </p:extLst>
   </p:cSld>
@@ -2174,7 +1760,7 @@
     </p:spTree>
     <p:extLst>
       <p:ext uri="{BB962C8B-B14F-4D97-AF65-F5344CB8AC3E}">
-        <p14:creationId xmlns:p14="http://schemas.microsoft.com/office/powerpoint/2010/main" val="199079967"/>
+        <p14:creationId xmlns:p14="http://schemas.microsoft.com/office/powerpoint/2010/main" val="2947895588"/>
       </p:ext>
     </p:extLst>
   </p:cSld>
@@ -2245,110 +1831,7 @@
               <a:tabLst/>
               <a:defRPr/>
             </a:pPr>
-            <a:r>
-              <a:rPr lang="en-US" dirty="0"/>
-              <a:t>Validation report helpers manage the expectation of repeated rendering in a variety of scenarios:</a:t>
-            </a:r>
-          </a:p>
-          <a:p>
-            <a:pPr marL="171450" marR="0" lvl="0" indent="-171450" algn="l" defTabSz="914400" rtl="0" eaLnBrk="1" fontAlgn="auto" latinLnBrk="0" hangingPunct="1">
-              <a:lnSpc>
-                <a:spcPct val="100000"/>
-              </a:lnSpc>
-              <a:spcBef>
-                <a:spcPts val="0"/>
-              </a:spcBef>
-              <a:spcAft>
-                <a:spcPts val="0"/>
-              </a:spcAft>
-              <a:buClrTx/>
-              <a:buSzTx/>
-              <a:buFontTx/>
-              <a:buChar char="-"/>
-              <a:tabLst/>
-              <a:defRPr/>
-            </a:pPr>
-            <a:r>
-              <a:rPr lang="en-US" dirty="0"/>
-              <a:t>Validation separate from a package e.g. validation of third party authored packages</a:t>
-            </a:r>
-          </a:p>
-          <a:p>
-            <a:pPr marL="171450" marR="0" lvl="0" indent="-171450" algn="l" defTabSz="914400" rtl="0" eaLnBrk="1" fontAlgn="auto" latinLnBrk="0" hangingPunct="1">
-              <a:lnSpc>
-                <a:spcPct val="100000"/>
-              </a:lnSpc>
-              <a:spcBef>
-                <a:spcPts val="0"/>
-              </a:spcBef>
-              <a:spcAft>
-                <a:spcPts val="0"/>
-              </a:spcAft>
-              <a:buClrTx/>
-              <a:buSzTx/>
-              <a:buFontTx/>
-              <a:buChar char="-"/>
-              <a:tabLst/>
-              <a:defRPr/>
-            </a:pPr>
-            <a:r>
-              <a:rPr lang="en-US" dirty="0"/>
-              <a:t>Validation while developing, e.g. as part of </a:t>
-            </a:r>
-            <a:r>
-              <a:rPr lang="en-US" dirty="0" err="1"/>
-              <a:t>c.i</a:t>
-            </a:r>
-            <a:r>
-              <a:rPr lang="en-US" dirty="0"/>
-              <a:t> or for a git repo</a:t>
-            </a:r>
-          </a:p>
-          <a:p>
-            <a:pPr marL="171450" marR="0" lvl="0" indent="-171450" algn="l" defTabSz="914400" rtl="0" eaLnBrk="1" fontAlgn="auto" latinLnBrk="0" hangingPunct="1">
-              <a:lnSpc>
-                <a:spcPct val="100000"/>
-              </a:lnSpc>
-              <a:spcBef>
-                <a:spcPts val="0"/>
-              </a:spcBef>
-              <a:spcAft>
-                <a:spcPts val="0"/>
-              </a:spcAft>
-              <a:buClrTx/>
-              <a:buSzTx/>
-              <a:buFontTx/>
-              <a:buChar char="-"/>
-              <a:tabLst/>
-              <a:defRPr/>
-            </a:pPr>
-            <a:r>
-              <a:rPr lang="en-US" dirty="0"/>
-              <a:t>Validation after install, e.g. if the working environment has been updated</a:t>
-            </a:r>
-          </a:p>
-          <a:p>
-            <a:pPr marL="171450" marR="0" lvl="0" indent="-171450" algn="l" defTabSz="914400" rtl="0" eaLnBrk="1" fontAlgn="auto" latinLnBrk="0" hangingPunct="1">
-              <a:lnSpc>
-                <a:spcPct val="100000"/>
-              </a:lnSpc>
-              <a:spcBef>
-                <a:spcPts val="0"/>
-              </a:spcBef>
-              <a:spcAft>
-                <a:spcPts val="0"/>
-              </a:spcAft>
-              <a:buClrTx/>
-              <a:buSzTx/>
-              <a:buFontTx/>
-              <a:buChar char="-"/>
-              <a:tabLst/>
-              <a:defRPr/>
-            </a:pPr>
-            <a:r>
-              <a:rPr lang="en-US" dirty="0"/>
-              <a:t>Validation as part of distribution, e.g. when bundling for distribution</a:t>
-            </a:r>
+            <a:endParaRPr lang="en-US" dirty="0"/>
           </a:p>
         </p:txBody>
       </p:sp>
@@ -2378,7 +1861,7 @@
     </p:spTree>
     <p:extLst>
       <p:ext uri="{BB962C8B-B14F-4D97-AF65-F5344CB8AC3E}">
-        <p14:creationId xmlns:p14="http://schemas.microsoft.com/office/powerpoint/2010/main" val="4085674437"/>
+        <p14:creationId xmlns:p14="http://schemas.microsoft.com/office/powerpoint/2010/main" val="767338882"/>
       </p:ext>
     </p:extLst>
   </p:cSld>
@@ -2410,7 +1893,7 @@
           <p:cNvPr id="5" name="Rectangle 4">
             <a:extLst>
               <a:ext uri="{FF2B5EF4-FFF2-40B4-BE49-F238E27FC236}">
-                <a16:creationId xmlns:a16="http://schemas.microsoft.com/office/drawing/2014/main" xmlns="" id="{904DB13E-F722-4ED6-BB00-556651E95281}"/>
+                <a16:creationId xmlns:a16="http://schemas.microsoft.com/office/drawing/2014/main" id="{904DB13E-F722-4ED6-BB00-556651E95281}"/>
               </a:ext>
             </a:extLst>
           </p:cNvPr>
@@ -2559,7 +2042,7 @@
           <p:cNvPr id="7" name="Group 6">
             <a:extLst>
               <a:ext uri="{FF2B5EF4-FFF2-40B4-BE49-F238E27FC236}">
-                <a16:creationId xmlns:a16="http://schemas.microsoft.com/office/drawing/2014/main" xmlns="" id="{E26428D7-C6F3-473D-A360-A3F5C3E8728C}"/>
+                <a16:creationId xmlns:a16="http://schemas.microsoft.com/office/drawing/2014/main" id="{E26428D7-C6F3-473D-A360-A3F5C3E8728C}"/>
               </a:ext>
             </a:extLst>
           </p:cNvPr>
@@ -2857,7 +2340,7 @@
           <a:p>
             <a:fld id="{EA0C0817-A112-4847-8014-A94B7D2A4EA3}" type="datetime1">
               <a:rPr lang="en-US" smtClean="0"/>
-              <a:t>10/14/2021</a:t>
+              <a:t>10/26/2021</a:t>
             </a:fld>
             <a:endParaRPr lang="en-US" dirty="0"/>
           </a:p>
@@ -3059,7 +2542,7 @@
           <a:p>
             <a:fld id="{7332B432-ACDA-4023-A761-2BAB76577B62}" type="datetime1">
               <a:rPr lang="en-US" smtClean="0"/>
-              <a:t>10/14/2021</a:t>
+              <a:t>10/26/2021</a:t>
             </a:fld>
             <a:endParaRPr lang="en-US" dirty="0"/>
           </a:p>
@@ -3142,7 +2625,7 @@
           <p:cNvPr id="15" name="Rectangle 14">
             <a:extLst>
               <a:ext uri="{FF2B5EF4-FFF2-40B4-BE49-F238E27FC236}">
-                <a16:creationId xmlns:a16="http://schemas.microsoft.com/office/drawing/2014/main" xmlns="" id="{0A4A1889-E37C-4EC3-9E41-9DAD221CF389}"/>
+                <a16:creationId xmlns:a16="http://schemas.microsoft.com/office/drawing/2014/main" id="{0A4A1889-E37C-4EC3-9E41-9DAD221CF389}"/>
               </a:ext>
             </a:extLst>
           </p:cNvPr>
@@ -3339,7 +2822,7 @@
           <p:cNvPr id="16" name="Group 15">
             <a:extLst>
               <a:ext uri="{FF2B5EF4-FFF2-40B4-BE49-F238E27FC236}">
-                <a16:creationId xmlns:a16="http://schemas.microsoft.com/office/drawing/2014/main" xmlns="" id="{1683EB04-C23E-490C-A1A6-030CF79D23C8}"/>
+                <a16:creationId xmlns:a16="http://schemas.microsoft.com/office/drawing/2014/main" id="{1683EB04-C23E-490C-A1A6-030CF79D23C8}"/>
               </a:ext>
             </a:extLst>
           </p:cNvPr>
@@ -3359,7 +2842,7 @@
             <p:cNvPr id="17" name="Straight Connector 16">
               <a:extLst>
                 <a:ext uri="{FF2B5EF4-FFF2-40B4-BE49-F238E27FC236}">
-                  <a16:creationId xmlns:a16="http://schemas.microsoft.com/office/drawing/2014/main" xmlns="" id="{F8A84C03-E1CA-4A4E-81D6-9BB0C335B7A0}"/>
+                  <a16:creationId xmlns:a16="http://schemas.microsoft.com/office/drawing/2014/main" id="{F8A84C03-E1CA-4A4E-81D6-9BB0C335B7A0}"/>
                 </a:ext>
               </a:extLst>
             </p:cNvPr>
@@ -3407,7 +2890,7 @@
             <p:cNvPr id="18" name="Straight Connector 17">
               <a:extLst>
                 <a:ext uri="{FF2B5EF4-FFF2-40B4-BE49-F238E27FC236}">
-                  <a16:creationId xmlns:a16="http://schemas.microsoft.com/office/drawing/2014/main" xmlns="" id="{4A26FB5A-D5D1-4DAB-AC43-7F51A7F2D197}"/>
+                  <a16:creationId xmlns:a16="http://schemas.microsoft.com/office/drawing/2014/main" id="{4A26FB5A-D5D1-4DAB-AC43-7F51A7F2D197}"/>
                 </a:ext>
               </a:extLst>
             </p:cNvPr>
@@ -3455,7 +2938,7 @@
             <p:cNvPr id="19" name="Straight Connector 18">
               <a:extLst>
                 <a:ext uri="{FF2B5EF4-FFF2-40B4-BE49-F238E27FC236}">
-                  <a16:creationId xmlns:a16="http://schemas.microsoft.com/office/drawing/2014/main" xmlns="" id="{49303F14-E560-4C02-94F4-B4695FE26813}"/>
+                  <a16:creationId xmlns:a16="http://schemas.microsoft.com/office/drawing/2014/main" id="{49303F14-E560-4C02-94F4-B4695FE26813}"/>
                 </a:ext>
               </a:extLst>
             </p:cNvPr>
@@ -3658,7 +3141,7 @@
           <a:p>
             <a:fld id="{D9C646AA-F36E-4540-911D-FFFC0A0EF24A}" type="datetime1">
               <a:rPr lang="en-US" smtClean="0"/>
-              <a:t>10/14/2021</a:t>
+              <a:t>10/26/2021</a:t>
             </a:fld>
             <a:endParaRPr lang="en-US" dirty="0"/>
           </a:p>
@@ -3978,7 +3461,7 @@
           <a:p>
             <a:fld id="{69186D26-FA5F-4637-B602-B7C2DC34CFD4}" type="datetime1">
               <a:rPr lang="en-US" smtClean="0"/>
-              <a:t>10/14/2021</a:t>
+              <a:t>10/26/2021</a:t>
             </a:fld>
             <a:endParaRPr lang="en-US" dirty="0"/>
           </a:p>
@@ -4415,7 +3898,7 @@
           <a:p>
             <a:fld id="{8A7F15D8-96D1-4781-BC50-CA8A088B2FE4}" type="datetime1">
               <a:rPr lang="en-US" smtClean="0"/>
-              <a:t>10/14/2021</a:t>
+              <a:t>10/26/2021</a:t>
             </a:fld>
             <a:endParaRPr lang="en-US" dirty="0"/>
           </a:p>
@@ -4533,7 +4016,7 @@
           <a:p>
             <a:fld id="{F9A96C99-B8F8-4528-BD05-0E16E943DC09}" type="datetime1">
               <a:rPr lang="en-US" smtClean="0"/>
-              <a:t>10/14/2021</a:t>
+              <a:t>10/26/2021</a:t>
             </a:fld>
             <a:endParaRPr lang="en-US" dirty="0"/>
           </a:p>
@@ -4628,7 +4111,7 @@
           <a:p>
             <a:fld id="{03636942-C211-4B28-8DBD-C953E00AF71B}" type="datetime1">
               <a:rPr lang="en-US" smtClean="0"/>
-              <a:t>10/14/2021</a:t>
+              <a:t>10/26/2021</a:t>
             </a:fld>
             <a:endParaRPr lang="en-US" dirty="0"/>
           </a:p>
@@ -4711,7 +4194,7 @@
           <p:cNvPr id="10" name="Rectangle 9">
             <a:extLst>
               <a:ext uri="{FF2B5EF4-FFF2-40B4-BE49-F238E27FC236}">
-                <a16:creationId xmlns:a16="http://schemas.microsoft.com/office/drawing/2014/main" xmlns="" id="{D5E1BBF9-8BEF-4353-BA68-30AAF9EBD8D8}"/>
+                <a16:creationId xmlns:a16="http://schemas.microsoft.com/office/drawing/2014/main" id="{D5E1BBF9-8BEF-4353-BA68-30AAF9EBD8D8}"/>
               </a:ext>
             </a:extLst>
           </p:cNvPr>
@@ -4758,7 +4241,7 @@
           <p:cNvPr id="13" name="Rectangle 12">
             <a:extLst>
               <a:ext uri="{FF2B5EF4-FFF2-40B4-BE49-F238E27FC236}">
-                <a16:creationId xmlns:a16="http://schemas.microsoft.com/office/drawing/2014/main" xmlns="" id="{5B941C21-2A5D-4912-AB06-1BB0C0EB6AE1}"/>
+                <a16:creationId xmlns:a16="http://schemas.microsoft.com/office/drawing/2014/main" id="{5B941C21-2A5D-4912-AB06-1BB0C0EB6AE1}"/>
               </a:ext>
             </a:extLst>
           </p:cNvPr>
@@ -5045,7 +4528,7 @@
           <a:p>
             <a:fld id="{7E8D12A6-918A-48BD-8CB9-CA713993B0EA}" type="datetime1">
               <a:rPr lang="en-US" smtClean="0"/>
-              <a:t>10/14/2021</a:t>
+              <a:t>10/26/2021</a:t>
             </a:fld>
             <a:endParaRPr lang="en-US" dirty="0"/>
           </a:p>
@@ -5153,7 +4636,7 @@
           <p:cNvPr id="11" name="Rectangle 10">
             <a:extLst>
               <a:ext uri="{FF2B5EF4-FFF2-40B4-BE49-F238E27FC236}">
-                <a16:creationId xmlns:a16="http://schemas.microsoft.com/office/drawing/2014/main" xmlns="" id="{E687CA98-D9C7-497F-A1DA-7D22F8753BCE}"/>
+                <a16:creationId xmlns:a16="http://schemas.microsoft.com/office/drawing/2014/main" id="{E687CA98-D9C7-497F-A1DA-7D22F8753BCE}"/>
               </a:ext>
             </a:extLst>
           </p:cNvPr>
@@ -5307,7 +4790,7 @@
             <a:fld id="{E778CE86-875F-4587-BCF6-FA054AFC0D53}" type="datetime1">
               <a:rPr lang="en-US" smtClean="0"/>
               <a:pPr/>
-              <a:t>10/14/2021</a:t>
+              <a:t>10/26/2021</a:t>
             </a:fld>
             <a:endParaRPr lang="en-US" dirty="0"/>
           </a:p>
@@ -5389,7 +4872,7 @@
           <p:cNvPr id="12" name="Rectangle 11">
             <a:extLst>
               <a:ext uri="{FF2B5EF4-FFF2-40B4-BE49-F238E27FC236}">
-                <a16:creationId xmlns:a16="http://schemas.microsoft.com/office/drawing/2014/main" xmlns="" id="{F8B3D8CC-BB13-41A5-8F34-B8E84A4F9534}"/>
+                <a16:creationId xmlns:a16="http://schemas.microsoft.com/office/drawing/2014/main" id="{F8B3D8CC-BB13-41A5-8F34-B8E84A4F9534}"/>
               </a:ext>
             </a:extLst>
           </p:cNvPr>
@@ -5591,7 +5074,7 @@
           <p:cNvPr id="9" name="Rectangle 8">
             <a:extLst>
               <a:ext uri="{FF2B5EF4-FFF2-40B4-BE49-F238E27FC236}">
-                <a16:creationId xmlns:a16="http://schemas.microsoft.com/office/drawing/2014/main" xmlns="" id="{1E94681D-2A4C-4A8D-B9B5-31D440D0328D}"/>
+                <a16:creationId xmlns:a16="http://schemas.microsoft.com/office/drawing/2014/main" id="{1E94681D-2A4C-4A8D-B9B5-31D440D0328D}"/>
               </a:ext>
             </a:extLst>
           </p:cNvPr>
@@ -5823,7 +5306,7 @@
           <a:p>
             <a:fld id="{F6FA2B21-3FCD-4721-B95C-427943F61125}" type="datetime1">
               <a:rPr lang="en-US" smtClean="0"/>
-              <a:t>10/14/2021</a:t>
+              <a:t>10/26/2021</a:t>
             </a:fld>
             <a:endParaRPr lang="en-US" dirty="0"/>
           </a:p>
@@ -6303,7 +5786,7 @@
           <p:cNvPr id="6" name="Picture 5" descr="abstract image">
             <a:extLst>
               <a:ext uri="{FF2B5EF4-FFF2-40B4-BE49-F238E27FC236}">
-                <a16:creationId xmlns:a16="http://schemas.microsoft.com/office/drawing/2014/main" xmlns="" id="{8045422F-7258-40AC-BD2E-2469AA448922}"/>
+                <a16:creationId xmlns:a16="http://schemas.microsoft.com/office/drawing/2014/main" id="{8045422F-7258-40AC-BD2E-2469AA448922}"/>
               </a:ext>
             </a:extLst>
           </p:cNvPr>
@@ -6338,10 +5821,10 @@
           <p:cNvPr id="82" name="Rectangle 81">
             <a:extLst>
               <a:ext uri="{FF2B5EF4-FFF2-40B4-BE49-F238E27FC236}">
-                <a16:creationId xmlns:a16="http://schemas.microsoft.com/office/drawing/2014/main" xmlns="" id="{2644B391-9BFE-445C-A9EC-F544BB85FBC7}"/>
+                <a16:creationId xmlns:a16="http://schemas.microsoft.com/office/drawing/2014/main" id="{2644B391-9BFE-445C-A9EC-F544BB85FBC7}"/>
               </a:ext>
               <a:ext uri="{C183D7F6-B498-43B3-948B-1728B52AA6E4}">
-                <adec:decorative xmlns:adec="http://schemas.microsoft.com/office/drawing/2017/decorative" xmlns="" val="1"/>
+                <adec:decorative xmlns:adec="http://schemas.microsoft.com/office/drawing/2017/decorative" val="1"/>
               </a:ext>
             </a:extLst>
           </p:cNvPr>
@@ -6351,7 +5834,7 @@
           <p:nvPr>
             <p:extLst>
               <p:ext uri="{386F3935-93C4-4BCD-93E2-E3B085C9AB24}">
-                <p16:designElem xmlns:p16="http://schemas.microsoft.com/office/powerpoint/2015/main" xmlns="" val="1"/>
+                <p16:designElem xmlns:p16="http://schemas.microsoft.com/office/powerpoint/2015/main" val="1"/>
               </p:ext>
             </p:extLst>
           </p:nvPr>
@@ -6383,10 +5866,10 @@
           <p:cNvPr id="84" name="Rectangle 83">
             <a:extLst>
               <a:ext uri="{FF2B5EF4-FFF2-40B4-BE49-F238E27FC236}">
-                <a16:creationId xmlns:a16="http://schemas.microsoft.com/office/drawing/2014/main" xmlns="" id="{80F26E69-87D9-4655-AE7B-280A87AA3CAD}"/>
+                <a16:creationId xmlns:a16="http://schemas.microsoft.com/office/drawing/2014/main" id="{80F26E69-87D9-4655-AE7B-280A87AA3CAD}"/>
               </a:ext>
               <a:ext uri="{C183D7F6-B498-43B3-948B-1728B52AA6E4}">
-                <adec:decorative xmlns:adec="http://schemas.microsoft.com/office/drawing/2017/decorative" xmlns="" val="1"/>
+                <adec:decorative xmlns:adec="http://schemas.microsoft.com/office/drawing/2017/decorative" val="1"/>
               </a:ext>
             </a:extLst>
           </p:cNvPr>
@@ -6396,7 +5879,7 @@
           <p:nvPr>
             <p:extLst>
               <p:ext uri="{386F3935-93C4-4BCD-93E2-E3B085C9AB24}">
-                <p16:designElem xmlns:p16="http://schemas.microsoft.com/office/powerpoint/2015/main" xmlns="" val="1"/>
+                <p16:designElem xmlns:p16="http://schemas.microsoft.com/office/powerpoint/2015/main" val="1"/>
               </p:ext>
             </p:extLst>
           </p:nvPr>
@@ -6427,7 +5910,7 @@
           <p:cNvPr id="2" name="Title 1">
             <a:extLst>
               <a:ext uri="{FF2B5EF4-FFF2-40B4-BE49-F238E27FC236}">
-                <a16:creationId xmlns:a16="http://schemas.microsoft.com/office/drawing/2014/main" xmlns="" id="{18C3B467-088C-4F3D-A9A7-105C4E1E20CD}"/>
+                <a16:creationId xmlns:a16="http://schemas.microsoft.com/office/drawing/2014/main" id="{18C3B467-088C-4F3D-A9A7-105C4E1E20CD}"/>
               </a:ext>
             </a:extLst>
           </p:cNvPr>
@@ -6474,7 +5957,7 @@
           <p:cNvPr id="3" name="Subtitle 2">
             <a:extLst>
               <a:ext uri="{FF2B5EF4-FFF2-40B4-BE49-F238E27FC236}">
-                <a16:creationId xmlns:a16="http://schemas.microsoft.com/office/drawing/2014/main" xmlns="" id="{C8722DDC-8EEE-4A06-8DFE-B44871EAA2CF}"/>
+                <a16:creationId xmlns:a16="http://schemas.microsoft.com/office/drawing/2014/main" id="{C8722DDC-8EEE-4A06-8DFE-B44871EAA2CF}"/>
               </a:ext>
             </a:extLst>
           </p:cNvPr>
@@ -6518,7 +6001,7 @@
           <p:cNvPr id="5" name="Straight Connector 4">
             <a:extLst>
               <a:ext uri="{FF2B5EF4-FFF2-40B4-BE49-F238E27FC236}">
-                <a16:creationId xmlns:a16="http://schemas.microsoft.com/office/drawing/2014/main" xmlns="" id="{20AC4B09-ED72-42FC-9845-45FC1F4BC29D}"/>
+                <a16:creationId xmlns:a16="http://schemas.microsoft.com/office/drawing/2014/main" id="{20AC4B09-ED72-42FC-9845-45FC1F4BC29D}"/>
               </a:ext>
             </a:extLst>
           </p:cNvPr>
@@ -6586,10 +6069,10 @@
       </p:grpSpPr>
       <p:sp>
         <p:nvSpPr>
-          <p:cNvPr id="8" name="Title 7">
+          <p:cNvPr id="2" name="Title 1">
             <a:extLst>
               <a:ext uri="{FF2B5EF4-FFF2-40B4-BE49-F238E27FC236}">
-                <a16:creationId xmlns:a16="http://schemas.microsoft.com/office/drawing/2014/main" xmlns="" id="{6A34AC25-F9D4-48D7-A664-C590D06BF559}"/>
+                <a16:creationId xmlns:a16="http://schemas.microsoft.com/office/drawing/2014/main" id="{749E0D1B-C9EF-4CB6-9922-ED9D4AC52C59}"/>
               </a:ext>
             </a:extLst>
           </p:cNvPr>
@@ -6607,114 +6090,106 @@
           <a:p>
             <a:r>
               <a:rPr lang="en-US" dirty="0"/>
-              <a:t>Report basics</a:t>
-            </a:r>
-          </a:p>
-        </p:txBody>
-      </p:sp>
-      <p:sp>
-        <p:nvSpPr>
-          <p:cNvPr id="11" name="TextBox 10">
+              <a:t>{</a:t>
+            </a:r>
+            <a:r>
+              <a:rPr lang="en-US" dirty="0" err="1"/>
+              <a:t>valtools</a:t>
+            </a:r>
+            <a:r>
+              <a:rPr lang="en-US" dirty="0"/>
+              <a:t>} Reports</a:t>
+            </a:r>
+          </a:p>
+        </p:txBody>
+      </p:sp>
+      <p:sp>
+        <p:nvSpPr>
+          <p:cNvPr id="5" name="Content Placeholder 4">
             <a:extLst>
               <a:ext uri="{FF2B5EF4-FFF2-40B4-BE49-F238E27FC236}">
-                <a16:creationId xmlns:a16="http://schemas.microsoft.com/office/drawing/2014/main" xmlns="" id="{F1F3DA2E-9599-4B03-A261-D34A77F831CE}"/>
+                <a16:creationId xmlns:a16="http://schemas.microsoft.com/office/drawing/2014/main" id="{7E558183-391D-4056-BC02-A181C5440B05}"/>
               </a:ext>
             </a:extLst>
           </p:cNvPr>
-          <p:cNvSpPr txBox="1"/>
-          <p:nvPr/>
-        </p:nvSpPr>
-        <p:spPr>
-          <a:xfrm>
-            <a:off x="1540934" y="2218267"/>
-            <a:ext cx="10186778" cy="3970318"/>
-          </a:xfrm>
-          <a:prstGeom prst="rect">
-            <a:avLst/>
-          </a:prstGeom>
-          <a:noFill/>
-        </p:spPr>
-        <p:txBody>
-          <a:bodyPr wrap="square" rtlCol="0">
-            <a:spAutoFit/>
+          <p:cNvSpPr>
+            <a:spLocks noGrp="1"/>
+          </p:cNvSpPr>
+          <p:nvPr>
+            <p:ph idx="1"/>
+          </p:nvPr>
+        </p:nvSpPr>
+        <p:spPr/>
+        <p:txBody>
+          <a:bodyPr>
+            <a:normAutofit/>
           </a:bodyPr>
           <a:lstStyle/>
           <a:p>
-            <a:pPr marL="285750" indent="-285750">
-              <a:buFont typeface="Arial" panose="020B0604020202020204" pitchFamily="34" charset="0"/>
-              <a:buChar char="•"/>
+            <a:pPr lvl="1"/>
+            <a:r>
+              <a:rPr lang="en-US" sz="2800" dirty="0"/>
+              <a:t>Reports are Rmd and therefore infinitely customizable</a:t>
+            </a:r>
+          </a:p>
+          <a:p>
+            <a:pPr lvl="1"/>
+            <a:endParaRPr lang="en-US" sz="2800" dirty="0"/>
+          </a:p>
+          <a:p>
+            <a:pPr lvl="1"/>
+            <a:r>
+              <a:rPr lang="en-US" sz="2800" dirty="0"/>
+              <a:t>Provided many helper functions with </a:t>
+            </a:r>
+            <a:r>
+              <a:rPr lang="en-US" sz="2800" dirty="0" err="1"/>
+              <a:t>valtools</a:t>
+            </a:r>
+            <a:endParaRPr lang="en-US" sz="2800" dirty="0"/>
+          </a:p>
+          <a:p>
+            <a:pPr lvl="2"/>
+            <a:r>
+              <a:rPr lang="en-US" sz="2700" dirty="0"/>
+              <a:t>Environment</a:t>
+            </a:r>
+          </a:p>
+          <a:p>
+            <a:pPr lvl="2"/>
+            <a:r>
+              <a:rPr lang="en-US" sz="2700" dirty="0"/>
+              <a:t>Scraping Validation information</a:t>
+            </a:r>
+          </a:p>
+          <a:p>
+            <a:pPr lvl="2"/>
+            <a:r>
+              <a:rPr lang="en-US" sz="2700" dirty="0"/>
+              <a:t>Recording News, </a:t>
+            </a:r>
+            <a:r>
+              <a:rPr lang="en-US" sz="2700" dirty="0" err="1"/>
+              <a:t>etc</a:t>
+            </a:r>
+            <a:endParaRPr lang="en-US" sz="2700" dirty="0"/>
+          </a:p>
+          <a:p>
+            <a:pPr lvl="1"/>
+            <a:endParaRPr lang="en-US" sz="2800" dirty="0"/>
+          </a:p>
+          <a:p>
+            <a:pPr lvl="1"/>
+            <a:endParaRPr lang="en-US" sz="2800" dirty="0"/>
+          </a:p>
+          <a:p>
+            <a:pPr marL="274320" lvl="1" indent="0">
+              <a:buNone/>
             </a:pPr>
-            <a:r>
-              <a:rPr lang="en-US" sz="2800" dirty="0"/>
-              <a:t>Rmarkdown</a:t>
-            </a:r>
-          </a:p>
-          <a:p>
-            <a:pPr marL="285750" indent="-285750">
-              <a:buFont typeface="Arial" panose="020B0604020202020204" pitchFamily="34" charset="0"/>
-              <a:buChar char="•"/>
-            </a:pPr>
-            <a:endParaRPr lang="en-US" sz="2800" dirty="0"/>
-          </a:p>
-          <a:p>
-            <a:pPr marL="285750" indent="-285750">
-              <a:buFont typeface="Arial" panose="020B0604020202020204" pitchFamily="34" charset="0"/>
-              <a:buChar char="•"/>
-            </a:pPr>
-            <a:r>
-              <a:rPr lang="en-US" sz="2800" dirty="0"/>
-              <a:t>Scrapes information saved across various files</a:t>
-            </a:r>
-          </a:p>
-          <a:p>
-            <a:pPr marL="285750" indent="-285750">
-              <a:buFont typeface="Arial" panose="020B0604020202020204" pitchFamily="34" charset="0"/>
-              <a:buChar char="•"/>
-            </a:pPr>
-            <a:endParaRPr lang="en-US" sz="2800" dirty="0"/>
-          </a:p>
-          <a:p>
-            <a:pPr marL="285750" indent="-285750">
-              <a:buFont typeface="Arial" panose="020B0604020202020204" pitchFamily="34" charset="0"/>
-              <a:buChar char="•"/>
-            </a:pPr>
-            <a:r>
-              <a:rPr lang="en-US" sz="2800" dirty="0"/>
-              <a:t>Produces </a:t>
-            </a:r>
-            <a:r>
-              <a:rPr lang="en-US" sz="2800" dirty="0" err="1"/>
-              <a:t>kables</a:t>
-            </a:r>
-            <a:endParaRPr lang="en-US" sz="2800" dirty="0"/>
-          </a:p>
-          <a:p>
-            <a:pPr marL="285750" indent="-285750">
-              <a:buFont typeface="Arial" panose="020B0604020202020204" pitchFamily="34" charset="0"/>
-              <a:buChar char="•"/>
-            </a:pPr>
-            <a:endParaRPr lang="en-US" sz="2800" dirty="0"/>
-          </a:p>
-          <a:p>
-            <a:pPr marL="285750" indent="-285750">
-              <a:buFont typeface="Arial" panose="020B0604020202020204" pitchFamily="34" charset="0"/>
-              <a:buChar char="•"/>
-            </a:pPr>
-            <a:r>
-              <a:rPr lang="en-US" sz="2800" dirty="0"/>
-              <a:t>Reads in the validation child files and parses them based on order in </a:t>
-            </a:r>
-            <a:r>
-              <a:rPr lang="en-US" sz="2800" dirty="0" err="1"/>
-              <a:t>validation.yml</a:t>
-            </a:r>
-            <a:endParaRPr lang="en-US" sz="2800" dirty="0"/>
-          </a:p>
-          <a:p>
-            <a:pPr marL="285750" indent="-285750">
-              <a:buFont typeface="Arial" panose="020B0604020202020204" pitchFamily="34" charset="0"/>
-              <a:buChar char="•"/>
-            </a:pPr>
+            <a:endParaRPr lang="en-US" sz="3000" dirty="0"/>
+          </a:p>
+          <a:p>
+            <a:pPr lvl="1"/>
             <a:endParaRPr lang="en-US" sz="2800" dirty="0"/>
           </a:p>
         </p:txBody>
@@ -6722,7 +6197,7 @@
     </p:spTree>
     <p:extLst>
       <p:ext uri="{BB962C8B-B14F-4D97-AF65-F5344CB8AC3E}">
-        <p14:creationId xmlns:p14="http://schemas.microsoft.com/office/powerpoint/2010/main" val="2509708910"/>
+        <p14:creationId xmlns:p14="http://schemas.microsoft.com/office/powerpoint/2010/main" val="230036610"/>
       </p:ext>
     </p:extLst>
   </p:cSld>
@@ -6754,7 +6229,7 @@
           <p:cNvPr id="8" name="Title 7">
             <a:extLst>
               <a:ext uri="{FF2B5EF4-FFF2-40B4-BE49-F238E27FC236}">
-                <a16:creationId xmlns:a16="http://schemas.microsoft.com/office/drawing/2014/main" xmlns="" id="{6A34AC25-F9D4-48D7-A664-C590D06BF559}"/>
+                <a16:creationId xmlns:a16="http://schemas.microsoft.com/office/drawing/2014/main" id="{6A34AC25-F9D4-48D7-A664-C590D06BF559}"/>
               </a:ext>
             </a:extLst>
           </p:cNvPr>
@@ -6772,17 +6247,17 @@
           <a:p>
             <a:r>
               <a:rPr lang="en-US" dirty="0"/>
-              <a:t>Validation Report Helpers</a:t>
-            </a:r>
-          </a:p>
-        </p:txBody>
-      </p:sp>
-      <p:sp>
-        <p:nvSpPr>
-          <p:cNvPr id="11" name="TextBox 10">
+              <a:t>Rendering Reports</a:t>
+            </a:r>
+          </a:p>
+        </p:txBody>
+      </p:sp>
+      <p:sp>
+        <p:nvSpPr>
+          <p:cNvPr id="5" name="TextBox 4">
             <a:extLst>
               <a:ext uri="{FF2B5EF4-FFF2-40B4-BE49-F238E27FC236}">
-                <a16:creationId xmlns:a16="http://schemas.microsoft.com/office/drawing/2014/main" xmlns="" id="{F1F3DA2E-9599-4B03-A261-D34A77F831CE}"/>
+                <a16:creationId xmlns:a16="http://schemas.microsoft.com/office/drawing/2014/main" id="{EF5BA94D-0FB3-4C60-9994-8A309B690D97}"/>
               </a:ext>
             </a:extLst>
           </p:cNvPr>
@@ -6792,7 +6267,7 @@
         <p:spPr>
           <a:xfrm>
             <a:off x="1286933" y="2218267"/>
-            <a:ext cx="10905067" cy="3539430"/>
+            <a:ext cx="10905067" cy="2246769"/>
           </a:xfrm>
           <a:prstGeom prst="rect">
             <a:avLst/>
@@ -6811,79 +6286,49 @@
             </a:pPr>
             <a:r>
               <a:rPr lang="en-US" sz="2800" dirty="0" err="1"/>
-              <a:t>vt_path</a:t>
+              <a:t>vt_validate_report</a:t>
             </a:r>
             <a:r>
               <a:rPr lang="en-US" sz="2800" dirty="0"/>
-              <a:t>()</a:t>
-            </a:r>
-          </a:p>
-          <a:p>
-            <a:pPr marL="742950" lvl="1" indent="-285750">
-              <a:buFont typeface="Arial" panose="020B0604020202020204" pitchFamily="34" charset="0"/>
-              <a:buChar char="•"/>
-            </a:pPr>
-            <a:r>
-              <a:rPr lang="en-US" sz="2800" dirty="0"/>
-              <a:t>here::here(), but for validation contents</a:t>
-            </a:r>
-          </a:p>
-          <a:p>
-            <a:pPr lvl="1"/>
-            <a:endParaRPr lang="en-US" sz="2800" dirty="0"/>
+              <a:t>() executes the Rmd and saves output</a:t>
+            </a:r>
           </a:p>
           <a:p>
             <a:pPr marL="285750" indent="-285750">
               <a:buFont typeface="Arial" panose="020B0604020202020204" pitchFamily="34" charset="0"/>
               <a:buChar char="•"/>
             </a:pPr>
-            <a:r>
-              <a:rPr lang="en-US" sz="2800" dirty="0" err="1"/>
-              <a:t>vt_file</a:t>
-            </a:r>
-            <a:r>
-              <a:rPr lang="en-US" sz="2800" dirty="0"/>
-              <a:t>()</a:t>
-            </a:r>
-          </a:p>
-          <a:p>
-            <a:pPr marL="742950" lvl="1" indent="-285750">
+            <a:endParaRPr lang="en-US" sz="2800" dirty="0"/>
+          </a:p>
+          <a:p>
+            <a:pPr marL="285750" indent="-285750">
               <a:buFont typeface="Arial" panose="020B0604020202020204" pitchFamily="34" charset="0"/>
               <a:buChar char="•"/>
             </a:pPr>
             <a:r>
               <a:rPr lang="en-US" sz="2800" dirty="0"/>
-              <a:t>Renders contents based on extensions</a:t>
-            </a:r>
-          </a:p>
-          <a:p>
-            <a:pPr marL="1200150" lvl="2" indent="-285750">
+              <a:t>Serves as “snapshot” in time</a:t>
+            </a:r>
+          </a:p>
+          <a:p>
+            <a:pPr marL="285750" indent="-285750">
               <a:buFont typeface="Arial" panose="020B0604020202020204" pitchFamily="34" charset="0"/>
               <a:buChar char="•"/>
             </a:pPr>
-            <a:r>
-              <a:rPr lang="en-US" sz="2800" dirty="0"/>
-              <a:t>Rmd parsed</a:t>
-            </a:r>
-          </a:p>
-          <a:p>
-            <a:pPr marL="1200150" lvl="2" indent="-285750">
+            <a:endParaRPr lang="en-US" sz="2800" dirty="0"/>
+          </a:p>
+          <a:p>
+            <a:pPr marL="285750" indent="-285750">
               <a:buFont typeface="Arial" panose="020B0604020202020204" pitchFamily="34" charset="0"/>
               <a:buChar char="•"/>
             </a:pPr>
             <a:r>
+              <a:rPr lang="en-US" sz="2800" dirty="0" err="1"/>
+              <a:t>Rmd</a:t>
+            </a:r>
+            <a:r>
               <a:rPr lang="en-US" sz="2800" dirty="0"/>
-              <a:t>Test code executed and results captured</a:t>
-            </a:r>
-          </a:p>
-          <a:p>
-            <a:pPr marL="1200150" lvl="2" indent="-285750">
-              <a:buFont typeface="Arial" panose="020B0604020202020204" pitchFamily="34" charset="0"/>
-              <a:buChar char="•"/>
-            </a:pPr>
-            <a:r>
-              <a:rPr lang="en-US" sz="2800" dirty="0"/>
-              <a:t>Any other file contents are printed</a:t>
+              <a:t> result from validation to output location</a:t>
             </a:r>
           </a:p>
         </p:txBody>
@@ -6891,7 +6336,7 @@
     </p:spTree>
     <p:extLst>
       <p:ext uri="{BB962C8B-B14F-4D97-AF65-F5344CB8AC3E}">
-        <p14:creationId xmlns:p14="http://schemas.microsoft.com/office/powerpoint/2010/main" val="551187458"/>
+        <p14:creationId xmlns:p14="http://schemas.microsoft.com/office/powerpoint/2010/main" val="3055521013"/>
       </p:ext>
     </p:extLst>
   </p:cSld>
@@ -6920,10 +6365,10 @@
       </p:grpSpPr>
       <p:sp>
         <p:nvSpPr>
-          <p:cNvPr id="8" name="Title 7">
+          <p:cNvPr id="2" name="Title 1">
             <a:extLst>
               <a:ext uri="{FF2B5EF4-FFF2-40B4-BE49-F238E27FC236}">
-                <a16:creationId xmlns:a16="http://schemas.microsoft.com/office/drawing/2014/main" xmlns="" id="{6A34AC25-F9D4-48D7-A664-C590D06BF559}"/>
+                <a16:creationId xmlns:a16="http://schemas.microsoft.com/office/drawing/2014/main" id="{7614332B-4F24-42F4-A704-A6F1183E9470}"/>
               </a:ext>
             </a:extLst>
           </p:cNvPr>
@@ -6931,895 +6376,100 @@
             <a:spLocks noGrp="1"/>
           </p:cNvSpPr>
           <p:nvPr>
-            <p:ph type="title"/>
+            <p:ph type="ctrTitle"/>
           </p:nvPr>
         </p:nvSpPr>
         <p:spPr/>
         <p:txBody>
-          <a:bodyPr/>
+          <a:bodyPr>
+            <a:normAutofit fontScale="90000"/>
+          </a:bodyPr>
           <a:lstStyle/>
           <a:p>
             <a:r>
               <a:rPr lang="en-US" dirty="0"/>
-              <a:t>Child Files</a:t>
-            </a:r>
-          </a:p>
-        </p:txBody>
-      </p:sp>
-      <p:sp>
-        <p:nvSpPr>
-          <p:cNvPr id="11" name="TextBox 10">
+              <a:t>Complete</a:t>
+            </a:r>
+            <a:br>
+              <a:rPr lang="en-US" dirty="0"/>
+            </a:br>
+            <a:br>
+              <a:rPr lang="en-US" dirty="0"/>
+            </a:br>
+            <a:r>
+              <a:rPr lang="en-US" dirty="0"/>
+              <a:t>Exercise 5</a:t>
+            </a:r>
+          </a:p>
+        </p:txBody>
+      </p:sp>
+      <p:sp>
+        <p:nvSpPr>
+          <p:cNvPr id="3" name="Title 1">
             <a:extLst>
               <a:ext uri="{FF2B5EF4-FFF2-40B4-BE49-F238E27FC236}">
-                <a16:creationId xmlns:a16="http://schemas.microsoft.com/office/drawing/2014/main" xmlns="" id="{F1F3DA2E-9599-4B03-A261-D34A77F831CE}"/>
+                <a16:creationId xmlns:a16="http://schemas.microsoft.com/office/drawing/2014/main" id="{F135ED19-17DB-4D87-8055-D4D8DCB3CB9F}"/>
               </a:ext>
             </a:extLst>
           </p:cNvPr>
-          <p:cNvSpPr txBox="1"/>
+          <p:cNvSpPr txBox="1">
+            <a:spLocks/>
+          </p:cNvSpPr>
           <p:nvPr/>
         </p:nvSpPr>
         <p:spPr>
           <a:xfrm>
-            <a:off x="1552508" y="1859452"/>
-            <a:ext cx="10186778" cy="5570756"/>
+            <a:off x="3554775" y="3903930"/>
+            <a:ext cx="5387249" cy="2437232"/>
           </a:xfrm>
           <a:prstGeom prst="rect">
             <a:avLst/>
           </a:prstGeom>
-          <a:noFill/>
         </p:spPr>
         <p:txBody>
-          <a:bodyPr wrap="square" rtlCol="0">
-            <a:spAutoFit/>
-          </a:bodyPr>
-          <a:lstStyle/>
-          <a:p>
-            <a:pPr marL="285750" indent="-285750">
-              <a:buFont typeface="Arial" panose="020B0604020202020204" pitchFamily="34" charset="0"/>
-              <a:buChar char="•"/>
-            </a:pPr>
-            <a:r>
-              <a:rPr lang="en-US" sz="2800" dirty="0"/>
-              <a:t>Validation Report contains pointers for repeated evaluation across different validation environments</a:t>
-            </a:r>
-          </a:p>
-          <a:p>
-            <a:endParaRPr lang="en-US" sz="2800" dirty="0"/>
-          </a:p>
-          <a:p>
-            <a:pPr marL="285750" indent="-285750">
-              <a:buFont typeface="Arial" panose="020B0604020202020204" pitchFamily="34" charset="0"/>
-              <a:buChar char="•"/>
-            </a:pPr>
-            <a:r>
-              <a:rPr lang="en-US" sz="2800" dirty="0"/>
-              <a:t>Order of child files can be specified by </a:t>
-            </a:r>
-            <a:r>
-              <a:rPr lang="en-US" sz="2800" dirty="0" err="1"/>
-              <a:t>validation.yml</a:t>
-            </a:r>
-            <a:endParaRPr lang="en-US" sz="2800" dirty="0"/>
-          </a:p>
-          <a:p>
-            <a:pPr marL="742950" lvl="1" indent="-285750">
-              <a:buFont typeface="Arial" panose="020B0604020202020204" pitchFamily="34" charset="0"/>
-              <a:buChar char="•"/>
-            </a:pPr>
-            <a:r>
-              <a:rPr lang="en-US" sz="2000" dirty="0"/>
-              <a:t>Default is grouped by “requirements”, “</a:t>
-            </a:r>
-            <a:r>
-              <a:rPr lang="en-US" sz="2000" dirty="0" err="1"/>
-              <a:t>test_cases</a:t>
-            </a:r>
-            <a:r>
-              <a:rPr lang="en-US" sz="2000" dirty="0"/>
-              <a:t>”, “</a:t>
-            </a:r>
-            <a:r>
-              <a:rPr lang="en-US" sz="2000" dirty="0" err="1"/>
-              <a:t>test_code</a:t>
-            </a:r>
-            <a:r>
-              <a:rPr lang="en-US" sz="2000" dirty="0"/>
-              <a:t>” and then alphabetically</a:t>
-            </a:r>
-          </a:p>
-          <a:p>
-            <a:pPr marL="742950" lvl="1" indent="-285750">
-              <a:buFont typeface="Arial" panose="020B0604020202020204" pitchFamily="34" charset="0"/>
-              <a:buChar char="•"/>
-            </a:pPr>
-            <a:r>
-              <a:rPr lang="en-US" sz="2000" dirty="0"/>
-              <a:t>Control via </a:t>
-            </a:r>
-            <a:r>
-              <a:rPr lang="en-US" sz="2000" dirty="0" err="1"/>
-              <a:t>vt_get_child_files</a:t>
-            </a:r>
-            <a:r>
-              <a:rPr lang="en-US" sz="2000" dirty="0"/>
-              <a:t>()</a:t>
-            </a:r>
-          </a:p>
-          <a:p>
-            <a:pPr lvl="1"/>
-            <a:endParaRPr lang="en-US" sz="2800" dirty="0"/>
-          </a:p>
-          <a:p>
-            <a:pPr marL="285750" indent="-285750">
-              <a:buFont typeface="Arial" panose="020B0604020202020204" pitchFamily="34" charset="0"/>
-              <a:buChar char="•"/>
-            </a:pPr>
-            <a:r>
-              <a:rPr lang="en-US" sz="2800" dirty="0" err="1"/>
-              <a:t>vt_add_file_to_config</a:t>
-            </a:r>
-            <a:r>
-              <a:rPr lang="en-US" sz="2800" dirty="0"/>
-              <a:t>() &amp; </a:t>
-            </a:r>
-            <a:r>
-              <a:rPr lang="en-US" sz="2800" dirty="0" err="1"/>
-              <a:t>vt_drop_file_from_config</a:t>
-            </a:r>
-            <a:r>
-              <a:rPr lang="en-US" sz="2800" dirty="0"/>
-              <a:t>()</a:t>
-            </a:r>
-          </a:p>
-          <a:p>
-            <a:pPr marL="742950" lvl="1" indent="-285750">
-              <a:buFont typeface="Arial" panose="020B0604020202020204" pitchFamily="34" charset="0"/>
-              <a:buChar char="•"/>
-            </a:pPr>
-            <a:r>
-              <a:rPr lang="en-US" sz="2400" dirty="0"/>
-              <a:t>Specify validation file (req, test case, test code)</a:t>
-            </a:r>
-          </a:p>
-          <a:p>
-            <a:pPr marL="742950" lvl="1" indent="-285750">
-              <a:buFont typeface="Arial" panose="020B0604020202020204" pitchFamily="34" charset="0"/>
-              <a:buChar char="•"/>
-            </a:pPr>
-            <a:r>
-              <a:rPr lang="en-US" sz="2400" dirty="0"/>
-              <a:t>Specify which file to add after/before using </a:t>
-            </a:r>
-            <a:r>
-              <a:rPr lang="en-US" sz="2400" dirty="0" err="1"/>
-              <a:t>tidyselect</a:t>
-            </a:r>
-            <a:r>
-              <a:rPr lang="en-US" sz="2400" dirty="0"/>
-              <a:t> syntax</a:t>
-            </a:r>
-          </a:p>
-          <a:p>
-            <a:pPr marL="742950" lvl="1" indent="-285750">
-              <a:buFont typeface="Arial" panose="020B0604020202020204" pitchFamily="34" charset="0"/>
-              <a:buChar char="•"/>
-            </a:pPr>
-            <a:r>
-              <a:rPr lang="en-US" sz="2400" dirty="0"/>
-              <a:t>Files added by default to the end by </a:t>
-            </a:r>
-            <a:r>
-              <a:rPr lang="en-US" sz="2400" dirty="0" err="1"/>
-              <a:t>vt_use</a:t>
-            </a:r>
-            <a:r>
-              <a:rPr lang="en-US" sz="2400" dirty="0"/>
-              <a:t>_*</a:t>
-            </a:r>
-          </a:p>
-          <a:p>
-            <a:pPr marL="285750" indent="-285750">
-              <a:buFont typeface="Arial" panose="020B0604020202020204" pitchFamily="34" charset="0"/>
-              <a:buChar char="•"/>
-            </a:pPr>
-            <a:endParaRPr lang="en-US" sz="2800" dirty="0"/>
-          </a:p>
-          <a:p>
-            <a:pPr marL="285750" indent="-285750">
-              <a:buFont typeface="Arial" panose="020B0604020202020204" pitchFamily="34" charset="0"/>
-              <a:buChar char="•"/>
-            </a:pPr>
-            <a:endParaRPr lang="en-US" sz="2800" dirty="0"/>
-          </a:p>
-        </p:txBody>
-      </p:sp>
-    </p:spTree>
-    <p:extLst>
-      <p:ext uri="{BB962C8B-B14F-4D97-AF65-F5344CB8AC3E}">
-        <p14:creationId xmlns:p14="http://schemas.microsoft.com/office/powerpoint/2010/main" val="4090418827"/>
-      </p:ext>
-    </p:extLst>
-  </p:cSld>
-  <p:clrMapOvr>
-    <a:masterClrMapping/>
-  </p:clrMapOvr>
-</p:sld>
-</file>
-
-<file path=ppt/slides/slide13.xml><?xml version="1.0" encoding="utf-8"?>
-<p:sld xmlns:a="http://schemas.openxmlformats.org/drawingml/2006/main" xmlns:r="http://schemas.openxmlformats.org/officeDocument/2006/relationships" xmlns:p="http://schemas.openxmlformats.org/presentationml/2006/main">
-  <p:cSld>
-    <p:spTree>
-      <p:nvGrpSpPr>
-        <p:cNvPr id="1" name=""/>
-        <p:cNvGrpSpPr/>
-        <p:nvPr/>
-      </p:nvGrpSpPr>
-      <p:grpSpPr>
-        <a:xfrm>
-          <a:off x="0" y="0"/>
-          <a:ext cx="0" cy="0"/>
-          <a:chOff x="0" y="0"/>
-          <a:chExt cx="0" cy="0"/>
-        </a:xfrm>
-      </p:grpSpPr>
-      <p:sp>
-        <p:nvSpPr>
-          <p:cNvPr id="2" name="Title 1">
-            <a:extLst>
-              <a:ext uri="{FF2B5EF4-FFF2-40B4-BE49-F238E27FC236}">
-                <a16:creationId xmlns:a16="http://schemas.microsoft.com/office/drawing/2014/main" xmlns="" id="{7614332B-4F24-42F4-A704-A6F1183E9470}"/>
-              </a:ext>
-            </a:extLst>
-          </p:cNvPr>
-          <p:cNvSpPr>
-            <a:spLocks noGrp="1"/>
-          </p:cNvSpPr>
-          <p:nvPr>
-            <p:ph type="ctrTitle"/>
-          </p:nvPr>
-        </p:nvSpPr>
-        <p:spPr/>
-        <p:txBody>
-          <a:bodyPr>
-            <a:normAutofit fontScale="90000"/>
-          </a:bodyPr>
-          <a:lstStyle/>
-          <a:p>
-            <a:r>
-              <a:rPr lang="en-US" dirty="0" smtClean="0"/>
-              <a:t>Complete</a:t>
-            </a:r>
-            <a:br>
-              <a:rPr lang="en-US" dirty="0" smtClean="0"/>
-            </a:br>
-            <a:r>
-              <a:rPr lang="en-US" dirty="0" smtClean="0"/>
-              <a:t/>
-            </a:r>
-            <a:br>
-              <a:rPr lang="en-US" dirty="0" smtClean="0"/>
-            </a:br>
-            <a:r>
-              <a:rPr lang="en-US" dirty="0" smtClean="0"/>
-              <a:t>Exercise </a:t>
-            </a:r>
-            <a:r>
-              <a:rPr lang="en-US" dirty="0" smtClean="0"/>
-              <a:t>5 </a:t>
-            </a:r>
-            <a:r>
-              <a:rPr lang="en-US" dirty="0" smtClean="0"/>
-              <a:t>Task B</a:t>
-            </a:r>
-            <a:endParaRPr lang="en-US" dirty="0"/>
-          </a:p>
-        </p:txBody>
-      </p:sp>
-    </p:spTree>
-    <p:extLst>
-      <p:ext uri="{BB962C8B-B14F-4D97-AF65-F5344CB8AC3E}">
-        <p14:creationId xmlns:p14="http://schemas.microsoft.com/office/powerpoint/2010/main" val="824527911"/>
-      </p:ext>
-    </p:extLst>
-  </p:cSld>
-  <p:clrMapOvr>
-    <a:masterClrMapping/>
-  </p:clrMapOvr>
-</p:sld>
-</file>
-
-<file path=ppt/slides/slide14.xml><?xml version="1.0" encoding="utf-8"?>
-<p:sld xmlns:a="http://schemas.openxmlformats.org/drawingml/2006/main" xmlns:r="http://schemas.openxmlformats.org/officeDocument/2006/relationships" xmlns:p="http://schemas.openxmlformats.org/presentationml/2006/main">
-  <p:cSld>
-    <p:spTree>
-      <p:nvGrpSpPr>
-        <p:cNvPr id="1" name=""/>
-        <p:cNvGrpSpPr/>
-        <p:nvPr/>
-      </p:nvGrpSpPr>
-      <p:grpSpPr>
-        <a:xfrm>
-          <a:off x="0" y="0"/>
-          <a:ext cx="0" cy="0"/>
-          <a:chOff x="0" y="0"/>
-          <a:chExt cx="0" cy="0"/>
-        </a:xfrm>
-      </p:grpSpPr>
-      <p:sp>
-        <p:nvSpPr>
-          <p:cNvPr id="8" name="Title 7">
-            <a:extLst>
-              <a:ext uri="{FF2B5EF4-FFF2-40B4-BE49-F238E27FC236}">
-                <a16:creationId xmlns:a16="http://schemas.microsoft.com/office/drawing/2014/main" xmlns="" id="{6A34AC25-F9D4-48D7-A664-C590D06BF559}"/>
-              </a:ext>
-            </a:extLst>
-          </p:cNvPr>
-          <p:cNvSpPr>
-            <a:spLocks noGrp="1"/>
-          </p:cNvSpPr>
-          <p:nvPr>
-            <p:ph type="title"/>
-          </p:nvPr>
-        </p:nvSpPr>
-        <p:spPr/>
-        <p:txBody>
-          <a:bodyPr/>
-          <a:lstStyle/>
-          <a:p>
-            <a:r>
-              <a:rPr lang="en-US" dirty="0"/>
-              <a:t>Creating the validation report Rmd</a:t>
-            </a:r>
-          </a:p>
-        </p:txBody>
-      </p:sp>
-      <p:sp>
-        <p:nvSpPr>
-          <p:cNvPr id="11" name="TextBox 10">
-            <a:extLst>
-              <a:ext uri="{FF2B5EF4-FFF2-40B4-BE49-F238E27FC236}">
-                <a16:creationId xmlns:a16="http://schemas.microsoft.com/office/drawing/2014/main" xmlns="" id="{F1F3DA2E-9599-4B03-A261-D34A77F831CE}"/>
-              </a:ext>
-            </a:extLst>
-          </p:cNvPr>
-          <p:cNvSpPr txBox="1"/>
-          <p:nvPr/>
-        </p:nvSpPr>
-        <p:spPr>
-          <a:xfrm>
-            <a:off x="1540934" y="2218267"/>
-            <a:ext cx="10651066" cy="3539430"/>
-          </a:xfrm>
-          <a:prstGeom prst="rect">
-            <a:avLst/>
-          </a:prstGeom>
-          <a:noFill/>
-        </p:spPr>
-        <p:txBody>
-          <a:bodyPr wrap="square" rtlCol="0">
-            <a:spAutoFit/>
-          </a:bodyPr>
-          <a:lstStyle/>
-          <a:p>
-            <a:pPr marL="285750" indent="-285750">
-              <a:buFont typeface="Arial" panose="020B0604020202020204" pitchFamily="34" charset="0"/>
-              <a:buChar char="•"/>
-            </a:pPr>
-            <a:r>
-              <a:rPr lang="en-US" sz="2800" dirty="0" err="1"/>
-              <a:t>vt_use_report</a:t>
-            </a:r>
-            <a:r>
-              <a:rPr lang="en-US" sz="2800" dirty="0"/>
-              <a:t>()</a:t>
-            </a:r>
-          </a:p>
-          <a:p>
-            <a:pPr marL="285750" indent="-285750">
-              <a:buFont typeface="Arial" panose="020B0604020202020204" pitchFamily="34" charset="0"/>
-              <a:buChar char="•"/>
-            </a:pPr>
-            <a:endParaRPr lang="en-US" sz="2800" dirty="0"/>
-          </a:p>
-          <a:p>
-            <a:pPr marL="285750" indent="-285750">
-              <a:buFont typeface="Arial" panose="020B0604020202020204" pitchFamily="34" charset="0"/>
-              <a:buChar char="•"/>
-            </a:pPr>
-            <a:r>
-              <a:rPr lang="en-US" sz="2800" dirty="0"/>
-              <a:t>Creates report from template with suggested contents</a:t>
-            </a:r>
-          </a:p>
-          <a:p>
-            <a:pPr marL="285750" indent="-285750">
-              <a:buFont typeface="Arial" panose="020B0604020202020204" pitchFamily="34" charset="0"/>
-              <a:buChar char="•"/>
-            </a:pPr>
-            <a:endParaRPr lang="en-US" sz="2800" dirty="0"/>
-          </a:p>
-          <a:p>
-            <a:pPr marL="285750" indent="-285750">
-              <a:buFont typeface="Arial" panose="020B0604020202020204" pitchFamily="34" charset="0"/>
-              <a:buChar char="•"/>
-            </a:pPr>
-            <a:r>
-              <a:rPr lang="en-US" sz="2800" dirty="0"/>
-              <a:t>Adds dependencies to package DESCRIPTION</a:t>
-            </a:r>
-          </a:p>
-          <a:p>
-            <a:pPr marL="285750" indent="-285750">
-              <a:buFont typeface="Arial" panose="020B0604020202020204" pitchFamily="34" charset="0"/>
-              <a:buChar char="•"/>
-            </a:pPr>
-            <a:endParaRPr lang="en-US" sz="2800" dirty="0"/>
-          </a:p>
-          <a:p>
-            <a:pPr marL="285750" indent="-285750">
-              <a:buFont typeface="Arial" panose="020B0604020202020204" pitchFamily="34" charset="0"/>
-              <a:buChar char="•"/>
-            </a:pPr>
-            <a:r>
-              <a:rPr lang="en-US" sz="2800" dirty="0"/>
-              <a:t>Two templates included: full validation report and a requirements approval report</a:t>
-            </a:r>
-          </a:p>
-        </p:txBody>
-      </p:sp>
-    </p:spTree>
-    <p:extLst>
-      <p:ext uri="{BB962C8B-B14F-4D97-AF65-F5344CB8AC3E}">
-        <p14:creationId xmlns:p14="http://schemas.microsoft.com/office/powerpoint/2010/main" val="3832069057"/>
-      </p:ext>
-    </p:extLst>
-  </p:cSld>
-  <p:clrMapOvr>
-    <a:masterClrMapping/>
-  </p:clrMapOvr>
-</p:sld>
-</file>
-
-<file path=ppt/slides/slide15.xml><?xml version="1.0" encoding="utf-8"?>
-<p:sld xmlns:a="http://schemas.openxmlformats.org/drawingml/2006/main" xmlns:r="http://schemas.openxmlformats.org/officeDocument/2006/relationships" xmlns:p="http://schemas.openxmlformats.org/presentationml/2006/main">
-  <p:cSld>
-    <p:spTree>
-      <p:nvGrpSpPr>
-        <p:cNvPr id="1" name=""/>
-        <p:cNvGrpSpPr/>
-        <p:nvPr/>
-      </p:nvGrpSpPr>
-      <p:grpSpPr>
-        <a:xfrm>
-          <a:off x="0" y="0"/>
-          <a:ext cx="0" cy="0"/>
-          <a:chOff x="0" y="0"/>
-          <a:chExt cx="0" cy="0"/>
-        </a:xfrm>
-      </p:grpSpPr>
-      <p:sp>
-        <p:nvSpPr>
-          <p:cNvPr id="8" name="Title 7">
-            <a:extLst>
-              <a:ext uri="{FF2B5EF4-FFF2-40B4-BE49-F238E27FC236}">
-                <a16:creationId xmlns:a16="http://schemas.microsoft.com/office/drawing/2014/main" xmlns="" id="{6A34AC25-F9D4-48D7-A664-C590D06BF559}"/>
-              </a:ext>
-            </a:extLst>
-          </p:cNvPr>
-          <p:cNvSpPr>
-            <a:spLocks noGrp="1"/>
-          </p:cNvSpPr>
-          <p:nvPr>
-            <p:ph type="title"/>
-          </p:nvPr>
-        </p:nvSpPr>
-        <p:spPr/>
-        <p:txBody>
-          <a:bodyPr/>
-          <a:lstStyle/>
-          <a:p>
-            <a:r>
-              <a:rPr lang="en-US" dirty="0"/>
-              <a:t>Rendering Reports</a:t>
-            </a:r>
-          </a:p>
-        </p:txBody>
-      </p:sp>
-      <p:sp>
-        <p:nvSpPr>
-          <p:cNvPr id="5" name="TextBox 4">
-            <a:extLst>
-              <a:ext uri="{FF2B5EF4-FFF2-40B4-BE49-F238E27FC236}">
-                <a16:creationId xmlns:a16="http://schemas.microsoft.com/office/drawing/2014/main" xmlns="" id="{EF5BA94D-0FB3-4C60-9994-8A309B690D97}"/>
-              </a:ext>
-            </a:extLst>
-          </p:cNvPr>
-          <p:cNvSpPr txBox="1"/>
-          <p:nvPr/>
-        </p:nvSpPr>
-        <p:spPr>
-          <a:xfrm>
-            <a:off x="1286933" y="2218267"/>
-            <a:ext cx="10905067" cy="1384995"/>
-          </a:xfrm>
-          <a:prstGeom prst="rect">
-            <a:avLst/>
-          </a:prstGeom>
-          <a:noFill/>
-        </p:spPr>
-        <p:txBody>
-          <a:bodyPr wrap="square" rtlCol="0">
-            <a:spAutoFit/>
-          </a:bodyPr>
-          <a:lstStyle/>
-          <a:p>
-            <a:pPr marL="285750" indent="-285750">
-              <a:buFont typeface="Arial" panose="020B0604020202020204" pitchFamily="34" charset="0"/>
-              <a:buChar char="•"/>
-            </a:pPr>
-            <a:r>
-              <a:rPr lang="en-US" sz="2800" dirty="0" err="1"/>
-              <a:t>vt_validate_report</a:t>
-            </a:r>
-            <a:r>
-              <a:rPr lang="en-US" sz="2800" dirty="0"/>
-              <a:t>() executes the Rmd and saves output</a:t>
-            </a:r>
-          </a:p>
-          <a:p>
-            <a:pPr marL="285750" indent="-285750">
-              <a:buFont typeface="Arial" panose="020B0604020202020204" pitchFamily="34" charset="0"/>
-              <a:buChar char="•"/>
-            </a:pPr>
-            <a:endParaRPr lang="en-US" sz="2800" dirty="0"/>
-          </a:p>
-          <a:p>
-            <a:pPr marL="285750" indent="-285750">
-              <a:buFont typeface="Arial" panose="020B0604020202020204" pitchFamily="34" charset="0"/>
-              <a:buChar char="•"/>
-            </a:pPr>
-            <a:r>
-              <a:rPr lang="en-US" sz="2800" dirty="0"/>
-              <a:t>Serves as “snapshot” in time</a:t>
-            </a:r>
-          </a:p>
-        </p:txBody>
-      </p:sp>
-    </p:spTree>
-    <p:extLst>
-      <p:ext uri="{BB962C8B-B14F-4D97-AF65-F5344CB8AC3E}">
-        <p14:creationId xmlns:p14="http://schemas.microsoft.com/office/powerpoint/2010/main" val="3055521013"/>
-      </p:ext>
-    </p:extLst>
-  </p:cSld>
-  <p:clrMapOvr>
-    <a:masterClrMapping/>
-  </p:clrMapOvr>
-</p:sld>
-</file>
-
-<file path=ppt/slides/slide16.xml><?xml version="1.0" encoding="utf-8"?>
-<p:sld xmlns:a="http://schemas.openxmlformats.org/drawingml/2006/main" xmlns:r="http://schemas.openxmlformats.org/officeDocument/2006/relationships" xmlns:p="http://schemas.openxmlformats.org/presentationml/2006/main">
-  <p:cSld>
-    <p:spTree>
-      <p:nvGrpSpPr>
-        <p:cNvPr id="1" name=""/>
-        <p:cNvGrpSpPr/>
-        <p:nvPr/>
-      </p:nvGrpSpPr>
-      <p:grpSpPr>
-        <a:xfrm>
-          <a:off x="0" y="0"/>
-          <a:ext cx="0" cy="0"/>
-          <a:chOff x="0" y="0"/>
-          <a:chExt cx="0" cy="0"/>
-        </a:xfrm>
-      </p:grpSpPr>
-      <p:sp>
-        <p:nvSpPr>
-          <p:cNvPr id="2" name="Title 1">
-            <a:extLst>
-              <a:ext uri="{FF2B5EF4-FFF2-40B4-BE49-F238E27FC236}">
-                <a16:creationId xmlns:a16="http://schemas.microsoft.com/office/drawing/2014/main" xmlns="" id="{749E0D1B-C9EF-4CB6-9922-ED9D4AC52C59}"/>
-              </a:ext>
-            </a:extLst>
-          </p:cNvPr>
-          <p:cNvSpPr>
-            <a:spLocks noGrp="1"/>
-          </p:cNvSpPr>
-          <p:nvPr>
-            <p:ph type="title"/>
-          </p:nvPr>
-        </p:nvSpPr>
-        <p:spPr/>
-        <p:txBody>
-          <a:bodyPr/>
-          <a:lstStyle/>
-          <a:p>
-            <a:r>
-              <a:rPr lang="en-US" dirty="0"/>
-              <a:t>{</a:t>
-            </a:r>
-            <a:r>
-              <a:rPr lang="en-US" dirty="0" err="1"/>
-              <a:t>valtools</a:t>
-            </a:r>
-            <a:r>
-              <a:rPr lang="en-US" dirty="0"/>
-              <a:t>} Reports</a:t>
-            </a:r>
-          </a:p>
-        </p:txBody>
-      </p:sp>
-      <p:sp>
-        <p:nvSpPr>
-          <p:cNvPr id="5" name="Content Placeholder 4">
-            <a:extLst>
-              <a:ext uri="{FF2B5EF4-FFF2-40B4-BE49-F238E27FC236}">
-                <a16:creationId xmlns:a16="http://schemas.microsoft.com/office/drawing/2014/main" xmlns="" id="{7E558183-391D-4056-BC02-A181C5440B05}"/>
-              </a:ext>
-            </a:extLst>
-          </p:cNvPr>
-          <p:cNvSpPr>
-            <a:spLocks noGrp="1"/>
-          </p:cNvSpPr>
-          <p:nvPr>
-            <p:ph idx="1"/>
-          </p:nvPr>
-        </p:nvSpPr>
-        <p:spPr/>
-        <p:txBody>
-          <a:bodyPr>
+          <a:bodyPr vert="horz" lIns="91440" tIns="45720" rIns="91440" bIns="45720" rtlCol="0" anchor="ctr">
             <a:normAutofit/>
           </a:bodyPr>
-          <a:lstStyle/>
-          <a:p>
-            <a:pPr lvl="1"/>
-            <a:r>
-              <a:rPr lang="en-US" sz="2800" dirty="0"/>
-              <a:t>Reports are Rmd and therefore infinitely customizable</a:t>
-            </a:r>
-          </a:p>
-          <a:p>
-            <a:pPr lvl="1"/>
-            <a:endParaRPr lang="en-US" sz="2800" dirty="0"/>
-          </a:p>
-          <a:p>
-            <a:pPr lvl="1"/>
-            <a:r>
-              <a:rPr lang="en-US" sz="2800" dirty="0"/>
-              <a:t>Outputs of Rmd from validation to live in new output location</a:t>
-            </a:r>
-          </a:p>
-          <a:p>
-            <a:pPr lvl="1"/>
-            <a:endParaRPr lang="en-US" sz="2800" dirty="0"/>
-          </a:p>
-          <a:p>
-            <a:pPr lvl="1"/>
-            <a:r>
-              <a:rPr lang="en-US" sz="3200" dirty="0"/>
-              <a:t>Serves as “snapshot” in time of package state</a:t>
-            </a:r>
-            <a:endParaRPr lang="en-US" sz="3000" dirty="0"/>
-          </a:p>
-          <a:p>
-            <a:pPr lvl="1"/>
-            <a:endParaRPr lang="en-US" sz="3000" dirty="0"/>
-          </a:p>
-          <a:p>
-            <a:pPr lvl="1"/>
-            <a:endParaRPr lang="en-US" sz="2800" dirty="0"/>
-          </a:p>
-        </p:txBody>
-      </p:sp>
-    </p:spTree>
-    <p:extLst>
-      <p:ext uri="{BB962C8B-B14F-4D97-AF65-F5344CB8AC3E}">
-        <p14:creationId xmlns:p14="http://schemas.microsoft.com/office/powerpoint/2010/main" val="230036610"/>
-      </p:ext>
-    </p:extLst>
-  </p:cSld>
-  <p:clrMapOvr>
-    <a:masterClrMapping/>
-  </p:clrMapOvr>
-</p:sld>
-</file>
-
-<file path=ppt/slides/slide17.xml><?xml version="1.0" encoding="utf-8"?>
-<p:sld xmlns:a="http://schemas.openxmlformats.org/drawingml/2006/main" xmlns:r="http://schemas.openxmlformats.org/officeDocument/2006/relationships" xmlns:p="http://schemas.openxmlformats.org/presentationml/2006/main">
-  <p:cSld>
-    <p:spTree>
-      <p:nvGrpSpPr>
-        <p:cNvPr id="1" name=""/>
-        <p:cNvGrpSpPr/>
-        <p:nvPr/>
-      </p:nvGrpSpPr>
-      <p:grpSpPr>
-        <a:xfrm>
-          <a:off x="0" y="0"/>
-          <a:ext cx="0" cy="0"/>
-          <a:chOff x="0" y="0"/>
-          <a:chExt cx="0" cy="0"/>
-        </a:xfrm>
-      </p:grpSpPr>
-      <p:sp>
-        <p:nvSpPr>
-          <p:cNvPr id="8" name="Title 7">
-            <a:extLst>
-              <a:ext uri="{FF2B5EF4-FFF2-40B4-BE49-F238E27FC236}">
-                <a16:creationId xmlns:a16="http://schemas.microsoft.com/office/drawing/2014/main" xmlns="" id="{6A34AC25-F9D4-48D7-A664-C590D06BF559}"/>
-              </a:ext>
-            </a:extLst>
-          </p:cNvPr>
-          <p:cNvSpPr>
-            <a:spLocks noGrp="1"/>
-          </p:cNvSpPr>
-          <p:nvPr>
-            <p:ph type="title"/>
-          </p:nvPr>
-        </p:nvSpPr>
-        <p:spPr/>
-        <p:txBody>
-          <a:bodyPr/>
-          <a:lstStyle/>
-          <a:p>
-            <a:r>
-              <a:rPr lang="en-US" dirty="0"/>
-              <a:t>Customization options</a:t>
-            </a:r>
-          </a:p>
-        </p:txBody>
-      </p:sp>
-      <p:sp>
-        <p:nvSpPr>
-          <p:cNvPr id="2" name="Content Placeholder 1">
-            <a:extLst>
-              <a:ext uri="{FF2B5EF4-FFF2-40B4-BE49-F238E27FC236}">
-                <a16:creationId xmlns:a16="http://schemas.microsoft.com/office/drawing/2014/main" xmlns="" id="{7D7427A6-1030-45CE-92A8-5212E0F721D8}"/>
-              </a:ext>
-            </a:extLst>
-          </p:cNvPr>
-          <p:cNvSpPr>
-            <a:spLocks noGrp="1"/>
-          </p:cNvSpPr>
-          <p:nvPr>
-            <p:ph idx="1"/>
-          </p:nvPr>
-        </p:nvSpPr>
-        <p:spPr/>
-        <p:txBody>
-          <a:bodyPr/>
-          <a:lstStyle/>
-          <a:p>
-            <a:r>
-              <a:rPr lang="en-US" sz="2400" dirty="0"/>
-              <a:t>Modify the report RMD generated via template</a:t>
-            </a:r>
-          </a:p>
-          <a:p>
-            <a:r>
-              <a:rPr lang="en-US" sz="2400" dirty="0"/>
-              <a:t>Write a report RMD from scratch</a:t>
-            </a:r>
-          </a:p>
-          <a:p>
-            <a:r>
-              <a:rPr lang="en-US" sz="2400" dirty="0"/>
-              <a:t>Propose a new template via {</a:t>
-            </a:r>
-            <a:r>
-              <a:rPr lang="en-US" sz="2400" dirty="0" err="1"/>
-              <a:t>valtools</a:t>
-            </a:r>
-            <a:r>
-              <a:rPr lang="en-US" sz="2400" dirty="0"/>
-              <a:t>} issue/PR </a:t>
-            </a:r>
-          </a:p>
-          <a:p>
-            <a:r>
-              <a:rPr lang="en-US" sz="2400" dirty="0"/>
-              <a:t>Switch between multiple RMDs by updating </a:t>
-            </a:r>
-            <a:r>
-              <a:rPr lang="en-US" sz="2400" dirty="0" err="1"/>
-              <a:t>validation.yml</a:t>
-            </a:r>
-            <a:r>
-              <a:rPr lang="en-US" sz="2400" dirty="0"/>
-              <a:t> as the project cycles through adoption and validation phases</a:t>
-            </a:r>
-          </a:p>
-          <a:p>
-            <a:pPr lvl="1"/>
-            <a:endParaRPr lang="en-US" dirty="0"/>
-          </a:p>
-        </p:txBody>
-      </p:sp>
-    </p:spTree>
-    <p:extLst>
-      <p:ext uri="{BB962C8B-B14F-4D97-AF65-F5344CB8AC3E}">
-        <p14:creationId xmlns:p14="http://schemas.microsoft.com/office/powerpoint/2010/main" val="47551942"/>
-      </p:ext>
-    </p:extLst>
-  </p:cSld>
-  <p:clrMapOvr>
-    <a:masterClrMapping/>
-  </p:clrMapOvr>
-</p:sld>
-</file>
-
-<file path=ppt/slides/slide18.xml><?xml version="1.0" encoding="utf-8"?>
-<p:sld xmlns:a="http://schemas.openxmlformats.org/drawingml/2006/main" xmlns:r="http://schemas.openxmlformats.org/officeDocument/2006/relationships" xmlns:p="http://schemas.openxmlformats.org/presentationml/2006/main">
-  <p:cSld>
-    <p:spTree>
-      <p:nvGrpSpPr>
-        <p:cNvPr id="1" name=""/>
-        <p:cNvGrpSpPr/>
-        <p:nvPr/>
-      </p:nvGrpSpPr>
-      <p:grpSpPr>
-        <a:xfrm>
-          <a:off x="0" y="0"/>
-          <a:ext cx="0" cy="0"/>
-          <a:chOff x="0" y="0"/>
-          <a:chExt cx="0" cy="0"/>
-        </a:xfrm>
-      </p:grpSpPr>
-      <p:sp>
-        <p:nvSpPr>
-          <p:cNvPr id="2" name="Title 1">
-            <a:extLst>
-              <a:ext uri="{FF2B5EF4-FFF2-40B4-BE49-F238E27FC236}">
-                <a16:creationId xmlns:a16="http://schemas.microsoft.com/office/drawing/2014/main" xmlns="" id="{7614332B-4F24-42F4-A704-A6F1183E9470}"/>
-              </a:ext>
-            </a:extLst>
-          </p:cNvPr>
-          <p:cNvSpPr>
-            <a:spLocks noGrp="1"/>
-          </p:cNvSpPr>
-          <p:nvPr>
-            <p:ph type="ctrTitle"/>
-          </p:nvPr>
-        </p:nvSpPr>
-        <p:spPr/>
-        <p:txBody>
-          <a:bodyPr>
-            <a:normAutofit fontScale="90000"/>
-          </a:bodyPr>
-          <a:lstStyle/>
-          <a:p>
-            <a:r>
-              <a:rPr lang="en-US" dirty="0" smtClean="0"/>
-              <a:t>Complete</a:t>
+          <a:lstStyle>
+            <a:lvl1pPr algn="ctr" defTabSz="914400" rtl="0" eaLnBrk="1" latinLnBrk="0" hangingPunct="1">
+              <a:lnSpc>
+                <a:spcPct val="83000"/>
+              </a:lnSpc>
+              <a:spcBef>
+                <a:spcPct val="0"/>
+              </a:spcBef>
+              <a:buNone/>
+              <a:defRPr lang="en-US" sz="6800" b="0" i="0" kern="1200" cap="all" spc="-100" baseline="0" dirty="0">
+                <a:solidFill>
+                  <a:schemeClr val="tx1">
+                    <a:lumMod val="85000"/>
+                    <a:lumOff val="15000"/>
+                  </a:schemeClr>
+                </a:solidFill>
+                <a:effectLst/>
+                <a:latin typeface="+mj-lt"/>
+                <a:ea typeface="+mn-ea"/>
+                <a:cs typeface="+mn-cs"/>
+              </a:defRPr>
+            </a:lvl1pPr>
+          </a:lstStyle>
+          <a:p>
+            <a:r>
+              <a:rPr lang="en-US" sz="2000" cap="none" dirty="0">
+                <a:latin typeface="+mn-lt"/>
+              </a:rPr>
+              <a:t>Navigate to </a:t>
             </a:r>
             <a:br>
-              <a:rPr lang="en-US" dirty="0" smtClean="0"/>
+              <a:rPr lang="en-US" sz="2000" cap="none" dirty="0">
+                <a:latin typeface="+mn-lt"/>
+              </a:rPr>
             </a:br>
             <a:r>
-              <a:rPr lang="en-US" dirty="0" smtClean="0"/>
-              <a:t/>
-            </a:r>
-            <a:br>
-              <a:rPr lang="en-US" dirty="0" smtClean="0"/>
-            </a:br>
-            <a:r>
-              <a:rPr lang="en-US" dirty="0" smtClean="0"/>
-              <a:t>Exercise </a:t>
-            </a:r>
-            <a:r>
-              <a:rPr lang="en-US" dirty="0" smtClean="0"/>
-              <a:t>5 </a:t>
-            </a:r>
-            <a:r>
-              <a:rPr lang="en-US" dirty="0" smtClean="0"/>
-              <a:t>Task </a:t>
-            </a:r>
-            <a:r>
-              <a:rPr lang="en-US" dirty="0"/>
-              <a:t>C</a:t>
+              <a:rPr lang="en-US" sz="2000" cap="none" dirty="0">
+                <a:latin typeface="+mn-lt"/>
+              </a:rPr>
+              <a:t>Materials/Materials-05-Validation_Report</a:t>
             </a:r>
           </a:p>
         </p:txBody>
@@ -7859,7 +6509,7 @@
           <p:cNvPr id="2" name="Title 1">
             <a:extLst>
               <a:ext uri="{FF2B5EF4-FFF2-40B4-BE49-F238E27FC236}">
-                <a16:creationId xmlns:a16="http://schemas.microsoft.com/office/drawing/2014/main" xmlns="" id="{749E0D1B-C9EF-4CB6-9922-ED9D4AC52C59}"/>
+                <a16:creationId xmlns:a16="http://schemas.microsoft.com/office/drawing/2014/main" id="{749E0D1B-C9EF-4CB6-9922-ED9D4AC52C59}"/>
               </a:ext>
             </a:extLst>
           </p:cNvPr>
@@ -7887,7 +6537,7 @@
           <p:cNvPr id="5" name="Content Placeholder 4">
             <a:extLst>
               <a:ext uri="{FF2B5EF4-FFF2-40B4-BE49-F238E27FC236}">
-                <a16:creationId xmlns:a16="http://schemas.microsoft.com/office/drawing/2014/main" xmlns="" id="{7E558183-391D-4056-BC02-A181C5440B05}"/>
+                <a16:creationId xmlns:a16="http://schemas.microsoft.com/office/drawing/2014/main" id="{7E558183-391D-4056-BC02-A181C5440B05}"/>
               </a:ext>
             </a:extLst>
           </p:cNvPr>
@@ -7906,24 +6556,20 @@
           <a:lstStyle/>
           <a:p>
             <a:r>
-              <a:rPr lang="en-US" sz="2400" dirty="0" smtClean="0"/>
+              <a:rPr lang="en-US" sz="2400" dirty="0"/>
               <a:t>Adding Test Cases</a:t>
             </a:r>
           </a:p>
           <a:p>
             <a:r>
-              <a:rPr lang="en-US" sz="2400" dirty="0" smtClean="0"/>
+              <a:rPr lang="en-US" sz="2400" dirty="0"/>
               <a:t>Adding Test Code</a:t>
             </a:r>
           </a:p>
           <a:p>
             <a:r>
-              <a:rPr lang="en-US" sz="2400" dirty="0" smtClean="0"/>
-              <a:t>Validation </a:t>
-            </a:r>
-            <a:r>
               <a:rPr lang="en-US" sz="2400" dirty="0"/>
-              <a:t>Reports in R packages</a:t>
+              <a:t>Validation Reports in R packages</a:t>
             </a:r>
             <a:endParaRPr lang="en-US" sz="2200" dirty="0"/>
           </a:p>
@@ -7967,7 +6613,7 @@
           <p:cNvPr id="2" name="Title 1">
             <a:extLst>
               <a:ext uri="{FF2B5EF4-FFF2-40B4-BE49-F238E27FC236}">
-                <a16:creationId xmlns:a16="http://schemas.microsoft.com/office/drawing/2014/main" xmlns="" id="{7614332B-4F24-42F4-A704-A6F1183E9470}"/>
+                <a16:creationId xmlns:a16="http://schemas.microsoft.com/office/drawing/2014/main" id="{7614332B-4F24-42F4-A704-A6F1183E9470}"/>
               </a:ext>
             </a:extLst>
           </p:cNvPr>
@@ -7991,10 +6637,9 @@
           <a:lstStyle/>
           <a:p>
             <a:r>
-              <a:rPr lang="en-US" dirty="0" smtClean="0"/>
+              <a:rPr lang="en-US" dirty="0"/>
               <a:t>Validation Elements</a:t>
             </a:r>
-            <a:endParaRPr lang="en-US" dirty="0"/>
           </a:p>
         </p:txBody>
       </p:sp>
@@ -8033,7 +6678,7 @@
           <p:cNvPr id="2" name="Title 1">
             <a:extLst>
               <a:ext uri="{FF2B5EF4-FFF2-40B4-BE49-F238E27FC236}">
-                <a16:creationId xmlns:a16="http://schemas.microsoft.com/office/drawing/2014/main" xmlns="" id="{749E0D1B-C9EF-4CB6-9922-ED9D4AC52C59}"/>
+                <a16:creationId xmlns:a16="http://schemas.microsoft.com/office/drawing/2014/main" id="{749E0D1B-C9EF-4CB6-9922-ED9D4AC52C59}"/>
               </a:ext>
             </a:extLst>
           </p:cNvPr>
@@ -8069,7 +6714,7 @@
           <p:cNvPr id="5" name="Content Placeholder 4">
             <a:extLst>
               <a:ext uri="{FF2B5EF4-FFF2-40B4-BE49-F238E27FC236}">
-                <a16:creationId xmlns:a16="http://schemas.microsoft.com/office/drawing/2014/main" xmlns="" id="{7E558183-391D-4056-BC02-A181C5440B05}"/>
+                <a16:creationId xmlns:a16="http://schemas.microsoft.com/office/drawing/2014/main" id="{7E558183-391D-4056-BC02-A181C5440B05}"/>
               </a:ext>
             </a:extLst>
           </p:cNvPr>
@@ -8178,7 +6823,7 @@
           <p:cNvPr id="2" name="Title 1">
             <a:extLst>
               <a:ext uri="{FF2B5EF4-FFF2-40B4-BE49-F238E27FC236}">
-                <a16:creationId xmlns:a16="http://schemas.microsoft.com/office/drawing/2014/main" xmlns="" id="{749E0D1B-C9EF-4CB6-9922-ED9D4AC52C59}"/>
+                <a16:creationId xmlns:a16="http://schemas.microsoft.com/office/drawing/2014/main" id="{749E0D1B-C9EF-4CB6-9922-ED9D4AC52C59}"/>
               </a:ext>
             </a:extLst>
           </p:cNvPr>
@@ -8317,7 +6962,7 @@
           <p:cNvPr id="2" name="Title 1">
             <a:extLst>
               <a:ext uri="{FF2B5EF4-FFF2-40B4-BE49-F238E27FC236}">
-                <a16:creationId xmlns:a16="http://schemas.microsoft.com/office/drawing/2014/main" xmlns="" id="{749E0D1B-C9EF-4CB6-9922-ED9D4AC52C59}"/>
+                <a16:creationId xmlns:a16="http://schemas.microsoft.com/office/drawing/2014/main" id="{749E0D1B-C9EF-4CB6-9922-ED9D4AC52C59}"/>
               </a:ext>
             </a:extLst>
           </p:cNvPr>
@@ -8353,7 +6998,7 @@
           <p:cNvPr id="5" name="Content Placeholder 4">
             <a:extLst>
               <a:ext uri="{FF2B5EF4-FFF2-40B4-BE49-F238E27FC236}">
-                <a16:creationId xmlns:a16="http://schemas.microsoft.com/office/drawing/2014/main" xmlns="" id="{7E558183-391D-4056-BC02-A181C5440B05}"/>
+                <a16:creationId xmlns:a16="http://schemas.microsoft.com/office/drawing/2014/main" id="{7E558183-391D-4056-BC02-A181C5440B05}"/>
               </a:ext>
             </a:extLst>
           </p:cNvPr>
@@ -8458,7 +7103,7 @@
           <p:cNvPr id="2" name="Title 1">
             <a:extLst>
               <a:ext uri="{FF2B5EF4-FFF2-40B4-BE49-F238E27FC236}">
-                <a16:creationId xmlns:a16="http://schemas.microsoft.com/office/drawing/2014/main" xmlns="" id="{749E0D1B-C9EF-4CB6-9922-ED9D4AC52C59}"/>
+                <a16:creationId xmlns:a16="http://schemas.microsoft.com/office/drawing/2014/main" id="{749E0D1B-C9EF-4CB6-9922-ED9D4AC52C59}"/>
               </a:ext>
             </a:extLst>
           </p:cNvPr>
@@ -8580,7 +7225,7 @@
           <p:cNvPr id="2" name="Title 1">
             <a:extLst>
               <a:ext uri="{FF2B5EF4-FFF2-40B4-BE49-F238E27FC236}">
-                <a16:creationId xmlns:a16="http://schemas.microsoft.com/office/drawing/2014/main" xmlns="" id="{7614332B-4F24-42F4-A704-A6F1183E9470}"/>
+                <a16:creationId xmlns:a16="http://schemas.microsoft.com/office/drawing/2014/main" id="{7614332B-4F24-42F4-A704-A6F1183E9470}"/>
               </a:ext>
             </a:extLst>
           </p:cNvPr>
@@ -8591,51 +7236,29 @@
             <p:ph type="ctrTitle"/>
           </p:nvPr>
         </p:nvSpPr>
-        <p:spPr/>
+        <p:spPr>
+          <a:xfrm>
+            <a:off x="1629102" y="2409722"/>
+            <a:ext cx="8933796" cy="2437232"/>
+          </a:xfrm>
+        </p:spPr>
         <p:txBody>
           <a:bodyPr>
-            <a:normAutofit fontScale="90000"/>
+            <a:normAutofit/>
           </a:bodyPr>
           <a:lstStyle/>
           <a:p>
             <a:r>
-              <a:rPr lang="en-US" dirty="0" smtClean="0"/>
-              <a:t>Complete</a:t>
-            </a:r>
-            <a:br>
-              <a:rPr lang="en-US" dirty="0" smtClean="0"/>
-            </a:br>
-            <a:r>
-              <a:rPr lang="en-US" dirty="0" smtClean="0"/>
-              <a:t/>
-            </a:r>
-            <a:br>
-              <a:rPr lang="en-US" dirty="0" smtClean="0"/>
-            </a:br>
-            <a:r>
-              <a:rPr lang="en-US" dirty="0" smtClean="0"/>
-              <a:t>Exercise </a:t>
-            </a:r>
-            <a:r>
-              <a:rPr lang="en-US" dirty="0" smtClean="0"/>
-              <a:t>5 </a:t>
-            </a:r>
-            <a:r>
-              <a:rPr lang="en-US" dirty="0" smtClean="0"/>
-              <a:t>Task </a:t>
-            </a:r>
-            <a:r>
-              <a:rPr lang="en-US" dirty="0" smtClean="0"/>
-              <a:t>A</a:t>
-            </a:r>
-            <a:endParaRPr lang="en-US" dirty="0"/>
+              <a:rPr lang="en-US" dirty="0"/>
+              <a:t>Validation Report</a:t>
+            </a:r>
           </a:p>
         </p:txBody>
       </p:sp>
     </p:spTree>
     <p:extLst>
       <p:ext uri="{BB962C8B-B14F-4D97-AF65-F5344CB8AC3E}">
-        <p14:creationId xmlns:p14="http://schemas.microsoft.com/office/powerpoint/2010/main" val="4013890250"/>
+        <p14:creationId xmlns:p14="http://schemas.microsoft.com/office/powerpoint/2010/main" val="3209574456"/>
       </p:ext>
     </p:extLst>
   </p:cSld>
@@ -8664,10 +7287,10 @@
       </p:grpSpPr>
       <p:sp>
         <p:nvSpPr>
-          <p:cNvPr id="2" name="Title 1">
+          <p:cNvPr id="8" name="Title 7">
             <a:extLst>
               <a:ext uri="{FF2B5EF4-FFF2-40B4-BE49-F238E27FC236}">
-                <a16:creationId xmlns:a16="http://schemas.microsoft.com/office/drawing/2014/main" xmlns="" id="{7614332B-4F24-42F4-A704-A6F1183E9470}"/>
+                <a16:creationId xmlns:a16="http://schemas.microsoft.com/office/drawing/2014/main" id="{6A34AC25-F9D4-48D7-A664-C590D06BF559}"/>
               </a:ext>
             </a:extLst>
           </p:cNvPr>
@@ -8675,24 +7298,73 @@
             <a:spLocks noGrp="1"/>
           </p:cNvSpPr>
           <p:nvPr>
-            <p:ph type="ctrTitle"/>
-          </p:nvPr>
+            <p:ph type="title"/>
+          </p:nvPr>
+        </p:nvSpPr>
+        <p:spPr/>
+        <p:txBody>
+          <a:bodyPr/>
+          <a:lstStyle/>
+          <a:p>
+            <a:r>
+              <a:rPr lang="en-US" dirty="0"/>
+              <a:t>Report basics</a:t>
+            </a:r>
+          </a:p>
+        </p:txBody>
+      </p:sp>
+      <p:sp>
+        <p:nvSpPr>
+          <p:cNvPr id="11" name="TextBox 10">
+            <a:extLst>
+              <a:ext uri="{FF2B5EF4-FFF2-40B4-BE49-F238E27FC236}">
+                <a16:creationId xmlns:a16="http://schemas.microsoft.com/office/drawing/2014/main" id="{F1F3DA2E-9599-4B03-A261-D34A77F831CE}"/>
+              </a:ext>
+            </a:extLst>
+          </p:cNvPr>
+          <p:cNvSpPr txBox="1"/>
+          <p:nvPr/>
         </p:nvSpPr>
         <p:spPr>
           <a:xfrm>
-            <a:off x="1629102" y="2409722"/>
-            <a:ext cx="8933796" cy="2437232"/>
+            <a:off x="1540934" y="2218267"/>
+            <a:ext cx="10186778" cy="1384995"/>
           </a:xfrm>
+          <a:prstGeom prst="rect">
+            <a:avLst/>
+          </a:prstGeom>
+          <a:noFill/>
         </p:spPr>
         <p:txBody>
-          <a:bodyPr>
-            <a:normAutofit/>
+          <a:bodyPr wrap="square" rtlCol="0">
+            <a:spAutoFit/>
           </a:bodyPr>
           <a:lstStyle/>
           <a:p>
-            <a:r>
-              <a:rPr lang="en-US" dirty="0"/>
-              <a:t>Report</a:t>
+            <a:pPr marL="285750" indent="-285750">
+              <a:buFont typeface="Arial" panose="020B0604020202020204" pitchFamily="34" charset="0"/>
+              <a:buChar char="•"/>
+            </a:pPr>
+            <a:r>
+              <a:rPr lang="en-US" sz="2800" dirty="0"/>
+              <a:t>Parse each requirement and test case file</a:t>
+            </a:r>
+          </a:p>
+          <a:p>
+            <a:pPr marL="285750" indent="-285750">
+              <a:buFont typeface="Arial" panose="020B0604020202020204" pitchFamily="34" charset="0"/>
+              <a:buChar char="•"/>
+            </a:pPr>
+            <a:endParaRPr lang="en-US" sz="2800" dirty="0"/>
+          </a:p>
+          <a:p>
+            <a:pPr marL="285750" indent="-285750">
+              <a:buFont typeface="Arial" panose="020B0604020202020204" pitchFamily="34" charset="0"/>
+              <a:buChar char="•"/>
+            </a:pPr>
+            <a:r>
+              <a:rPr lang="en-US" sz="2800" dirty="0"/>
+              <a:t>Evaluate and capture test code results and print</a:t>
             </a:r>
           </a:p>
         </p:txBody>
@@ -8700,7 +7372,7 @@
     </p:spTree>
     <p:extLst>
       <p:ext uri="{BB962C8B-B14F-4D97-AF65-F5344CB8AC3E}">
-        <p14:creationId xmlns:p14="http://schemas.microsoft.com/office/powerpoint/2010/main" val="3209574456"/>
+        <p14:creationId xmlns:p14="http://schemas.microsoft.com/office/powerpoint/2010/main" val="2509708910"/>
       </p:ext>
     </p:extLst>
   </p:cSld>
@@ -8980,7 +7652,7 @@
   <a:extraClrSchemeLst/>
   <a:extLst>
     <a:ext uri="{05A4C25C-085E-4340-85A3-A5531E510DB2}">
-      <thm15:themeFamily xmlns:thm15="http://schemas.microsoft.com/office/thememl/2012/main" xmlns="" name="Original 5_01_Win32" id="{77344C68-A3F1-476B-8680-97D7F429B46B}" vid="{89780073-58E8-4DFF-BF29-BA99F8052841}"/>
+      <thm15:themeFamily xmlns:thm15="http://schemas.microsoft.com/office/thememl/2012/main" name="Original 5_01_Win32" id="{77344C68-A3F1-476B-8680-97D7F429B46B}" vid="{89780073-58E8-4DFF-BF29-BA99F8052841}"/>
     </a:ext>
   </a:extLst>
 </a:theme>
@@ -9275,31 +7947,13 @@
   <a:extraClrSchemeLst/>
   <a:extLst>
     <a:ext uri="{05A4C25C-085E-4340-85A3-A5531E510DB2}">
-      <thm15:themeFamily xmlns:thm15="http://schemas.microsoft.com/office/thememl/2012/main" xmlns="" name="Office Theme" id="{62F939B6-93AF-4DB8-9C6B-D6C7DFDC589F}" vid="{4A3C46E8-61CC-4603-A589-7422A47A8E4A}"/>
+      <thm15:themeFamily xmlns:thm15="http://schemas.microsoft.com/office/thememl/2012/main" name="Office Theme" id="{62F939B6-93AF-4DB8-9C6B-D6C7DFDC589F}" vid="{4A3C46E8-61CC-4603-A589-7422A47A8E4A}"/>
     </a:ext>
   </a:extLst>
 </a:theme>
 </file>
 
 <file path=customXml/item1.xml><?xml version="1.0" encoding="utf-8"?>
-<?mso-contentType ?>
-<FormTemplates xmlns="http://schemas.microsoft.com/sharepoint/v3/contenttype/forms">
-  <Display>DocumentLibraryForm</Display>
-  <Edit>DocumentLibraryForm</Edit>
-  <New>DocumentLibraryForm</New>
-</FormTemplates>
-</file>
-
-<file path=customXml/item2.xml><?xml version="1.0" encoding="utf-8"?>
-<p:properties xmlns:p="http://schemas.microsoft.com/office/2006/metadata/properties" xmlns:xsi="http://www.w3.org/2001/XMLSchema-instance" xmlns:pc="http://schemas.microsoft.com/office/infopath/2007/PartnerControls">
-  <documentManagement>
-    <Status xmlns="71af3243-3dd4-4a8d-8c0d-dd76da1f02a5">Not started</Status>
-    <MediaServiceKeyPoints xmlns="71af3243-3dd4-4a8d-8c0d-dd76da1f02a5" xsi:nil="true"/>
-  </documentManagement>
-</p:properties>
-</file>
-
-<file path=customXml/item3.xml><?xml version="1.0" encoding="utf-8"?>
 <ct:contentTypeSchema xmlns:ct="http://schemas.microsoft.com/office/2006/metadata/contentType" xmlns:ma="http://schemas.microsoft.com/office/2006/metadata/properties/metaAttributes" ct:_="" ma:_="" ma:contentTypeName="Document" ma:contentTypeID="0x01010079F111ED35F8CC479449609E8A0923A6" ma:contentTypeVersion="12" ma:contentTypeDescription="Create a new document." ma:contentTypeScope="" ma:versionID="a410dd7f93c95333ffa1b60ed6adedd1">
   <xsd:schema xmlns:xsd="http://www.w3.org/2001/XMLSchema" xmlns:xs="http://www.w3.org/2001/XMLSchema" xmlns:p="http://schemas.microsoft.com/office/2006/metadata/properties" xmlns:ns2="71af3243-3dd4-4a8d-8c0d-dd76da1f02a5" xmlns:ns3="16c05727-aa75-4e4a-9b5f-8a80a1165891" targetNamespace="http://schemas.microsoft.com/office/2006/metadata/properties" ma:root="true" ma:fieldsID="a936d9baba76aa3866493feff160faab" ns2:_="" ns3:_="">
     <xsd:import namespace="71af3243-3dd4-4a8d-8c0d-dd76da1f02a5"/>
@@ -9520,10 +8174,39 @@
 </ct:contentTypeSchema>
 </file>
 
+<file path=customXml/item2.xml><?xml version="1.0" encoding="utf-8"?>
+<p:properties xmlns:p="http://schemas.microsoft.com/office/2006/metadata/properties" xmlns:xsi="http://www.w3.org/2001/XMLSchema-instance" xmlns:pc="http://schemas.microsoft.com/office/infopath/2007/PartnerControls">
+  <documentManagement>
+    <Status xmlns="71af3243-3dd4-4a8d-8c0d-dd76da1f02a5">Not started</Status>
+    <MediaServiceKeyPoints xmlns="71af3243-3dd4-4a8d-8c0d-dd76da1f02a5" xsi:nil="true"/>
+  </documentManagement>
+</p:properties>
+</file>
+
+<file path=customXml/item3.xml><?xml version="1.0" encoding="utf-8"?>
+<?mso-contentType ?>
+<FormTemplates xmlns="http://schemas.microsoft.com/sharepoint/v3/contenttype/forms">
+  <Display>DocumentLibraryForm</Display>
+  <Edit>DocumentLibraryForm</Edit>
+  <New>DocumentLibraryForm</New>
+</FormTemplates>
+</file>
+
 <file path=customXml/itemProps1.xml><?xml version="1.0" encoding="utf-8"?>
-<ds:datastoreItem xmlns:ds="http://schemas.openxmlformats.org/officeDocument/2006/customXml" ds:itemID="{CDB58277-F8DF-46FF-84EC-EF41B835E69F}">
+<ds:datastoreItem xmlns:ds="http://schemas.openxmlformats.org/officeDocument/2006/customXml" ds:itemID="{2D276E62-80A3-44DD-9BCC-97ED2B99B57F}">
   <ds:schemaRefs>
-    <ds:schemaRef ds:uri="http://schemas.microsoft.com/sharepoint/v3/contenttype/forms"/>
+    <ds:schemaRef ds:uri="http://schemas.microsoft.com/office/2006/metadata/contentType"/>
+    <ds:schemaRef ds:uri="http://schemas.microsoft.com/office/2006/metadata/properties/metaAttributes"/>
+    <ds:schemaRef ds:uri="http://www.w3.org/2001/XMLSchema"/>
+    <ds:schemaRef ds:uri="http://schemas.microsoft.com/office/2006/metadata/properties"/>
+    <ds:schemaRef ds:uri="71af3243-3dd4-4a8d-8c0d-dd76da1f02a5"/>
+    <ds:schemaRef ds:uri="16c05727-aa75-4e4a-9b5f-8a80a1165891"/>
+    <ds:schemaRef ds:uri="http://schemas.microsoft.com/office/2006/documentManagement/types"/>
+    <ds:schemaRef ds:uri="http://schemas.microsoft.com/office/infopath/2007/PartnerControls"/>
+    <ds:schemaRef ds:uri="http://schemas.openxmlformats.org/package/2006/metadata/core-properties"/>
+    <ds:schemaRef ds:uri="http://purl.org/dc/elements/1.1/"/>
+    <ds:schemaRef ds:uri="http://purl.org/dc/terms/"/>
+    <ds:schemaRef ds:uri="http://schemas.microsoft.com/internal/obd"/>
   </ds:schemaRefs>
 </ds:datastoreItem>
 </file>
@@ -9546,20 +8229,9 @@
 </file>
 
 <file path=customXml/itemProps3.xml><?xml version="1.0" encoding="utf-8"?>
-<ds:datastoreItem xmlns:ds="http://schemas.openxmlformats.org/officeDocument/2006/customXml" ds:itemID="{2D276E62-80A3-44DD-9BCC-97ED2B99B57F}">
+<ds:datastoreItem xmlns:ds="http://schemas.openxmlformats.org/officeDocument/2006/customXml" ds:itemID="{CDB58277-F8DF-46FF-84EC-EF41B835E69F}">
   <ds:schemaRefs>
-    <ds:schemaRef ds:uri="http://schemas.microsoft.com/office/2006/metadata/contentType"/>
-    <ds:schemaRef ds:uri="http://schemas.microsoft.com/office/2006/metadata/properties/metaAttributes"/>
-    <ds:schemaRef ds:uri="http://www.w3.org/2001/XMLSchema"/>
-    <ds:schemaRef ds:uri="http://schemas.microsoft.com/office/2006/metadata/properties"/>
-    <ds:schemaRef ds:uri="71af3243-3dd4-4a8d-8c0d-dd76da1f02a5"/>
-    <ds:schemaRef ds:uri="16c05727-aa75-4e4a-9b5f-8a80a1165891"/>
-    <ds:schemaRef ds:uri="http://schemas.microsoft.com/office/2006/documentManagement/types"/>
-    <ds:schemaRef ds:uri="http://schemas.microsoft.com/office/infopath/2007/PartnerControls"/>
-    <ds:schemaRef ds:uri="http://schemas.openxmlformats.org/package/2006/metadata/core-properties"/>
-    <ds:schemaRef ds:uri="http://purl.org/dc/elements/1.1/"/>
-    <ds:schemaRef ds:uri="http://purl.org/dc/terms/"/>
-    <ds:schemaRef ds:uri="http://schemas.microsoft.com/internal/obd"/>
+    <ds:schemaRef ds:uri="http://schemas.microsoft.com/sharepoint/v3/contenttype/forms"/>
   </ds:schemaRefs>
 </ds:datastoreItem>
 </file>
--- a/Slides/Slides-05-The_Validation_Report/Slides-05-The_Validation_Report.pptx
+++ b/Slides/Slides-05-The_Validation_Report/Slides-05-The_Validation_Report.pptx
@@ -161,10 +161,25 @@
   <pc:docChgLst>
     <pc:chgData name="Ellis Hughes" userId="70958ad1-f5a5-48f5-9815-bf834be6566e" providerId="ADAL" clId="{FCD59011-65C0-4350-A482-3316DD12141E}"/>
     <pc:docChg chg="undo custSel addSld delSld modSld sldOrd">
-      <pc:chgData name="Ellis Hughes" userId="70958ad1-f5a5-48f5-9815-bf834be6566e" providerId="ADAL" clId="{FCD59011-65C0-4350-A482-3316DD12141E}" dt="2021-10-28T17:53:05.812" v="598" actId="1076"/>
+      <pc:chgData name="Ellis Hughes" userId="70958ad1-f5a5-48f5-9815-bf834be6566e" providerId="ADAL" clId="{FCD59011-65C0-4350-A482-3316DD12141E}" dt="2021-11-01T14:34:55.895" v="607" actId="27636"/>
       <pc:docMkLst>
         <pc:docMk/>
       </pc:docMkLst>
+      <pc:sldChg chg="modSp mod">
+        <pc:chgData name="Ellis Hughes" userId="70958ad1-f5a5-48f5-9815-bf834be6566e" providerId="ADAL" clId="{FCD59011-65C0-4350-A482-3316DD12141E}" dt="2021-11-01T14:34:55.895" v="607" actId="27636"/>
+        <pc:sldMkLst>
+          <pc:docMk/>
+          <pc:sldMk cId="2584280759" sldId="257"/>
+        </pc:sldMkLst>
+        <pc:spChg chg="mod">
+          <ac:chgData name="Ellis Hughes" userId="70958ad1-f5a5-48f5-9815-bf834be6566e" providerId="ADAL" clId="{FCD59011-65C0-4350-A482-3316DD12141E}" dt="2021-11-01T14:34:55.895" v="607" actId="27636"/>
+          <ac:spMkLst>
+            <pc:docMk/>
+            <pc:sldMk cId="2584280759" sldId="257"/>
+            <ac:spMk id="3" creationId="{C8722DDC-8EEE-4A06-8DFE-B44871EAA2CF}"/>
+          </ac:spMkLst>
+        </pc:spChg>
+      </pc:sldChg>
       <pc:sldChg chg="modSp mod">
         <pc:chgData name="Ellis Hughes" userId="70958ad1-f5a5-48f5-9815-bf834be6566e" providerId="ADAL" clId="{FCD59011-65C0-4350-A482-3316DD12141E}" dt="2021-10-28T17:41:46.369" v="444" actId="20577"/>
         <pc:sldMkLst>
@@ -14228,7 +14243,7 @@
           <a:p>
             <a:fld id="{AE1375EF-7AC2-40F0-8984-3657FAAC21B8}" type="datetimeFigureOut">
               <a:rPr lang="en-US" smtClean="0"/>
-              <a:t>10/28/2021</a:t>
+              <a:t>11/1/2021</a:t>
             </a:fld>
             <a:endParaRPr lang="en-US"/>
           </a:p>
@@ -16642,7 +16657,7 @@
           <a:p>
             <a:fld id="{EA0C0817-A112-4847-8014-A94B7D2A4EA3}" type="datetime1">
               <a:rPr lang="en-US" smtClean="0"/>
-              <a:t>10/28/2021</a:t>
+              <a:t>11/1/2021</a:t>
             </a:fld>
             <a:endParaRPr lang="en-US" dirty="0"/>
           </a:p>
@@ -16844,7 +16859,7 @@
           <a:p>
             <a:fld id="{7332B432-ACDA-4023-A761-2BAB76577B62}" type="datetime1">
               <a:rPr lang="en-US" smtClean="0"/>
-              <a:t>10/28/2021</a:t>
+              <a:t>11/1/2021</a:t>
             </a:fld>
             <a:endParaRPr lang="en-US" dirty="0"/>
           </a:p>
@@ -17443,7 +17458,7 @@
           <a:p>
             <a:fld id="{D9C646AA-F36E-4540-911D-FFFC0A0EF24A}" type="datetime1">
               <a:rPr lang="en-US" smtClean="0"/>
-              <a:t>10/28/2021</a:t>
+              <a:t>11/1/2021</a:t>
             </a:fld>
             <a:endParaRPr lang="en-US" dirty="0"/>
           </a:p>
@@ -17763,7 +17778,7 @@
           <a:p>
             <a:fld id="{69186D26-FA5F-4637-B602-B7C2DC34CFD4}" type="datetime1">
               <a:rPr lang="en-US" smtClean="0"/>
-              <a:t>10/28/2021</a:t>
+              <a:t>11/1/2021</a:t>
             </a:fld>
             <a:endParaRPr lang="en-US" dirty="0"/>
           </a:p>
@@ -18200,7 +18215,7 @@
           <a:p>
             <a:fld id="{8A7F15D8-96D1-4781-BC50-CA8A088B2FE4}" type="datetime1">
               <a:rPr lang="en-US" smtClean="0"/>
-              <a:t>10/28/2021</a:t>
+              <a:t>11/1/2021</a:t>
             </a:fld>
             <a:endParaRPr lang="en-US" dirty="0"/>
           </a:p>
@@ -18318,7 +18333,7 @@
           <a:p>
             <a:fld id="{F9A96C99-B8F8-4528-BD05-0E16E943DC09}" type="datetime1">
               <a:rPr lang="en-US" smtClean="0"/>
-              <a:t>10/28/2021</a:t>
+              <a:t>11/1/2021</a:t>
             </a:fld>
             <a:endParaRPr lang="en-US" dirty="0"/>
           </a:p>
@@ -18413,7 +18428,7 @@
           <a:p>
             <a:fld id="{03636942-C211-4B28-8DBD-C953E00AF71B}" type="datetime1">
               <a:rPr lang="en-US" smtClean="0"/>
-              <a:t>10/28/2021</a:t>
+              <a:t>11/1/2021</a:t>
             </a:fld>
             <a:endParaRPr lang="en-US" dirty="0"/>
           </a:p>
@@ -18830,7 +18845,7 @@
           <a:p>
             <a:fld id="{7E8D12A6-918A-48BD-8CB9-CA713993B0EA}" type="datetime1">
               <a:rPr lang="en-US" smtClean="0"/>
-              <a:t>10/28/2021</a:t>
+              <a:t>11/1/2021</a:t>
             </a:fld>
             <a:endParaRPr lang="en-US" dirty="0"/>
           </a:p>
@@ -19092,7 +19107,7 @@
             <a:fld id="{E778CE86-875F-4587-BCF6-FA054AFC0D53}" type="datetime1">
               <a:rPr lang="en-US" smtClean="0"/>
               <a:pPr/>
-              <a:t>10/28/2021</a:t>
+              <a:t>11/1/2021</a:t>
             </a:fld>
             <a:endParaRPr lang="en-US" dirty="0"/>
           </a:p>
@@ -19608,7 +19623,7 @@
           <a:p>
             <a:fld id="{F6FA2B21-3FCD-4721-B95C-427943F61125}" type="datetime1">
               <a:rPr lang="en-US" smtClean="0"/>
-              <a:t>10/28/2021</a:t>
+              <a:t>11/1/2021</a:t>
             </a:fld>
             <a:endParaRPr lang="en-US" dirty="0"/>
           </a:p>
@@ -20278,7 +20293,7 @@
         </p:spPr>
         <p:txBody>
           <a:bodyPr>
-            <a:normAutofit fontScale="92500"/>
+            <a:normAutofit fontScale="92500" lnSpcReduction="20000"/>
           </a:bodyPr>
           <a:lstStyle/>
           <a:p>
@@ -20288,12 +20303,35 @@
               </a:spcAft>
             </a:pPr>
             <a:r>
-              <a:rPr lang="en-US" sz="3600" dirty="0">
+              <a:rPr lang="en-US" sz="2400" dirty="0">
                 <a:solidFill>
                   <a:schemeClr val="tx1"/>
                 </a:solidFill>
               </a:rPr>
-              <a:t>The Validation Report</a:t>
+              <a:t>The </a:t>
+            </a:r>
+          </a:p>
+          <a:p>
+            <a:pPr>
+              <a:spcAft>
+                <a:spcPts val="600"/>
+              </a:spcAft>
+            </a:pPr>
+            <a:r>
+              <a:rPr lang="en-US" sz="2300" dirty="0">
+                <a:solidFill>
+                  <a:schemeClr val="tx1"/>
+                </a:solidFill>
+              </a:rPr>
+              <a:t>Validation</a:t>
+            </a:r>
+            <a:r>
+              <a:rPr lang="en-US" sz="2400" dirty="0">
+                <a:solidFill>
+                  <a:schemeClr val="tx1"/>
+                </a:solidFill>
+              </a:rPr>
+              <a:t> Report</a:t>
             </a:r>
           </a:p>
         </p:txBody>
@@ -22796,12 +22834,12 @@
 </file>
 
 <file path=customXml/item1.xml><?xml version="1.0" encoding="utf-8"?>
-<p:properties xmlns:p="http://schemas.microsoft.com/office/2006/metadata/properties" xmlns:xsi="http://www.w3.org/2001/XMLSchema-instance" xmlns:pc="http://schemas.microsoft.com/office/infopath/2007/PartnerControls">
-  <documentManagement>
-    <Status xmlns="71af3243-3dd4-4a8d-8c0d-dd76da1f02a5">Not started</Status>
-    <MediaServiceKeyPoints xmlns="71af3243-3dd4-4a8d-8c0d-dd76da1f02a5" xsi:nil="true"/>
-  </documentManagement>
-</p:properties>
+<?mso-contentType ?>
+<FormTemplates xmlns="http://schemas.microsoft.com/sharepoint/v3/contenttype/forms">
+  <Display>DocumentLibraryForm</Display>
+  <Edit>DocumentLibraryForm</Edit>
+  <New>DocumentLibraryForm</New>
+</FormTemplates>
 </file>
 
 <file path=customXml/item2.xml><?xml version="1.0" encoding="utf-8"?>
@@ -23026,27 +23064,18 @@
 </file>
 
 <file path=customXml/item3.xml><?xml version="1.0" encoding="utf-8"?>
-<?mso-contentType ?>
-<FormTemplates xmlns="http://schemas.microsoft.com/sharepoint/v3/contenttype/forms">
-  <Display>DocumentLibraryForm</Display>
-  <Edit>DocumentLibraryForm</Edit>
-  <New>DocumentLibraryForm</New>
-</FormTemplates>
+<p:properties xmlns:p="http://schemas.microsoft.com/office/2006/metadata/properties" xmlns:xsi="http://www.w3.org/2001/XMLSchema-instance" xmlns:pc="http://schemas.microsoft.com/office/infopath/2007/PartnerControls">
+  <documentManagement>
+    <Status xmlns="71af3243-3dd4-4a8d-8c0d-dd76da1f02a5">Not started</Status>
+    <MediaServiceKeyPoints xmlns="71af3243-3dd4-4a8d-8c0d-dd76da1f02a5" xsi:nil="true"/>
+  </documentManagement>
+</p:properties>
 </file>
 
 <file path=customXml/itemProps1.xml><?xml version="1.0" encoding="utf-8"?>
-<ds:datastoreItem xmlns:ds="http://schemas.openxmlformats.org/officeDocument/2006/customXml" ds:itemID="{137651BA-F45C-4845-9AB3-E0A65B39F5E1}">
+<ds:datastoreItem xmlns:ds="http://schemas.openxmlformats.org/officeDocument/2006/customXml" ds:itemID="{CDB58277-F8DF-46FF-84EC-EF41B835E69F}">
   <ds:schemaRefs>
-    <ds:schemaRef ds:uri="http://schemas.microsoft.com/office/2006/documentManagement/types"/>
-    <ds:schemaRef ds:uri="http://schemas.microsoft.com/office/2006/metadata/properties"/>
-    <ds:schemaRef ds:uri="http://purl.org/dc/elements/1.1/"/>
-    <ds:schemaRef ds:uri="http://purl.org/dc/terms/"/>
-    <ds:schemaRef ds:uri="http://schemas.openxmlformats.org/package/2006/metadata/core-properties"/>
-    <ds:schemaRef ds:uri="16c05727-aa75-4e4a-9b5f-8a80a1165891"/>
-    <ds:schemaRef ds:uri="http://purl.org/dc/dcmitype/"/>
-    <ds:schemaRef ds:uri="http://schemas.microsoft.com/office/infopath/2007/PartnerControls"/>
-    <ds:schemaRef ds:uri="71af3243-3dd4-4a8d-8c0d-dd76da1f02a5"/>
-    <ds:schemaRef ds:uri="http://www.w3.org/XML/1998/namespace"/>
+    <ds:schemaRef ds:uri="http://schemas.microsoft.com/sharepoint/v3/contenttype/forms"/>
   </ds:schemaRefs>
 </ds:datastoreItem>
 </file>
@@ -23071,9 +23100,18 @@
 </file>
 
 <file path=customXml/itemProps3.xml><?xml version="1.0" encoding="utf-8"?>
-<ds:datastoreItem xmlns:ds="http://schemas.openxmlformats.org/officeDocument/2006/customXml" ds:itemID="{CDB58277-F8DF-46FF-84EC-EF41B835E69F}">
+<ds:datastoreItem xmlns:ds="http://schemas.openxmlformats.org/officeDocument/2006/customXml" ds:itemID="{137651BA-F45C-4845-9AB3-E0A65B39F5E1}">
   <ds:schemaRefs>
-    <ds:schemaRef ds:uri="http://schemas.microsoft.com/sharepoint/v3/contenttype/forms"/>
+    <ds:schemaRef ds:uri="http://schemas.microsoft.com/office/2006/documentManagement/types"/>
+    <ds:schemaRef ds:uri="http://schemas.microsoft.com/office/2006/metadata/properties"/>
+    <ds:schemaRef ds:uri="http://purl.org/dc/elements/1.1/"/>
+    <ds:schemaRef ds:uri="http://purl.org/dc/terms/"/>
+    <ds:schemaRef ds:uri="http://schemas.openxmlformats.org/package/2006/metadata/core-properties"/>
+    <ds:schemaRef ds:uri="16c05727-aa75-4e4a-9b5f-8a80a1165891"/>
+    <ds:schemaRef ds:uri="http://purl.org/dc/dcmitype/"/>
+    <ds:schemaRef ds:uri="http://schemas.microsoft.com/office/infopath/2007/PartnerControls"/>
+    <ds:schemaRef ds:uri="71af3243-3dd4-4a8d-8c0d-dd76da1f02a5"/>
+    <ds:schemaRef ds:uri="http://www.w3.org/XML/1998/namespace"/>
   </ds:schemaRefs>
 </ds:datastoreItem>
 </file>